--- a/poster.pptx
+++ b/poster.pptx
@@ -104,270 +104,23 @@
       </a:defRPr>
     </a:lvl9pPr>
   </p:defaultTextStyle>
+  <p:extLst>
+    <p:ext uri="{EFAFB233-063F-42B5-8137-9DF3F51BA10A}">
+      <p15:sldGuideLst xmlns:p15="http://schemas.microsoft.com/office/powerpoint/2012/main">
+        <p15:guide id="1" orient="horz" pos="6912">
+          <p15:clr>
+            <a:srgbClr val="A4A3A4"/>
+          </p15:clr>
+        </p15:guide>
+        <p15:guide id="2" pos="10368">
+          <p15:clr>
+            <a:srgbClr val="A4A3A4"/>
+          </p15:clr>
+        </p15:guide>
+      </p15:sldGuideLst>
+    </p:ext>
+  </p:extLst>
 </p:presentation>
-</file>
-
-<file path=ppt/charts/chart1.xml><?xml version="1.0" encoding="utf-8"?>
-<c:chartSpace xmlns:c="http://schemas.openxmlformats.org/drawingml/2006/chart" xmlns:a="http://schemas.openxmlformats.org/drawingml/2006/main" xmlns:r="http://schemas.openxmlformats.org/officeDocument/2006/relationships">
-  <c:date1904 val="0"/>
-  <c:lang val="en-US"/>
-  <c:roundedCorners val="0"/>
-  <mc:AlternateContent xmlns:mc="http://schemas.openxmlformats.org/markup-compatibility/2006">
-    <mc:Choice xmlns:c14="http://schemas.microsoft.com/office/drawing/2007/8/2/chart" Requires="c14">
-      <c14:style val="103"/>
-    </mc:Choice>
-    <mc:Fallback>
-      <c:style val="3"/>
-    </mc:Fallback>
-  </mc:AlternateContent>
-  <c:chart>
-    <c:autoTitleDeleted val="0"/>
-    <c:plotArea>
-      <c:layout/>
-      <c:barChart>
-        <c:barDir val="col"/>
-        <c:grouping val="clustered"/>
-        <c:varyColors val="0"/>
-        <c:ser>
-          <c:idx val="0"/>
-          <c:order val="0"/>
-          <c:tx>
-            <c:strRef>
-              <c:f>Sheet1!$B$1</c:f>
-              <c:strCache>
-                <c:ptCount val="1"/>
-                <c:pt idx="0">
-                  <c:v>Series 1</c:v>
-                </c:pt>
-              </c:strCache>
-            </c:strRef>
-          </c:tx>
-          <c:invertIfNegative val="0"/>
-          <c:cat>
-            <c:strRef>
-              <c:f>Sheet1!$A$2:$A$5</c:f>
-              <c:strCache>
-                <c:ptCount val="4"/>
-                <c:pt idx="0">
-                  <c:v>Category 1</c:v>
-                </c:pt>
-                <c:pt idx="1">
-                  <c:v>Category 2</c:v>
-                </c:pt>
-                <c:pt idx="2">
-                  <c:v>Category 3</c:v>
-                </c:pt>
-                <c:pt idx="3">
-                  <c:v>Category 4</c:v>
-                </c:pt>
-              </c:strCache>
-            </c:strRef>
-          </c:cat>
-          <c:val>
-            <c:numRef>
-              <c:f>Sheet1!$B$2:$B$5</c:f>
-              <c:numCache>
-                <c:formatCode>General</c:formatCode>
-                <c:ptCount val="4"/>
-                <c:pt idx="0">
-                  <c:v>4.3</c:v>
-                </c:pt>
-                <c:pt idx="1">
-                  <c:v>2.5</c:v>
-                </c:pt>
-                <c:pt idx="2">
-                  <c:v>3.5</c:v>
-                </c:pt>
-                <c:pt idx="3">
-                  <c:v>4.5</c:v>
-                </c:pt>
-              </c:numCache>
-            </c:numRef>
-          </c:val>
-        </c:ser>
-        <c:ser>
-          <c:idx val="1"/>
-          <c:order val="1"/>
-          <c:tx>
-            <c:strRef>
-              <c:f>Sheet1!$C$1</c:f>
-              <c:strCache>
-                <c:ptCount val="1"/>
-                <c:pt idx="0">
-                  <c:v>Series 2</c:v>
-                </c:pt>
-              </c:strCache>
-            </c:strRef>
-          </c:tx>
-          <c:invertIfNegative val="0"/>
-          <c:cat>
-            <c:strRef>
-              <c:f>Sheet1!$A$2:$A$5</c:f>
-              <c:strCache>
-                <c:ptCount val="4"/>
-                <c:pt idx="0">
-                  <c:v>Category 1</c:v>
-                </c:pt>
-                <c:pt idx="1">
-                  <c:v>Category 2</c:v>
-                </c:pt>
-                <c:pt idx="2">
-                  <c:v>Category 3</c:v>
-                </c:pt>
-                <c:pt idx="3">
-                  <c:v>Category 4</c:v>
-                </c:pt>
-              </c:strCache>
-            </c:strRef>
-          </c:cat>
-          <c:val>
-            <c:numRef>
-              <c:f>Sheet1!$C$2:$C$5</c:f>
-              <c:numCache>
-                <c:formatCode>General</c:formatCode>
-                <c:ptCount val="4"/>
-                <c:pt idx="0">
-                  <c:v>2.4</c:v>
-                </c:pt>
-                <c:pt idx="1">
-                  <c:v>4.4</c:v>
-                </c:pt>
-                <c:pt idx="2">
-                  <c:v>1.8</c:v>
-                </c:pt>
-                <c:pt idx="3">
-                  <c:v>2.8</c:v>
-                </c:pt>
-              </c:numCache>
-            </c:numRef>
-          </c:val>
-        </c:ser>
-        <c:ser>
-          <c:idx val="2"/>
-          <c:order val="2"/>
-          <c:tx>
-            <c:strRef>
-              <c:f>Sheet1!$D$1</c:f>
-              <c:strCache>
-                <c:ptCount val="1"/>
-                <c:pt idx="0">
-                  <c:v>Series 3</c:v>
-                </c:pt>
-              </c:strCache>
-            </c:strRef>
-          </c:tx>
-          <c:invertIfNegative val="0"/>
-          <c:cat>
-            <c:strRef>
-              <c:f>Sheet1!$A$2:$A$5</c:f>
-              <c:strCache>
-                <c:ptCount val="4"/>
-                <c:pt idx="0">
-                  <c:v>Category 1</c:v>
-                </c:pt>
-                <c:pt idx="1">
-                  <c:v>Category 2</c:v>
-                </c:pt>
-                <c:pt idx="2">
-                  <c:v>Category 3</c:v>
-                </c:pt>
-                <c:pt idx="3">
-                  <c:v>Category 4</c:v>
-                </c:pt>
-              </c:strCache>
-            </c:strRef>
-          </c:cat>
-          <c:val>
-            <c:numRef>
-              <c:f>Sheet1!$D$2:$D$5</c:f>
-              <c:numCache>
-                <c:formatCode>General</c:formatCode>
-                <c:ptCount val="4"/>
-                <c:pt idx="0">
-                  <c:v>2.0</c:v>
-                </c:pt>
-                <c:pt idx="1">
-                  <c:v>2.0</c:v>
-                </c:pt>
-                <c:pt idx="2">
-                  <c:v>3.0</c:v>
-                </c:pt>
-                <c:pt idx="3">
-                  <c:v>3.4</c:v>
-                </c:pt>
-              </c:numCache>
-            </c:numRef>
-          </c:val>
-        </c:ser>
-        <c:dLbls>
-          <c:showLegendKey val="0"/>
-          <c:showVal val="0"/>
-          <c:showCatName val="0"/>
-          <c:showSerName val="0"/>
-          <c:showPercent val="0"/>
-          <c:showBubbleSize val="0"/>
-        </c:dLbls>
-        <c:gapWidth val="150"/>
-        <c:axId val="-2095787800"/>
-        <c:axId val="-2095610216"/>
-      </c:barChart>
-      <c:catAx>
-        <c:axId val="-2095787800"/>
-        <c:scaling>
-          <c:orientation val="minMax"/>
-        </c:scaling>
-        <c:delete val="0"/>
-        <c:axPos val="b"/>
-        <c:majorTickMark val="out"/>
-        <c:minorTickMark val="none"/>
-        <c:tickLblPos val="nextTo"/>
-        <c:crossAx val="-2095610216"/>
-        <c:crosses val="autoZero"/>
-        <c:auto val="1"/>
-        <c:lblAlgn val="ctr"/>
-        <c:lblOffset val="100"/>
-        <c:noMultiLvlLbl val="0"/>
-      </c:catAx>
-      <c:valAx>
-        <c:axId val="-2095610216"/>
-        <c:scaling>
-          <c:orientation val="minMax"/>
-        </c:scaling>
-        <c:delete val="0"/>
-        <c:axPos val="l"/>
-        <c:majorGridlines/>
-        <c:numFmt formatCode="General" sourceLinked="1"/>
-        <c:majorTickMark val="out"/>
-        <c:minorTickMark val="none"/>
-        <c:tickLblPos val="nextTo"/>
-        <c:crossAx val="-2095787800"/>
-        <c:crosses val="autoZero"/>
-        <c:crossBetween val="between"/>
-      </c:valAx>
-    </c:plotArea>
-    <c:legend>
-      <c:legendPos val="r"/>
-      <c:layout/>
-      <c:overlay val="0"/>
-    </c:legend>
-    <c:plotVisOnly val="1"/>
-    <c:dispBlanksAs val="gap"/>
-    <c:showDLblsOverMax val="0"/>
-  </c:chart>
-  <c:txPr>
-    <a:bodyPr/>
-    <a:lstStyle/>
-    <a:p>
-      <a:pPr>
-        <a:defRPr sz="1800"/>
-      </a:pPr>
-      <a:endParaRPr lang="en-US"/>
-    </a:p>
-  </c:txPr>
-  <c:externalData r:id="rId1">
-    <c:autoUpdate val="0"/>
-  </c:externalData>
-</c:chartSpace>
 </file>
 
 <file path=ppt/slideLayouts/slideLayout1.xml><?xml version="1.0" encoding="utf-8"?>
@@ -616,14 +369,14 @@
           </a:ln>
           <a:extLst>
             <a:ext uri="{909E8E84-426E-40dd-AFC4-6F175D3DCCD1}">
-              <a14:hiddenFill xmlns:a14="http://schemas.microsoft.com/office/drawing/2010/main">
+              <a14:hiddenFill xmlns:a14="http://schemas.microsoft.com/office/drawing/2010/main" xmlns="">
                 <a:solidFill>
                   <a:srgbClr val="FFFFFF"/>
                 </a:solidFill>
               </a14:hiddenFill>
             </a:ext>
             <a:ext uri="{91240B29-F687-4f45-9708-019B960494DF}">
-              <a14:hiddenLine xmlns:a14="http://schemas.microsoft.com/office/drawing/2010/main" w="9525">
+              <a14:hiddenLine xmlns:a14="http://schemas.microsoft.com/office/drawing/2010/main" xmlns="" w="9525">
                 <a:solidFill>
                   <a:srgbClr val="000000"/>
                 </a:solidFill>
@@ -1896,7 +1649,7 @@
   <p:timing>
     <p:tnLst>
       <p:par>
-        <p:cTn xmlns:p14="http://schemas.microsoft.com/office/powerpoint/2010/main" id="1" dur="indefinite" restart="never" nodeType="tmRoot"/>
+        <p:cTn id="1" dur="indefinite" restart="never" nodeType="tmRoot"/>
       </p:par>
     </p:tnLst>
   </p:timing>
@@ -2012,7 +1765,7 @@
           <a:p>
             <a:fld id="{985D6BDF-9D0E-4E2B-85B8-D8F4790360C9}" type="datetimeFigureOut">
               <a:rPr lang="en-US" smtClean="0"/>
-              <a:t>3/18/15</a:t>
+              <a:t>3/19/2015</a:t>
             </a:fld>
             <a:endParaRPr lang="en-US" dirty="0"/>
           </a:p>
@@ -2073,7 +1826,7 @@
   <p:timing>
     <p:tnLst>
       <p:par>
-        <p:cTn xmlns:p14="http://schemas.microsoft.com/office/powerpoint/2010/main" id="1" dur="indefinite" restart="never" nodeType="tmRoot"/>
+        <p:cTn id="1" dur="indefinite" restart="never" nodeType="tmRoot"/>
       </p:par>
     </p:tnLst>
   </p:timing>
@@ -2232,7 +1985,7 @@
           <a:p>
             <a:fld id="{985D6BDF-9D0E-4E2B-85B8-D8F4790360C9}" type="datetimeFigureOut">
               <a:rPr lang="en-US" smtClean="0"/>
-              <a:t>3/18/15</a:t>
+              <a:t>3/19/2015</a:t>
             </a:fld>
             <a:endParaRPr lang="en-US" dirty="0"/>
           </a:p>
@@ -2331,7 +2084,7 @@
   <p:timing>
     <p:tnLst>
       <p:par>
-        <p:cTn xmlns:p14="http://schemas.microsoft.com/office/powerpoint/2010/main" id="1" dur="indefinite" restart="never" nodeType="tmRoot"/>
+        <p:cTn id="1" dur="indefinite" restart="never" nodeType="tmRoot"/>
       </p:par>
     </p:tnLst>
   </p:timing>
@@ -2628,14 +2381,14 @@
           <a:effectLst/>
           <a:extLst>
             <a:ext uri="{909E8E84-426E-40dd-AFC4-6F175D3DCCD1}">
-              <a14:hiddenFill xmlns:a14="http://schemas.microsoft.com/office/drawing/2010/main">
+              <a14:hiddenFill xmlns:a14="http://schemas.microsoft.com/office/drawing/2010/main" xmlns="">
                 <a:solidFill>
                   <a:schemeClr val="accent1"/>
                 </a:solidFill>
               </a14:hiddenFill>
             </a:ext>
             <a:ext uri="{91240B29-F687-4f45-9708-019B960494DF}">
-              <a14:hiddenLine xmlns:a14="http://schemas.microsoft.com/office/drawing/2010/main" w="9525">
+              <a14:hiddenLine xmlns:a14="http://schemas.microsoft.com/office/drawing/2010/main" xmlns="" w="9525">
                 <a:solidFill>
                   <a:schemeClr val="tx1"/>
                 </a:solidFill>
@@ -2645,7 +2398,7 @@
               </a14:hiddenLine>
             </a:ext>
             <a:ext uri="{AF507438-7753-43e0-B8FC-AC1667EBCBE1}">
-              <a14:hiddenEffects xmlns:a14="http://schemas.microsoft.com/office/drawing/2010/main">
+              <a14:hiddenEffects xmlns:a14="http://schemas.microsoft.com/office/drawing/2010/main" xmlns="">
                 <a:effectLst>
                   <a:outerShdw dist="35921" dir="2700000" algn="ctr" rotWithShape="0">
                     <a:schemeClr val="bg2"/>
@@ -2806,14 +2559,14 @@
           <a:effectLst/>
           <a:extLst>
             <a:ext uri="{909E8E84-426E-40dd-AFC4-6F175D3DCCD1}">
-              <a14:hiddenFill xmlns:a14="http://schemas.microsoft.com/office/drawing/2010/main">
+              <a14:hiddenFill xmlns:a14="http://schemas.microsoft.com/office/drawing/2010/main" xmlns="">
                 <a:solidFill>
                   <a:schemeClr val="accent1"/>
                 </a:solidFill>
               </a14:hiddenFill>
             </a:ext>
             <a:ext uri="{91240B29-F687-4f45-9708-019B960494DF}">
-              <a14:hiddenLine xmlns:a14="http://schemas.microsoft.com/office/drawing/2010/main" w="9525">
+              <a14:hiddenLine xmlns:a14="http://schemas.microsoft.com/office/drawing/2010/main" xmlns="" w="9525">
                 <a:solidFill>
                   <a:schemeClr val="tx1"/>
                 </a:solidFill>
@@ -2823,7 +2576,7 @@
               </a14:hiddenLine>
             </a:ext>
             <a:ext uri="{AF507438-7753-43e0-B8FC-AC1667EBCBE1}">
-              <a14:hiddenEffects xmlns:a14="http://schemas.microsoft.com/office/drawing/2010/main">
+              <a14:hiddenEffects xmlns:a14="http://schemas.microsoft.com/office/drawing/2010/main" xmlns="">
                 <a:effectLst>
                   <a:outerShdw dist="35921" dir="2700000" algn="ctr" rotWithShape="0">
                     <a:schemeClr val="bg2"/>
@@ -5480,7 +5233,7 @@
               <a:p>
                 <a:pPr eaLnBrk="1" hangingPunct="1"/>
                 <a14:m>
-                  <m:oMathPara xmlns:m="http://schemas.openxmlformats.org/officeDocument/2006/math" xmlns="">
+                  <m:oMathPara xmlns:m="http://schemas.openxmlformats.org/officeDocument/2006/math">
                     <m:oMathParaPr>
                       <m:jc m:val="centerGroup"/>
                     </m:oMathParaPr>
@@ -5489,7 +5242,7 @@
                         <m:boxPr>
                           <m:ctrlPr>
                             <a:rPr lang="en-US" sz="2000" b="1" i="1">
-                              <a:latin typeface="Cambria Math"/>
+                              <a:latin typeface="Cambria Math" panose="02040503050406030204" pitchFamily="18" charset="0"/>
                             </a:rPr>
                           </m:ctrlPr>
                         </m:boxPr>
@@ -5498,7 +5251,7 @@
                             <m:fPr>
                               <m:ctrlPr>
                                 <a:rPr lang="en-US" sz="2000" b="1" i="1">
-                                  <a:latin typeface="Cambria Math"/>
+                                  <a:latin typeface="Cambria Math" panose="02040503050406030204" pitchFamily="18" charset="0"/>
                                 </a:rPr>
                               </m:ctrlPr>
                             </m:fPr>
@@ -5555,7 +5308,7 @@
                         <m:boxPr>
                           <m:ctrlPr>
                             <a:rPr lang="en-US" sz="2000" b="1" i="1">
-                              <a:latin typeface="Cambria Math"/>
+                              <a:latin typeface="Cambria Math" panose="02040503050406030204" pitchFamily="18" charset="0"/>
                             </a:rPr>
                           </m:ctrlPr>
                         </m:boxPr>
@@ -5564,7 +5317,7 @@
                             <m:fPr>
                               <m:ctrlPr>
                                 <a:rPr lang="en-US" sz="2000" b="1" i="1">
-                                  <a:latin typeface="Cambria Math"/>
+                                  <a:latin typeface="Cambria Math" panose="02040503050406030204" pitchFamily="18" charset="0"/>
                                 </a:rPr>
                               </m:ctrlPr>
                             </m:fPr>
@@ -5819,7 +5572,7 @@
           </a:ln>
           <a:extLst>
             <a:ext uri="{909E8E84-426E-40dd-AFC4-6F175D3DCCD1}">
-              <a14:hiddenFill xmlns:a14="http://schemas.microsoft.com/office/drawing/2010/main">
+              <a14:hiddenFill xmlns:a14="http://schemas.microsoft.com/office/drawing/2010/main" xmlns="">
                 <a:solidFill>
                   <a:srgbClr val="FFFFFF"/>
                 </a:solidFill>
@@ -5862,14 +5615,14 @@
           </a:ln>
           <a:extLst>
             <a:ext uri="{909E8E84-426E-40dd-AFC4-6F175D3DCCD1}">
-              <a14:hiddenFill xmlns:a14="http://schemas.microsoft.com/office/drawing/2010/main">
+              <a14:hiddenFill xmlns:a14="http://schemas.microsoft.com/office/drawing/2010/main" xmlns="">
                 <a:solidFill>
                   <a:srgbClr val="FFFFFF"/>
                 </a:solidFill>
               </a14:hiddenFill>
             </a:ext>
             <a:ext uri="{91240B29-F687-4f45-9708-019B960494DF}">
-              <a14:hiddenLine xmlns:a14="http://schemas.microsoft.com/office/drawing/2010/main" w="9525">
+              <a14:hiddenLine xmlns:a14="http://schemas.microsoft.com/office/drawing/2010/main" xmlns="" w="9525">
                 <a:solidFill>
                   <a:srgbClr val="000000"/>
                 </a:solidFill>
@@ -5904,14 +5657,14 @@
           <a:effectLst/>
           <a:extLst>
             <a:ext uri="{909E8E84-426E-40dd-AFC4-6F175D3DCCD1}">
-              <a14:hiddenFill xmlns:a14="http://schemas.microsoft.com/office/drawing/2010/main">
+              <a14:hiddenFill xmlns:a14="http://schemas.microsoft.com/office/drawing/2010/main" xmlns="">
                 <a:solidFill>
                   <a:schemeClr val="accent1"/>
                 </a:solidFill>
               </a14:hiddenFill>
             </a:ext>
             <a:ext uri="{91240B29-F687-4f45-9708-019B960494DF}">
-              <a14:hiddenLine xmlns:a14="http://schemas.microsoft.com/office/drawing/2010/main" w="9525">
+              <a14:hiddenLine xmlns:a14="http://schemas.microsoft.com/office/drawing/2010/main" xmlns="" w="9525">
                 <a:solidFill>
                   <a:schemeClr val="tx1"/>
                 </a:solidFill>
@@ -5921,7 +5674,7 @@
               </a14:hiddenLine>
             </a:ext>
             <a:ext uri="{AF507438-7753-43e0-B8FC-AC1667EBCBE1}">
-              <a14:hiddenEffects xmlns:a14="http://schemas.microsoft.com/office/drawing/2010/main">
+              <a14:hiddenEffects xmlns:a14="http://schemas.microsoft.com/office/drawing/2010/main" xmlns="">
                 <a:effectLst>
                   <a:outerShdw dist="35921" dir="2700000" algn="ctr" rotWithShape="0">
                     <a:schemeClr val="bg2"/>
@@ -6085,14 +5838,14 @@
           <a:effectLst/>
           <a:extLst>
             <a:ext uri="{909E8E84-426E-40dd-AFC4-6F175D3DCCD1}">
-              <a14:hiddenFill xmlns:a14="http://schemas.microsoft.com/office/drawing/2010/main">
+              <a14:hiddenFill xmlns:a14="http://schemas.microsoft.com/office/drawing/2010/main" xmlns="">
                 <a:solidFill>
                   <a:schemeClr val="accent1"/>
                 </a:solidFill>
               </a14:hiddenFill>
             </a:ext>
             <a:ext uri="{91240B29-F687-4f45-9708-019B960494DF}">
-              <a14:hiddenLine xmlns:a14="http://schemas.microsoft.com/office/drawing/2010/main" w="9525">
+              <a14:hiddenLine xmlns:a14="http://schemas.microsoft.com/office/drawing/2010/main" xmlns="" w="9525">
                 <a:solidFill>
                   <a:schemeClr val="tx1"/>
                 </a:solidFill>
@@ -6102,7 +5855,7 @@
               </a14:hiddenLine>
             </a:ext>
             <a:ext uri="{AF507438-7753-43e0-B8FC-AC1667EBCBE1}">
-              <a14:hiddenEffects xmlns:a14="http://schemas.microsoft.com/office/drawing/2010/main">
+              <a14:hiddenEffects xmlns:a14="http://schemas.microsoft.com/office/drawing/2010/main" xmlns="">
                 <a:effectLst>
                   <a:outerShdw dist="35921" dir="2700000" algn="ctr" rotWithShape="0">
                     <a:schemeClr val="bg2"/>
@@ -6266,14 +6019,14 @@
           <a:effectLst/>
           <a:extLst>
             <a:ext uri="{909E8E84-426E-40dd-AFC4-6F175D3DCCD1}">
-              <a14:hiddenFill xmlns:a14="http://schemas.microsoft.com/office/drawing/2010/main">
+              <a14:hiddenFill xmlns:a14="http://schemas.microsoft.com/office/drawing/2010/main" xmlns="">
                 <a:solidFill>
                   <a:schemeClr val="accent1"/>
                 </a:solidFill>
               </a14:hiddenFill>
             </a:ext>
             <a:ext uri="{91240B29-F687-4f45-9708-019B960494DF}">
-              <a14:hiddenLine xmlns:a14="http://schemas.microsoft.com/office/drawing/2010/main" w="9525">
+              <a14:hiddenLine xmlns:a14="http://schemas.microsoft.com/office/drawing/2010/main" xmlns="" w="9525">
                 <a:solidFill>
                   <a:schemeClr val="tx1"/>
                 </a:solidFill>
@@ -6283,7 +6036,7 @@
               </a14:hiddenLine>
             </a:ext>
             <a:ext uri="{AF507438-7753-43e0-B8FC-AC1667EBCBE1}">
-              <a14:hiddenEffects xmlns:a14="http://schemas.microsoft.com/office/drawing/2010/main">
+              <a14:hiddenEffects xmlns:a14="http://schemas.microsoft.com/office/drawing/2010/main" xmlns="">
                 <a:effectLst>
                   <a:outerShdw dist="35921" dir="2700000" algn="ctr" rotWithShape="0">
                     <a:schemeClr val="bg2"/>
@@ -6424,28 +6177,6 @@
           </a:p>
         </p:txBody>
       </p:sp>
-      <p:graphicFrame>
-        <p:nvGraphicFramePr>
-          <p:cNvPr id="3" name="Chart 2"/>
-          <p:cNvGraphicFramePr/>
-          <p:nvPr>
-            <p:extLst>
-              <p:ext uri="{D42A27DB-BD31-4B8C-83A1-F6EECF244321}">
-                <p14:modId xmlns:p14="http://schemas.microsoft.com/office/powerpoint/2010/main" val="292270342"/>
-              </p:ext>
-            </p:extLst>
-          </p:nvPr>
-        </p:nvGraphicFramePr>
-        <p:xfrm>
-          <a:off x="22074882" y="3316357"/>
-          <a:ext cx="9563359" cy="4141705"/>
-        </p:xfrm>
-        <a:graphic>
-          <a:graphicData uri="http://schemas.openxmlformats.org/drawingml/2006/chart">
-            <c:chart xmlns:c="http://schemas.openxmlformats.org/drawingml/2006/chart" xmlns:r="http://schemas.openxmlformats.org/officeDocument/2006/relationships" r:id="rId5"/>
-          </a:graphicData>
-        </a:graphic>
-      </p:graphicFrame>
       <p:sp>
         <p:nvSpPr>
           <p:cNvPr id="37" name="Text Box 180"/>
@@ -6469,14 +6200,14 @@
           <a:effectLst/>
           <a:extLst>
             <a:ext uri="{909E8E84-426E-40dd-AFC4-6F175D3DCCD1}">
-              <a14:hiddenFill xmlns:a14="http://schemas.microsoft.com/office/drawing/2010/main">
+              <a14:hiddenFill xmlns:a14="http://schemas.microsoft.com/office/drawing/2010/main" xmlns="">
                 <a:solidFill>
                   <a:schemeClr val="accent1"/>
                 </a:solidFill>
               </a14:hiddenFill>
             </a:ext>
             <a:ext uri="{91240B29-F687-4f45-9708-019B960494DF}">
-              <a14:hiddenLine xmlns:a14="http://schemas.microsoft.com/office/drawing/2010/main" w="9525">
+              <a14:hiddenLine xmlns:a14="http://schemas.microsoft.com/office/drawing/2010/main" xmlns="" w="9525">
                 <a:solidFill>
                   <a:schemeClr val="tx1"/>
                 </a:solidFill>
@@ -6486,7 +6217,7 @@
               </a14:hiddenLine>
             </a:ext>
             <a:ext uri="{AF507438-7753-43e0-B8FC-AC1667EBCBE1}">
-              <a14:hiddenEffects xmlns:a14="http://schemas.microsoft.com/office/drawing/2010/main">
+              <a14:hiddenEffects xmlns:a14="http://schemas.microsoft.com/office/drawing/2010/main" xmlns="">
                 <a:effectLst>
                   <a:outerShdw dist="35921" dir="2700000" algn="ctr" rotWithShape="0">
                     <a:schemeClr val="bg2"/>
@@ -6644,7 +6375,7 @@
             <a:avLst/>
           </a:prstGeom>
           <a:blipFill dpi="0" rotWithShape="1">
-            <a:blip r:embed="rId6">
+            <a:blip r:embed="rId5">
               <a:lum bright="70000" contrast="-70000"/>
             </a:blip>
             <a:srcRect/>
@@ -6663,7 +6394,7 @@
           <a:effectLst/>
           <a:extLst>
             <a:ext uri="{AF507438-7753-43e0-B8FC-AC1667EBCBE1}">
-              <a14:hiddenEffects xmlns:a14="http://schemas.microsoft.com/office/drawing/2010/main">
+              <a14:hiddenEffects xmlns:a14="http://schemas.microsoft.com/office/drawing/2010/main" xmlns="">
                 <a:effectLst>
                   <a:outerShdw dist="35921" dir="2700000" algn="ctr" rotWithShape="0">
                     <a:schemeClr val="bg2"/>
@@ -6713,7 +6444,7 @@
             <a:avLst/>
           </a:prstGeom>
           <a:blipFill dpi="0" rotWithShape="1">
-            <a:blip r:embed="rId6">
+            <a:blip r:embed="rId5">
               <a:lum bright="70000" contrast="-70000"/>
             </a:blip>
             <a:srcRect/>
@@ -6732,7 +6463,7 @@
           <a:effectLst/>
           <a:extLst>
             <a:ext uri="{AF507438-7753-43e0-B8FC-AC1667EBCBE1}">
-              <a14:hiddenEffects xmlns:a14="http://schemas.microsoft.com/office/drawing/2010/main">
+              <a14:hiddenEffects xmlns:a14="http://schemas.microsoft.com/office/drawing/2010/main" xmlns="">
                 <a:effectLst>
                   <a:outerShdw dist="35921" dir="2700000" algn="ctr" rotWithShape="0">
                     <a:schemeClr val="bg2"/>
@@ -6778,7 +6509,7 @@
   <p:timing>
     <p:tnLst>
       <p:par>
-        <p:cTn xmlns:p14="http://schemas.microsoft.com/office/powerpoint/2010/main" id="1" dur="indefinite" restart="never" nodeType="tmRoot"/>
+        <p:cTn id="1" dur="indefinite" restart="never" nodeType="tmRoot"/>
       </p:par>
     </p:tnLst>
   </p:timing>

--- a/poster.pptx
+++ b/poster.pptx
@@ -308,11 +308,11 @@
           <c:showBubbleSize val="0"/>
         </c:dLbls>
         <c:gapWidth val="150"/>
-        <c:axId val="-2095787800"/>
-        <c:axId val="-2095610216"/>
+        <c:axId val="-2136884088"/>
+        <c:axId val="-2135551272"/>
       </c:barChart>
       <c:catAx>
-        <c:axId val="-2095787800"/>
+        <c:axId val="-2136884088"/>
         <c:scaling>
           <c:orientation val="minMax"/>
         </c:scaling>
@@ -321,7 +321,7 @@
         <c:majorTickMark val="out"/>
         <c:minorTickMark val="none"/>
         <c:tickLblPos val="nextTo"/>
-        <c:crossAx val="-2095610216"/>
+        <c:crossAx val="-2135551272"/>
         <c:crosses val="autoZero"/>
         <c:auto val="1"/>
         <c:lblAlgn val="ctr"/>
@@ -329,7 +329,7 @@
         <c:noMultiLvlLbl val="0"/>
       </c:catAx>
       <c:valAx>
-        <c:axId val="-2095610216"/>
+        <c:axId val="-2135551272"/>
         <c:scaling>
           <c:orientation val="minMax"/>
         </c:scaling>
@@ -340,7 +340,7 @@
         <c:majorTickMark val="out"/>
         <c:minorTickMark val="none"/>
         <c:tickLblPos val="nextTo"/>
-        <c:crossAx val="-2095787800"/>
+        <c:crossAx val="-2136884088"/>
         <c:crosses val="autoZero"/>
         <c:crossBetween val="between"/>
       </c:valAx>
@@ -2012,7 +2012,7 @@
           <a:p>
             <a:fld id="{985D6BDF-9D0E-4E2B-85B8-D8F4790360C9}" type="datetimeFigureOut">
               <a:rPr lang="en-US" smtClean="0"/>
-              <a:t>3/18/15</a:t>
+              <a:t>3/19/15</a:t>
             </a:fld>
             <a:endParaRPr lang="en-US" dirty="0"/>
           </a:p>
@@ -2232,7 +2232,7 @@
           <a:p>
             <a:fld id="{985D6BDF-9D0E-4E2B-85B8-D8F4790360C9}" type="datetimeFigureOut">
               <a:rPr lang="en-US" smtClean="0"/>
-              <a:t>3/18/15</a:t>
+              <a:t>3/19/15</a:t>
             </a:fld>
             <a:endParaRPr lang="en-US" dirty="0"/>
           </a:p>
@@ -3076,7 +3076,7 @@
         <p:spPr>
           <a:xfrm>
             <a:off x="1280162" y="20025361"/>
-            <a:ext cx="2171325" cy="1588333"/>
+            <a:ext cx="1882615" cy="1280556"/>
           </a:xfrm>
           <a:prstGeom prst="rect">
             <a:avLst/>
@@ -3095,33 +3095,26 @@
           <a:lstStyle/>
           <a:p>
             <a:r>
-              <a:rPr lang="en-US" sz="2000" dirty="0"/>
-              <a:t>&lt;your name&gt;</a:t>
-            </a:r>
-          </a:p>
-          <a:p>
-            <a:r>
-              <a:rPr lang="en-US" sz="2000" dirty="0"/>
-              <a:t>&lt;your organization&gt;</a:t>
-            </a:r>
-          </a:p>
-          <a:p>
-            <a:r>
-              <a:rPr lang="en-US" sz="2000" dirty="0"/>
-              <a:t>Email:</a:t>
-            </a:r>
-          </a:p>
-          <a:p>
-            <a:r>
-              <a:rPr lang="en-US" sz="2000" dirty="0"/>
-              <a:t>Website:</a:t>
-            </a:r>
-          </a:p>
-          <a:p>
-            <a:r>
-              <a:rPr lang="en-US" sz="2000" dirty="0"/>
-              <a:t>Phone:</a:t>
-            </a:r>
+              <a:rPr lang="en-US" sz="2000" dirty="0" err="1" smtClean="0"/>
+              <a:t>Zhi</a:t>
+            </a:r>
+            <a:r>
+              <a:rPr lang="en-US" sz="2000" dirty="0" smtClean="0"/>
+              <a:t> Xing</a:t>
+            </a:r>
+            <a:endParaRPr lang="en-US" sz="2000" dirty="0"/>
+          </a:p>
+          <a:p>
+            <a:r>
+              <a:rPr lang="en-US" sz="2000" dirty="0" smtClean="0"/>
+              <a:t>zxing01@syr.edu</a:t>
+            </a:r>
+          </a:p>
+          <a:p>
+            <a:endParaRPr lang="en-US" sz="2000" dirty="0" smtClean="0"/>
+          </a:p>
+          <a:p>
+            <a:endParaRPr lang="en-US" sz="2000" dirty="0"/>
           </a:p>
         </p:txBody>
       </p:sp>
@@ -3134,7 +3127,7 @@
         <p:spPr>
           <a:xfrm>
             <a:off x="1280161" y="19431001"/>
-            <a:ext cx="1450230" cy="557282"/>
+            <a:ext cx="1579472" cy="541893"/>
           </a:xfrm>
           <a:prstGeom prst="rect">
             <a:avLst/>
@@ -3148,9 +3141,10 @@
           <a:lstStyle/>
           <a:p>
             <a:r>
-              <a:rPr lang="en-US" sz="3200" b="1" dirty="0"/>
-              <a:t>Contact</a:t>
-            </a:r>
+              <a:rPr lang="en-US" sz="3200" b="1" smtClean="0"/>
+              <a:t>Contacts</a:t>
+            </a:r>
+            <a:endParaRPr lang="en-US" sz="3200" b="1" dirty="0"/>
           </a:p>
         </p:txBody>
       </p:sp>
@@ -4197,7 +4191,7 @@
           <a:p>
             <a:pPr algn="ctr"/>
             <a:r>
-              <a:rPr lang="en-US" sz="3200" b="1" dirty="0">
+              <a:rPr lang="en-US" sz="3200" b="1" dirty="0" smtClean="0">
                 <a:solidFill>
                   <a:schemeClr val="accent3">
                     <a:lumMod val="20000"/>
@@ -4205,8 +4199,16 @@
                   </a:schemeClr>
                 </a:solidFill>
               </a:rPr>
-              <a:t>Methods and Materials</a:t>
-            </a:r>
+              <a:t>Foraging Algorithm</a:t>
+            </a:r>
+            <a:endParaRPr lang="en-US" sz="3200" b="1" dirty="0">
+              <a:solidFill>
+                <a:schemeClr val="accent3">
+                  <a:lumMod val="20000"/>
+                  <a:lumOff val="80000"/>
+                </a:schemeClr>
+              </a:solidFill>
+            </a:endParaRPr>
           </a:p>
         </p:txBody>
       </p:sp>
@@ -4463,7 +4465,7 @@
           <a:p>
             <a:pPr algn="ctr"/>
             <a:r>
-              <a:rPr lang="en-US" sz="3200" b="1" dirty="0">
+              <a:rPr lang="en-US" sz="3200" b="1" dirty="0" smtClean="0">
                 <a:solidFill>
                   <a:schemeClr val="accent3">
                     <a:lumMod val="20000"/>
@@ -4471,8 +4473,16 @@
                   </a:schemeClr>
                 </a:solidFill>
               </a:rPr>
-              <a:t>Discussion</a:t>
-            </a:r>
+              <a:t>Software</a:t>
+            </a:r>
+            <a:endParaRPr lang="en-US" sz="3200" b="1" dirty="0">
+              <a:solidFill>
+                <a:schemeClr val="accent3">
+                  <a:lumMod val="20000"/>
+                  <a:lumOff val="80000"/>
+                </a:schemeClr>
+              </a:solidFill>
+            </a:endParaRPr>
           </a:p>
         </p:txBody>
       </p:sp>
@@ -4729,7 +4739,7 @@
           <a:p>
             <a:pPr algn="ctr"/>
             <a:r>
-              <a:rPr lang="en-US" sz="3200" b="1" dirty="0">
+              <a:rPr lang="en-US" sz="3200" b="1" dirty="0" smtClean="0">
                 <a:solidFill>
                   <a:schemeClr val="accent3">
                     <a:lumMod val="20000"/>
@@ -4739,6 +4749,14 @@
               </a:rPr>
               <a:t>Conclusions</a:t>
             </a:r>
+            <a:endParaRPr lang="en-US" sz="3200" b="1" dirty="0">
+              <a:solidFill>
+                <a:schemeClr val="accent3">
+                  <a:lumMod val="20000"/>
+                  <a:lumOff val="80000"/>
+                </a:schemeClr>
+              </a:solidFill>
+            </a:endParaRPr>
           </a:p>
         </p:txBody>
       </p:sp>
@@ -5222,506 +5240,212 @@
           </a:graphicData>
         </a:graphic>
       </p:graphicFrame>
-      <mc:AlternateContent xmlns:mc="http://schemas.openxmlformats.org/markup-compatibility/2006" xmlns:a14="http://schemas.microsoft.com/office/drawing/2010/main">
-        <mc:Choice Requires="a14">
-          <p:sp>
-            <p:nvSpPr>
-              <p:cNvPr id="11" name="Text Box 190"/>
-              <p:cNvSpPr txBox="1">
-                <a:spLocks noChangeArrowheads="1"/>
-              </p:cNvSpPr>
-              <p:nvPr/>
-            </p:nvSpPr>
-            <p:spPr bwMode="auto">
-              <a:xfrm>
-                <a:off x="1097280" y="8737602"/>
-                <a:ext cx="9875520" cy="6374231"/>
-              </a:xfrm>
-              <a:prstGeom prst="rect">
-                <a:avLst/>
-              </a:prstGeom>
-              <a:solidFill>
-                <a:schemeClr val="bg1"/>
-              </a:solidFill>
-              <a:ln w="12700">
-                <a:solidFill>
-                  <a:schemeClr val="accent1">
-                    <a:lumMod val="75000"/>
-                  </a:schemeClr>
-                </a:solidFill>
-              </a:ln>
-              <a:effectLst/>
-            </p:spPr>
-            <p:txBody>
-              <a:bodyPr lIns="97942" tIns="97942" rIns="97942" bIns="97942">
-                <a:spAutoFit/>
-              </a:bodyPr>
-              <a:lstStyle>
-                <a:lvl1pPr eaLnBrk="0" hangingPunct="0">
-                  <a:defRPr sz="2200">
-                    <a:solidFill>
-                      <a:schemeClr val="tx1"/>
-                    </a:solidFill>
-                    <a:latin typeface="Arial" charset="0"/>
-                  </a:defRPr>
-                </a:lvl1pPr>
-                <a:lvl2pPr marL="742950" indent="-285750" eaLnBrk="0" hangingPunct="0">
-                  <a:defRPr sz="2200">
-                    <a:solidFill>
-                      <a:schemeClr val="tx1"/>
-                    </a:solidFill>
-                    <a:latin typeface="Arial" charset="0"/>
-                  </a:defRPr>
-                </a:lvl2pPr>
-                <a:lvl3pPr marL="1143000" indent="-228600" eaLnBrk="0" hangingPunct="0">
-                  <a:defRPr sz="2200">
-                    <a:solidFill>
-                      <a:schemeClr val="tx1"/>
-                    </a:solidFill>
-                    <a:latin typeface="Arial" charset="0"/>
-                  </a:defRPr>
-                </a:lvl3pPr>
-                <a:lvl4pPr marL="1600200" indent="-228600" eaLnBrk="0" hangingPunct="0">
-                  <a:defRPr sz="2200">
-                    <a:solidFill>
-                      <a:schemeClr val="tx1"/>
-                    </a:solidFill>
-                    <a:latin typeface="Arial" charset="0"/>
-                  </a:defRPr>
-                </a:lvl4pPr>
-                <a:lvl5pPr marL="2057400" indent="-228600" eaLnBrk="0" hangingPunct="0">
-                  <a:defRPr sz="2200">
-                    <a:solidFill>
-                      <a:schemeClr val="tx1"/>
-                    </a:solidFill>
-                    <a:latin typeface="Arial" charset="0"/>
-                  </a:defRPr>
-                </a:lvl5pPr>
-                <a:lvl6pPr marL="2514600" indent="-228600" eaLnBrk="0" fontAlgn="base" hangingPunct="0">
-                  <a:spcBef>
-                    <a:spcPct val="0"/>
-                  </a:spcBef>
-                  <a:spcAft>
-                    <a:spcPct val="0"/>
-                  </a:spcAft>
-                  <a:defRPr sz="2200">
-                    <a:solidFill>
-                      <a:schemeClr val="tx1"/>
-                    </a:solidFill>
-                    <a:latin typeface="Arial" charset="0"/>
-                  </a:defRPr>
-                </a:lvl6pPr>
-                <a:lvl7pPr marL="2971800" indent="-228600" eaLnBrk="0" fontAlgn="base" hangingPunct="0">
-                  <a:spcBef>
-                    <a:spcPct val="0"/>
-                  </a:spcBef>
-                  <a:spcAft>
-                    <a:spcPct val="0"/>
-                  </a:spcAft>
-                  <a:defRPr sz="2200">
-                    <a:solidFill>
-                      <a:schemeClr val="tx1"/>
-                    </a:solidFill>
-                    <a:latin typeface="Arial" charset="0"/>
-                  </a:defRPr>
-                </a:lvl7pPr>
-                <a:lvl8pPr marL="3429000" indent="-228600" eaLnBrk="0" fontAlgn="base" hangingPunct="0">
-                  <a:spcBef>
-                    <a:spcPct val="0"/>
-                  </a:spcBef>
-                  <a:spcAft>
-                    <a:spcPct val="0"/>
-                  </a:spcAft>
-                  <a:defRPr sz="2200">
-                    <a:solidFill>
-                      <a:schemeClr val="tx1"/>
-                    </a:solidFill>
-                    <a:latin typeface="Arial" charset="0"/>
-                  </a:defRPr>
-                </a:lvl8pPr>
-                <a:lvl9pPr marL="3886200" indent="-228600" eaLnBrk="0" fontAlgn="base" hangingPunct="0">
-                  <a:spcBef>
-                    <a:spcPct val="0"/>
-                  </a:spcBef>
-                  <a:spcAft>
-                    <a:spcPct val="0"/>
-                  </a:spcAft>
-                  <a:defRPr sz="2200">
-                    <a:solidFill>
-                      <a:schemeClr val="tx1"/>
-                    </a:solidFill>
-                    <a:latin typeface="Arial" charset="0"/>
-                  </a:defRPr>
-                </a:lvl9pPr>
-              </a:lstStyle>
-              <a:p>
-                <a:pPr eaLnBrk="1" hangingPunct="1"/>
-                <a:r>
-                  <a:rPr lang="en-US" sz="2000" b="1" dirty="0">
-                    <a:latin typeface="+mn-lt"/>
-                  </a:rPr>
-                  <a:t>Genigraphics®</a:t>
-                </a:r>
-                <a:r>
-                  <a:rPr lang="en-US" sz="2000" dirty="0">
-                    <a:latin typeface="+mn-lt"/>
-                  </a:rPr>
-                  <a:t> has provided this template to assist in preparation of a medical or scientific research poster. The dimensions are set to </a:t>
-                </a:r>
-                <a:r>
-                  <a:rPr lang="en-US" sz="2000" dirty="0" smtClean="0">
-                    <a:latin typeface="+mn-lt"/>
-                  </a:rPr>
-                  <a:t>24” </a:t>
-                </a:r>
-                <a:r>
-                  <a:rPr lang="en-US" sz="2000" dirty="0">
-                    <a:latin typeface="+mn-lt"/>
-                  </a:rPr>
-                  <a:t>high by </a:t>
-                </a:r>
-                <a:r>
-                  <a:rPr lang="en-US" sz="2000" dirty="0" smtClean="0">
-                    <a:latin typeface="+mn-lt"/>
-                  </a:rPr>
-                  <a:t>36” </a:t>
-                </a:r>
-                <a:r>
-                  <a:rPr lang="en-US" sz="2000" dirty="0">
-                    <a:latin typeface="+mn-lt"/>
-                  </a:rPr>
-                  <a:t>wide </a:t>
-                </a:r>
-                <a:r>
-                  <a:rPr lang="en-US" sz="2000" dirty="0" smtClean="0">
-                    <a:latin typeface="+mn-lt"/>
-                  </a:rPr>
-                  <a:t>but prints </a:t>
-                </a:r>
-                <a:r>
-                  <a:rPr lang="en-US" sz="2000" dirty="0">
-                    <a:latin typeface="+mn-lt"/>
-                  </a:rPr>
-                  <a:t>can be scaled up or down in size to any dimension with a </a:t>
-                </a:r>
-                <a:r>
-                  <a:rPr lang="en-US" sz="2000" dirty="0" smtClean="0">
-                    <a:latin typeface="+mn-lt"/>
-                  </a:rPr>
-                  <a:t>2:3 </a:t>
-                </a:r>
-                <a:r>
-                  <a:rPr lang="en-US" sz="2000" dirty="0">
-                    <a:latin typeface="+mn-lt"/>
-                  </a:rPr>
-                  <a:t>aspect ratio. For example, if you order a </a:t>
-                </a:r>
-                <a:r>
-                  <a:rPr lang="en-US" sz="2000" dirty="0" smtClean="0">
-                    <a:latin typeface="+mn-lt"/>
-                  </a:rPr>
-                  <a:t>36” </a:t>
-                </a:r>
-                <a:r>
-                  <a:rPr lang="en-US" sz="2000" dirty="0">
-                    <a:latin typeface="+mn-lt"/>
-                  </a:rPr>
-                  <a:t>x </a:t>
-                </a:r>
-                <a:r>
-                  <a:rPr lang="en-US" sz="2000" dirty="0" smtClean="0">
-                    <a:latin typeface="+mn-lt"/>
-                  </a:rPr>
-                  <a:t>54” </a:t>
-                </a:r>
-                <a:r>
-                  <a:rPr lang="en-US" sz="2000" dirty="0">
-                    <a:latin typeface="+mn-lt"/>
-                  </a:rPr>
-                  <a:t>poster using this template, we will print the file at </a:t>
-                </a:r>
-                <a:r>
-                  <a:rPr lang="en-US" sz="2000" dirty="0" smtClean="0">
-                    <a:latin typeface="+mn-lt"/>
-                  </a:rPr>
-                  <a:t>150% </a:t>
-                </a:r>
-                <a:r>
-                  <a:rPr lang="en-US" sz="2000" dirty="0">
-                    <a:latin typeface="+mn-lt"/>
-                  </a:rPr>
-                  <a:t>of its original size</a:t>
-                </a:r>
-                <a:r>
-                  <a:rPr lang="en-US" sz="2000" dirty="0" smtClean="0">
-                    <a:latin typeface="+mn-lt"/>
-                  </a:rPr>
-                  <a:t>. If you order a 48” x 72” poster, we will print at 200%. </a:t>
-                </a:r>
-                <a:r>
-                  <a:rPr lang="en-US" sz="2000" b="1" dirty="0" smtClean="0">
-                    <a:latin typeface="+mn-lt"/>
-                  </a:rPr>
-                  <a:t>The </a:t>
-                </a:r>
-                <a:r>
-                  <a:rPr lang="en-US" sz="2000" b="1" dirty="0">
-                    <a:latin typeface="+mn-lt"/>
-                  </a:rPr>
-                  <a:t>most critical factor is that your template and poster dimensions must be proportional:</a:t>
-                </a:r>
-              </a:p>
-              <a:p>
-                <a:pPr eaLnBrk="1" hangingPunct="1"/>
-                <a:endParaRPr lang="en-US" sz="2000" b="1" dirty="0">
-                  <a:latin typeface="+mn-lt"/>
-                </a:endParaRPr>
-              </a:p>
-              <a:p>
-                <a:pPr eaLnBrk="1" hangingPunct="1"/>
-                <a14:m>
-                  <m:oMathPara xmlns:m="http://schemas.openxmlformats.org/officeDocument/2006/math" xmlns="">
-                    <m:oMathParaPr>
-                      <m:jc m:val="centerGroup"/>
-                    </m:oMathParaPr>
-                    <m:oMath xmlns:m="http://schemas.openxmlformats.org/officeDocument/2006/math">
-                      <m:box>
-                        <m:boxPr>
-                          <m:ctrlPr>
-                            <a:rPr lang="en-US" sz="2000" b="1" i="1">
-                              <a:latin typeface="Cambria Math"/>
-                            </a:rPr>
-                          </m:ctrlPr>
-                        </m:boxPr>
-                        <m:e>
-                          <m:f>
-                            <m:fPr>
-                              <m:ctrlPr>
-                                <a:rPr lang="en-US" sz="2000" b="1" i="1">
-                                  <a:latin typeface="Cambria Math"/>
-                                </a:rPr>
-                              </m:ctrlPr>
-                            </m:fPr>
-                            <m:num>
-                              <m:r>
-                                <a:rPr lang="en-US" sz="2000" b="1" i="1">
-                                  <a:latin typeface="Cambria Math"/>
-                                </a:rPr>
-                                <m:t>𝒕𝒆𝒎𝒑𝒍𝒂𝒕𝒆</m:t>
-                              </m:r>
-                              <m:r>
-                                <a:rPr lang="en-US" sz="2000" b="1" i="1">
-                                  <a:latin typeface="Cambria Math"/>
-                                </a:rPr>
-                                <m:t> </m:t>
-                              </m:r>
-                              <m:r>
-                                <a:rPr lang="en-US" sz="2000" b="1" i="1">
-                                  <a:latin typeface="Cambria Math"/>
-                                </a:rPr>
-                                <m:t>𝒉𝒆𝒊𝒈𝒉𝒕</m:t>
-                              </m:r>
-                            </m:num>
-                            <m:den>
-                              <m:r>
-                                <a:rPr lang="en-US" sz="2000" b="1" i="1">
-                                  <a:latin typeface="Cambria Math"/>
-                                </a:rPr>
-                                <m:t>𝒕𝒆𝒎𝒑𝒍𝒂𝒕𝒆</m:t>
-                              </m:r>
-                              <m:r>
-                                <a:rPr lang="en-US" sz="2000" b="1" i="1">
-                                  <a:latin typeface="Cambria Math"/>
-                                </a:rPr>
-                                <m:t> </m:t>
-                              </m:r>
-                              <m:r>
-                                <a:rPr lang="en-US" sz="2000" b="1" i="1">
-                                  <a:latin typeface="Cambria Math"/>
-                                </a:rPr>
-                                <m:t>𝒘𝒊𝒅𝒕𝒉</m:t>
-                              </m:r>
-                            </m:den>
-                          </m:f>
-                        </m:e>
-                      </m:box>
-                      <m:r>
-                        <a:rPr lang="en-US" sz="2000" b="1" i="1">
-                          <a:latin typeface="Cambria Math"/>
-                        </a:rPr>
-                        <m:t> = </m:t>
-                      </m:r>
-                      <m:box>
-                        <m:boxPr>
-                          <m:ctrlPr>
-                            <a:rPr lang="en-US" sz="2000" b="1" i="1">
-                              <a:latin typeface="Cambria Math"/>
-                            </a:rPr>
-                          </m:ctrlPr>
-                        </m:boxPr>
-                        <m:e>
-                          <m:f>
-                            <m:fPr>
-                              <m:ctrlPr>
-                                <a:rPr lang="en-US" sz="2000" b="1" i="1">
-                                  <a:latin typeface="Cambria Math"/>
-                                </a:rPr>
-                              </m:ctrlPr>
-                            </m:fPr>
-                            <m:num>
-                              <m:r>
-                                <a:rPr lang="en-US" sz="2000" b="1" i="1">
-                                  <a:latin typeface="Cambria Math"/>
-                                </a:rPr>
-                                <m:t>𝒅𝒆𝒔𝒊𝒓𝒆𝒅</m:t>
-                              </m:r>
-                              <m:r>
-                                <a:rPr lang="en-US" sz="2000" b="1" i="1">
-                                  <a:latin typeface="Cambria Math"/>
-                                </a:rPr>
-                                <m:t> </m:t>
-                              </m:r>
-                              <m:r>
-                                <a:rPr lang="en-US" sz="2000" b="1" i="1">
-                                  <a:latin typeface="Cambria Math"/>
-                                </a:rPr>
-                                <m:t>𝒑𝒓𝒊𝒏𝒕</m:t>
-                              </m:r>
-                              <m:r>
-                                <a:rPr lang="en-US" sz="2000" b="1" i="1">
-                                  <a:latin typeface="Cambria Math"/>
-                                </a:rPr>
-                                <m:t> </m:t>
-                              </m:r>
-                              <m:r>
-                                <a:rPr lang="en-US" sz="2000" b="1" i="1">
-                                  <a:latin typeface="Cambria Math"/>
-                                </a:rPr>
-                                <m:t>𝒉𝒆𝒊𝒈𝒉𝒕</m:t>
-                              </m:r>
-                            </m:num>
-                            <m:den>
-                              <m:r>
-                                <a:rPr lang="en-US" sz="2000" b="1" i="1">
-                                  <a:latin typeface="Cambria Math"/>
-                                </a:rPr>
-                                <m:t>𝒅𝒆𝒔𝒊𝒓𝒆𝒅</m:t>
-                              </m:r>
-                              <m:r>
-                                <a:rPr lang="en-US" sz="2000" b="1" i="1">
-                                  <a:latin typeface="Cambria Math"/>
-                                </a:rPr>
-                                <m:t> </m:t>
-                              </m:r>
-                              <m:r>
-                                <a:rPr lang="en-US" sz="2000" b="1" i="1">
-                                  <a:latin typeface="Cambria Math"/>
-                                </a:rPr>
-                                <m:t>𝒑𝒓𝒊𝒏𝒕</m:t>
-                              </m:r>
-                              <m:r>
-                                <a:rPr lang="en-US" sz="2000" b="1" i="1">
-                                  <a:latin typeface="Cambria Math"/>
-                                </a:rPr>
-                                <m:t> </m:t>
-                              </m:r>
-                              <m:r>
-                                <a:rPr lang="en-US" sz="2000" b="1" i="1">
-                                  <a:latin typeface="Cambria Math"/>
-                                </a:rPr>
-                                <m:t>𝒘𝒊𝒅𝒕𝒉</m:t>
-                              </m:r>
-                            </m:den>
-                          </m:f>
-                        </m:e>
-                      </m:box>
-                    </m:oMath>
-                  </m:oMathPara>
-                </a14:m>
-                <a:endParaRPr lang="en-US" sz="2000" b="1" dirty="0">
-                  <a:latin typeface="+mn-lt"/>
-                </a:endParaRPr>
-              </a:p>
-              <a:p>
-                <a:pPr eaLnBrk="1" hangingPunct="1"/>
-                <a:endParaRPr lang="en-US" sz="2000" dirty="0">
-                  <a:latin typeface="+mn-lt"/>
-                </a:endParaRPr>
-              </a:p>
-              <a:p>
-                <a:pPr eaLnBrk="1" hangingPunct="1"/>
-                <a:r>
-                  <a:rPr lang="en-US" sz="2000" dirty="0">
-                    <a:latin typeface="+mn-lt"/>
-                  </a:rPr>
-                  <a:t>Order your poster from Genigraphics and we will perform a free design review and advise you if we see anything that may be a concern for printing. We’ll even help tidy things up.</a:t>
-                </a:r>
-              </a:p>
-              <a:p>
-                <a:pPr eaLnBrk="1" hangingPunct="1"/>
-                <a:endParaRPr lang="en-US" sz="2000" dirty="0">
-                  <a:latin typeface="+mn-lt"/>
-                </a:endParaRPr>
-              </a:p>
-              <a:p>
-                <a:pPr eaLnBrk="1" hangingPunct="1"/>
-                <a:r>
-                  <a:rPr lang="en-US" sz="2000" dirty="0">
-                    <a:latin typeface="+mn-lt"/>
-                  </a:rPr>
-                  <a:t>We have more history with PowerPoint® than any other printing company. In fact, we helped Microsoft® design the software and we created all of the original color themes, templates, and clip art galleries. We know how to make your printed poster look just like it does on screen. Other printing companies and copy centers will blindly convert your file to another format prior to printing. This can result in text shifting, symbols changing, and altered colors. We know the secrets to avoid those issues. So choose Genigraphics for the most accurate reproduction available.</a:t>
-                </a:r>
-              </a:p>
-            </p:txBody>
-          </p:sp>
-        </mc:Choice>
-        <mc:Fallback xmlns="">
-          <p:sp>
-            <p:nvSpPr>
-              <p:cNvPr id="11" name="Text Box 190"/>
-              <p:cNvSpPr txBox="1">
-                <a:spLocks noRot="1" noChangeAspect="1" noMove="1" noResize="1" noEditPoints="1" noAdjustHandles="1" noChangeArrowheads="1" noChangeShapeType="1" noTextEdit="1"/>
-              </p:cNvSpPr>
-              <p:nvPr/>
-            </p:nvSpPr>
-            <p:spPr bwMode="auto">
-              <a:xfrm>
-                <a:off x="1097280" y="8737602"/>
-                <a:ext cx="9875520" cy="6374231"/>
-              </a:xfrm>
-              <a:prstGeom prst="rect">
-                <a:avLst/>
-              </a:prstGeom>
-              <a:blipFill rotWithShape="1">
-                <a:blip r:embed="rId2"/>
-                <a:stretch>
-                  <a:fillRect l="-493" r="-1048"/>
-                </a:stretch>
-              </a:blipFill>
-              <a:ln w="12700">
-                <a:solidFill>
-                  <a:schemeClr val="accent1">
-                    <a:lumMod val="75000"/>
-                  </a:schemeClr>
-                </a:solidFill>
-              </a:ln>
-              <a:effectLst/>
-            </p:spPr>
-            <p:txBody>
-              <a:bodyPr/>
-              <a:lstStyle/>
-              <a:p>
-                <a:r>
-                  <a:rPr lang="en-US">
-                    <a:noFill/>
-                  </a:rPr>
-                  <a:t> </a:t>
-                </a:r>
-              </a:p>
-            </p:txBody>
-          </p:sp>
-        </mc:Fallback>
-      </mc:AlternateContent>
+      <p:sp>
+        <p:nvSpPr>
+          <p:cNvPr id="11" name="Text Box 190"/>
+          <p:cNvSpPr txBox="1">
+            <a:spLocks noChangeArrowheads="1"/>
+          </p:cNvSpPr>
+          <p:nvPr/>
+        </p:nvSpPr>
+        <p:spPr bwMode="auto">
+          <a:xfrm>
+            <a:off x="1097280" y="8737602"/>
+            <a:ext cx="9875520" cy="6045552"/>
+          </a:xfrm>
+          <a:prstGeom prst="rect">
+            <a:avLst/>
+          </a:prstGeom>
+          <a:solidFill>
+            <a:schemeClr val="bg1"/>
+          </a:solidFill>
+          <a:ln w="12700">
+            <a:solidFill>
+              <a:schemeClr val="accent1">
+                <a:lumMod val="75000"/>
+              </a:schemeClr>
+            </a:solidFill>
+          </a:ln>
+          <a:effectLst/>
+        </p:spPr>
+        <p:txBody>
+          <a:bodyPr lIns="97942" tIns="97942" rIns="97942" bIns="97942">
+            <a:spAutoFit/>
+          </a:bodyPr>
+          <a:lstStyle>
+            <a:lvl1pPr eaLnBrk="0" hangingPunct="0">
+              <a:defRPr sz="2200">
+                <a:solidFill>
+                  <a:schemeClr val="tx1"/>
+                </a:solidFill>
+                <a:latin typeface="Arial" charset="0"/>
+              </a:defRPr>
+            </a:lvl1pPr>
+            <a:lvl2pPr marL="742950" indent="-285750" eaLnBrk="0" hangingPunct="0">
+              <a:defRPr sz="2200">
+                <a:solidFill>
+                  <a:schemeClr val="tx1"/>
+                </a:solidFill>
+                <a:latin typeface="Arial" charset="0"/>
+              </a:defRPr>
+            </a:lvl2pPr>
+            <a:lvl3pPr marL="1143000" indent="-228600" eaLnBrk="0" hangingPunct="0">
+              <a:defRPr sz="2200">
+                <a:solidFill>
+                  <a:schemeClr val="tx1"/>
+                </a:solidFill>
+                <a:latin typeface="Arial" charset="0"/>
+              </a:defRPr>
+            </a:lvl3pPr>
+            <a:lvl4pPr marL="1600200" indent="-228600" eaLnBrk="0" hangingPunct="0">
+              <a:defRPr sz="2200">
+                <a:solidFill>
+                  <a:schemeClr val="tx1"/>
+                </a:solidFill>
+                <a:latin typeface="Arial" charset="0"/>
+              </a:defRPr>
+            </a:lvl4pPr>
+            <a:lvl5pPr marL="2057400" indent="-228600" eaLnBrk="0" hangingPunct="0">
+              <a:defRPr sz="2200">
+                <a:solidFill>
+                  <a:schemeClr val="tx1"/>
+                </a:solidFill>
+                <a:latin typeface="Arial" charset="0"/>
+              </a:defRPr>
+            </a:lvl5pPr>
+            <a:lvl6pPr marL="2514600" indent="-228600" eaLnBrk="0" fontAlgn="base" hangingPunct="0">
+              <a:spcBef>
+                <a:spcPct val="0"/>
+              </a:spcBef>
+              <a:spcAft>
+                <a:spcPct val="0"/>
+              </a:spcAft>
+              <a:defRPr sz="2200">
+                <a:solidFill>
+                  <a:schemeClr val="tx1"/>
+                </a:solidFill>
+                <a:latin typeface="Arial" charset="0"/>
+              </a:defRPr>
+            </a:lvl6pPr>
+            <a:lvl7pPr marL="2971800" indent="-228600" eaLnBrk="0" fontAlgn="base" hangingPunct="0">
+              <a:spcBef>
+                <a:spcPct val="0"/>
+              </a:spcBef>
+              <a:spcAft>
+                <a:spcPct val="0"/>
+              </a:spcAft>
+              <a:defRPr sz="2200">
+                <a:solidFill>
+                  <a:schemeClr val="tx1"/>
+                </a:solidFill>
+                <a:latin typeface="Arial" charset="0"/>
+              </a:defRPr>
+            </a:lvl7pPr>
+            <a:lvl8pPr marL="3429000" indent="-228600" eaLnBrk="0" fontAlgn="base" hangingPunct="0">
+              <a:spcBef>
+                <a:spcPct val="0"/>
+              </a:spcBef>
+              <a:spcAft>
+                <a:spcPct val="0"/>
+              </a:spcAft>
+              <a:defRPr sz="2200">
+                <a:solidFill>
+                  <a:schemeClr val="tx1"/>
+                </a:solidFill>
+                <a:latin typeface="Arial" charset="0"/>
+              </a:defRPr>
+            </a:lvl8pPr>
+            <a:lvl9pPr marL="3886200" indent="-228600" eaLnBrk="0" fontAlgn="base" hangingPunct="0">
+              <a:spcBef>
+                <a:spcPct val="0"/>
+              </a:spcBef>
+              <a:spcAft>
+                <a:spcPct val="0"/>
+              </a:spcAft>
+              <a:defRPr sz="2200">
+                <a:solidFill>
+                  <a:schemeClr val="tx1"/>
+                </a:solidFill>
+                <a:latin typeface="Arial" charset="0"/>
+              </a:defRPr>
+            </a:lvl9pPr>
+          </a:lstStyle>
+          <a:p>
+            <a:pPr eaLnBrk="1" hangingPunct="1"/>
+            <a:r>
+              <a:rPr lang="en-US" sz="2000" dirty="0"/>
+              <a:t>In swarm robotics, a large number--perhaps thousands--of robots must cooperate to achieve common goals. The key challenges are scalability and robustness in the absence of centralized controls. </a:t>
+            </a:r>
+            <a:endParaRPr lang="en-US" sz="2000" dirty="0" smtClean="0"/>
+          </a:p>
+          <a:p>
+            <a:pPr eaLnBrk="1" hangingPunct="1"/>
+            <a:endParaRPr lang="en-US" sz="2000" dirty="0"/>
+          </a:p>
+          <a:p>
+            <a:pPr eaLnBrk="1" hangingPunct="1"/>
+            <a:r>
+              <a:rPr lang="en-US" sz="2000" dirty="0" smtClean="0"/>
+              <a:t>Many </a:t>
+            </a:r>
+            <a:r>
+              <a:rPr lang="en-US" sz="2000" dirty="0"/>
+              <a:t>swarm robotics researchers use the foraging problem as a test bed for new algorithms. Foraging problems can represent a variety of problems including search and rescue. In this problem, robots must find locations of "food" without any previous knowledge or a centralized control. </a:t>
+            </a:r>
+            <a:endParaRPr lang="en-US" sz="2000" dirty="0" smtClean="0"/>
+          </a:p>
+          <a:p>
+            <a:pPr eaLnBrk="1" hangingPunct="1"/>
+            <a:endParaRPr lang="en-US" sz="2000" dirty="0"/>
+          </a:p>
+          <a:p>
+            <a:pPr eaLnBrk="1" hangingPunct="1"/>
+            <a:r>
+              <a:rPr lang="en-US" sz="2000" dirty="0" smtClean="0"/>
+              <a:t>Our </a:t>
+            </a:r>
+            <a:r>
+              <a:rPr lang="en-US" sz="2000" dirty="0"/>
+              <a:t>approach uses completely distributed and autonomous robots that can dynamically assume useful roles, either being explorers or guiders, by utilizing their local information only. Because our solution is completely distributed and localized, it is expected to scale out very well even with an extremely large number of robots. </a:t>
+            </a:r>
+            <a:endParaRPr lang="en-US" sz="2000" dirty="0" smtClean="0"/>
+          </a:p>
+          <a:p>
+            <a:pPr eaLnBrk="1" hangingPunct="1"/>
+            <a:endParaRPr lang="en-US" sz="2000" dirty="0"/>
+          </a:p>
+          <a:p>
+            <a:pPr eaLnBrk="1" hangingPunct="1"/>
+            <a:r>
+              <a:rPr lang="en-US" sz="2000" dirty="0" smtClean="0"/>
+              <a:t>We </a:t>
+            </a:r>
+            <a:r>
+              <a:rPr lang="en-US" sz="2000" dirty="0"/>
+              <a:t>also developed a robot hardware prototype that can be used for general swarm robot research. The hardware utilizes the </a:t>
+            </a:r>
+            <a:r>
+              <a:rPr lang="en-US" sz="2000" dirty="0" err="1"/>
+              <a:t>Arduino</a:t>
+            </a:r>
+            <a:r>
+              <a:rPr lang="en-US" sz="2000" dirty="0"/>
+              <a:t> Mega 2560 board and infrared emitters and receivers for communication and obstacle detection. </a:t>
+            </a:r>
+            <a:r>
+              <a:rPr lang="en-US" sz="2000" dirty="0" smtClean="0"/>
+              <a:t>The </a:t>
+            </a:r>
+            <a:r>
+              <a:rPr lang="en-US" sz="2000" dirty="0"/>
+              <a:t>key difficulty of designing the robot is the communication protocol, which currently is implemented as a state machine running as Interrupt Service Routines.</a:t>
+            </a:r>
+            <a:endParaRPr lang="en-US" sz="2000" dirty="0">
+              <a:latin typeface="+mn-lt"/>
+            </a:endParaRPr>
+          </a:p>
+        </p:txBody>
+      </p:sp>
       <p:sp>
         <p:nvSpPr>
           <p:cNvPr id="45" name="Rectangle 44"/>
@@ -5765,7 +5489,7 @@
           <a:p>
             <a:pPr algn="ctr"/>
             <a:r>
-              <a:rPr lang="en-US" sz="3200" b="1" dirty="0">
+              <a:rPr lang="en-US" sz="3200" b="1" dirty="0" smtClean="0">
                 <a:solidFill>
                   <a:schemeClr val="accent3">
                     <a:lumMod val="20000"/>
@@ -5773,8 +5497,16 @@
                   </a:schemeClr>
                 </a:solidFill>
               </a:rPr>
-              <a:t>Results</a:t>
-            </a:r>
+              <a:t>Hardware</a:t>
+            </a:r>
+            <a:endParaRPr lang="en-US" sz="3200" b="1" dirty="0">
+              <a:solidFill>
+                <a:schemeClr val="accent3">
+                  <a:lumMod val="20000"/>
+                  <a:lumOff val="80000"/>
+                </a:schemeClr>
+              </a:solidFill>
+            </a:endParaRPr>
           </a:p>
         </p:txBody>
       </p:sp>
@@ -5787,7 +5519,7 @@
           <p:nvPr/>
         </p:nvPicPr>
         <p:blipFill>
-          <a:blip r:embed="rId3">
+          <a:blip r:embed="rId2">
             <a:extLst>
               <a:ext uri="{28A0092B-C50C-407E-A947-70E740481C1C}">
                 <a14:useLocalDpi xmlns:a14="http://schemas.microsoft.com/office/drawing/2010/main" val="0"/>
@@ -5837,7 +5569,7 @@
           <p:nvPr/>
         </p:nvPicPr>
         <p:blipFill>
-          <a:blip r:embed="rId4">
+          <a:blip r:embed="rId3">
             <a:extLst>
               <a:ext uri="{28A0092B-C50C-407E-A947-70E740481C1C}">
                 <a14:useLocalDpi xmlns:a14="http://schemas.microsoft.com/office/drawing/2010/main" val="0"/>
@@ -6442,7 +6174,7 @@
         </p:xfrm>
         <a:graphic>
           <a:graphicData uri="http://schemas.openxmlformats.org/drawingml/2006/chart">
-            <c:chart xmlns:c="http://schemas.openxmlformats.org/drawingml/2006/chart" xmlns:r="http://schemas.openxmlformats.org/officeDocument/2006/relationships" r:id="rId5"/>
+            <c:chart xmlns:c="http://schemas.openxmlformats.org/drawingml/2006/chart" xmlns:r="http://schemas.openxmlformats.org/officeDocument/2006/relationships" r:id="rId4"/>
           </a:graphicData>
         </a:graphic>
       </p:graphicFrame>
@@ -6644,7 +6376,7 @@
             <a:avLst/>
           </a:prstGeom>
           <a:blipFill dpi="0" rotWithShape="1">
-            <a:blip r:embed="rId6">
+            <a:blip r:embed="rId5">
               <a:lum bright="70000" contrast="-70000"/>
             </a:blip>
             <a:srcRect/>
@@ -6713,7 +6445,7 @@
             <a:avLst/>
           </a:prstGeom>
           <a:blipFill dpi="0" rotWithShape="1">
-            <a:blip r:embed="rId6">
+            <a:blip r:embed="rId5">
               <a:lum bright="70000" contrast="-70000"/>
             </a:blip>
             <a:srcRect/>
@@ -6762,6 +6494,64 @@
               </a:rPr>
               <a:t>HIGH RESOLUTION LOGO</a:t>
             </a:r>
+          </a:p>
+        </p:txBody>
+      </p:sp>
+      <p:sp>
+        <p:nvSpPr>
+          <p:cNvPr id="38" name="TextBox 37"/>
+          <p:cNvSpPr txBox="1"/>
+          <p:nvPr/>
+        </p:nvSpPr>
+        <p:spPr>
+          <a:xfrm>
+            <a:off x="3505200" y="19964400"/>
+            <a:ext cx="3229638" cy="665003"/>
+          </a:xfrm>
+          <a:prstGeom prst="rect">
+            <a:avLst/>
+          </a:prstGeom>
+          <a:solidFill>
+            <a:schemeClr val="accent1">
+              <a:lumMod val="40000"/>
+              <a:lumOff val="60000"/>
+            </a:schemeClr>
+          </a:solidFill>
+        </p:spPr>
+        <p:txBody>
+          <a:bodyPr wrap="none" lIns="48971" tIns="24486" rIns="48971" bIns="24486" rtlCol="0">
+            <a:spAutoFit/>
+          </a:bodyPr>
+          <a:lstStyle/>
+          <a:p>
+            <a:r>
+              <a:rPr lang="en-US" sz="2000" dirty="0" err="1"/>
+              <a:t>Gajendranath</a:t>
+            </a:r>
+            <a:r>
+              <a:rPr lang="en-US" sz="2000" dirty="0"/>
+              <a:t> </a:t>
+            </a:r>
+            <a:r>
+              <a:rPr lang="en-US" sz="2000" dirty="0" err="1"/>
+              <a:t>Gaurav</a:t>
+            </a:r>
+            <a:r>
+              <a:rPr lang="en-US" sz="2000" dirty="0"/>
+              <a:t> Roy </a:t>
+            </a:r>
+            <a:r>
+              <a:rPr lang="en-US" sz="2000" dirty="0" err="1" smtClean="0"/>
+              <a:t>Puli</a:t>
+            </a:r>
+            <a:endParaRPr lang="en-US" sz="2000" dirty="0" smtClean="0"/>
+          </a:p>
+          <a:p>
+            <a:r>
+              <a:rPr lang="en-US" sz="2000" dirty="0" err="1" smtClean="0"/>
+              <a:t>gpuli@syr.edu</a:t>
+            </a:r>
+            <a:endParaRPr lang="en-US" sz="2000" dirty="0"/>
           </a:p>
         </p:txBody>
       </p:sp>

--- a/poster.pptx
+++ b/poster.pptx
@@ -13,8 +13,8 @@
     <a:defPPr>
       <a:defRPr lang="en-US"/>
     </a:defPPr>
-    <a:lvl1pPr marL="0" algn="l" defTabSz="2350606" rtl="0" eaLnBrk="1" latinLnBrk="0" hangingPunct="1">
-      <a:defRPr sz="4600" kern="1200">
+    <a:lvl1pPr marL="0" algn="l" defTabSz="2347089" rtl="0" eaLnBrk="1" latinLnBrk="0" hangingPunct="1">
+      <a:defRPr sz="4500" kern="1200">
         <a:solidFill>
           <a:schemeClr val="tx1"/>
         </a:solidFill>
@@ -23,8 +23,8 @@
         <a:cs typeface="+mn-cs"/>
       </a:defRPr>
     </a:lvl1pPr>
-    <a:lvl2pPr marL="1175304" algn="l" defTabSz="2350606" rtl="0" eaLnBrk="1" latinLnBrk="0" hangingPunct="1">
-      <a:defRPr sz="4600" kern="1200">
+    <a:lvl2pPr marL="1173545" algn="l" defTabSz="2347089" rtl="0" eaLnBrk="1" latinLnBrk="0" hangingPunct="1">
+      <a:defRPr sz="4500" kern="1200">
         <a:solidFill>
           <a:schemeClr val="tx1"/>
         </a:solidFill>
@@ -33,8 +33,8 @@
         <a:cs typeface="+mn-cs"/>
       </a:defRPr>
     </a:lvl2pPr>
-    <a:lvl3pPr marL="2350606" algn="l" defTabSz="2350606" rtl="0" eaLnBrk="1" latinLnBrk="0" hangingPunct="1">
-      <a:defRPr sz="4600" kern="1200">
+    <a:lvl3pPr marL="2347089" algn="l" defTabSz="2347089" rtl="0" eaLnBrk="1" latinLnBrk="0" hangingPunct="1">
+      <a:defRPr sz="4500" kern="1200">
         <a:solidFill>
           <a:schemeClr val="tx1"/>
         </a:solidFill>
@@ -43,8 +43,8 @@
         <a:cs typeface="+mn-cs"/>
       </a:defRPr>
     </a:lvl3pPr>
-    <a:lvl4pPr marL="3525911" algn="l" defTabSz="2350606" rtl="0" eaLnBrk="1" latinLnBrk="0" hangingPunct="1">
-      <a:defRPr sz="4600" kern="1200">
+    <a:lvl4pPr marL="3520644" algn="l" defTabSz="2347089" rtl="0" eaLnBrk="1" latinLnBrk="0" hangingPunct="1">
+      <a:defRPr sz="4500" kern="1200">
         <a:solidFill>
           <a:schemeClr val="tx1"/>
         </a:solidFill>
@@ -53,8 +53,8 @@
         <a:cs typeface="+mn-cs"/>
       </a:defRPr>
     </a:lvl4pPr>
-    <a:lvl5pPr marL="4701214" algn="l" defTabSz="2350606" rtl="0" eaLnBrk="1" latinLnBrk="0" hangingPunct="1">
-      <a:defRPr sz="4600" kern="1200">
+    <a:lvl5pPr marL="4694179" algn="l" defTabSz="2347089" rtl="0" eaLnBrk="1" latinLnBrk="0" hangingPunct="1">
+      <a:defRPr sz="4500" kern="1200">
         <a:solidFill>
           <a:schemeClr val="tx1"/>
         </a:solidFill>
@@ -63,8 +63,8 @@
         <a:cs typeface="+mn-cs"/>
       </a:defRPr>
     </a:lvl5pPr>
-    <a:lvl6pPr marL="5876517" algn="l" defTabSz="2350606" rtl="0" eaLnBrk="1" latinLnBrk="0" hangingPunct="1">
-      <a:defRPr sz="4600" kern="1200">
+    <a:lvl6pPr marL="5867730" algn="l" defTabSz="2347089" rtl="0" eaLnBrk="1" latinLnBrk="0" hangingPunct="1">
+      <a:defRPr sz="4500" kern="1200">
         <a:solidFill>
           <a:schemeClr val="tx1"/>
         </a:solidFill>
@@ -73,8 +73,8 @@
         <a:cs typeface="+mn-cs"/>
       </a:defRPr>
     </a:lvl6pPr>
-    <a:lvl7pPr marL="7051819" algn="l" defTabSz="2350606" rtl="0" eaLnBrk="1" latinLnBrk="0" hangingPunct="1">
-      <a:defRPr sz="4600" kern="1200">
+    <a:lvl7pPr marL="7041268" algn="l" defTabSz="2347089" rtl="0" eaLnBrk="1" latinLnBrk="0" hangingPunct="1">
+      <a:defRPr sz="4500" kern="1200">
         <a:solidFill>
           <a:schemeClr val="tx1"/>
         </a:solidFill>
@@ -83,8 +83,8 @@
         <a:cs typeface="+mn-cs"/>
       </a:defRPr>
     </a:lvl7pPr>
-    <a:lvl8pPr marL="8227124" algn="l" defTabSz="2350606" rtl="0" eaLnBrk="1" latinLnBrk="0" hangingPunct="1">
-      <a:defRPr sz="4600" kern="1200">
+    <a:lvl8pPr marL="8214820" algn="l" defTabSz="2347089" rtl="0" eaLnBrk="1" latinLnBrk="0" hangingPunct="1">
+      <a:defRPr sz="4500" kern="1200">
         <a:solidFill>
           <a:schemeClr val="tx1"/>
         </a:solidFill>
@@ -93,8 +93,8 @@
         <a:cs typeface="+mn-cs"/>
       </a:defRPr>
     </a:lvl8pPr>
-    <a:lvl9pPr marL="9402428" algn="l" defTabSz="2350606" rtl="0" eaLnBrk="1" latinLnBrk="0" hangingPunct="1">
-      <a:defRPr sz="4600" kern="1200">
+    <a:lvl9pPr marL="9388368" algn="l" defTabSz="2347089" rtl="0" eaLnBrk="1" latinLnBrk="0" hangingPunct="1">
+      <a:defRPr sz="4500" kern="1200">
         <a:solidFill>
           <a:schemeClr val="tx1"/>
         </a:solidFill>
@@ -105,269 +105,6 @@
     </a:lvl9pPr>
   </p:defaultTextStyle>
 </p:presentation>
-</file>
-
-<file path=ppt/charts/chart1.xml><?xml version="1.0" encoding="utf-8"?>
-<c:chartSpace xmlns:c="http://schemas.openxmlformats.org/drawingml/2006/chart" xmlns:a="http://schemas.openxmlformats.org/drawingml/2006/main" xmlns:r="http://schemas.openxmlformats.org/officeDocument/2006/relationships">
-  <c:date1904 val="0"/>
-  <c:lang val="en-US"/>
-  <c:roundedCorners val="0"/>
-  <mc:AlternateContent xmlns:mc="http://schemas.openxmlformats.org/markup-compatibility/2006">
-    <mc:Choice xmlns:c14="http://schemas.microsoft.com/office/drawing/2007/8/2/chart" Requires="c14">
-      <c14:style val="103"/>
-    </mc:Choice>
-    <mc:Fallback>
-      <c:style val="3"/>
-    </mc:Fallback>
-  </mc:AlternateContent>
-  <c:chart>
-    <c:autoTitleDeleted val="0"/>
-    <c:plotArea>
-      <c:layout/>
-      <c:barChart>
-        <c:barDir val="col"/>
-        <c:grouping val="clustered"/>
-        <c:varyColors val="0"/>
-        <c:ser>
-          <c:idx val="0"/>
-          <c:order val="0"/>
-          <c:tx>
-            <c:strRef>
-              <c:f>Sheet1!$B$1</c:f>
-              <c:strCache>
-                <c:ptCount val="1"/>
-                <c:pt idx="0">
-                  <c:v>Series 1</c:v>
-                </c:pt>
-              </c:strCache>
-            </c:strRef>
-          </c:tx>
-          <c:invertIfNegative val="0"/>
-          <c:cat>
-            <c:strRef>
-              <c:f>Sheet1!$A$2:$A$5</c:f>
-              <c:strCache>
-                <c:ptCount val="4"/>
-                <c:pt idx="0">
-                  <c:v>Category 1</c:v>
-                </c:pt>
-                <c:pt idx="1">
-                  <c:v>Category 2</c:v>
-                </c:pt>
-                <c:pt idx="2">
-                  <c:v>Category 3</c:v>
-                </c:pt>
-                <c:pt idx="3">
-                  <c:v>Category 4</c:v>
-                </c:pt>
-              </c:strCache>
-            </c:strRef>
-          </c:cat>
-          <c:val>
-            <c:numRef>
-              <c:f>Sheet1!$B$2:$B$5</c:f>
-              <c:numCache>
-                <c:formatCode>General</c:formatCode>
-                <c:ptCount val="4"/>
-                <c:pt idx="0">
-                  <c:v>4.3</c:v>
-                </c:pt>
-                <c:pt idx="1">
-                  <c:v>2.5</c:v>
-                </c:pt>
-                <c:pt idx="2">
-                  <c:v>3.5</c:v>
-                </c:pt>
-                <c:pt idx="3">
-                  <c:v>4.5</c:v>
-                </c:pt>
-              </c:numCache>
-            </c:numRef>
-          </c:val>
-        </c:ser>
-        <c:ser>
-          <c:idx val="1"/>
-          <c:order val="1"/>
-          <c:tx>
-            <c:strRef>
-              <c:f>Sheet1!$C$1</c:f>
-              <c:strCache>
-                <c:ptCount val="1"/>
-                <c:pt idx="0">
-                  <c:v>Series 2</c:v>
-                </c:pt>
-              </c:strCache>
-            </c:strRef>
-          </c:tx>
-          <c:invertIfNegative val="0"/>
-          <c:cat>
-            <c:strRef>
-              <c:f>Sheet1!$A$2:$A$5</c:f>
-              <c:strCache>
-                <c:ptCount val="4"/>
-                <c:pt idx="0">
-                  <c:v>Category 1</c:v>
-                </c:pt>
-                <c:pt idx="1">
-                  <c:v>Category 2</c:v>
-                </c:pt>
-                <c:pt idx="2">
-                  <c:v>Category 3</c:v>
-                </c:pt>
-                <c:pt idx="3">
-                  <c:v>Category 4</c:v>
-                </c:pt>
-              </c:strCache>
-            </c:strRef>
-          </c:cat>
-          <c:val>
-            <c:numRef>
-              <c:f>Sheet1!$C$2:$C$5</c:f>
-              <c:numCache>
-                <c:formatCode>General</c:formatCode>
-                <c:ptCount val="4"/>
-                <c:pt idx="0">
-                  <c:v>2.4</c:v>
-                </c:pt>
-                <c:pt idx="1">
-                  <c:v>4.4</c:v>
-                </c:pt>
-                <c:pt idx="2">
-                  <c:v>1.8</c:v>
-                </c:pt>
-                <c:pt idx="3">
-                  <c:v>2.8</c:v>
-                </c:pt>
-              </c:numCache>
-            </c:numRef>
-          </c:val>
-        </c:ser>
-        <c:ser>
-          <c:idx val="2"/>
-          <c:order val="2"/>
-          <c:tx>
-            <c:strRef>
-              <c:f>Sheet1!$D$1</c:f>
-              <c:strCache>
-                <c:ptCount val="1"/>
-                <c:pt idx="0">
-                  <c:v>Series 3</c:v>
-                </c:pt>
-              </c:strCache>
-            </c:strRef>
-          </c:tx>
-          <c:invertIfNegative val="0"/>
-          <c:cat>
-            <c:strRef>
-              <c:f>Sheet1!$A$2:$A$5</c:f>
-              <c:strCache>
-                <c:ptCount val="4"/>
-                <c:pt idx="0">
-                  <c:v>Category 1</c:v>
-                </c:pt>
-                <c:pt idx="1">
-                  <c:v>Category 2</c:v>
-                </c:pt>
-                <c:pt idx="2">
-                  <c:v>Category 3</c:v>
-                </c:pt>
-                <c:pt idx="3">
-                  <c:v>Category 4</c:v>
-                </c:pt>
-              </c:strCache>
-            </c:strRef>
-          </c:cat>
-          <c:val>
-            <c:numRef>
-              <c:f>Sheet1!$D$2:$D$5</c:f>
-              <c:numCache>
-                <c:formatCode>General</c:formatCode>
-                <c:ptCount val="4"/>
-                <c:pt idx="0">
-                  <c:v>2.0</c:v>
-                </c:pt>
-                <c:pt idx="1">
-                  <c:v>2.0</c:v>
-                </c:pt>
-                <c:pt idx="2">
-                  <c:v>3.0</c:v>
-                </c:pt>
-                <c:pt idx="3">
-                  <c:v>3.4</c:v>
-                </c:pt>
-              </c:numCache>
-            </c:numRef>
-          </c:val>
-        </c:ser>
-        <c:dLbls>
-          <c:showLegendKey val="0"/>
-          <c:showVal val="0"/>
-          <c:showCatName val="0"/>
-          <c:showSerName val="0"/>
-          <c:showPercent val="0"/>
-          <c:showBubbleSize val="0"/>
-        </c:dLbls>
-        <c:gapWidth val="150"/>
-        <c:axId val="-2136884088"/>
-        <c:axId val="-2135551272"/>
-      </c:barChart>
-      <c:catAx>
-        <c:axId val="-2136884088"/>
-        <c:scaling>
-          <c:orientation val="minMax"/>
-        </c:scaling>
-        <c:delete val="0"/>
-        <c:axPos val="b"/>
-        <c:majorTickMark val="out"/>
-        <c:minorTickMark val="none"/>
-        <c:tickLblPos val="nextTo"/>
-        <c:crossAx val="-2135551272"/>
-        <c:crosses val="autoZero"/>
-        <c:auto val="1"/>
-        <c:lblAlgn val="ctr"/>
-        <c:lblOffset val="100"/>
-        <c:noMultiLvlLbl val="0"/>
-      </c:catAx>
-      <c:valAx>
-        <c:axId val="-2135551272"/>
-        <c:scaling>
-          <c:orientation val="minMax"/>
-        </c:scaling>
-        <c:delete val="0"/>
-        <c:axPos val="l"/>
-        <c:majorGridlines/>
-        <c:numFmt formatCode="General" sourceLinked="1"/>
-        <c:majorTickMark val="out"/>
-        <c:minorTickMark val="none"/>
-        <c:tickLblPos val="nextTo"/>
-        <c:crossAx val="-2136884088"/>
-        <c:crosses val="autoZero"/>
-        <c:crossBetween val="between"/>
-      </c:valAx>
-    </c:plotArea>
-    <c:legend>
-      <c:legendPos val="r"/>
-      <c:layout/>
-      <c:overlay val="0"/>
-    </c:legend>
-    <c:plotVisOnly val="1"/>
-    <c:dispBlanksAs val="gap"/>
-    <c:showDLblsOverMax val="0"/>
-  </c:chart>
-  <c:txPr>
-    <a:bodyPr/>
-    <a:lstStyle/>
-    <a:p>
-      <a:pPr>
-        <a:defRPr sz="1800"/>
-      </a:pPr>
-      <a:endParaRPr lang="en-US"/>
-    </a:p>
-  </c:txPr>
-  <c:externalData r:id="rId1">
-    <c:autoUpdate val="0"/>
-  </c:externalData>
-</c:chartSpace>
 </file>
 
 <file path=ppt/slideLayouts/slideLayout1.xml><?xml version="1.0" encoding="utf-8"?>
@@ -428,7 +165,7 @@
           </a:fontRef>
         </p:style>
         <p:txBody>
-          <a:bodyPr lIns="48971" tIns="24486" rIns="48971" bIns="24486" rtlCol="0" anchor="ctr"/>
+          <a:bodyPr lIns="48897" tIns="24445" rIns="48897" bIns="24445" rtlCol="0" anchor="ctr"/>
           <a:lstStyle/>
           <a:p>
             <a:pPr algn="ctr"/>
@@ -444,7 +181,7 @@
         </p:nvSpPr>
         <p:spPr>
           <a:xfrm>
-            <a:off x="-2" y="0"/>
+            <a:off x="-4" y="0"/>
             <a:ext cx="548640" cy="21945600"/>
           </a:xfrm>
           <a:prstGeom prst="rect">
@@ -477,7 +214,7 @@
           </a:fontRef>
         </p:style>
         <p:txBody>
-          <a:bodyPr lIns="48971" tIns="24486" rIns="48971" bIns="24486" rtlCol="0" anchor="ctr"/>
+          <a:bodyPr lIns="48897" tIns="24445" rIns="48897" bIns="24445" rtlCol="0" anchor="ctr"/>
           <a:lstStyle/>
           <a:p>
             <a:pPr algn="ctr"/>
@@ -525,7 +262,7 @@
           </a:fontRef>
         </p:style>
         <p:txBody>
-          <a:bodyPr lIns="48971" tIns="24486" rIns="48971" bIns="24486" rtlCol="0" anchor="ctr"/>
+          <a:bodyPr lIns="48897" tIns="24445" rIns="48897" bIns="24445" rtlCol="0" anchor="ctr"/>
           <a:lstStyle/>
           <a:p>
             <a:pPr algn="ctr"/>
@@ -574,7 +311,7 @@
           </a:fontRef>
         </p:style>
         <p:txBody>
-          <a:bodyPr lIns="48971" tIns="24486" rIns="48971" bIns="24486" rtlCol="0" anchor="ctr"/>
+          <a:bodyPr lIns="48897" tIns="24445" rIns="48897" bIns="24445" rtlCol="0" anchor="ctr"/>
           <a:lstStyle/>
           <a:p>
             <a:pPr algn="ctr"/>
@@ -604,8 +341,8 @@
         </p:blipFill>
         <p:spPr bwMode="auto">
           <a:xfrm>
-            <a:off x="1371603" y="21717002"/>
-            <a:ext cx="1970212" cy="146865"/>
+            <a:off x="1371605" y="21717003"/>
+            <a:ext cx="1970212" cy="146864"/>
           </a:xfrm>
           <a:prstGeom prst="rect">
             <a:avLst/>
@@ -675,7 +412,7 @@
           </a:fontRef>
         </p:style>
         <p:txBody>
-          <a:bodyPr lIns="122428" tIns="122428" rIns="122428" bIns="122428" rtlCol="0" anchor="t"/>
+          <a:bodyPr lIns="122243" tIns="122243" rIns="122243" bIns="122243" rtlCol="0" anchor="t"/>
           <a:lstStyle>
             <a:defPPr>
               <a:defRPr lang="en-US"/>
@@ -781,7 +518,7 @@
               </a:spcAft>
             </a:pPr>
             <a:r>
-              <a:rPr lang="en-US" sz="4700" dirty="0" smtClean="0">
+              <a:rPr lang="en-US" sz="4800" dirty="0" smtClean="0">
                 <a:solidFill>
                   <a:srgbClr val="7F7F7F"/>
                 </a:solidFill>
@@ -790,7 +527,7 @@
               </a:rPr>
               <a:t>Poster Print Size:</a:t>
             </a:r>
-            <a:endParaRPr sz="4700" dirty="0">
+            <a:endParaRPr sz="4800" dirty="0">
               <a:solidFill>
                 <a:srgbClr val="7F7F7F"/>
               </a:solidFill>
@@ -808,7 +545,7 @@
               </a:spcAft>
             </a:pPr>
             <a:r>
-              <a:rPr lang="en-US" sz="3300" dirty="0" smtClean="0">
+              <a:rPr lang="en-US" sz="3400" dirty="0" smtClean="0">
                 <a:solidFill>
                   <a:srgbClr val="7F7F7F"/>
                 </a:solidFill>
@@ -828,7 +565,7 @@
               </a:spcAft>
             </a:pPr>
             <a:r>
-              <a:rPr lang="en-US" sz="4700" dirty="0" smtClean="0">
+              <a:rPr lang="en-US" sz="4800" dirty="0" smtClean="0">
                 <a:solidFill>
                   <a:srgbClr val="7F7F7F"/>
                 </a:solidFill>
@@ -838,7 +575,7 @@
               <a:t>Placeholders</a:t>
             </a:r>
             <a:r>
-              <a:rPr sz="4700" dirty="0" smtClean="0">
+              <a:rPr sz="4800" dirty="0" smtClean="0">
                 <a:solidFill>
                   <a:srgbClr val="7F7F7F"/>
                 </a:solidFill>
@@ -847,7 +584,7 @@
               </a:rPr>
               <a:t>:</a:t>
             </a:r>
-            <a:endParaRPr sz="4700" dirty="0">
+            <a:endParaRPr sz="4800" dirty="0">
               <a:solidFill>
                 <a:srgbClr val="7F7F7F"/>
               </a:solidFill>
@@ -865,7 +602,7 @@
               </a:spcAft>
             </a:pPr>
             <a:r>
-              <a:rPr sz="3300" dirty="0">
+              <a:rPr sz="3400" dirty="0">
                 <a:solidFill>
                   <a:srgbClr val="7F7F7F"/>
                 </a:solidFill>
@@ -875,7 +612,7 @@
               <a:t>The </a:t>
             </a:r>
             <a:r>
-              <a:rPr lang="en-US" sz="3300" dirty="0" smtClean="0">
+              <a:rPr lang="en-US" sz="3400" dirty="0" smtClean="0">
                 <a:solidFill>
                   <a:srgbClr val="7F7F7F"/>
                 </a:solidFill>
@@ -885,7 +622,7 @@
               <a:t>various elements included</a:t>
             </a:r>
             <a:r>
-              <a:rPr sz="3300" dirty="0" smtClean="0">
+              <a:rPr sz="3400" dirty="0" smtClean="0">
                 <a:solidFill>
                   <a:srgbClr val="7F7F7F"/>
                 </a:solidFill>
@@ -895,7 +632,7 @@
               <a:t> </a:t>
             </a:r>
             <a:r>
-              <a:rPr sz="3300" dirty="0">
+              <a:rPr sz="3400" dirty="0">
                 <a:solidFill>
                   <a:srgbClr val="7F7F7F"/>
                 </a:solidFill>
@@ -905,7 +642,7 @@
               <a:t>in this </a:t>
             </a:r>
             <a:r>
-              <a:rPr lang="en-US" sz="3300" dirty="0" smtClean="0">
+              <a:rPr lang="en-US" sz="3400" dirty="0" smtClean="0">
                 <a:solidFill>
                   <a:srgbClr val="7F7F7F"/>
                 </a:solidFill>
@@ -915,7 +652,7 @@
               <a:t>poster are ones</a:t>
             </a:r>
             <a:r>
-              <a:rPr lang="en-US" sz="3300" baseline="0" dirty="0" smtClean="0">
+              <a:rPr lang="en-US" sz="3400" baseline="0" dirty="0" smtClean="0">
                 <a:solidFill>
                   <a:srgbClr val="7F7F7F"/>
                 </a:solidFill>
@@ -925,7 +662,7 @@
               <a:t> we often see in medical, research, and scientific posters.</a:t>
             </a:r>
             <a:r>
-              <a:rPr sz="3300" dirty="0" smtClean="0">
+              <a:rPr sz="3400" dirty="0" smtClean="0">
                 <a:solidFill>
                   <a:srgbClr val="7F7F7F"/>
                 </a:solidFill>
@@ -935,7 +672,7 @@
               <a:t> </a:t>
             </a:r>
             <a:r>
-              <a:rPr lang="en-US" sz="3300" dirty="0" smtClean="0">
+              <a:rPr lang="en-US" sz="3400" dirty="0" smtClean="0">
                 <a:solidFill>
                   <a:srgbClr val="7F7F7F"/>
                 </a:solidFill>
@@ -945,7 +682,7 @@
               <a:t>Feel</a:t>
             </a:r>
             <a:r>
-              <a:rPr lang="en-US" sz="3300" baseline="0" dirty="0" smtClean="0">
+              <a:rPr lang="en-US" sz="3400" baseline="0" dirty="0" smtClean="0">
                 <a:solidFill>
                   <a:srgbClr val="7F7F7F"/>
                 </a:solidFill>
@@ -965,7 +702,7 @@
               </a:spcAft>
             </a:pPr>
             <a:r>
-              <a:rPr lang="en-US" sz="4700" dirty="0" smtClean="0">
+              <a:rPr lang="en-US" sz="4800" dirty="0" smtClean="0">
                 <a:solidFill>
                   <a:srgbClr val="7F7F7F"/>
                 </a:solidFill>
@@ -975,7 +712,7 @@
               <a:t>Image</a:t>
             </a:r>
             <a:r>
-              <a:rPr lang="en-US" sz="4700" baseline="0" dirty="0" smtClean="0">
+              <a:rPr lang="en-US" sz="4800" baseline="0" dirty="0" smtClean="0">
                 <a:solidFill>
                   <a:srgbClr val="7F7F7F"/>
                 </a:solidFill>
@@ -985,7 +722,7 @@
               <a:t> Quality</a:t>
             </a:r>
             <a:r>
-              <a:rPr lang="en-US" sz="4700" dirty="0" smtClean="0">
+              <a:rPr lang="en-US" sz="4800" dirty="0" smtClean="0">
                 <a:solidFill>
                   <a:srgbClr val="7F7F7F"/>
                 </a:solidFill>
@@ -1005,7 +742,7 @@
               </a:spcAft>
             </a:pPr>
             <a:r>
-              <a:rPr lang="en-US" sz="3300" dirty="0" smtClean="0">
+              <a:rPr lang="en-US" sz="3400" dirty="0" smtClean="0">
                 <a:solidFill>
                   <a:srgbClr val="7F7F7F"/>
                 </a:solidFill>
@@ -1015,7 +752,7 @@
               <a:t>You can place digital photos or logo art in your poster file by selecting the </a:t>
             </a:r>
             <a:r>
-              <a:rPr lang="en-US" sz="3300" b="1" dirty="0" smtClean="0">
+              <a:rPr lang="en-US" sz="3400" b="1" dirty="0" smtClean="0">
                 <a:solidFill>
                   <a:srgbClr val="7F7F7F"/>
                 </a:solidFill>
@@ -1025,7 +762,7 @@
               <a:t>Insert, Picture</a:t>
             </a:r>
             <a:r>
-              <a:rPr lang="en-US" sz="3300" dirty="0" smtClean="0">
+              <a:rPr lang="en-US" sz="3400" dirty="0" smtClean="0">
                 <a:solidFill>
                   <a:srgbClr val="7F7F7F"/>
                 </a:solidFill>
@@ -1035,7 +772,7 @@
               <a:t> command, or by using standard copy &amp; paste. For best results, all graphic elements should be at least </a:t>
             </a:r>
             <a:r>
-              <a:rPr lang="en-US" sz="3300" b="1" dirty="0" smtClean="0">
+              <a:rPr lang="en-US" sz="3400" b="1" dirty="0" smtClean="0">
                 <a:solidFill>
                   <a:srgbClr val="7F7F7F"/>
                 </a:solidFill>
@@ -1045,7 +782,7 @@
               <a:t>150-200 pixels per inch in their final printed size</a:t>
             </a:r>
             <a:r>
-              <a:rPr lang="en-US" sz="3300" dirty="0" smtClean="0">
+              <a:rPr lang="en-US" sz="3400" dirty="0" smtClean="0">
                 <a:solidFill>
                   <a:srgbClr val="7F7F7F"/>
                 </a:solidFill>
@@ -1055,7 +792,7 @@
               <a:t>. For instance, a 1600 x 1200 pixel</a:t>
             </a:r>
             <a:r>
-              <a:rPr lang="en-US" sz="3300" baseline="0" dirty="0" smtClean="0">
+              <a:rPr lang="en-US" sz="3400" baseline="0" dirty="0" smtClean="0">
                 <a:solidFill>
                   <a:srgbClr val="7F7F7F"/>
                 </a:solidFill>
@@ -1065,7 +802,7 @@
               <a:t> photo will usually look fine up to </a:t>
             </a:r>
             <a:r>
-              <a:rPr lang="en-US" sz="3300" dirty="0" smtClean="0">
+              <a:rPr lang="en-US" sz="3400" dirty="0" smtClean="0">
                 <a:solidFill>
                   <a:srgbClr val="7F7F7F"/>
                 </a:solidFill>
@@ -1085,7 +822,7 @@
               </a:spcAft>
             </a:pPr>
             <a:r>
-              <a:rPr lang="en-US" sz="3300" dirty="0" smtClean="0">
+              <a:rPr lang="en-US" sz="3400" dirty="0" smtClean="0">
                 <a:solidFill>
                   <a:srgbClr val="7F7F7F"/>
                 </a:solidFill>
@@ -1105,7 +842,7 @@
               </a:spcAft>
             </a:pPr>
             <a:r>
-              <a:rPr lang="en-US" sz="3300" dirty="0" smtClean="0">
+              <a:rPr lang="en-US" sz="3400" dirty="0" smtClean="0">
                 <a:solidFill>
                   <a:srgbClr val="7F7F7F"/>
                 </a:solidFill>
@@ -1316,7 +1053,7 @@
                 </a:spcAft>
               </a:pPr>
               <a:r>
-                <a:rPr lang="en-US" sz="4700" dirty="0" smtClean="0">
+                <a:rPr lang="en-US" sz="4800" dirty="0" smtClean="0">
                   <a:solidFill>
                     <a:schemeClr val="bg1">
                       <a:lumMod val="50000"/>
@@ -1328,7 +1065,7 @@
                 <a:t>Change</a:t>
               </a:r>
               <a:r>
-                <a:rPr lang="en-US" sz="4700" baseline="0" dirty="0" smtClean="0">
+                <a:rPr lang="en-US" sz="4800" baseline="0" dirty="0" smtClean="0">
                   <a:solidFill>
                     <a:schemeClr val="bg1">
                       <a:lumMod val="50000"/>
@@ -1340,7 +1077,7 @@
                 <a:t> Color Theme</a:t>
               </a:r>
               <a:r>
-                <a:rPr lang="en-US" sz="4700" dirty="0" smtClean="0">
+                <a:rPr lang="en-US" sz="4800" dirty="0" smtClean="0">
                   <a:solidFill>
                     <a:schemeClr val="bg1">
                       <a:lumMod val="50000"/>
@@ -1351,7 +1088,7 @@
                 </a:rPr>
                 <a:t>:</a:t>
               </a:r>
-              <a:endParaRPr sz="4700" dirty="0">
+              <a:endParaRPr sz="4800" dirty="0">
                 <a:solidFill>
                   <a:schemeClr val="bg1">
                     <a:lumMod val="50000"/>
@@ -1371,7 +1108,7 @@
                 </a:spcAft>
               </a:pPr>
               <a:r>
-                <a:rPr lang="en-US" sz="3300" dirty="0" smtClean="0">
+                <a:rPr lang="en-US" sz="3400" dirty="0" smtClean="0">
                   <a:solidFill>
                     <a:schemeClr val="bg1">
                       <a:lumMod val="50000"/>
@@ -1383,7 +1120,7 @@
                 <a:t>This template is designed to use the built-in color themes in</a:t>
               </a:r>
               <a:r>
-                <a:rPr lang="en-US" sz="3300" baseline="0" dirty="0" smtClean="0">
+                <a:rPr lang="en-US" sz="3400" baseline="0" dirty="0" smtClean="0">
                   <a:solidFill>
                     <a:schemeClr val="bg1">
                       <a:lumMod val="50000"/>
@@ -1405,7 +1142,7 @@
                 </a:spcAft>
               </a:pPr>
               <a:r>
-                <a:rPr lang="en-US" sz="3300" baseline="0" dirty="0" smtClean="0">
+                <a:rPr lang="en-US" sz="3400" baseline="0" dirty="0" smtClean="0">
                   <a:solidFill>
                     <a:schemeClr val="bg1">
                       <a:lumMod val="50000"/>
@@ -1417,7 +1154,7 @@
                 <a:t>To change the color theme, select the </a:t>
               </a:r>
               <a:r>
-                <a:rPr lang="en-US" sz="3300" b="1" baseline="0" dirty="0" smtClean="0">
+                <a:rPr lang="en-US" sz="3400" b="1" baseline="0" dirty="0" smtClean="0">
                   <a:solidFill>
                     <a:schemeClr val="bg1">
                       <a:lumMod val="50000"/>
@@ -1429,7 +1166,7 @@
                 <a:t>Design</a:t>
               </a:r>
               <a:r>
-                <a:rPr lang="en-US" sz="3300" baseline="0" dirty="0" smtClean="0">
+                <a:rPr lang="en-US" sz="3400" baseline="0" dirty="0" smtClean="0">
                   <a:solidFill>
                     <a:schemeClr val="bg1">
                       <a:lumMod val="50000"/>
@@ -1441,7 +1178,7 @@
                 <a:t> tab, then select the </a:t>
               </a:r>
               <a:r>
-                <a:rPr lang="en-US" sz="3300" b="1" baseline="0" dirty="0" smtClean="0">
+                <a:rPr lang="en-US" sz="3400" b="1" baseline="0" dirty="0" smtClean="0">
                   <a:solidFill>
                     <a:schemeClr val="bg1">
                       <a:lumMod val="50000"/>
@@ -1453,7 +1190,7 @@
                 <a:t>Colors</a:t>
               </a:r>
               <a:r>
-                <a:rPr lang="en-US" sz="3300" baseline="0" dirty="0" smtClean="0">
+                <a:rPr lang="en-US" sz="3400" baseline="0" dirty="0" smtClean="0">
                   <a:solidFill>
                     <a:schemeClr val="bg1">
                       <a:lumMod val="50000"/>
@@ -1493,7 +1230,7 @@
                   <a:spcPts val="1286"/>
                 </a:spcAft>
               </a:pPr>
-              <a:endParaRPr lang="en-US" sz="3300" baseline="0" dirty="0" smtClean="0">
+              <a:endParaRPr lang="en-US" sz="3400" baseline="0" dirty="0" smtClean="0">
                 <a:solidFill>
                   <a:schemeClr val="bg1">
                     <a:lumMod val="50000"/>
@@ -1512,7 +1249,7 @@
                   <a:spcPts val="1286"/>
                 </a:spcAft>
               </a:pPr>
-              <a:endParaRPr lang="en-US" sz="3300" baseline="0" dirty="0" smtClean="0">
+              <a:endParaRPr lang="en-US" sz="3400" baseline="0" dirty="0" smtClean="0">
                 <a:solidFill>
                   <a:schemeClr val="bg1">
                     <a:lumMod val="50000"/>
@@ -1531,7 +1268,7 @@
                   <a:spcPts val="1286"/>
                 </a:spcAft>
               </a:pPr>
-              <a:endParaRPr lang="en-US" sz="3300" baseline="0" dirty="0" smtClean="0">
+              <a:endParaRPr lang="en-US" sz="3400" baseline="0" dirty="0" smtClean="0">
                 <a:solidFill>
                   <a:schemeClr val="bg1">
                     <a:lumMod val="50000"/>
@@ -1550,7 +1287,7 @@
                   <a:spcPts val="1286"/>
                 </a:spcAft>
               </a:pPr>
-              <a:endParaRPr lang="en-US" sz="3300" baseline="0" dirty="0" smtClean="0">
+              <a:endParaRPr lang="en-US" sz="3400" baseline="0" dirty="0" smtClean="0">
                 <a:solidFill>
                   <a:schemeClr val="bg1">
                     <a:lumMod val="50000"/>
@@ -1569,7 +1306,7 @@
                   <a:spcPts val="1286"/>
                 </a:spcAft>
               </a:pPr>
-              <a:endParaRPr lang="en-US" sz="3300" baseline="0" dirty="0" smtClean="0">
+              <a:endParaRPr lang="en-US" sz="3400" baseline="0" dirty="0" smtClean="0">
                 <a:solidFill>
                   <a:schemeClr val="bg1">
                     <a:lumMod val="50000"/>
@@ -1588,7 +1325,7 @@
                   <a:spcPts val="1286"/>
                 </a:spcAft>
               </a:pPr>
-              <a:endParaRPr lang="en-US" sz="3300" baseline="0" dirty="0" smtClean="0">
+              <a:endParaRPr lang="en-US" sz="3400" baseline="0" dirty="0" smtClean="0">
                 <a:solidFill>
                   <a:schemeClr val="bg1">
                     <a:lumMod val="50000"/>
@@ -1607,7 +1344,7 @@
                   <a:spcPts val="1286"/>
                 </a:spcAft>
               </a:pPr>
-              <a:endParaRPr lang="en-US" sz="3300" baseline="0" dirty="0" smtClean="0">
+              <a:endParaRPr lang="en-US" sz="3400" baseline="0" dirty="0" smtClean="0">
                 <a:solidFill>
                   <a:schemeClr val="bg1">
                     <a:lumMod val="50000"/>
@@ -1627,7 +1364,7 @@
                 </a:spcAft>
               </a:pPr>
               <a:r>
-                <a:rPr lang="en-US" sz="3300" baseline="0" dirty="0" smtClean="0">
+                <a:rPr lang="en-US" sz="3400" baseline="0" dirty="0" smtClean="0">
                   <a:solidFill>
                     <a:schemeClr val="bg1">
                       <a:lumMod val="50000"/>
@@ -1649,7 +1386,7 @@
                 </a:spcAft>
               </a:pPr>
               <a:r>
-                <a:rPr lang="en-US" sz="4700" dirty="0" smtClean="0">
+                <a:rPr lang="en-US" sz="4800" dirty="0" smtClean="0">
                   <a:solidFill>
                     <a:schemeClr val="bg1">
                       <a:lumMod val="50000"/>
@@ -1671,7 +1408,7 @@
                 </a:spcAft>
               </a:pPr>
               <a:r>
-                <a:rPr lang="en-US" sz="3300" dirty="0" smtClean="0">
+                <a:rPr lang="en-US" sz="3400" dirty="0" smtClean="0">
                   <a:solidFill>
                     <a:schemeClr val="bg1">
                       <a:lumMod val="50000"/>
@@ -1683,7 +1420,7 @@
                 <a:t>Once your poster file is ready, visit</a:t>
               </a:r>
               <a:r>
-                <a:rPr lang="en-US" sz="3300" baseline="0" dirty="0" smtClean="0">
+                <a:rPr lang="en-US" sz="3400" baseline="0" dirty="0" smtClean="0">
                   <a:solidFill>
                     <a:schemeClr val="bg1">
                       <a:lumMod val="50000"/>
@@ -1695,7 +1432,7 @@
                 <a:t> </a:t>
               </a:r>
               <a:r>
-                <a:rPr lang="en-US" sz="3300" b="1" baseline="0" dirty="0" smtClean="0">
+                <a:rPr lang="en-US" sz="3400" b="1" baseline="0" dirty="0" smtClean="0">
                   <a:solidFill>
                     <a:schemeClr val="bg1">
                       <a:lumMod val="50000"/>
@@ -1707,7 +1444,7 @@
                 <a:t>www.genigraphics.com</a:t>
               </a:r>
               <a:r>
-                <a:rPr lang="en-US" sz="3300" baseline="0" dirty="0" smtClean="0">
+                <a:rPr lang="en-US" sz="3400" baseline="0" dirty="0" smtClean="0">
                   <a:solidFill>
                     <a:schemeClr val="bg1">
                       <a:lumMod val="50000"/>
@@ -1729,7 +1466,7 @@
                 </a:spcAft>
               </a:pPr>
               <a:r>
-                <a:rPr lang="en-US" sz="3300" baseline="0" dirty="0" smtClean="0">
+                <a:rPr lang="en-US" sz="3400" baseline="0" dirty="0" smtClean="0">
                   <a:solidFill>
                     <a:schemeClr val="bg1">
                       <a:lumMod val="50000"/>
@@ -1750,7 +1487,7 @@
                   <a:spcPts val="0"/>
                 </a:spcAft>
               </a:pPr>
-              <a:endParaRPr lang="en-US" sz="3300" baseline="0" dirty="0" smtClean="0">
+              <a:endParaRPr lang="en-US" sz="3400" baseline="0" dirty="0" smtClean="0">
                 <a:solidFill>
                   <a:schemeClr val="bg1">
                     <a:lumMod val="50000"/>
@@ -1770,7 +1507,7 @@
                 </a:spcAft>
               </a:pPr>
               <a:r>
-                <a:rPr lang="en-US" sz="3300" baseline="0" dirty="0" smtClean="0">
+                <a:rPr lang="en-US" sz="3400" baseline="0" dirty="0" smtClean="0">
                   <a:solidFill>
                     <a:schemeClr val="bg1">
                       <a:lumMod val="50000"/>
@@ -1782,7 +1519,7 @@
                 <a:t>US and Canada:  1-800-790-4001</a:t>
               </a:r>
               <a:br>
-                <a:rPr lang="en-US" sz="3300" baseline="0" dirty="0" smtClean="0">
+                <a:rPr lang="en-US" sz="3400" baseline="0" dirty="0" smtClean="0">
                   <a:solidFill>
                     <a:schemeClr val="bg1">
                       <a:lumMod val="50000"/>
@@ -1793,7 +1530,7 @@
                 </a:rPr>
               </a:br>
               <a:r>
-                <a:rPr lang="en-US" sz="3300" baseline="0" dirty="0" smtClean="0">
+                <a:rPr lang="en-US" sz="3400" baseline="0" dirty="0" smtClean="0">
                   <a:solidFill>
                     <a:schemeClr val="bg1">
                       <a:lumMod val="50000"/>
@@ -2114,7 +1851,7 @@
         </p:nvSpPr>
         <p:spPr>
           <a:xfrm>
-            <a:off x="1645920" y="878841"/>
+            <a:off x="1645920" y="878842"/>
             <a:ext cx="29626560" cy="3657600"/>
           </a:xfrm>
           <a:prstGeom prst="rect">
@@ -2122,7 +1859,7 @@
           </a:prstGeom>
         </p:spPr>
         <p:txBody>
-          <a:bodyPr vert="horz" lIns="235061" tIns="117531" rIns="235061" bIns="117531" rtlCol="0" anchor="ctr">
+          <a:bodyPr vert="horz" lIns="234712" tIns="117354" rIns="234712" bIns="117354" rtlCol="0" anchor="ctr">
             <a:normAutofit/>
           </a:bodyPr>
           <a:lstStyle/>
@@ -2147,7 +1884,7 @@
         </p:nvSpPr>
         <p:spPr>
           <a:xfrm>
-            <a:off x="1645920" y="5120643"/>
+            <a:off x="1645920" y="5120654"/>
             <a:ext cx="29626560" cy="14483082"/>
           </a:xfrm>
           <a:prstGeom prst="rect">
@@ -2155,7 +1892,7 @@
           </a:prstGeom>
         </p:spPr>
         <p:txBody>
-          <a:bodyPr vert="horz" lIns="235061" tIns="117531" rIns="235061" bIns="117531" rtlCol="0">
+          <a:bodyPr vert="horz" lIns="234712" tIns="117354" rIns="234712" bIns="117354" rtlCol="0">
             <a:normAutofit/>
           </a:bodyPr>
           <a:lstStyle/>
@@ -2209,7 +1946,7 @@
         </p:nvSpPr>
         <p:spPr>
           <a:xfrm>
-            <a:off x="1645920" y="20340322"/>
+            <a:off x="1645920" y="20340331"/>
             <a:ext cx="7680960" cy="1168400"/>
           </a:xfrm>
           <a:prstGeom prst="rect">
@@ -2217,10 +1954,10 @@
           </a:prstGeom>
         </p:spPr>
         <p:txBody>
-          <a:bodyPr vert="horz" lIns="235061" tIns="117531" rIns="235061" bIns="117531" rtlCol="0" anchor="ctr"/>
+          <a:bodyPr vert="horz" lIns="234712" tIns="117354" rIns="234712" bIns="117354" rtlCol="0" anchor="ctr"/>
           <a:lstStyle>
             <a:lvl1pPr algn="l">
-              <a:defRPr sz="3200">
+              <a:defRPr sz="3100">
                 <a:solidFill>
                   <a:schemeClr val="tx1">
                     <a:tint val="75000"/>
@@ -2250,7 +1987,7 @@
         </p:nvSpPr>
         <p:spPr>
           <a:xfrm>
-            <a:off x="11247120" y="20340322"/>
+            <a:off x="11247120" y="20340331"/>
             <a:ext cx="10424160" cy="1168400"/>
           </a:xfrm>
           <a:prstGeom prst="rect">
@@ -2258,10 +1995,10 @@
           </a:prstGeom>
         </p:spPr>
         <p:txBody>
-          <a:bodyPr vert="horz" lIns="235061" tIns="117531" rIns="235061" bIns="117531" rtlCol="0" anchor="ctr"/>
+          <a:bodyPr vert="horz" lIns="234712" tIns="117354" rIns="234712" bIns="117354" rtlCol="0" anchor="ctr"/>
           <a:lstStyle>
             <a:lvl1pPr algn="ctr">
-              <a:defRPr sz="3200">
+              <a:defRPr sz="3100">
                 <a:solidFill>
                   <a:schemeClr val="tx1">
                     <a:tint val="75000"/>
@@ -2287,7 +2024,7 @@
         </p:nvSpPr>
         <p:spPr>
           <a:xfrm>
-            <a:off x="23591520" y="20340322"/>
+            <a:off x="23591520" y="20340331"/>
             <a:ext cx="7680960" cy="1168400"/>
           </a:xfrm>
           <a:prstGeom prst="rect">
@@ -2295,10 +2032,10 @@
           </a:prstGeom>
         </p:spPr>
         <p:txBody>
-          <a:bodyPr vert="horz" lIns="235061" tIns="117531" rIns="235061" bIns="117531" rtlCol="0" anchor="ctr"/>
+          <a:bodyPr vert="horz" lIns="234712" tIns="117354" rIns="234712" bIns="117354" rtlCol="0" anchor="ctr"/>
           <a:lstStyle>
             <a:lvl1pPr algn="r">
-              <a:defRPr sz="3200">
+              <a:defRPr sz="3100">
                 <a:solidFill>
                   <a:schemeClr val="tx1">
                     <a:tint val="75000"/>
@@ -2337,12 +2074,12 @@
   </p:timing>
   <p:txStyles>
     <p:titleStyle>
-      <a:lvl1pPr algn="ctr" defTabSz="2350606" rtl="0" eaLnBrk="1" latinLnBrk="0" hangingPunct="1">
+      <a:lvl1pPr algn="ctr" defTabSz="2347089" rtl="0" eaLnBrk="1" latinLnBrk="0" hangingPunct="1">
         <a:spcBef>
           <a:spcPct val="0"/>
         </a:spcBef>
         <a:buNone/>
-        <a:defRPr sz="4200" kern="1200">
+        <a:defRPr sz="4100" kern="1200">
           <a:solidFill>
             <a:schemeClr val="tx1"/>
           </a:solidFill>
@@ -2353,13 +2090,13 @@
       </a:lvl1pPr>
     </p:titleStyle>
     <p:bodyStyle>
-      <a:lvl1pPr marL="244855" indent="-244855" algn="l" defTabSz="2350606" rtl="0" eaLnBrk="1" latinLnBrk="0" hangingPunct="1">
+      <a:lvl1pPr marL="244486" indent="-244486" algn="l" defTabSz="2347089" rtl="0" eaLnBrk="1" latinLnBrk="0" hangingPunct="1">
         <a:spcBef>
           <a:spcPct val="20000"/>
         </a:spcBef>
         <a:buFont typeface="Arial" pitchFamily="34" charset="0"/>
         <a:buChar char="•"/>
-        <a:defRPr sz="1900" kern="1200">
+        <a:defRPr sz="2100" kern="1200">
           <a:solidFill>
             <a:schemeClr val="tx1"/>
           </a:solidFill>
@@ -2368,13 +2105,13 @@
           <a:cs typeface="+mn-cs"/>
         </a:defRPr>
       </a:lvl1pPr>
-      <a:lvl2pPr marL="489709" indent="-244855" algn="l" defTabSz="2350606" rtl="0" eaLnBrk="1" latinLnBrk="0" hangingPunct="1">
+      <a:lvl2pPr marL="488980" indent="-244486" algn="l" defTabSz="2347089" rtl="0" eaLnBrk="1" latinLnBrk="0" hangingPunct="1">
         <a:spcBef>
           <a:spcPct val="20000"/>
         </a:spcBef>
         <a:buFont typeface="Arial" pitchFamily="34" charset="0"/>
         <a:buChar char="–"/>
-        <a:defRPr sz="1900" kern="1200">
+        <a:defRPr sz="2100" kern="1200">
           <a:solidFill>
             <a:schemeClr val="tx1"/>
           </a:solidFill>
@@ -2383,13 +2120,13 @@
           <a:cs typeface="+mn-cs"/>
         </a:defRPr>
       </a:lvl2pPr>
-      <a:lvl3pPr marL="734565" indent="-244855" algn="l" defTabSz="2350606" rtl="0" eaLnBrk="1" latinLnBrk="0" hangingPunct="1">
+      <a:lvl3pPr marL="733466" indent="-244486" algn="l" defTabSz="2347089" rtl="0" eaLnBrk="1" latinLnBrk="0" hangingPunct="1">
         <a:spcBef>
           <a:spcPct val="20000"/>
         </a:spcBef>
         <a:buFont typeface="Arial" pitchFamily="34" charset="0"/>
         <a:buChar char="•"/>
-        <a:defRPr sz="1900" kern="1200">
+        <a:defRPr sz="2100" kern="1200">
           <a:solidFill>
             <a:schemeClr val="tx1"/>
           </a:solidFill>
@@ -2398,13 +2135,13 @@
           <a:cs typeface="+mn-cs"/>
         </a:defRPr>
       </a:lvl3pPr>
-      <a:lvl4pPr marL="979419" indent="-244855" algn="l" defTabSz="2350606" rtl="0" eaLnBrk="1" latinLnBrk="0" hangingPunct="1">
+      <a:lvl4pPr marL="977959" indent="-244486" algn="l" defTabSz="2347089" rtl="0" eaLnBrk="1" latinLnBrk="0" hangingPunct="1">
         <a:spcBef>
           <a:spcPct val="20000"/>
         </a:spcBef>
         <a:buFont typeface="Arial" pitchFamily="34" charset="0"/>
         <a:buChar char="–"/>
-        <a:defRPr sz="1900" kern="1200">
+        <a:defRPr sz="2100" kern="1200">
           <a:solidFill>
             <a:schemeClr val="tx1"/>
           </a:solidFill>
@@ -2413,13 +2150,13 @@
           <a:cs typeface="+mn-cs"/>
         </a:defRPr>
       </a:lvl4pPr>
-      <a:lvl5pPr marL="1224275" indent="-244855" algn="l" defTabSz="2350606" rtl="0" eaLnBrk="1" latinLnBrk="0" hangingPunct="1">
+      <a:lvl5pPr marL="1222445" indent="-244486" algn="l" defTabSz="2347089" rtl="0" eaLnBrk="1" latinLnBrk="0" hangingPunct="1">
         <a:spcBef>
           <a:spcPct val="20000"/>
         </a:spcBef>
         <a:buFont typeface="Arial" pitchFamily="34" charset="0"/>
         <a:buChar char="»"/>
-        <a:defRPr sz="1900" kern="1200">
+        <a:defRPr sz="2100" kern="1200">
           <a:solidFill>
             <a:schemeClr val="tx1"/>
           </a:solidFill>
@@ -2428,13 +2165,13 @@
           <a:cs typeface="+mn-cs"/>
         </a:defRPr>
       </a:lvl5pPr>
-      <a:lvl6pPr marL="6464169" indent="-587652" algn="l" defTabSz="2350606" rtl="0" eaLnBrk="1" latinLnBrk="0" hangingPunct="1">
+      <a:lvl6pPr marL="6454501" indent="-586767" algn="l" defTabSz="2347089" rtl="0" eaLnBrk="1" latinLnBrk="0" hangingPunct="1">
         <a:spcBef>
           <a:spcPct val="20000"/>
         </a:spcBef>
         <a:buFont typeface="Arial" pitchFamily="34" charset="0"/>
         <a:buChar char="•"/>
-        <a:defRPr sz="5200" kern="1200">
+        <a:defRPr sz="5100" kern="1200">
           <a:solidFill>
             <a:schemeClr val="tx1"/>
           </a:solidFill>
@@ -2443,13 +2180,13 @@
           <a:cs typeface="+mn-cs"/>
         </a:defRPr>
       </a:lvl6pPr>
-      <a:lvl7pPr marL="7639472" indent="-587652" algn="l" defTabSz="2350606" rtl="0" eaLnBrk="1" latinLnBrk="0" hangingPunct="1">
+      <a:lvl7pPr marL="7628053" indent="-586767" algn="l" defTabSz="2347089" rtl="0" eaLnBrk="1" latinLnBrk="0" hangingPunct="1">
         <a:spcBef>
           <a:spcPct val="20000"/>
         </a:spcBef>
         <a:buFont typeface="Arial" pitchFamily="34" charset="0"/>
         <a:buChar char="•"/>
-        <a:defRPr sz="5200" kern="1200">
+        <a:defRPr sz="5100" kern="1200">
           <a:solidFill>
             <a:schemeClr val="tx1"/>
           </a:solidFill>
@@ -2458,13 +2195,13 @@
           <a:cs typeface="+mn-cs"/>
         </a:defRPr>
       </a:lvl7pPr>
-      <a:lvl8pPr marL="8814776" indent="-587652" algn="l" defTabSz="2350606" rtl="0" eaLnBrk="1" latinLnBrk="0" hangingPunct="1">
+      <a:lvl8pPr marL="8801594" indent="-586767" algn="l" defTabSz="2347089" rtl="0" eaLnBrk="1" latinLnBrk="0" hangingPunct="1">
         <a:spcBef>
           <a:spcPct val="20000"/>
         </a:spcBef>
         <a:buFont typeface="Arial" pitchFamily="34" charset="0"/>
         <a:buChar char="•"/>
-        <a:defRPr sz="5200" kern="1200">
+        <a:defRPr sz="5100" kern="1200">
           <a:solidFill>
             <a:schemeClr val="tx1"/>
           </a:solidFill>
@@ -2473,13 +2210,13 @@
           <a:cs typeface="+mn-cs"/>
         </a:defRPr>
       </a:lvl8pPr>
-      <a:lvl9pPr marL="9990078" indent="-587652" algn="l" defTabSz="2350606" rtl="0" eaLnBrk="1" latinLnBrk="0" hangingPunct="1">
+      <a:lvl9pPr marL="9975138" indent="-586767" algn="l" defTabSz="2347089" rtl="0" eaLnBrk="1" latinLnBrk="0" hangingPunct="1">
         <a:spcBef>
           <a:spcPct val="20000"/>
         </a:spcBef>
         <a:buFont typeface="Arial" pitchFamily="34" charset="0"/>
         <a:buChar char="•"/>
-        <a:defRPr sz="5200" kern="1200">
+        <a:defRPr sz="5100" kern="1200">
           <a:solidFill>
             <a:schemeClr val="tx1"/>
           </a:solidFill>
@@ -2493,8 +2230,8 @@
       <a:defPPr>
         <a:defRPr lang="en-US"/>
       </a:defPPr>
-      <a:lvl1pPr marL="0" algn="l" defTabSz="2350606" rtl="0" eaLnBrk="1" latinLnBrk="0" hangingPunct="1">
-        <a:defRPr sz="4600" kern="1200">
+      <a:lvl1pPr marL="0" algn="l" defTabSz="2347089" rtl="0" eaLnBrk="1" latinLnBrk="0" hangingPunct="1">
+        <a:defRPr sz="4500" kern="1200">
           <a:solidFill>
             <a:schemeClr val="tx1"/>
           </a:solidFill>
@@ -2503,8 +2240,8 @@
           <a:cs typeface="+mn-cs"/>
         </a:defRPr>
       </a:lvl1pPr>
-      <a:lvl2pPr marL="1175304" algn="l" defTabSz="2350606" rtl="0" eaLnBrk="1" latinLnBrk="0" hangingPunct="1">
-        <a:defRPr sz="4600" kern="1200">
+      <a:lvl2pPr marL="1173545" algn="l" defTabSz="2347089" rtl="0" eaLnBrk="1" latinLnBrk="0" hangingPunct="1">
+        <a:defRPr sz="4500" kern="1200">
           <a:solidFill>
             <a:schemeClr val="tx1"/>
           </a:solidFill>
@@ -2513,8 +2250,8 @@
           <a:cs typeface="+mn-cs"/>
         </a:defRPr>
       </a:lvl2pPr>
-      <a:lvl3pPr marL="2350606" algn="l" defTabSz="2350606" rtl="0" eaLnBrk="1" latinLnBrk="0" hangingPunct="1">
-        <a:defRPr sz="4600" kern="1200">
+      <a:lvl3pPr marL="2347089" algn="l" defTabSz="2347089" rtl="0" eaLnBrk="1" latinLnBrk="0" hangingPunct="1">
+        <a:defRPr sz="4500" kern="1200">
           <a:solidFill>
             <a:schemeClr val="tx1"/>
           </a:solidFill>
@@ -2523,8 +2260,8 @@
           <a:cs typeface="+mn-cs"/>
         </a:defRPr>
       </a:lvl3pPr>
-      <a:lvl4pPr marL="3525911" algn="l" defTabSz="2350606" rtl="0" eaLnBrk="1" latinLnBrk="0" hangingPunct="1">
-        <a:defRPr sz="4600" kern="1200">
+      <a:lvl4pPr marL="3520644" algn="l" defTabSz="2347089" rtl="0" eaLnBrk="1" latinLnBrk="0" hangingPunct="1">
+        <a:defRPr sz="4500" kern="1200">
           <a:solidFill>
             <a:schemeClr val="tx1"/>
           </a:solidFill>
@@ -2533,8 +2270,8 @@
           <a:cs typeface="+mn-cs"/>
         </a:defRPr>
       </a:lvl4pPr>
-      <a:lvl5pPr marL="4701214" algn="l" defTabSz="2350606" rtl="0" eaLnBrk="1" latinLnBrk="0" hangingPunct="1">
-        <a:defRPr sz="4600" kern="1200">
+      <a:lvl5pPr marL="4694179" algn="l" defTabSz="2347089" rtl="0" eaLnBrk="1" latinLnBrk="0" hangingPunct="1">
+        <a:defRPr sz="4500" kern="1200">
           <a:solidFill>
             <a:schemeClr val="tx1"/>
           </a:solidFill>
@@ -2543,8 +2280,8 @@
           <a:cs typeface="+mn-cs"/>
         </a:defRPr>
       </a:lvl5pPr>
-      <a:lvl6pPr marL="5876517" algn="l" defTabSz="2350606" rtl="0" eaLnBrk="1" latinLnBrk="0" hangingPunct="1">
-        <a:defRPr sz="4600" kern="1200">
+      <a:lvl6pPr marL="5867730" algn="l" defTabSz="2347089" rtl="0" eaLnBrk="1" latinLnBrk="0" hangingPunct="1">
+        <a:defRPr sz="4500" kern="1200">
           <a:solidFill>
             <a:schemeClr val="tx1"/>
           </a:solidFill>
@@ -2553,8 +2290,8 @@
           <a:cs typeface="+mn-cs"/>
         </a:defRPr>
       </a:lvl6pPr>
-      <a:lvl7pPr marL="7051819" algn="l" defTabSz="2350606" rtl="0" eaLnBrk="1" latinLnBrk="0" hangingPunct="1">
-        <a:defRPr sz="4600" kern="1200">
+      <a:lvl7pPr marL="7041268" algn="l" defTabSz="2347089" rtl="0" eaLnBrk="1" latinLnBrk="0" hangingPunct="1">
+        <a:defRPr sz="4500" kern="1200">
           <a:solidFill>
             <a:schemeClr val="tx1"/>
           </a:solidFill>
@@ -2563,8 +2300,8 @@
           <a:cs typeface="+mn-cs"/>
         </a:defRPr>
       </a:lvl7pPr>
-      <a:lvl8pPr marL="8227124" algn="l" defTabSz="2350606" rtl="0" eaLnBrk="1" latinLnBrk="0" hangingPunct="1">
-        <a:defRPr sz="4600" kern="1200">
+      <a:lvl8pPr marL="8214820" algn="l" defTabSz="2347089" rtl="0" eaLnBrk="1" latinLnBrk="0" hangingPunct="1">
+        <a:defRPr sz="4500" kern="1200">
           <a:solidFill>
             <a:schemeClr val="tx1"/>
           </a:solidFill>
@@ -2573,8 +2310,8 @@
           <a:cs typeface="+mn-cs"/>
         </a:defRPr>
       </a:lvl8pPr>
-      <a:lvl9pPr marL="9402428" algn="l" defTabSz="2350606" rtl="0" eaLnBrk="1" latinLnBrk="0" hangingPunct="1">
-        <a:defRPr sz="4600" kern="1200">
+      <a:lvl9pPr marL="9388368" algn="l" defTabSz="2347089" rtl="0" eaLnBrk="1" latinLnBrk="0" hangingPunct="1">
+        <a:defRPr sz="4500" kern="1200">
           <a:solidFill>
             <a:schemeClr val="tx1"/>
           </a:solidFill>
@@ -2615,8 +2352,8 @@
         </p:nvSpPr>
         <p:spPr bwMode="auto">
           <a:xfrm>
-            <a:off x="4114800" y="369332"/>
-            <a:ext cx="24688800" cy="1233156"/>
+            <a:off x="4114800" y="185041"/>
+            <a:ext cx="24688800" cy="1601743"/>
           </a:xfrm>
           <a:prstGeom prst="rect">
             <a:avLst/>
@@ -2656,7 +2393,7 @@
           </a:extLst>
         </p:spPr>
         <p:txBody>
-          <a:bodyPr lIns="97942" tIns="244855" rIns="97942" bIns="244855" anchor="ctr" anchorCtr="0">
+          <a:bodyPr lIns="97798" tIns="244486" rIns="97798" bIns="244486" anchor="ctr" anchorCtr="0">
             <a:spAutoFit/>
           </a:bodyPr>
           <a:lstStyle>
@@ -2760,7 +2497,7 @@
           <a:p>
             <a:pPr algn="ctr" eaLnBrk="1" hangingPunct="1"/>
             <a:r>
-              <a:rPr lang="en-US" sz="4800" b="1" dirty="0" smtClean="0">
+              <a:rPr lang="en-US" sz="7200" b="1" dirty="0">
                 <a:solidFill>
                   <a:schemeClr val="accent3">
                     <a:lumMod val="20000"/>
@@ -2771,7 +2508,7 @@
               </a:rPr>
               <a:t>Swarm Robotics</a:t>
             </a:r>
-            <a:endParaRPr lang="en-US" sz="4800" b="1" dirty="0">
+            <a:endParaRPr lang="en-US" sz="7200" b="1" dirty="0">
               <a:solidFill>
                 <a:schemeClr val="accent3">
                   <a:lumMod val="20000"/>
@@ -2794,7 +2531,7 @@
         <p:spPr bwMode="auto">
           <a:xfrm>
             <a:off x="4114800" y="1600201"/>
-            <a:ext cx="24688800" cy="1143000"/>
+            <a:ext cx="24688800" cy="1143002"/>
           </a:xfrm>
           <a:prstGeom prst="rect">
             <a:avLst/>
@@ -2834,7 +2571,7 @@
           </a:extLst>
         </p:spPr>
         <p:txBody>
-          <a:bodyPr lIns="97942" tIns="97942" rIns="97942" bIns="97942" anchor="ctr" anchorCtr="0"/>
+          <a:bodyPr lIns="97798" tIns="97798" rIns="97798" bIns="97798" anchor="ctr" anchorCtr="0"/>
           <a:lstStyle>
             <a:lvl1pPr defTabSz="4389438" eaLnBrk="0" hangingPunct="0">
               <a:defRPr sz="2200">
@@ -2936,7 +2673,7 @@
           <a:p>
             <a:pPr algn="ctr" eaLnBrk="1" hangingPunct="1"/>
             <a:r>
-              <a:rPr lang="en-US" sz="2800" dirty="0" err="1" smtClean="0">
+              <a:rPr lang="en-US" sz="2700" dirty="0" err="1">
                 <a:solidFill>
                   <a:schemeClr val="accent3">
                     <a:lumMod val="20000"/>
@@ -2948,7 +2685,7 @@
               <a:t>Zhi</a:t>
             </a:r>
             <a:r>
-              <a:rPr lang="en-US" sz="2800" dirty="0">
+              <a:rPr lang="en-US" sz="2700" dirty="0">
                 <a:solidFill>
                   <a:schemeClr val="accent3">
                     <a:lumMod val="20000"/>
@@ -2960,7 +2697,7 @@
               <a:t> </a:t>
             </a:r>
             <a:r>
-              <a:rPr lang="en-US" sz="2800" dirty="0" smtClean="0">
+              <a:rPr lang="en-US" sz="2700" dirty="0">
                 <a:solidFill>
                   <a:schemeClr val="accent3">
                     <a:lumMod val="20000"/>
@@ -2972,7 +2709,7 @@
               <a:t>Xing, </a:t>
             </a:r>
             <a:r>
-              <a:rPr lang="en-US" sz="2800" dirty="0" err="1" smtClean="0">
+              <a:rPr lang="en-US" sz="2700" dirty="0" err="1">
                 <a:solidFill>
                   <a:schemeClr val="accent3">
                     <a:lumMod val="20000"/>
@@ -2984,7 +2721,7 @@
               <a:t>Gajendranath</a:t>
             </a:r>
             <a:r>
-              <a:rPr lang="en-US" sz="2800" dirty="0" smtClean="0">
+              <a:rPr lang="en-US" sz="2700" dirty="0">
                 <a:solidFill>
                   <a:schemeClr val="accent3">
                     <a:lumMod val="20000"/>
@@ -2996,7 +2733,7 @@
               <a:t> </a:t>
             </a:r>
             <a:r>
-              <a:rPr lang="en-US" sz="2800" dirty="0" err="1">
+              <a:rPr lang="en-US" sz="2700" dirty="0" err="1">
                 <a:solidFill>
                   <a:schemeClr val="accent3">
                     <a:lumMod val="20000"/>
@@ -3008,7 +2745,7 @@
               <a:t>Gaurav</a:t>
             </a:r>
             <a:r>
-              <a:rPr lang="en-US" sz="2800" dirty="0">
+              <a:rPr lang="en-US" sz="2700" dirty="0">
                 <a:solidFill>
                   <a:schemeClr val="accent3">
                     <a:lumMod val="20000"/>
@@ -3020,7 +2757,7 @@
               <a:t> Roy </a:t>
             </a:r>
             <a:r>
-              <a:rPr lang="en-US" sz="2800" smtClean="0">
+              <a:rPr lang="en-US" sz="2700">
                 <a:solidFill>
                   <a:schemeClr val="accent3">
                     <a:lumMod val="20000"/>
@@ -3031,7 +2768,7 @@
               </a:rPr>
               <a:t>Puli </a:t>
             </a:r>
-            <a:endParaRPr lang="en-US" sz="2800" baseline="30000" dirty="0" smtClean="0">
+            <a:endParaRPr lang="en-US" sz="2700" baseline="30000" dirty="0">
               <a:solidFill>
                 <a:schemeClr val="accent3">
                   <a:lumMod val="20000"/>
@@ -3044,7 +2781,7 @@
           <a:p>
             <a:pPr algn="ctr" eaLnBrk="1" hangingPunct="1"/>
             <a:r>
-              <a:rPr lang="en-US" sz="2800" dirty="0" smtClean="0">
+              <a:rPr lang="en-US" sz="2700" dirty="0">
                 <a:solidFill>
                   <a:schemeClr val="accent3">
                     <a:lumMod val="20000"/>
@@ -3055,7 +2792,7 @@
               </a:rPr>
               <a:t>Syracuse University</a:t>
             </a:r>
-            <a:endParaRPr lang="en-US" sz="2800" dirty="0">
+            <a:endParaRPr lang="en-US" sz="2700" dirty="0">
               <a:solidFill>
                 <a:schemeClr val="accent3">
                   <a:lumMod val="20000"/>
@@ -3075,8 +2812,8 @@
         </p:nvSpPr>
         <p:spPr>
           <a:xfrm>
-            <a:off x="1280162" y="20025361"/>
-            <a:ext cx="1882615" cy="1280556"/>
+            <a:off x="1280164" y="20025375"/>
+            <a:ext cx="1971651" cy="1342029"/>
           </a:xfrm>
           <a:prstGeom prst="rect">
             <a:avLst/>
@@ -3089,32 +2826,32 @@
           </a:solidFill>
         </p:spPr>
         <p:txBody>
-          <a:bodyPr wrap="none" lIns="48971" tIns="24486" rIns="48971" bIns="24486" rtlCol="0">
+          <a:bodyPr wrap="none" lIns="48897" tIns="24445" rIns="48897" bIns="24445" rtlCol="0">
             <a:spAutoFit/>
           </a:bodyPr>
           <a:lstStyle/>
           <a:p>
             <a:r>
-              <a:rPr lang="en-US" sz="2000" dirty="0" err="1" smtClean="0"/>
+              <a:rPr lang="en-US" sz="2100" dirty="0" err="1"/>
               <a:t>Zhi</a:t>
             </a:r>
             <a:r>
-              <a:rPr lang="en-US" sz="2000" dirty="0" smtClean="0"/>
+              <a:rPr lang="en-US" sz="2100" dirty="0"/>
               <a:t> Xing</a:t>
             </a:r>
-            <a:endParaRPr lang="en-US" sz="2000" dirty="0"/>
-          </a:p>
-          <a:p>
-            <a:r>
-              <a:rPr lang="en-US" sz="2000" dirty="0" smtClean="0"/>
+            <a:endParaRPr lang="en-US" sz="2100" dirty="0"/>
+          </a:p>
+          <a:p>
+            <a:r>
+              <a:rPr lang="en-US" sz="2100" dirty="0"/>
               <a:t>zxing01@syr.edu</a:t>
             </a:r>
           </a:p>
           <a:p>
-            <a:endParaRPr lang="en-US" sz="2000" dirty="0" smtClean="0"/>
-          </a:p>
-          <a:p>
-            <a:endParaRPr lang="en-US" sz="2000" dirty="0"/>
+            <a:endParaRPr lang="en-US" sz="2100" dirty="0"/>
+          </a:p>
+          <a:p>
+            <a:endParaRPr lang="en-US" sz="2100" dirty="0"/>
           </a:p>
         </p:txBody>
       </p:sp>
@@ -3126,8 +2863,8 @@
         </p:nvSpPr>
         <p:spPr>
           <a:xfrm>
-            <a:off x="1280161" y="19431001"/>
-            <a:ext cx="1579472" cy="541893"/>
+            <a:off x="1280160" y="19431019"/>
+            <a:ext cx="1533055" cy="526421"/>
           </a:xfrm>
           <a:prstGeom prst="rect">
             <a:avLst/>
@@ -3135,175 +2872,16 @@
           <a:noFill/>
         </p:spPr>
         <p:txBody>
-          <a:bodyPr wrap="none" lIns="48971" tIns="24486" rIns="48971" bIns="24486" rtlCol="0">
+          <a:bodyPr wrap="none" lIns="48897" tIns="24445" rIns="48897" bIns="24445" rtlCol="0">
             <a:spAutoFit/>
           </a:bodyPr>
           <a:lstStyle/>
           <a:p>
             <a:r>
-              <a:rPr lang="en-US" sz="3200" b="1" dirty="0" smtClean="0"/>
+              <a:rPr lang="en-US" sz="3100" b="1" dirty="0"/>
               <a:t>Contacts</a:t>
             </a:r>
-            <a:endParaRPr lang="en-US" sz="3200" b="1" dirty="0"/>
-          </a:p>
-        </p:txBody>
-      </p:sp>
-      <p:sp>
-        <p:nvSpPr>
-          <p:cNvPr id="26" name="TextBox 25"/>
-          <p:cNvSpPr txBox="1"/>
-          <p:nvPr/>
-        </p:nvSpPr>
-        <p:spPr>
-          <a:xfrm>
-            <a:off x="16459200" y="20025359"/>
-            <a:ext cx="14630400" cy="1463040"/>
-          </a:xfrm>
-          <a:prstGeom prst="rect">
-            <a:avLst/>
-          </a:prstGeom>
-          <a:noFill/>
-        </p:spPr>
-        <p:txBody>
-          <a:bodyPr wrap="square" lIns="48971" tIns="48971" rIns="48971" bIns="48971" numCol="1" spcCol="244855" rtlCol="0">
-            <a:noAutofit/>
-          </a:bodyPr>
-          <a:lstStyle/>
-          <a:p>
-            <a:pPr marL="244855" indent="-244855">
-              <a:buFont typeface="+mj-lt"/>
-              <a:buAutoNum type="arabicPeriod"/>
-            </a:pPr>
-            <a:r>
-              <a:rPr lang="en-US" sz="900" dirty="0"/>
-              <a:t> </a:t>
-            </a:r>
-          </a:p>
-          <a:p>
-            <a:pPr marL="244855" indent="-244855">
-              <a:buFont typeface="+mj-lt"/>
-              <a:buAutoNum type="arabicPeriod"/>
-            </a:pPr>
-            <a:r>
-              <a:rPr lang="en-US" sz="900" dirty="0"/>
-              <a:t> </a:t>
-            </a:r>
-          </a:p>
-          <a:p>
-            <a:pPr marL="244855" indent="-244855">
-              <a:buFont typeface="+mj-lt"/>
-              <a:buAutoNum type="arabicPeriod"/>
-            </a:pPr>
-            <a:r>
-              <a:rPr lang="en-US" sz="900" dirty="0"/>
-              <a:t> </a:t>
-            </a:r>
-          </a:p>
-          <a:p>
-            <a:pPr marL="244855" indent="-244855">
-              <a:buFont typeface="+mj-lt"/>
-              <a:buAutoNum type="arabicPeriod"/>
-            </a:pPr>
-            <a:r>
-              <a:rPr lang="en-US" sz="900" dirty="0"/>
-              <a:t> </a:t>
-            </a:r>
-          </a:p>
-          <a:p>
-            <a:pPr marL="244855" indent="-244855">
-              <a:buFont typeface="+mj-lt"/>
-              <a:buAutoNum type="arabicPeriod"/>
-            </a:pPr>
-            <a:r>
-              <a:rPr lang="en-US" sz="900" dirty="0"/>
-              <a:t> </a:t>
-            </a:r>
-          </a:p>
-          <a:p>
-            <a:pPr marL="244855" indent="-244855">
-              <a:buFont typeface="+mj-lt"/>
-              <a:buAutoNum type="arabicPeriod"/>
-            </a:pPr>
-            <a:r>
-              <a:rPr lang="en-US" sz="900" dirty="0"/>
-              <a:t> </a:t>
-            </a:r>
-          </a:p>
-          <a:p>
-            <a:pPr marL="244855" indent="-244855">
-              <a:buFont typeface="+mj-lt"/>
-              <a:buAutoNum type="arabicPeriod"/>
-            </a:pPr>
-            <a:r>
-              <a:rPr lang="en-US" sz="900" dirty="0"/>
-              <a:t> </a:t>
-            </a:r>
-          </a:p>
-          <a:p>
-            <a:pPr marL="244855" indent="-244855">
-              <a:buFont typeface="+mj-lt"/>
-              <a:buAutoNum type="arabicPeriod"/>
-            </a:pPr>
-            <a:r>
-              <a:rPr lang="en-US" sz="900" dirty="0"/>
-              <a:t> </a:t>
-            </a:r>
-          </a:p>
-          <a:p>
-            <a:pPr marL="244855" indent="-244855">
-              <a:buFont typeface="+mj-lt"/>
-              <a:buAutoNum type="arabicPeriod"/>
-            </a:pPr>
-            <a:r>
-              <a:rPr lang="en-US" sz="900" dirty="0"/>
-              <a:t> </a:t>
-            </a:r>
-          </a:p>
-          <a:p>
-            <a:pPr marL="244855" indent="-244855">
-              <a:buFont typeface="+mj-lt"/>
-              <a:buAutoNum type="arabicPeriod"/>
-            </a:pPr>
-            <a:r>
-              <a:rPr lang="en-US" sz="900" dirty="0"/>
-              <a:t>  </a:t>
-            </a:r>
-          </a:p>
-          <a:p>
-            <a:pPr marL="244855" indent="-244855">
-              <a:buFont typeface="+mj-lt"/>
-              <a:buAutoNum type="arabicPeriod"/>
-            </a:pPr>
-            <a:endParaRPr lang="en-US" sz="900" dirty="0"/>
-          </a:p>
-        </p:txBody>
-      </p:sp>
-      <p:sp>
-        <p:nvSpPr>
-          <p:cNvPr id="27" name="TextBox 26"/>
-          <p:cNvSpPr txBox="1"/>
-          <p:nvPr/>
-        </p:nvSpPr>
-        <p:spPr>
-          <a:xfrm>
-            <a:off x="16459202" y="19431001"/>
-            <a:ext cx="2026670" cy="557282"/>
-          </a:xfrm>
-          <a:prstGeom prst="rect">
-            <a:avLst/>
-          </a:prstGeom>
-          <a:noFill/>
-        </p:spPr>
-        <p:txBody>
-          <a:bodyPr wrap="none" lIns="48971" tIns="24486" rIns="48971" bIns="24486" rtlCol="0">
-            <a:spAutoFit/>
-          </a:bodyPr>
-          <a:lstStyle/>
-          <a:p>
-            <a:r>
-              <a:rPr lang="en-US" sz="3200" b="1" dirty="0"/>
-              <a:t>References</a:t>
-            </a:r>
+            <a:endParaRPr lang="en-US" sz="3100" b="1" dirty="0"/>
           </a:p>
         </p:txBody>
       </p:sp>
@@ -3317,8 +2895,8 @@
         </p:nvSpPr>
         <p:spPr bwMode="auto">
           <a:xfrm>
-            <a:off x="1097280" y="3657600"/>
-            <a:ext cx="9875520" cy="4198892"/>
+            <a:off x="1097280" y="3657615"/>
+            <a:ext cx="9875520" cy="2782829"/>
           </a:xfrm>
           <a:prstGeom prst="rect">
             <a:avLst/>
@@ -3336,7 +2914,7 @@
           <a:effectLst/>
         </p:spPr>
         <p:txBody>
-          <a:bodyPr lIns="97942" tIns="97942" rIns="97942" bIns="97942">
+          <a:bodyPr lIns="97798" tIns="97798" rIns="97798" bIns="97798">
             <a:spAutoFit/>
           </a:bodyPr>
           <a:lstStyle>
@@ -3440,140 +3018,38 @@
           <a:p>
             <a:pPr eaLnBrk="1" hangingPunct="1"/>
             <a:r>
-              <a:rPr lang="en-US" sz="2000" dirty="0">
-                <a:latin typeface="Calibri" pitchFamily="34" charset="0"/>
-              </a:rPr>
-              <a:t>Click here to insert your Abstract text. Type it in or copy and paste from your Word document or other source.</a:t>
-            </a:r>
-          </a:p>
-          <a:p>
-            <a:pPr eaLnBrk="1" hangingPunct="1"/>
-            <a:endParaRPr lang="en-US" sz="2000" dirty="0">
-              <a:latin typeface="Calibri" pitchFamily="34" charset="0"/>
+              <a:rPr lang="en-US" sz="2100" dirty="0">
+                <a:latin typeface="+mn-lt"/>
+              </a:rPr>
+              <a:t>We’re working on robot swarm foraging, where a swarm of robots find and transport “food” using local communication and coordination without any kind of centralized control. The algorithm we’re using dynamically assigns one of two roles to a robot: an explorer or a guider. The guiders, called beacons, broadcasts signals and the explorers, or walkers, explore and world and follow the signals. We have successfully simulated the algorithm in Gazebo robotics simulator, designed and manufactured a robot prototype, named </a:t>
+            </a:r>
+            <a:r>
+              <a:rPr lang="en-US" sz="2100" dirty="0" err="1">
+                <a:latin typeface="+mn-lt"/>
+              </a:rPr>
+              <a:t>Antz</a:t>
+            </a:r>
+            <a:r>
+              <a:rPr lang="en-US" sz="2100" dirty="0">
+                <a:latin typeface="+mn-lt"/>
+              </a:rPr>
+              <a:t>, for swarm robotics applications such as foraging, and developed software packages for </a:t>
+            </a:r>
+            <a:r>
+              <a:rPr lang="en-US" sz="2100" dirty="0" err="1">
+                <a:latin typeface="+mn-lt"/>
+              </a:rPr>
+              <a:t>Antz</a:t>
+            </a:r>
+            <a:r>
+              <a:rPr lang="en-US" sz="2100" dirty="0">
+                <a:latin typeface="+mn-lt"/>
+              </a:rPr>
+              <a:t>. </a:t>
+            </a:r>
+            <a:endParaRPr lang="en-US" sz="2100" dirty="0">
+              <a:latin typeface="+mn-lt"/>
             </a:endParaRPr>
-          </a:p>
-          <a:p>
-            <a:pPr eaLnBrk="1" hangingPunct="1"/>
-            <a:r>
-              <a:rPr lang="en-US" sz="2000" dirty="0">
-                <a:latin typeface="Calibri" pitchFamily="34" charset="0"/>
-              </a:rPr>
-              <a:t>This text box will automatically re-size to your text. To turn off that feature, right click inside this box and go to </a:t>
-            </a:r>
-            <a:r>
-              <a:rPr lang="en-US" sz="2000" b="1" dirty="0">
-                <a:latin typeface="Calibri" pitchFamily="34" charset="0"/>
-              </a:rPr>
-              <a:t>Format Shape, Text Box, Autofit</a:t>
-            </a:r>
-            <a:r>
-              <a:rPr lang="en-US" sz="2000" dirty="0">
-                <a:latin typeface="Calibri" pitchFamily="34" charset="0"/>
-              </a:rPr>
-              <a:t>, and select the “Do Not Autofit” radio button.</a:t>
-            </a:r>
-          </a:p>
-          <a:p>
-            <a:pPr eaLnBrk="1" hangingPunct="1"/>
-            <a:endParaRPr lang="en-US" sz="2000" dirty="0">
-              <a:latin typeface="Calibri" pitchFamily="34" charset="0"/>
-            </a:endParaRPr>
-          </a:p>
-          <a:p>
-            <a:pPr eaLnBrk="1" hangingPunct="1"/>
-            <a:r>
-              <a:rPr lang="en-US" sz="2000" dirty="0">
-                <a:latin typeface="Calibri" pitchFamily="34" charset="0"/>
-              </a:rPr>
-              <a:t>To change the font style of this text box: Click on the border once to highlight the entire text box, then select a different font or font size that suits you. This text is Calibri </a:t>
-            </a:r>
-            <a:r>
-              <a:rPr lang="en-US" sz="2000" dirty="0" smtClean="0">
-                <a:latin typeface="Calibri" pitchFamily="34" charset="0"/>
-              </a:rPr>
-              <a:t>20pt and </a:t>
-            </a:r>
-            <a:r>
-              <a:rPr lang="en-US" sz="2000" dirty="0">
-                <a:latin typeface="Calibri" pitchFamily="34" charset="0"/>
-              </a:rPr>
-              <a:t>is easily </a:t>
-            </a:r>
-            <a:r>
-              <a:rPr lang="en-US" sz="2000" dirty="0" smtClean="0">
-                <a:latin typeface="Calibri" pitchFamily="34" charset="0"/>
-              </a:rPr>
-              <a:t>read </a:t>
-            </a:r>
-            <a:r>
-              <a:rPr lang="en-US" sz="2000" dirty="0">
-                <a:latin typeface="Calibri" pitchFamily="34" charset="0"/>
-              </a:rPr>
-              <a:t>up to </a:t>
-            </a:r>
-            <a:r>
-              <a:rPr lang="en-US" sz="2000" dirty="0" smtClean="0">
-                <a:latin typeface="Calibri" pitchFamily="34" charset="0"/>
-              </a:rPr>
-              <a:t>3 </a:t>
-            </a:r>
-            <a:r>
-              <a:rPr lang="en-US" sz="2000" dirty="0">
-                <a:latin typeface="Calibri" pitchFamily="34" charset="0"/>
-              </a:rPr>
-              <a:t>feet away on a </a:t>
-            </a:r>
-            <a:r>
-              <a:rPr lang="en-US" sz="2000" dirty="0" smtClean="0">
-                <a:latin typeface="Calibri" pitchFamily="34" charset="0"/>
-              </a:rPr>
-              <a:t>24x36 poster, and up to 6 feet away on a 48x72 </a:t>
-            </a:r>
-            <a:r>
-              <a:rPr lang="en-US" sz="2000" dirty="0">
-                <a:latin typeface="Calibri" pitchFamily="34" charset="0"/>
-              </a:rPr>
-              <a:t>poster.</a:t>
-            </a:r>
-          </a:p>
-          <a:p>
-            <a:pPr eaLnBrk="1" hangingPunct="1"/>
-            <a:endParaRPr lang="en-US" sz="2000" dirty="0">
-              <a:latin typeface="Calibri" pitchFamily="34" charset="0"/>
-            </a:endParaRPr>
-          </a:p>
-          <a:p>
-            <a:pPr eaLnBrk="1" hangingPunct="1"/>
-            <a:r>
-              <a:rPr lang="en-US" sz="2000" dirty="0">
-                <a:latin typeface="Calibri" pitchFamily="34" charset="0"/>
-              </a:rPr>
-              <a:t>Zoom out to </a:t>
-            </a:r>
-            <a:r>
-              <a:rPr lang="en-US" sz="2000" dirty="0" smtClean="0">
-                <a:latin typeface="Calibri" pitchFamily="34" charset="0"/>
-              </a:rPr>
-              <a:t>100% (for 24x36) or 200</a:t>
-            </a:r>
-            <a:r>
-              <a:rPr lang="en-US" sz="2000" dirty="0">
-                <a:latin typeface="Calibri" pitchFamily="34" charset="0"/>
-              </a:rPr>
-              <a:t>% </a:t>
-            </a:r>
-            <a:r>
-              <a:rPr lang="en-US" sz="2000" dirty="0" smtClean="0">
-                <a:latin typeface="Calibri" pitchFamily="34" charset="0"/>
-              </a:rPr>
-              <a:t>(for 48x72) to </a:t>
-            </a:r>
-            <a:r>
-              <a:rPr lang="en-US" sz="2000" dirty="0">
-                <a:latin typeface="Calibri" pitchFamily="34" charset="0"/>
-              </a:rPr>
-              <a:t>preview what this will look like on your printed poster.</a:t>
-            </a:r>
           </a:p>
         </p:txBody>
       </p:sp>
@@ -3585,7 +3061,7 @@
         </p:nvSpPr>
         <p:spPr>
           <a:xfrm>
-            <a:off x="1097280" y="3200400"/>
+            <a:off x="1097280" y="3200411"/>
             <a:ext cx="9875520" cy="457200"/>
           </a:xfrm>
           <a:prstGeom prst="rect">
@@ -3615,18 +3091,19 @@
           </a:fontRef>
         </p:style>
         <p:txBody>
-          <a:bodyPr lIns="48971" tIns="24486" rIns="48971" bIns="24486" rtlCol="0" anchor="ctr"/>
+          <a:bodyPr lIns="48897" tIns="24445" rIns="48897" bIns="24445" rtlCol="0" anchor="ctr"/>
           <a:lstStyle/>
           <a:p>
             <a:pPr algn="ctr"/>
             <a:r>
-              <a:rPr lang="en-US" sz="3200" b="1" dirty="0">
+              <a:rPr lang="en-US" sz="3100" b="1" dirty="0">
                 <a:solidFill>
                   <a:schemeClr val="accent3">
                     <a:lumMod val="20000"/>
                     <a:lumOff val="80000"/>
                   </a:schemeClr>
                 </a:solidFill>
+                <a:latin typeface="+mj-lt"/>
               </a:rPr>
               <a:t>Abstract</a:t>
             </a:r>
@@ -3643,8 +3120,8 @@
         </p:nvSpPr>
         <p:spPr bwMode="auto">
           <a:xfrm>
-            <a:off x="11521440" y="8737601"/>
-            <a:ext cx="9875520" cy="5122222"/>
+            <a:off x="22021800" y="6781794"/>
+            <a:ext cx="9875520" cy="5691318"/>
           </a:xfrm>
           <a:prstGeom prst="rect">
             <a:avLst/>
@@ -3662,7 +3139,7 @@
           <a:effectLst/>
         </p:spPr>
         <p:txBody>
-          <a:bodyPr lIns="97942" tIns="97942" rIns="97942" bIns="97942">
+          <a:bodyPr lIns="97798" tIns="97798" rIns="97798" bIns="97798">
             <a:spAutoFit/>
           </a:bodyPr>
           <a:lstStyle>
@@ -3766,7 +3243,7 @@
           <a:p>
             <a:pPr eaLnBrk="1" hangingPunct="1"/>
             <a:r>
-              <a:rPr lang="en-US" sz="2000" dirty="0">
+              <a:rPr lang="en-US" sz="2100" dirty="0">
                 <a:latin typeface="Calibri" pitchFamily="34" charset="0"/>
               </a:rPr>
               <a:t>Click here to insert your Results text. Type it in or copy and paste from your Word document or other source.</a:t>
@@ -3774,26 +3251,26 @@
           </a:p>
           <a:p>
             <a:pPr eaLnBrk="1" hangingPunct="1"/>
-            <a:endParaRPr lang="en-US" sz="2000" dirty="0">
+            <a:endParaRPr lang="en-US" sz="2100" dirty="0">
               <a:latin typeface="Calibri" pitchFamily="34" charset="0"/>
             </a:endParaRPr>
           </a:p>
           <a:p>
             <a:pPr eaLnBrk="1" hangingPunct="1"/>
             <a:r>
-              <a:rPr lang="en-US" sz="2000" dirty="0">
+              <a:rPr lang="en-US" sz="2100" dirty="0">
                 <a:latin typeface="Calibri" pitchFamily="34" charset="0"/>
               </a:rPr>
               <a:t>This text box will automatically re-size to your text. To turn off that feature, right click inside this box and go to </a:t>
             </a:r>
             <a:r>
-              <a:rPr lang="en-US" sz="2000" b="1" dirty="0">
+              <a:rPr lang="en-US" sz="2100" b="1" dirty="0">
                 <a:latin typeface="Calibri" pitchFamily="34" charset="0"/>
               </a:rPr>
               <a:t>Format Shape, Text Box, Autofit</a:t>
             </a:r>
             <a:r>
-              <a:rPr lang="en-US" sz="2000" dirty="0">
+              <a:rPr lang="en-US" sz="2100" dirty="0">
                 <a:latin typeface="Calibri" pitchFamily="34" charset="0"/>
               </a:rPr>
               <a:t>, and select the “Do Not Autofit” radio button.</a:t>
@@ -3801,26 +3278,26 @@
           </a:p>
           <a:p>
             <a:pPr eaLnBrk="1" hangingPunct="1"/>
-            <a:endParaRPr lang="en-US" sz="2000" dirty="0">
+            <a:endParaRPr lang="en-US" sz="2100" dirty="0">
               <a:latin typeface="Calibri" pitchFamily="34" charset="0"/>
             </a:endParaRPr>
           </a:p>
           <a:p>
             <a:pPr eaLnBrk="1" hangingPunct="1"/>
             <a:r>
-              <a:rPr lang="en-US" sz="2000" dirty="0">
+              <a:rPr lang="en-US" sz="2100" dirty="0">
                 <a:latin typeface="Calibri" pitchFamily="34" charset="0"/>
               </a:rPr>
               <a:t>To change the font style of this text box: Click on the border once to highlight the entire text box, then select a different font or font size that suits you. This text is Calibri 20pt and is easily </a:t>
             </a:r>
             <a:r>
-              <a:rPr lang="en-US" sz="2000" dirty="0" smtClean="0">
+              <a:rPr lang="en-US" sz="2100" dirty="0">
                 <a:latin typeface="Calibri" pitchFamily="34" charset="0"/>
               </a:rPr>
               <a:t>read </a:t>
             </a:r>
             <a:r>
-              <a:rPr lang="en-US" sz="2000" dirty="0">
+              <a:rPr lang="en-US" sz="2100" dirty="0">
                 <a:latin typeface="Calibri" pitchFamily="34" charset="0"/>
               </a:rPr>
               <a:t>up to 3 feet away on a 24x36 poster, and up to 6 feet away on a 48x72 poster.</a:t>
@@ -3828,14 +3305,14 @@
           </a:p>
           <a:p>
             <a:pPr eaLnBrk="1" hangingPunct="1"/>
-            <a:endParaRPr lang="en-US" sz="2000" dirty="0">
+            <a:endParaRPr lang="en-US" sz="2100" dirty="0">
               <a:latin typeface="Calibri" pitchFamily="34" charset="0"/>
             </a:endParaRPr>
           </a:p>
           <a:p>
             <a:pPr eaLnBrk="1" hangingPunct="1"/>
             <a:r>
-              <a:rPr lang="en-US" sz="2000" dirty="0">
+              <a:rPr lang="en-US" sz="2100" dirty="0">
                 <a:latin typeface="Calibri" pitchFamily="34" charset="0"/>
               </a:rPr>
               <a:t>Zoom out to 100% (for 24x36) or 200% (for 48x72) to preview what this will look like on your printed poster.</a:t>
@@ -3843,38 +3320,38 @@
           </a:p>
           <a:p>
             <a:pPr eaLnBrk="1" hangingPunct="1"/>
-            <a:endParaRPr lang="en-US" sz="2000" dirty="0">
+            <a:endParaRPr lang="en-US" sz="2100" dirty="0">
               <a:latin typeface="Calibri" pitchFamily="34" charset="0"/>
             </a:endParaRPr>
           </a:p>
           <a:p>
             <a:pPr eaLnBrk="1" hangingPunct="1"/>
             <a:r>
-              <a:rPr lang="en-US" sz="2000" dirty="0">
+              <a:rPr lang="en-US" sz="2100" dirty="0">
                 <a:latin typeface="Calibri" pitchFamily="34" charset="0"/>
               </a:rPr>
               <a:t>Speaking of Results, yours will look better if you remember to run a spell-check on your poster! After you’ve added your content click on </a:t>
             </a:r>
             <a:r>
-              <a:rPr lang="en-US" sz="2000" b="1" dirty="0">
+              <a:rPr lang="en-US" sz="2100" b="1" dirty="0">
                 <a:latin typeface="Calibri" pitchFamily="34" charset="0"/>
               </a:rPr>
               <a:t>Review</a:t>
             </a:r>
             <a:r>
-              <a:rPr lang="en-US" sz="2000" dirty="0">
+              <a:rPr lang="en-US" sz="2100" dirty="0">
                 <a:latin typeface="Calibri" pitchFamily="34" charset="0"/>
               </a:rPr>
               <a:t>, </a:t>
             </a:r>
             <a:r>
-              <a:rPr lang="en-US" sz="2000" b="1" dirty="0">
+              <a:rPr lang="en-US" sz="2100" b="1" dirty="0">
                 <a:latin typeface="Calibri" pitchFamily="34" charset="0"/>
               </a:rPr>
               <a:t>Spelling</a:t>
             </a:r>
             <a:r>
-              <a:rPr lang="en-US" sz="2000" dirty="0">
+              <a:rPr lang="en-US" sz="2100" dirty="0">
                 <a:latin typeface="Calibri" pitchFamily="34" charset="0"/>
               </a:rPr>
               <a:t>, or press F7.</a:t>
@@ -3890,7 +3367,7 @@
         </p:nvSpPr>
         <p:spPr>
           <a:xfrm>
-            <a:off x="1097280" y="8280400"/>
+            <a:off x="1097280" y="6616353"/>
             <a:ext cx="9875520" cy="457200"/>
           </a:xfrm>
           <a:prstGeom prst="rect">
@@ -3920,18 +3397,19 @@
           </a:fontRef>
         </p:style>
         <p:txBody>
-          <a:bodyPr lIns="48971" tIns="24486" rIns="48971" bIns="24486" rtlCol="0" anchor="ctr"/>
+          <a:bodyPr lIns="48897" tIns="24445" rIns="48897" bIns="24445" rtlCol="0" anchor="ctr"/>
           <a:lstStyle/>
           <a:p>
             <a:pPr algn="ctr"/>
             <a:r>
-              <a:rPr lang="en-US" sz="3200" b="1" dirty="0">
+              <a:rPr lang="en-US" sz="3100" b="1" dirty="0">
                 <a:solidFill>
                   <a:schemeClr val="accent3">
                     <a:lumMod val="20000"/>
                     <a:lumOff val="80000"/>
                   </a:schemeClr>
                 </a:solidFill>
+                <a:latin typeface="+mj-lt"/>
               </a:rPr>
               <a:t>Introduction</a:t>
             </a:r>
@@ -3948,8 +3426,8 @@
         </p:nvSpPr>
         <p:spPr bwMode="auto">
           <a:xfrm>
-            <a:off x="11521440" y="3657600"/>
-            <a:ext cx="9875520" cy="4198892"/>
+            <a:off x="11521440" y="3657611"/>
+            <a:ext cx="9875520" cy="7630311"/>
           </a:xfrm>
           <a:prstGeom prst="rect">
             <a:avLst/>
@@ -3967,7 +3445,7 @@
           <a:effectLst/>
         </p:spPr>
         <p:txBody>
-          <a:bodyPr lIns="97942" tIns="97942" rIns="97942" bIns="97942">
+          <a:bodyPr lIns="97798" tIns="97798" rIns="97798" bIns="97798">
             <a:spAutoFit/>
           </a:bodyPr>
           <a:lstStyle>
@@ -4071,79 +3549,112 @@
           <a:p>
             <a:pPr eaLnBrk="1" hangingPunct="1"/>
             <a:r>
-              <a:rPr lang="en-US" sz="2000" dirty="0">
-                <a:latin typeface="Calibri" pitchFamily="34" charset="0"/>
-              </a:rPr>
-              <a:t>Click here to insert your Methods and Materials text. Type it in or copy and paste from your Word document or other source.</a:t>
+              <a:rPr lang="en-US" sz="2100" dirty="0">
+                <a:latin typeface="+mn-lt"/>
+              </a:rPr>
+              <a:t>The goal of foraging is for the robots to find the food source(s) in the world and bring foods back to the nest. In the algorithm we’re implementing, each robots can take up one of two roles: walker or beacon. </a:t>
             </a:r>
           </a:p>
           <a:p>
             <a:pPr eaLnBrk="1" hangingPunct="1"/>
-            <a:endParaRPr lang="en-US" sz="2000" dirty="0">
-              <a:latin typeface="Calibri" pitchFamily="34" charset="0"/>
+            <a:endParaRPr lang="en-US" sz="2100" dirty="0">
+              <a:latin typeface="+mn-lt"/>
             </a:endParaRPr>
           </a:p>
           <a:p>
             <a:pPr eaLnBrk="1" hangingPunct="1"/>
             <a:r>
-              <a:rPr lang="en-US" sz="2000" dirty="0">
-                <a:latin typeface="Calibri" pitchFamily="34" charset="0"/>
-              </a:rPr>
-              <a:t>This text box will automatically re-size to your text. To turn off that feature, right click inside this box and go to </a:t>
-            </a:r>
-            <a:r>
-              <a:rPr lang="en-US" sz="2000" b="1" dirty="0">
-                <a:latin typeface="Calibri" pitchFamily="34" charset="0"/>
-              </a:rPr>
-              <a:t>Format Shape, Text Box, Autofit</a:t>
-            </a:r>
-            <a:r>
-              <a:rPr lang="en-US" sz="2000" dirty="0">
-                <a:latin typeface="Calibri" pitchFamily="34" charset="0"/>
-              </a:rPr>
-              <a:t>, and select the “Do Not Autofit” radio button.</a:t>
+              <a:rPr lang="en-US" sz="2100" dirty="0">
+                <a:latin typeface="+mn-lt"/>
+              </a:rPr>
+              <a:t>A beacon is stationary. It stores a nest cardinality and a food cardinality, and broadcasts these two values. It also receives broadcastings from neighboring beacons, and sets its own cardinalities to the received minimum cardinality value plus one. The beacon next to the nest has nest cardinality 0 and the beacon next to the food source has food cardinality 0. Effectively, beacons and targets (nest and food source) form a network, and the cardinalities of a beacon are gradient values indicating the distance of the beacon to the targets.</a:t>
             </a:r>
           </a:p>
           <a:p>
             <a:pPr eaLnBrk="1" hangingPunct="1"/>
-            <a:endParaRPr lang="en-US" sz="2000" dirty="0">
-              <a:latin typeface="Calibri" pitchFamily="34" charset="0"/>
+            <a:endParaRPr lang="en-US" sz="2100" dirty="0">
+              <a:latin typeface="+mn-lt"/>
             </a:endParaRPr>
           </a:p>
           <a:p>
             <a:pPr eaLnBrk="1" hangingPunct="1"/>
             <a:r>
-              <a:rPr lang="en-US" sz="2000" dirty="0">
-                <a:latin typeface="Calibri" pitchFamily="34" charset="0"/>
-              </a:rPr>
-              <a:t>To change the font style of this text box: Click on the border once to highlight the entire text box, then select a different font or font size that suits you. This text is Calibri 20pt and is easily </a:t>
-            </a:r>
-            <a:r>
-              <a:rPr lang="en-US" sz="2000" dirty="0" smtClean="0">
-                <a:latin typeface="Calibri" pitchFamily="34" charset="0"/>
-              </a:rPr>
-              <a:t>read </a:t>
-            </a:r>
-            <a:r>
-              <a:rPr lang="en-US" sz="2000" dirty="0">
-                <a:latin typeface="Calibri" pitchFamily="34" charset="0"/>
-              </a:rPr>
-              <a:t>up to 3 feet away on a 24x36 poster, and up to 6 feet away on a 48x72 poster.</a:t>
+              <a:rPr lang="en-US" sz="2100" dirty="0">
+                <a:latin typeface="+mn-lt"/>
+              </a:rPr>
+              <a:t>An example of such a beacon network is shown in Figure 1. In this network,</a:t>
             </a:r>
           </a:p>
           <a:p>
             <a:pPr eaLnBrk="1" hangingPunct="1"/>
-            <a:endParaRPr lang="en-US" sz="2000" dirty="0">
-              <a:latin typeface="Calibri" pitchFamily="34" charset="0"/>
+            <a:r>
+              <a:rPr lang="en-US" sz="2100" dirty="0">
+                <a:latin typeface="+mn-lt"/>
+              </a:rPr>
+              <a:t>nodes are beacons and an edge between two beacons indicates they’re within communication radius of each other. The values in a node are (nest cardinality, food cardinality) of the beacon. The cardinalities of beacon </a:t>
+            </a:r>
+            <a:r>
+              <a:rPr lang="en-US" sz="2100" i="1" dirty="0" err="1">
+                <a:latin typeface="+mn-lt"/>
+              </a:rPr>
+              <a:t>i</a:t>
+            </a:r>
+            <a:r>
+              <a:rPr lang="en-US" sz="2100" dirty="0">
+                <a:latin typeface="+mn-lt"/>
+              </a:rPr>
+              <a:t> are (3,4) because the minimum nest cardinality it receives is 2, which is from beacon </a:t>
+            </a:r>
+            <a:r>
+              <a:rPr lang="en-US" sz="2100" i="1" dirty="0">
+                <a:latin typeface="+mn-lt"/>
+              </a:rPr>
+              <a:t>j</a:t>
+            </a:r>
+            <a:r>
+              <a:rPr lang="en-US" sz="2100" baseline="-25000" dirty="0">
+                <a:latin typeface="+mn-lt"/>
+              </a:rPr>
+              <a:t>3</a:t>
+            </a:r>
+            <a:r>
+              <a:rPr lang="en-US" sz="2100" dirty="0">
+                <a:latin typeface="+mn-lt"/>
+              </a:rPr>
+              <a:t>, and the minimum food cardinality it receives is 3, which is from beacon </a:t>
+            </a:r>
+            <a:r>
+              <a:rPr lang="en-US" sz="2100" i="1" dirty="0">
+                <a:latin typeface="+mn-lt"/>
+              </a:rPr>
+              <a:t>j</a:t>
+            </a:r>
+            <a:r>
+              <a:rPr lang="en-US" sz="2100" baseline="-25000" dirty="0">
+                <a:latin typeface="+mn-lt"/>
+              </a:rPr>
+              <a:t>2</a:t>
+            </a:r>
+            <a:r>
+              <a:rPr lang="en-US" sz="2100" dirty="0">
+                <a:latin typeface="+mn-lt"/>
+              </a:rPr>
+              <a:t>.</a:t>
+            </a:r>
+          </a:p>
+          <a:p>
+            <a:pPr eaLnBrk="1" hangingPunct="1"/>
+            <a:endParaRPr lang="en-US" sz="2100" dirty="0">
+              <a:latin typeface="+mn-lt"/>
             </a:endParaRPr>
           </a:p>
           <a:p>
             <a:pPr eaLnBrk="1" hangingPunct="1"/>
             <a:r>
-              <a:rPr lang="en-US" sz="2000" dirty="0">
-                <a:latin typeface="Calibri" pitchFamily="34" charset="0"/>
-              </a:rPr>
-              <a:t>Zoom out to 100% (for 24x36) or 200% (for 48x72) to preview what this will look like on your printed poster.</a:t>
+              <a:rPr lang="en-US" sz="2100" dirty="0">
+                <a:latin typeface="+mn-lt"/>
+              </a:rPr>
+              <a:t>A walker is mobile. It doesn’t send out any data, but receives the broadcastings from beacons and follows the minimum values to reach a target. For example, if a walker is going towards the food, it will compare all the food cardinalities it receives from the beacons in its vicinity and go towards the one sending the minimum value.</a:t>
             </a:r>
           </a:p>
         </p:txBody>
@@ -4156,7 +3667,7 @@
         </p:nvSpPr>
         <p:spPr>
           <a:xfrm>
-            <a:off x="11521440" y="3200400"/>
+            <a:off x="11521440" y="3200411"/>
             <a:ext cx="9875520" cy="457200"/>
           </a:xfrm>
           <a:prstGeom prst="rect">
@@ -4186,12 +3697,12 @@
           </a:fontRef>
         </p:style>
         <p:txBody>
-          <a:bodyPr lIns="48971" tIns="24486" rIns="48971" bIns="24486" rtlCol="0" anchor="ctr"/>
+          <a:bodyPr lIns="48897" tIns="24445" rIns="48897" bIns="24445" rtlCol="0" anchor="ctr"/>
           <a:lstStyle/>
           <a:p>
             <a:pPr algn="ctr"/>
             <a:r>
-              <a:rPr lang="en-US" sz="3200" b="1" dirty="0" smtClean="0">
+              <a:rPr lang="en-US" sz="3100" b="1" dirty="0">
                 <a:solidFill>
                   <a:schemeClr val="accent3">
                     <a:lumMod val="20000"/>
@@ -4201,7 +3712,7 @@
               </a:rPr>
               <a:t>Foraging Algorithm</a:t>
             </a:r>
-            <a:endParaRPr lang="en-US" sz="3200" b="1" dirty="0">
+            <a:endParaRPr lang="en-US" sz="3100" b="1" dirty="0">
               <a:solidFill>
                 <a:schemeClr val="accent3">
                   <a:lumMod val="20000"/>
@@ -4214,7 +3725,7 @@
       </p:sp>
       <p:sp>
         <p:nvSpPr>
-          <p:cNvPr id="12" name="Text Box 191"/>
+          <p:cNvPr id="11" name="Text Box 190"/>
           <p:cNvSpPr txBox="1">
             <a:spLocks noChangeArrowheads="1"/>
           </p:cNvSpPr>
@@ -4222,8 +3733,8 @@
         </p:nvSpPr>
         <p:spPr bwMode="auto">
           <a:xfrm>
-            <a:off x="21945600" y="8737600"/>
-            <a:ext cx="9875520" cy="4198892"/>
+            <a:off x="1097280" y="7073550"/>
+            <a:ext cx="9875520" cy="6337650"/>
           </a:xfrm>
           <a:prstGeom prst="rect">
             <a:avLst/>
@@ -4241,7 +3752,7 @@
           <a:effectLst/>
         </p:spPr>
         <p:txBody>
-          <a:bodyPr lIns="97942" tIns="97942" rIns="97942" bIns="97942">
+          <a:bodyPr lIns="97798" tIns="97798" rIns="97798" bIns="97798">
             <a:spAutoFit/>
           </a:bodyPr>
           <a:lstStyle>
@@ -4345,92 +3856,131 @@
           <a:p>
             <a:pPr eaLnBrk="1" hangingPunct="1"/>
             <a:r>
-              <a:rPr lang="en-US" sz="2000" dirty="0">
-                <a:latin typeface="Calibri" pitchFamily="34" charset="0"/>
-              </a:rPr>
-              <a:t>Click here to insert your Discussion text. Type it in or copy and paste from your Word document or other source.</a:t>
-            </a:r>
+              <a:rPr lang="en-US" sz="2100" dirty="0">
+                <a:latin typeface="+mn-lt"/>
+              </a:rPr>
+              <a:t>In swarm robotics, a large number--perhaps thousands--of robots must cooperate to achieve common goals. The key challenges are scalability and robustness in the absence of centralized controls. </a:t>
+            </a:r>
+            <a:endParaRPr lang="en-US" sz="2100" dirty="0">
+              <a:latin typeface="+mn-lt"/>
+            </a:endParaRPr>
           </a:p>
           <a:p>
             <a:pPr eaLnBrk="1" hangingPunct="1"/>
-            <a:endParaRPr lang="en-US" sz="2000" dirty="0">
-              <a:latin typeface="Calibri" pitchFamily="34" charset="0"/>
+            <a:endParaRPr lang="en-US" sz="2100" dirty="0">
+              <a:latin typeface="+mn-lt"/>
             </a:endParaRPr>
           </a:p>
           <a:p>
             <a:pPr eaLnBrk="1" hangingPunct="1"/>
             <a:r>
-              <a:rPr lang="en-US" sz="2000" dirty="0">
-                <a:latin typeface="Calibri" pitchFamily="34" charset="0"/>
-              </a:rPr>
-              <a:t>This text box will automatically re-size to your text. To turn off that feature, right click inside this box and go to </a:t>
-            </a:r>
-            <a:r>
-              <a:rPr lang="en-US" sz="2000" b="1" dirty="0">
-                <a:latin typeface="Calibri" pitchFamily="34" charset="0"/>
-              </a:rPr>
-              <a:t>Format Shape, Text Box, Autofit</a:t>
-            </a:r>
-            <a:r>
-              <a:rPr lang="en-US" sz="2000" dirty="0">
-                <a:latin typeface="Calibri" pitchFamily="34" charset="0"/>
-              </a:rPr>
-              <a:t>, and select the “Do Not Autofit” radio button.</a:t>
-            </a:r>
+              <a:rPr lang="en-US" sz="2100" dirty="0">
+                <a:latin typeface="+mn-lt"/>
+              </a:rPr>
+              <a:t>Many </a:t>
+            </a:r>
+            <a:r>
+              <a:rPr lang="en-US" sz="2100" dirty="0">
+                <a:latin typeface="+mn-lt"/>
+              </a:rPr>
+              <a:t>swarm robotics researchers use the foraging problem as a test bed for new algorithms. Foraging problems can represent a variety of problems including search and rescue. In this problem, robots must find locations of </a:t>
+            </a:r>
+            <a:r>
+              <a:rPr lang="en-US" sz="2100" dirty="0">
+                <a:latin typeface="+mn-lt"/>
+              </a:rPr>
+              <a:t>“food” </a:t>
+            </a:r>
+            <a:r>
+              <a:rPr lang="en-US" sz="2100" dirty="0">
+                <a:latin typeface="+mn-lt"/>
+              </a:rPr>
+              <a:t>without any previous knowledge or a centralized control. </a:t>
+            </a:r>
+            <a:endParaRPr lang="en-US" sz="2100" dirty="0">
+              <a:latin typeface="+mn-lt"/>
+            </a:endParaRPr>
           </a:p>
           <a:p>
             <a:pPr eaLnBrk="1" hangingPunct="1"/>
-            <a:endParaRPr lang="en-US" sz="2000" dirty="0">
-              <a:latin typeface="Calibri" pitchFamily="34" charset="0"/>
+            <a:endParaRPr lang="en-US" sz="2100" dirty="0">
+              <a:latin typeface="+mn-lt"/>
             </a:endParaRPr>
           </a:p>
           <a:p>
             <a:pPr eaLnBrk="1" hangingPunct="1"/>
             <a:r>
-              <a:rPr lang="en-US" sz="2000" dirty="0">
-                <a:latin typeface="Calibri" pitchFamily="34" charset="0"/>
-              </a:rPr>
-              <a:t>To change the font style of this text box: Click on the border once to highlight the entire text box, then select a different font or font size that suits you. This text is Calibri 20pt and is easily </a:t>
-            </a:r>
-            <a:r>
-              <a:rPr lang="en-US" sz="2000" dirty="0" smtClean="0">
-                <a:latin typeface="Calibri" pitchFamily="34" charset="0"/>
-              </a:rPr>
-              <a:t>read </a:t>
-            </a:r>
-            <a:r>
-              <a:rPr lang="en-US" sz="2000" dirty="0">
-                <a:latin typeface="Calibri" pitchFamily="34" charset="0"/>
-              </a:rPr>
-              <a:t>up to 3 feet away on a 24x36 poster, and up to 6 feet away on a 48x72 poster.</a:t>
-            </a:r>
+              <a:rPr lang="en-US" sz="2100" dirty="0">
+                <a:latin typeface="+mn-lt"/>
+              </a:rPr>
+              <a:t>Our </a:t>
+            </a:r>
+            <a:r>
+              <a:rPr lang="en-US" sz="2100" dirty="0">
+                <a:latin typeface="+mn-lt"/>
+              </a:rPr>
+              <a:t>approach uses completely distributed and autonomous robots that can dynamically assume useful roles, either being explorers or guiders, by utilizing their local information only. Because our solution is completely distributed and localized, it is expected to scale out very well even with an extremely large number of robots. </a:t>
+            </a:r>
+            <a:endParaRPr lang="en-US" sz="2100" dirty="0">
+              <a:latin typeface="+mn-lt"/>
+            </a:endParaRPr>
           </a:p>
           <a:p>
             <a:pPr eaLnBrk="1" hangingPunct="1"/>
-            <a:endParaRPr lang="en-US" sz="2000" dirty="0">
-              <a:latin typeface="Calibri" pitchFamily="34" charset="0"/>
+            <a:endParaRPr lang="en-US" sz="2100" dirty="0">
+              <a:latin typeface="+mn-lt"/>
             </a:endParaRPr>
           </a:p>
           <a:p>
             <a:pPr eaLnBrk="1" hangingPunct="1"/>
             <a:r>
-              <a:rPr lang="en-US" sz="2000" dirty="0">
-                <a:latin typeface="Calibri" pitchFamily="34" charset="0"/>
-              </a:rPr>
-              <a:t>Zoom out to 100% (for 24x36) or 200% (for 48x72) to preview what this will look like on your printed poster.</a:t>
+              <a:rPr lang="en-US" sz="2100" dirty="0">
+                <a:latin typeface="+mn-lt"/>
+              </a:rPr>
+              <a:t>We </a:t>
+            </a:r>
+            <a:r>
+              <a:rPr lang="en-US" sz="2100" dirty="0">
+                <a:latin typeface="+mn-lt"/>
+              </a:rPr>
+              <a:t>also developed a robot hardware prototype that can be used for general swarm robot research. The hardware utilizes the </a:t>
+            </a:r>
+            <a:r>
+              <a:rPr lang="en-US" sz="2100" dirty="0" err="1">
+                <a:latin typeface="+mn-lt"/>
+              </a:rPr>
+              <a:t>Arduino</a:t>
+            </a:r>
+            <a:r>
+              <a:rPr lang="en-US" sz="2100" dirty="0">
+                <a:latin typeface="+mn-lt"/>
+              </a:rPr>
+              <a:t> Mega 2560 board and infrared emitters and receivers for communication and obstacle detection. </a:t>
+            </a:r>
+            <a:r>
+              <a:rPr lang="en-US" sz="2100" dirty="0">
+                <a:latin typeface="+mn-lt"/>
+              </a:rPr>
+              <a:t>The </a:t>
+            </a:r>
+            <a:r>
+              <a:rPr lang="en-US" sz="2100" dirty="0">
+                <a:latin typeface="+mn-lt"/>
+              </a:rPr>
+              <a:t>key difficulty of designing the robot is the communication protocol, which currently is implemented as a state machine running as Interrupt Service Routines.</a:t>
             </a:r>
           </a:p>
         </p:txBody>
       </p:sp>
       <p:sp>
         <p:nvSpPr>
-          <p:cNvPr id="35" name="Rectangle 34"/>
+          <p:cNvPr id="45" name="Rectangle 44"/>
           <p:cNvSpPr/>
           <p:nvPr/>
         </p:nvSpPr>
         <p:spPr>
           <a:xfrm>
-            <a:off x="21945600" y="8280400"/>
+            <a:off x="22021800" y="6324600"/>
             <a:ext cx="9875520" cy="457200"/>
           </a:xfrm>
           <a:prstGeom prst="rect">
@@ -4460,12 +4010,12 @@
           </a:fontRef>
         </p:style>
         <p:txBody>
-          <a:bodyPr lIns="48971" tIns="24486" rIns="48971" bIns="24486" rtlCol="0" anchor="ctr"/>
+          <a:bodyPr lIns="48897" tIns="24445" rIns="48897" bIns="24445" rtlCol="0" anchor="ctr"/>
           <a:lstStyle/>
           <a:p>
             <a:pPr algn="ctr"/>
             <a:r>
-              <a:rPr lang="en-US" sz="3200" b="1" dirty="0" smtClean="0">
+              <a:rPr lang="en-US" sz="3100" b="1" dirty="0">
                 <a:solidFill>
                   <a:schemeClr val="accent3">
                     <a:lumMod val="20000"/>
@@ -4473,9 +4023,9 @@
                   </a:schemeClr>
                 </a:solidFill>
               </a:rPr>
-              <a:t>Software</a:t>
-            </a:r>
-            <a:endParaRPr lang="en-US" sz="3200" b="1" dirty="0">
+              <a:t>Hardware</a:t>
+            </a:r>
+            <a:endParaRPr lang="en-US" sz="3100" b="1" dirty="0">
               <a:solidFill>
                 <a:schemeClr val="accent3">
                   <a:lumMod val="20000"/>
@@ -4488,7 +4038,7 @@
       </p:sp>
       <p:sp>
         <p:nvSpPr>
-          <p:cNvPr id="14" name="Text Box 193"/>
+          <p:cNvPr id="51" name="Text Box 180"/>
           <p:cNvSpPr txBox="1">
             <a:spLocks noChangeArrowheads="1"/>
           </p:cNvSpPr>
@@ -4496,8 +4046,382 @@
         </p:nvSpPr>
         <p:spPr bwMode="auto">
           <a:xfrm>
-            <a:off x="21945600" y="14173201"/>
-            <a:ext cx="9875520" cy="4198892"/>
+            <a:off x="4800600" y="18364200"/>
+            <a:ext cx="2543040" cy="310978"/>
+          </a:xfrm>
+          <a:prstGeom prst="rect">
+            <a:avLst/>
+          </a:prstGeom>
+          <a:noFill/>
+          <a:ln>
+            <a:noFill/>
+          </a:ln>
+          <a:effectLst/>
+          <a:extLst>
+            <a:ext uri="{909E8E84-426E-40dd-AFC4-6F175D3DCCD1}">
+              <a14:hiddenFill xmlns:a14="http://schemas.microsoft.com/office/drawing/2010/main">
+                <a:solidFill>
+                  <a:schemeClr val="accent1"/>
+                </a:solidFill>
+              </a14:hiddenFill>
+            </a:ext>
+            <a:ext uri="{91240B29-F687-4f45-9708-019B960494DF}">
+              <a14:hiddenLine xmlns:a14="http://schemas.microsoft.com/office/drawing/2010/main" w="9525">
+                <a:solidFill>
+                  <a:schemeClr val="tx1"/>
+                </a:solidFill>
+                <a:miter lim="800000"/>
+                <a:headEnd/>
+                <a:tailEnd/>
+              </a14:hiddenLine>
+            </a:ext>
+            <a:ext uri="{AF507438-7753-43e0-B8FC-AC1667EBCBE1}">
+              <a14:hiddenEffects xmlns:a14="http://schemas.microsoft.com/office/drawing/2010/main">
+                <a:effectLst>
+                  <a:outerShdw dist="35921" dir="2700000" algn="ctr" rotWithShape="0">
+                    <a:schemeClr val="bg2"/>
+                  </a:outerShdw>
+                </a:effectLst>
+              </a14:hiddenEffects>
+            </a:ext>
+          </a:extLst>
+        </p:spPr>
+        <p:txBody>
+          <a:bodyPr wrap="none" lIns="48897" tIns="24445" rIns="48897" bIns="24445">
+            <a:spAutoFit/>
+          </a:bodyPr>
+          <a:lstStyle>
+            <a:lvl1pPr defTabSz="4389438" eaLnBrk="0" hangingPunct="0">
+              <a:defRPr sz="2200">
+                <a:solidFill>
+                  <a:schemeClr val="tx1"/>
+                </a:solidFill>
+                <a:latin typeface="Arial" charset="0"/>
+              </a:defRPr>
+            </a:lvl1pPr>
+            <a:lvl2pPr marL="742950" indent="-285750" defTabSz="4389438" eaLnBrk="0" hangingPunct="0">
+              <a:defRPr sz="2200">
+                <a:solidFill>
+                  <a:schemeClr val="tx1"/>
+                </a:solidFill>
+                <a:latin typeface="Arial" charset="0"/>
+              </a:defRPr>
+            </a:lvl2pPr>
+            <a:lvl3pPr marL="1143000" indent="-228600" defTabSz="4389438" eaLnBrk="0" hangingPunct="0">
+              <a:defRPr sz="2200">
+                <a:solidFill>
+                  <a:schemeClr val="tx1"/>
+                </a:solidFill>
+                <a:latin typeface="Arial" charset="0"/>
+              </a:defRPr>
+            </a:lvl3pPr>
+            <a:lvl4pPr marL="1600200" indent="-228600" defTabSz="4389438" eaLnBrk="0" hangingPunct="0">
+              <a:defRPr sz="2200">
+                <a:solidFill>
+                  <a:schemeClr val="tx1"/>
+                </a:solidFill>
+                <a:latin typeface="Arial" charset="0"/>
+              </a:defRPr>
+            </a:lvl4pPr>
+            <a:lvl5pPr marL="2057400" indent="-228600" defTabSz="4389438" eaLnBrk="0" hangingPunct="0">
+              <a:defRPr sz="2200">
+                <a:solidFill>
+                  <a:schemeClr val="tx1"/>
+                </a:solidFill>
+                <a:latin typeface="Arial" charset="0"/>
+              </a:defRPr>
+            </a:lvl5pPr>
+            <a:lvl6pPr marL="2514600" indent="-228600" defTabSz="4389438" eaLnBrk="0" fontAlgn="base" hangingPunct="0">
+              <a:spcBef>
+                <a:spcPct val="0"/>
+              </a:spcBef>
+              <a:spcAft>
+                <a:spcPct val="0"/>
+              </a:spcAft>
+              <a:defRPr sz="2200">
+                <a:solidFill>
+                  <a:schemeClr val="tx1"/>
+                </a:solidFill>
+                <a:latin typeface="Arial" charset="0"/>
+              </a:defRPr>
+            </a:lvl6pPr>
+            <a:lvl7pPr marL="2971800" indent="-228600" defTabSz="4389438" eaLnBrk="0" fontAlgn="base" hangingPunct="0">
+              <a:spcBef>
+                <a:spcPct val="0"/>
+              </a:spcBef>
+              <a:spcAft>
+                <a:spcPct val="0"/>
+              </a:spcAft>
+              <a:defRPr sz="2200">
+                <a:solidFill>
+                  <a:schemeClr val="tx1"/>
+                </a:solidFill>
+                <a:latin typeface="Arial" charset="0"/>
+              </a:defRPr>
+            </a:lvl7pPr>
+            <a:lvl8pPr marL="3429000" indent="-228600" defTabSz="4389438" eaLnBrk="0" fontAlgn="base" hangingPunct="0">
+              <a:spcBef>
+                <a:spcPct val="0"/>
+              </a:spcBef>
+              <a:spcAft>
+                <a:spcPct val="0"/>
+              </a:spcAft>
+              <a:defRPr sz="2200">
+                <a:solidFill>
+                  <a:schemeClr val="tx1"/>
+                </a:solidFill>
+                <a:latin typeface="Arial" charset="0"/>
+              </a:defRPr>
+            </a:lvl8pPr>
+            <a:lvl9pPr marL="3886200" indent="-228600" defTabSz="4389438" eaLnBrk="0" fontAlgn="base" hangingPunct="0">
+              <a:spcBef>
+                <a:spcPct val="0"/>
+              </a:spcBef>
+              <a:spcAft>
+                <a:spcPct val="0"/>
+              </a:spcAft>
+              <a:defRPr sz="2200">
+                <a:solidFill>
+                  <a:schemeClr val="tx1"/>
+                </a:solidFill>
+                <a:latin typeface="Arial" charset="0"/>
+              </a:defRPr>
+            </a:lvl9pPr>
+          </a:lstStyle>
+          <a:p>
+            <a:pPr eaLnBrk="1" hangingPunct="1"/>
+            <a:r>
+              <a:rPr lang="en-US" sz="1700" b="1" dirty="0">
+                <a:latin typeface="Calibri" pitchFamily="34" charset="0"/>
+              </a:rPr>
+              <a:t>Figure 1.</a:t>
+            </a:r>
+            <a:r>
+              <a:rPr lang="en-US" sz="1700" dirty="0">
+                <a:latin typeface="Calibri" pitchFamily="34" charset="0"/>
+              </a:rPr>
+              <a:t> </a:t>
+            </a:r>
+            <a:r>
+              <a:rPr lang="en-US" sz="1700" dirty="0">
+                <a:latin typeface="Calibri" pitchFamily="34" charset="0"/>
+              </a:rPr>
+              <a:t>A beacon network</a:t>
+            </a:r>
+            <a:endParaRPr lang="en-US" sz="1700" dirty="0">
+              <a:latin typeface="Calibri" pitchFamily="34" charset="0"/>
+            </a:endParaRPr>
+          </a:p>
+        </p:txBody>
+      </p:sp>
+      <p:sp>
+        <p:nvSpPr>
+          <p:cNvPr id="30" name="Rectangle 265"/>
+          <p:cNvSpPr>
+            <a:spLocks noChangeAspect="1" noChangeArrowheads="1"/>
+          </p:cNvSpPr>
+          <p:nvPr/>
+        </p:nvSpPr>
+        <p:spPr bwMode="auto">
+          <a:xfrm>
+            <a:off x="1097289" y="731531"/>
+            <a:ext cx="1827356" cy="1371600"/>
+          </a:xfrm>
+          <a:prstGeom prst="rect">
+            <a:avLst/>
+          </a:prstGeom>
+          <a:blipFill dpi="0" rotWithShape="1">
+            <a:blip r:embed="rId2">
+              <a:lum bright="70000" contrast="-70000"/>
+            </a:blip>
+            <a:srcRect/>
+            <a:stretch>
+              <a:fillRect r="-79"/>
+            </a:stretch>
+          </a:blipFill>
+          <a:ln w="9525">
+            <a:solidFill>
+              <a:schemeClr val="tx1"/>
+            </a:solidFill>
+            <a:miter lim="800000"/>
+            <a:headEnd/>
+            <a:tailEnd/>
+          </a:ln>
+          <a:effectLst/>
+          <a:extLst>
+            <a:ext uri="{AF507438-7753-43e0-B8FC-AC1667EBCBE1}">
+              <a14:hiddenEffects xmlns:a14="http://schemas.microsoft.com/office/drawing/2010/main">
+                <a:effectLst>
+                  <a:outerShdw dist="35921" dir="2700000" algn="ctr" rotWithShape="0">
+                    <a:schemeClr val="bg2"/>
+                  </a:outerShdw>
+                </a:effectLst>
+              </a14:hiddenEffects>
+            </a:ext>
+          </a:extLst>
+        </p:spPr>
+        <p:txBody>
+          <a:bodyPr lIns="83690" tIns="41845" rIns="83690" bIns="41845" anchor="ctr"/>
+          <a:lstStyle/>
+          <a:p>
+            <a:pPr algn="ctr" defTabSz="4016711"/>
+            <a:r>
+              <a:rPr lang="en-US" sz="1000" b="1" dirty="0">
+                <a:latin typeface="Calibri" pitchFamily="34" charset="0"/>
+              </a:rPr>
+              <a:t>REPLACE THIS BOX WITH YOUR ORGANIZATION’S</a:t>
+            </a:r>
+          </a:p>
+          <a:p>
+            <a:pPr algn="ctr" defTabSz="4016711"/>
+            <a:r>
+              <a:rPr lang="en-US" sz="1000" b="1" dirty="0">
+                <a:latin typeface="Calibri" pitchFamily="34" charset="0"/>
+              </a:rPr>
+              <a:t>HIGH RESOLUTION LOGO</a:t>
+            </a:r>
+          </a:p>
+        </p:txBody>
+      </p:sp>
+      <p:sp>
+        <p:nvSpPr>
+          <p:cNvPr id="31" name="Rectangle 265"/>
+          <p:cNvSpPr>
+            <a:spLocks noChangeAspect="1" noChangeArrowheads="1"/>
+          </p:cNvSpPr>
+          <p:nvPr/>
+        </p:nvSpPr>
+        <p:spPr bwMode="auto">
+          <a:xfrm>
+            <a:off x="29992329" y="731531"/>
+            <a:ext cx="1827356" cy="1371600"/>
+          </a:xfrm>
+          <a:prstGeom prst="rect">
+            <a:avLst/>
+          </a:prstGeom>
+          <a:blipFill dpi="0" rotWithShape="1">
+            <a:blip r:embed="rId2">
+              <a:lum bright="70000" contrast="-70000"/>
+            </a:blip>
+            <a:srcRect/>
+            <a:stretch>
+              <a:fillRect r="-79"/>
+            </a:stretch>
+          </a:blipFill>
+          <a:ln w="9525">
+            <a:solidFill>
+              <a:schemeClr val="tx1"/>
+            </a:solidFill>
+            <a:miter lim="800000"/>
+            <a:headEnd/>
+            <a:tailEnd/>
+          </a:ln>
+          <a:effectLst/>
+          <a:extLst>
+            <a:ext uri="{AF507438-7753-43e0-B8FC-AC1667EBCBE1}">
+              <a14:hiddenEffects xmlns:a14="http://schemas.microsoft.com/office/drawing/2010/main">
+                <a:effectLst>
+                  <a:outerShdw dist="35921" dir="2700000" algn="ctr" rotWithShape="0">
+                    <a:schemeClr val="bg2"/>
+                  </a:outerShdw>
+                </a:effectLst>
+              </a14:hiddenEffects>
+            </a:ext>
+          </a:extLst>
+        </p:spPr>
+        <p:txBody>
+          <a:bodyPr lIns="83690" tIns="41845" rIns="83690" bIns="41845" anchor="ctr"/>
+          <a:lstStyle/>
+          <a:p>
+            <a:pPr algn="ctr" defTabSz="4016711"/>
+            <a:r>
+              <a:rPr lang="en-US" sz="1000" b="1" dirty="0">
+                <a:latin typeface="Calibri" pitchFamily="34" charset="0"/>
+              </a:rPr>
+              <a:t>REPLACE THIS BOX WITH YOUR ORGANIZATION’S</a:t>
+            </a:r>
+          </a:p>
+          <a:p>
+            <a:pPr algn="ctr" defTabSz="4016711"/>
+            <a:r>
+              <a:rPr lang="en-US" sz="1000" b="1" dirty="0">
+                <a:latin typeface="Calibri" pitchFamily="34" charset="0"/>
+              </a:rPr>
+              <a:t>HIGH RESOLUTION LOGO</a:t>
+            </a:r>
+          </a:p>
+        </p:txBody>
+      </p:sp>
+      <p:sp>
+        <p:nvSpPr>
+          <p:cNvPr id="38" name="TextBox 37"/>
+          <p:cNvSpPr txBox="1"/>
+          <p:nvPr/>
+        </p:nvSpPr>
+        <p:spPr>
+          <a:xfrm>
+            <a:off x="3505210" y="19964414"/>
+            <a:ext cx="3386026" cy="695698"/>
+          </a:xfrm>
+          <a:prstGeom prst="rect">
+            <a:avLst/>
+          </a:prstGeom>
+          <a:solidFill>
+            <a:schemeClr val="accent1">
+              <a:lumMod val="40000"/>
+              <a:lumOff val="60000"/>
+            </a:schemeClr>
+          </a:solidFill>
+        </p:spPr>
+        <p:txBody>
+          <a:bodyPr wrap="none" lIns="48897" tIns="24445" rIns="48897" bIns="24445" rtlCol="0">
+            <a:spAutoFit/>
+          </a:bodyPr>
+          <a:lstStyle/>
+          <a:p>
+            <a:r>
+              <a:rPr lang="en-US" sz="2100" dirty="0" err="1"/>
+              <a:t>Gajendranath</a:t>
+            </a:r>
+            <a:r>
+              <a:rPr lang="en-US" sz="2100" dirty="0"/>
+              <a:t> </a:t>
+            </a:r>
+            <a:r>
+              <a:rPr lang="en-US" sz="2100" dirty="0" err="1"/>
+              <a:t>Gaurav</a:t>
+            </a:r>
+            <a:r>
+              <a:rPr lang="en-US" sz="2100" dirty="0"/>
+              <a:t> Roy </a:t>
+            </a:r>
+            <a:r>
+              <a:rPr lang="en-US" sz="2100" dirty="0" err="1"/>
+              <a:t>Puli</a:t>
+            </a:r>
+            <a:endParaRPr lang="en-US" sz="2100" dirty="0"/>
+          </a:p>
+          <a:p>
+            <a:r>
+              <a:rPr lang="en-US" sz="2100" dirty="0" err="1"/>
+              <a:t>gpuli@syr.edu</a:t>
+            </a:r>
+            <a:endParaRPr lang="en-US" sz="2100" dirty="0"/>
+          </a:p>
+        </p:txBody>
+      </p:sp>
+      <p:sp>
+        <p:nvSpPr>
+          <p:cNvPr id="39" name="Text Box 192"/>
+          <p:cNvSpPr txBox="1">
+            <a:spLocks noChangeArrowheads="1"/>
+          </p:cNvSpPr>
+          <p:nvPr/>
+        </p:nvSpPr>
+        <p:spPr bwMode="auto">
+          <a:xfrm>
+            <a:off x="22021800" y="3657600"/>
+            <a:ext cx="9875520" cy="2459664"/>
           </a:xfrm>
           <a:prstGeom prst="rect">
             <a:avLst/>
@@ -4515,7 +4439,7 @@
           <a:effectLst/>
         </p:spPr>
         <p:txBody>
-          <a:bodyPr lIns="97942" tIns="97942" rIns="97942" bIns="97942">
+          <a:bodyPr lIns="97798" tIns="97798" rIns="97798" bIns="97798">
             <a:spAutoFit/>
           </a:bodyPr>
           <a:lstStyle>
@@ -4619,92 +4543,71 @@
           <a:p>
             <a:pPr eaLnBrk="1" hangingPunct="1"/>
             <a:r>
-              <a:rPr lang="en-US" sz="2000" dirty="0">
-                <a:latin typeface="Calibri" pitchFamily="34" charset="0"/>
-              </a:rPr>
-              <a:t>Click here to insert your Conclusions text. Type it in or copy and paste from your Word document or other source.</a:t>
-            </a:r>
-          </a:p>
-          <a:p>
-            <a:pPr eaLnBrk="1" hangingPunct="1"/>
-            <a:endParaRPr lang="en-US" sz="2000" dirty="0">
-              <a:latin typeface="Calibri" pitchFamily="34" charset="0"/>
-            </a:endParaRPr>
-          </a:p>
-          <a:p>
-            <a:pPr eaLnBrk="1" hangingPunct="1"/>
-            <a:r>
-              <a:rPr lang="en-US" sz="2000" dirty="0">
-                <a:latin typeface="Calibri" pitchFamily="34" charset="0"/>
-              </a:rPr>
-              <a:t>This text box will automatically re-size to your text. To turn off that feature, right click inside this box and go to </a:t>
-            </a:r>
-            <a:r>
-              <a:rPr lang="en-US" sz="2000" b="1" dirty="0">
-                <a:latin typeface="Calibri" pitchFamily="34" charset="0"/>
-              </a:rPr>
-              <a:t>Format Shape, Text Box, Autofit</a:t>
-            </a:r>
-            <a:r>
-              <a:rPr lang="en-US" sz="2000" dirty="0">
-                <a:latin typeface="Calibri" pitchFamily="34" charset="0"/>
-              </a:rPr>
-              <a:t>, and select the “Do Not Autofit” radio button.</a:t>
-            </a:r>
-          </a:p>
-          <a:p>
-            <a:pPr eaLnBrk="1" hangingPunct="1"/>
-            <a:endParaRPr lang="en-US" sz="2000" dirty="0">
-              <a:latin typeface="Calibri" pitchFamily="34" charset="0"/>
-            </a:endParaRPr>
-          </a:p>
-          <a:p>
-            <a:pPr eaLnBrk="1" hangingPunct="1"/>
-            <a:r>
-              <a:rPr lang="en-US" sz="2000" dirty="0">
-                <a:latin typeface="Calibri" pitchFamily="34" charset="0"/>
-              </a:rPr>
-              <a:t>To change the font style of this text box: Click on the border once to highlight the entire text box, then select a different font or font size that suits you. This text is Calibri 20pt and is easily </a:t>
-            </a:r>
-            <a:r>
-              <a:rPr lang="en-US" sz="2000" dirty="0" smtClean="0">
-                <a:latin typeface="Calibri" pitchFamily="34" charset="0"/>
-              </a:rPr>
-              <a:t>read </a:t>
-            </a:r>
-            <a:r>
-              <a:rPr lang="en-US" sz="2000" dirty="0">
-                <a:latin typeface="Calibri" pitchFamily="34" charset="0"/>
-              </a:rPr>
-              <a:t>up to 3 feet away on a 24x36 poster, and up to 6 feet away on a 48x72 poster.</a:t>
-            </a:r>
-          </a:p>
-          <a:p>
-            <a:pPr eaLnBrk="1" hangingPunct="1"/>
-            <a:endParaRPr lang="en-US" sz="2000" dirty="0">
-              <a:latin typeface="Calibri" pitchFamily="34" charset="0"/>
-            </a:endParaRPr>
-          </a:p>
-          <a:p>
-            <a:pPr eaLnBrk="1" hangingPunct="1"/>
-            <a:r>
-              <a:rPr lang="en-US" sz="2000" dirty="0">
-                <a:latin typeface="Calibri" pitchFamily="34" charset="0"/>
-              </a:rPr>
-              <a:t>Zoom out to 100% (for 24x36) or 200% (for 48x72) to preview what this will look like on your printed poster.</a:t>
+              <a:rPr lang="en-US" sz="2100" dirty="0">
+                <a:latin typeface="Calibri" pitchFamily="34" charset="0"/>
+              </a:rPr>
+              <a:t>We implemented the algorithm in Gazebo, a open-source robotic simulator with Open Dynamic Engine (ODE). </a:t>
+            </a:r>
+            <a:r>
+              <a:rPr lang="en-US" sz="2100" dirty="0">
+                <a:latin typeface="Calibri" pitchFamily="34" charset="0"/>
+              </a:rPr>
+              <a:t>We chose Gazebo because it can better reflect problems such as collision and congestion. </a:t>
+            </a:r>
+            <a:r>
+              <a:rPr lang="en-US" sz="2100" dirty="0" smtClean="0">
+                <a:latin typeface="Calibri" pitchFamily="34" charset="0"/>
+              </a:rPr>
+              <a:t>Figure </a:t>
+            </a:r>
+            <a:r>
+              <a:rPr lang="en-US" sz="2100" dirty="0">
+                <a:latin typeface="Calibri" pitchFamily="34" charset="0"/>
+              </a:rPr>
+              <a:t>2 is a picture </a:t>
+            </a:r>
+            <a:r>
+              <a:rPr lang="en-US" sz="2100" dirty="0" smtClean="0">
+                <a:latin typeface="Calibri" pitchFamily="34" charset="0"/>
+              </a:rPr>
+              <a:t>the simulation after the food source has been located. </a:t>
+            </a:r>
+            <a:r>
+              <a:rPr lang="en-US" sz="2100" dirty="0">
+                <a:latin typeface="Calibri" pitchFamily="34" charset="0"/>
+              </a:rPr>
+              <a:t>The blue square is the nest, the green square is the food source, red circles are walkers going towards food, yellow circles are walkers going towards nest, and blue/green circles are beacons. </a:t>
+            </a:r>
+            <a:r>
+              <a:rPr lang="en-US" sz="2100" dirty="0">
+                <a:latin typeface="Calibri" pitchFamily="34" charset="0"/>
+              </a:rPr>
+              <a:t>The blueness and greenness indicate a </a:t>
+            </a:r>
+            <a:r>
+              <a:rPr lang="en-US" sz="2100" dirty="0" smtClean="0">
+                <a:latin typeface="Calibri" pitchFamily="34" charset="0"/>
+              </a:rPr>
+              <a:t>beacon’s </a:t>
+            </a:r>
+            <a:r>
+              <a:rPr lang="en-US" sz="2100" dirty="0">
+                <a:latin typeface="Calibri" pitchFamily="34" charset="0"/>
+              </a:rPr>
+              <a:t>distance to nest and food source. </a:t>
             </a:r>
           </a:p>
         </p:txBody>
       </p:sp>
       <p:sp>
         <p:nvSpPr>
-          <p:cNvPr id="36" name="Rectangle 35"/>
+          <p:cNvPr id="40" name="Rectangle 39"/>
           <p:cNvSpPr/>
           <p:nvPr/>
         </p:nvSpPr>
         <p:spPr>
           <a:xfrm>
-            <a:off x="21945600" y="13716000"/>
+            <a:off x="22021800" y="3200410"/>
             <a:ext cx="9875520" cy="457200"/>
           </a:xfrm>
           <a:prstGeom prst="rect">
@@ -4734,12 +4637,12 @@
           </a:fontRef>
         </p:style>
         <p:txBody>
-          <a:bodyPr lIns="48971" tIns="24486" rIns="48971" bIns="24486" rtlCol="0" anchor="ctr"/>
+          <a:bodyPr lIns="48897" tIns="24445" rIns="48897" bIns="24445" rtlCol="0" anchor="ctr"/>
           <a:lstStyle/>
           <a:p>
             <a:pPr algn="ctr"/>
             <a:r>
-              <a:rPr lang="en-US" sz="3200" b="1" dirty="0" smtClean="0">
+              <a:rPr lang="en-US" sz="3100" b="1" dirty="0">
                 <a:solidFill>
                   <a:schemeClr val="accent3">
                     <a:lumMod val="20000"/>
@@ -4747,9 +4650,9 @@
                   </a:schemeClr>
                 </a:solidFill>
               </a:rPr>
-              <a:t>Conclusions</a:t>
-            </a:r>
-            <a:endParaRPr lang="en-US" sz="3200" b="1" dirty="0">
+              <a:t>Simulation</a:t>
+            </a:r>
+            <a:endParaRPr lang="en-US" sz="3100" b="1" dirty="0">
               <a:solidFill>
                 <a:schemeClr val="accent3">
                   <a:lumMod val="20000"/>
@@ -4760,811 +4663,11 @@
           </a:p>
         </p:txBody>
       </p:sp>
-      <p:graphicFrame>
-        <p:nvGraphicFramePr>
-          <p:cNvPr id="44" name="Content Placeholder 114" descr="Sample table with 4 columns, 7 rows." title="Sample Table"/>
-          <p:cNvGraphicFramePr>
-            <a:graphicFrameLocks/>
-          </p:cNvGraphicFramePr>
-          <p:nvPr>
-            <p:extLst>
-              <p:ext uri="{D42A27DB-BD31-4B8C-83A1-F6EECF244321}">
-                <p14:modId xmlns:p14="http://schemas.microsoft.com/office/powerpoint/2010/main" val="1050678600"/>
-              </p:ext>
-            </p:extLst>
-          </p:nvPr>
-        </p:nvGraphicFramePr>
-        <p:xfrm>
-          <a:off x="11722914" y="15080517"/>
-          <a:ext cx="9599228" cy="3626581"/>
-        </p:xfrm>
-        <a:graphic>
-          <a:graphicData uri="http://schemas.openxmlformats.org/drawingml/2006/table">
-            <a:tbl>
-              <a:tblPr firstRow="1" bandRow="1">
-                <a:tableStyleId>{F5AB1C69-6EDB-4FF4-983F-18BD219EF322}</a:tableStyleId>
-              </a:tblPr>
-              <a:tblGrid>
-                <a:gridCol w="2399807"/>
-                <a:gridCol w="2399807"/>
-                <a:gridCol w="2399807"/>
-                <a:gridCol w="2399807"/>
-              </a:tblGrid>
-              <a:tr h="518083">
-                <a:tc>
-                  <a:txBody>
-                    <a:bodyPr/>
-                    <a:lstStyle/>
-                    <a:p>
-                      <a:endParaRPr lang="en-US" sz="2400" dirty="0"/>
-                    </a:p>
-                  </a:txBody>
-                  <a:tcPr marT="22861" marB="22861" anchor="ctr">
-                    <a:solidFill>
-                      <a:schemeClr val="accent1">
-                        <a:lumMod val="75000"/>
-                      </a:schemeClr>
-                    </a:solidFill>
-                  </a:tcPr>
-                </a:tc>
-                <a:tc>
-                  <a:txBody>
-                    <a:bodyPr/>
-                    <a:lstStyle/>
-                    <a:p>
-                      <a:pPr algn="ctr"/>
-                      <a:r>
-                        <a:rPr lang="en-US" sz="2400" dirty="0" smtClean="0"/>
-                        <a:t>Heading</a:t>
-                      </a:r>
-                      <a:endParaRPr lang="en-US" sz="2400" dirty="0"/>
-                    </a:p>
-                  </a:txBody>
-                  <a:tcPr marT="22861" marB="22861" anchor="ctr">
-                    <a:solidFill>
-                      <a:schemeClr val="accent1">
-                        <a:lumMod val="75000"/>
-                      </a:schemeClr>
-                    </a:solidFill>
-                  </a:tcPr>
-                </a:tc>
-                <a:tc>
-                  <a:txBody>
-                    <a:bodyPr/>
-                    <a:lstStyle/>
-                    <a:p>
-                      <a:pPr algn="ctr"/>
-                      <a:r>
-                        <a:rPr lang="en-US" sz="2400" dirty="0" smtClean="0"/>
-                        <a:t>Heading</a:t>
-                      </a:r>
-                      <a:endParaRPr lang="en-US" sz="2400" dirty="0"/>
-                    </a:p>
-                  </a:txBody>
-                  <a:tcPr marT="22861" marB="22861" anchor="ctr">
-                    <a:solidFill>
-                      <a:schemeClr val="accent1">
-                        <a:lumMod val="75000"/>
-                      </a:schemeClr>
-                    </a:solidFill>
-                  </a:tcPr>
-                </a:tc>
-                <a:tc>
-                  <a:txBody>
-                    <a:bodyPr/>
-                    <a:lstStyle/>
-                    <a:p>
-                      <a:pPr algn="ctr"/>
-                      <a:r>
-                        <a:rPr lang="en-US" sz="2400" dirty="0" smtClean="0"/>
-                        <a:t>Heading</a:t>
-                      </a:r>
-                      <a:endParaRPr lang="en-US" sz="2400" dirty="0"/>
-                    </a:p>
-                  </a:txBody>
-                  <a:tcPr marT="22861" marB="22861" anchor="ctr">
-                    <a:solidFill>
-                      <a:schemeClr val="accent1">
-                        <a:lumMod val="75000"/>
-                      </a:schemeClr>
-                    </a:solidFill>
-                  </a:tcPr>
-                </a:tc>
-              </a:tr>
-              <a:tr h="518083">
-                <a:tc>
-                  <a:txBody>
-                    <a:bodyPr/>
-                    <a:lstStyle/>
-                    <a:p>
-                      <a:r>
-                        <a:rPr lang="en-US" sz="2400" dirty="0" smtClean="0"/>
-                        <a:t>Item</a:t>
-                      </a:r>
-                      <a:endParaRPr lang="en-US" sz="2400" dirty="0"/>
-                    </a:p>
-                  </a:txBody>
-                  <a:tcPr marT="22861" marB="22861" anchor="ctr"/>
-                </a:tc>
-                <a:tc>
-                  <a:txBody>
-                    <a:bodyPr/>
-                    <a:lstStyle/>
-                    <a:p>
-                      <a:pPr algn="ctr"/>
-                      <a:r>
-                        <a:rPr lang="en-US" sz="2400" dirty="0" smtClean="0"/>
-                        <a:t>800</a:t>
-                      </a:r>
-                      <a:endParaRPr lang="en-US" sz="2400" dirty="0"/>
-                    </a:p>
-                  </a:txBody>
-                  <a:tcPr marT="22861" marB="22861" anchor="ctr"/>
-                </a:tc>
-                <a:tc>
-                  <a:txBody>
-                    <a:bodyPr/>
-                    <a:lstStyle/>
-                    <a:p>
-                      <a:pPr algn="ctr"/>
-                      <a:r>
-                        <a:rPr lang="en-US" sz="2400" dirty="0" smtClean="0"/>
-                        <a:t>790</a:t>
-                      </a:r>
-                      <a:endParaRPr lang="en-US" sz="2400" dirty="0"/>
-                    </a:p>
-                  </a:txBody>
-                  <a:tcPr marT="22861" marB="22861" anchor="ctr"/>
-                </a:tc>
-                <a:tc>
-                  <a:txBody>
-                    <a:bodyPr/>
-                    <a:lstStyle/>
-                    <a:p>
-                      <a:pPr algn="ctr"/>
-                      <a:r>
-                        <a:rPr lang="en-US" sz="2400" dirty="0" smtClean="0"/>
-                        <a:t>4001</a:t>
-                      </a:r>
-                      <a:endParaRPr lang="en-US" sz="2400" dirty="0"/>
-                    </a:p>
-                  </a:txBody>
-                  <a:tcPr marT="22861" marB="22861" anchor="ctr"/>
-                </a:tc>
-              </a:tr>
-              <a:tr h="518083">
-                <a:tc>
-                  <a:txBody>
-                    <a:bodyPr/>
-                    <a:lstStyle/>
-                    <a:p>
-                      <a:r>
-                        <a:rPr lang="en-US" sz="2400" dirty="0" smtClean="0"/>
-                        <a:t>Item</a:t>
-                      </a:r>
-                      <a:endParaRPr lang="en-US" sz="2400" dirty="0"/>
-                    </a:p>
-                  </a:txBody>
-                  <a:tcPr marT="22861" marB="22861" anchor="ctr"/>
-                </a:tc>
-                <a:tc>
-                  <a:txBody>
-                    <a:bodyPr/>
-                    <a:lstStyle/>
-                    <a:p>
-                      <a:pPr algn="ctr"/>
-                      <a:r>
-                        <a:rPr lang="en-US" sz="2400" dirty="0" smtClean="0"/>
-                        <a:t>356</a:t>
-                      </a:r>
-                    </a:p>
-                  </a:txBody>
-                  <a:tcPr marT="22861" marB="22861" anchor="ctr"/>
-                </a:tc>
-                <a:tc>
-                  <a:txBody>
-                    <a:bodyPr/>
-                    <a:lstStyle/>
-                    <a:p>
-                      <a:pPr algn="ctr"/>
-                      <a:r>
-                        <a:rPr lang="en-US" sz="2400" dirty="0" smtClean="0"/>
-                        <a:t>856</a:t>
-                      </a:r>
-                      <a:endParaRPr lang="en-US" sz="2400" dirty="0"/>
-                    </a:p>
-                  </a:txBody>
-                  <a:tcPr marT="22861" marB="22861" anchor="ctr"/>
-                </a:tc>
-                <a:tc>
-                  <a:txBody>
-                    <a:bodyPr/>
-                    <a:lstStyle/>
-                    <a:p>
-                      <a:pPr algn="ctr"/>
-                      <a:r>
-                        <a:rPr lang="en-US" sz="2400" dirty="0" smtClean="0"/>
-                        <a:t>290</a:t>
-                      </a:r>
-                      <a:endParaRPr lang="en-US" sz="2400" dirty="0"/>
-                    </a:p>
-                  </a:txBody>
-                  <a:tcPr marT="22861" marB="22861" anchor="ctr"/>
-                </a:tc>
-              </a:tr>
-              <a:tr h="518083">
-                <a:tc>
-                  <a:txBody>
-                    <a:bodyPr/>
-                    <a:lstStyle/>
-                    <a:p>
-                      <a:r>
-                        <a:rPr lang="en-US" sz="2400" dirty="0" smtClean="0"/>
-                        <a:t>Item</a:t>
-                      </a:r>
-                      <a:endParaRPr lang="en-US" sz="2400" dirty="0"/>
-                    </a:p>
-                  </a:txBody>
-                  <a:tcPr marT="22861" marB="22861" anchor="ctr"/>
-                </a:tc>
-                <a:tc>
-                  <a:txBody>
-                    <a:bodyPr/>
-                    <a:lstStyle/>
-                    <a:p>
-                      <a:pPr algn="ctr"/>
-                      <a:r>
-                        <a:rPr lang="en-US" sz="2400" dirty="0" smtClean="0"/>
-                        <a:t>228</a:t>
-                      </a:r>
-                      <a:endParaRPr lang="en-US" sz="2400" dirty="0"/>
-                    </a:p>
-                  </a:txBody>
-                  <a:tcPr marT="22861" marB="22861" anchor="ctr"/>
-                </a:tc>
-                <a:tc>
-                  <a:txBody>
-                    <a:bodyPr/>
-                    <a:lstStyle/>
-                    <a:p>
-                      <a:pPr algn="ctr"/>
-                      <a:r>
-                        <a:rPr lang="en-US" sz="2400" dirty="0" smtClean="0"/>
-                        <a:t>134</a:t>
-                      </a:r>
-                      <a:endParaRPr lang="en-US" sz="2400" dirty="0"/>
-                    </a:p>
-                  </a:txBody>
-                  <a:tcPr marT="22861" marB="22861" anchor="ctr"/>
-                </a:tc>
-                <a:tc>
-                  <a:txBody>
-                    <a:bodyPr/>
-                    <a:lstStyle/>
-                    <a:p>
-                      <a:pPr algn="ctr"/>
-                      <a:r>
-                        <a:rPr lang="en-US" sz="2400" dirty="0" smtClean="0"/>
-                        <a:t>238</a:t>
-                      </a:r>
-                      <a:endParaRPr lang="en-US" sz="2400" dirty="0"/>
-                    </a:p>
-                  </a:txBody>
-                  <a:tcPr marT="22861" marB="22861" anchor="ctr"/>
-                </a:tc>
-              </a:tr>
-              <a:tr h="518083">
-                <a:tc>
-                  <a:txBody>
-                    <a:bodyPr/>
-                    <a:lstStyle/>
-                    <a:p>
-                      <a:r>
-                        <a:rPr lang="en-US" sz="2400" dirty="0" smtClean="0"/>
-                        <a:t>Item</a:t>
-                      </a:r>
-                      <a:endParaRPr lang="en-US" sz="2400" dirty="0"/>
-                    </a:p>
-                  </a:txBody>
-                  <a:tcPr marT="22861" marB="22861" anchor="ctr"/>
-                </a:tc>
-                <a:tc>
-                  <a:txBody>
-                    <a:bodyPr/>
-                    <a:lstStyle/>
-                    <a:p>
-                      <a:pPr algn="ctr"/>
-                      <a:r>
-                        <a:rPr lang="en-US" sz="2400" dirty="0" smtClean="0"/>
-                        <a:t>954</a:t>
-                      </a:r>
-                      <a:endParaRPr lang="en-US" sz="2400" dirty="0"/>
-                    </a:p>
-                  </a:txBody>
-                  <a:tcPr marT="22861" marB="22861" anchor="ctr"/>
-                </a:tc>
-                <a:tc>
-                  <a:txBody>
-                    <a:bodyPr/>
-                    <a:lstStyle/>
-                    <a:p>
-                      <a:pPr algn="ctr"/>
-                      <a:r>
-                        <a:rPr lang="en-US" sz="2400" dirty="0" smtClean="0"/>
-                        <a:t>875</a:t>
-                      </a:r>
-                      <a:endParaRPr lang="en-US" sz="2400" dirty="0"/>
-                    </a:p>
-                  </a:txBody>
-                  <a:tcPr marT="22861" marB="22861" anchor="ctr"/>
-                </a:tc>
-                <a:tc>
-                  <a:txBody>
-                    <a:bodyPr/>
-                    <a:lstStyle/>
-                    <a:p>
-                      <a:pPr algn="ctr"/>
-                      <a:r>
-                        <a:rPr lang="en-US" sz="2400" dirty="0" smtClean="0"/>
-                        <a:t>976</a:t>
-                      </a:r>
-                      <a:endParaRPr lang="en-US" sz="2400" dirty="0"/>
-                    </a:p>
-                  </a:txBody>
-                  <a:tcPr marT="22861" marB="22861" anchor="ctr"/>
-                </a:tc>
-              </a:tr>
-              <a:tr h="518083">
-                <a:tc>
-                  <a:txBody>
-                    <a:bodyPr/>
-                    <a:lstStyle/>
-                    <a:p>
-                      <a:r>
-                        <a:rPr lang="en-US" sz="2400" dirty="0" smtClean="0"/>
-                        <a:t>Item</a:t>
-                      </a:r>
-                      <a:endParaRPr lang="en-US" sz="2400" dirty="0"/>
-                    </a:p>
-                  </a:txBody>
-                  <a:tcPr marT="22861" marB="22861" anchor="ctr"/>
-                </a:tc>
-                <a:tc>
-                  <a:txBody>
-                    <a:bodyPr/>
-                    <a:lstStyle/>
-                    <a:p>
-                      <a:pPr algn="ctr"/>
-                      <a:r>
-                        <a:rPr lang="en-US" sz="2400" dirty="0" smtClean="0"/>
-                        <a:t>324</a:t>
-                      </a:r>
-                      <a:endParaRPr lang="en-US" sz="2400" dirty="0"/>
-                    </a:p>
-                  </a:txBody>
-                  <a:tcPr marT="22861" marB="22861" anchor="ctr"/>
-                </a:tc>
-                <a:tc>
-                  <a:txBody>
-                    <a:bodyPr/>
-                    <a:lstStyle/>
-                    <a:p>
-                      <a:pPr algn="ctr"/>
-                      <a:r>
-                        <a:rPr lang="en-US" sz="2400" dirty="0" smtClean="0"/>
-                        <a:t>325</a:t>
-                      </a:r>
-                      <a:endParaRPr lang="en-US" sz="2400" dirty="0"/>
-                    </a:p>
-                  </a:txBody>
-                  <a:tcPr marT="22861" marB="22861" anchor="ctr"/>
-                </a:tc>
-                <a:tc>
-                  <a:txBody>
-                    <a:bodyPr/>
-                    <a:lstStyle/>
-                    <a:p>
-                      <a:pPr algn="ctr"/>
-                      <a:r>
-                        <a:rPr lang="en-US" sz="2400" dirty="0" smtClean="0"/>
-                        <a:t>301</a:t>
-                      </a:r>
-                      <a:endParaRPr lang="en-US" sz="2400" dirty="0"/>
-                    </a:p>
-                  </a:txBody>
-                  <a:tcPr marT="22861" marB="22861" anchor="ctr"/>
-                </a:tc>
-              </a:tr>
-              <a:tr h="518083">
-                <a:tc>
-                  <a:txBody>
-                    <a:bodyPr/>
-                    <a:lstStyle/>
-                    <a:p>
-                      <a:r>
-                        <a:rPr lang="en-US" sz="2400" dirty="0" smtClean="0"/>
-                        <a:t>Item</a:t>
-                      </a:r>
-                      <a:endParaRPr lang="en-US" sz="2400" dirty="0"/>
-                    </a:p>
-                  </a:txBody>
-                  <a:tcPr marT="22861" marB="22861" anchor="ctr"/>
-                </a:tc>
-                <a:tc>
-                  <a:txBody>
-                    <a:bodyPr/>
-                    <a:lstStyle/>
-                    <a:p>
-                      <a:pPr algn="ctr"/>
-                      <a:r>
-                        <a:rPr lang="en-US" sz="2400" dirty="0" smtClean="0"/>
-                        <a:t>199</a:t>
-                      </a:r>
-                      <a:endParaRPr lang="en-US" sz="2400" dirty="0"/>
-                    </a:p>
-                  </a:txBody>
-                  <a:tcPr marT="22861" marB="22861" anchor="ctr"/>
-                </a:tc>
-                <a:tc>
-                  <a:txBody>
-                    <a:bodyPr/>
-                    <a:lstStyle/>
-                    <a:p>
-                      <a:pPr algn="ctr"/>
-                      <a:r>
-                        <a:rPr lang="en-US" sz="2400" dirty="0" smtClean="0"/>
-                        <a:t>137</a:t>
-                      </a:r>
-                      <a:endParaRPr lang="en-US" sz="2400" dirty="0"/>
-                    </a:p>
-                  </a:txBody>
-                  <a:tcPr marT="22861" marB="22861" anchor="ctr"/>
-                </a:tc>
-                <a:tc>
-                  <a:txBody>
-                    <a:bodyPr/>
-                    <a:lstStyle/>
-                    <a:p>
-                      <a:pPr algn="ctr"/>
-                      <a:r>
-                        <a:rPr lang="en-US" sz="2400" dirty="0" smtClean="0"/>
-                        <a:t>186</a:t>
-                      </a:r>
-                      <a:endParaRPr lang="en-US" sz="2400" dirty="0"/>
-                    </a:p>
-                  </a:txBody>
-                  <a:tcPr marT="22861" marB="22861" anchor="ctr"/>
-                </a:tc>
-              </a:tr>
-            </a:tbl>
-          </a:graphicData>
-        </a:graphic>
-      </p:graphicFrame>
-      <p:sp>
-        <p:nvSpPr>
-          <p:cNvPr id="11" name="Text Box 190"/>
-          <p:cNvSpPr txBox="1">
-            <a:spLocks noChangeArrowheads="1"/>
-          </p:cNvSpPr>
-          <p:nvPr/>
-        </p:nvSpPr>
-        <p:spPr bwMode="auto">
-          <a:xfrm>
-            <a:off x="1097280" y="8737602"/>
-            <a:ext cx="9875520" cy="6045552"/>
-          </a:xfrm>
-          <a:prstGeom prst="rect">
-            <a:avLst/>
-          </a:prstGeom>
-          <a:solidFill>
-            <a:schemeClr val="bg1"/>
-          </a:solidFill>
-          <a:ln w="12700">
-            <a:solidFill>
-              <a:schemeClr val="accent1">
-                <a:lumMod val="75000"/>
-              </a:schemeClr>
-            </a:solidFill>
-          </a:ln>
-          <a:effectLst/>
-        </p:spPr>
-        <p:txBody>
-          <a:bodyPr lIns="97942" tIns="97942" rIns="97942" bIns="97942">
-            <a:spAutoFit/>
-          </a:bodyPr>
-          <a:lstStyle>
-            <a:lvl1pPr eaLnBrk="0" hangingPunct="0">
-              <a:defRPr sz="2200">
-                <a:solidFill>
-                  <a:schemeClr val="tx1"/>
-                </a:solidFill>
-                <a:latin typeface="Arial" charset="0"/>
-              </a:defRPr>
-            </a:lvl1pPr>
-            <a:lvl2pPr marL="742950" indent="-285750" eaLnBrk="0" hangingPunct="0">
-              <a:defRPr sz="2200">
-                <a:solidFill>
-                  <a:schemeClr val="tx1"/>
-                </a:solidFill>
-                <a:latin typeface="Arial" charset="0"/>
-              </a:defRPr>
-            </a:lvl2pPr>
-            <a:lvl3pPr marL="1143000" indent="-228600" eaLnBrk="0" hangingPunct="0">
-              <a:defRPr sz="2200">
-                <a:solidFill>
-                  <a:schemeClr val="tx1"/>
-                </a:solidFill>
-                <a:latin typeface="Arial" charset="0"/>
-              </a:defRPr>
-            </a:lvl3pPr>
-            <a:lvl4pPr marL="1600200" indent="-228600" eaLnBrk="0" hangingPunct="0">
-              <a:defRPr sz="2200">
-                <a:solidFill>
-                  <a:schemeClr val="tx1"/>
-                </a:solidFill>
-                <a:latin typeface="Arial" charset="0"/>
-              </a:defRPr>
-            </a:lvl4pPr>
-            <a:lvl5pPr marL="2057400" indent="-228600" eaLnBrk="0" hangingPunct="0">
-              <a:defRPr sz="2200">
-                <a:solidFill>
-                  <a:schemeClr val="tx1"/>
-                </a:solidFill>
-                <a:latin typeface="Arial" charset="0"/>
-              </a:defRPr>
-            </a:lvl5pPr>
-            <a:lvl6pPr marL="2514600" indent="-228600" eaLnBrk="0" fontAlgn="base" hangingPunct="0">
-              <a:spcBef>
-                <a:spcPct val="0"/>
-              </a:spcBef>
-              <a:spcAft>
-                <a:spcPct val="0"/>
-              </a:spcAft>
-              <a:defRPr sz="2200">
-                <a:solidFill>
-                  <a:schemeClr val="tx1"/>
-                </a:solidFill>
-                <a:latin typeface="Arial" charset="0"/>
-              </a:defRPr>
-            </a:lvl6pPr>
-            <a:lvl7pPr marL="2971800" indent="-228600" eaLnBrk="0" fontAlgn="base" hangingPunct="0">
-              <a:spcBef>
-                <a:spcPct val="0"/>
-              </a:spcBef>
-              <a:spcAft>
-                <a:spcPct val="0"/>
-              </a:spcAft>
-              <a:defRPr sz="2200">
-                <a:solidFill>
-                  <a:schemeClr val="tx1"/>
-                </a:solidFill>
-                <a:latin typeface="Arial" charset="0"/>
-              </a:defRPr>
-            </a:lvl7pPr>
-            <a:lvl8pPr marL="3429000" indent="-228600" eaLnBrk="0" fontAlgn="base" hangingPunct="0">
-              <a:spcBef>
-                <a:spcPct val="0"/>
-              </a:spcBef>
-              <a:spcAft>
-                <a:spcPct val="0"/>
-              </a:spcAft>
-              <a:defRPr sz="2200">
-                <a:solidFill>
-                  <a:schemeClr val="tx1"/>
-                </a:solidFill>
-                <a:latin typeface="Arial" charset="0"/>
-              </a:defRPr>
-            </a:lvl8pPr>
-            <a:lvl9pPr marL="3886200" indent="-228600" eaLnBrk="0" fontAlgn="base" hangingPunct="0">
-              <a:spcBef>
-                <a:spcPct val="0"/>
-              </a:spcBef>
-              <a:spcAft>
-                <a:spcPct val="0"/>
-              </a:spcAft>
-              <a:defRPr sz="2200">
-                <a:solidFill>
-                  <a:schemeClr val="tx1"/>
-                </a:solidFill>
-                <a:latin typeface="Arial" charset="0"/>
-              </a:defRPr>
-            </a:lvl9pPr>
-          </a:lstStyle>
-          <a:p>
-            <a:pPr eaLnBrk="1" hangingPunct="1"/>
-            <a:r>
-              <a:rPr lang="en-US" sz="2000" dirty="0"/>
-              <a:t>In swarm robotics, a large number--perhaps thousands--of robots must cooperate to achieve common goals. The key challenges are scalability and robustness in the absence of centralized controls. </a:t>
-            </a:r>
-            <a:endParaRPr lang="en-US" sz="2000" dirty="0" smtClean="0"/>
-          </a:p>
-          <a:p>
-            <a:pPr eaLnBrk="1" hangingPunct="1"/>
-            <a:endParaRPr lang="en-US" sz="2000" dirty="0"/>
-          </a:p>
-          <a:p>
-            <a:pPr eaLnBrk="1" hangingPunct="1"/>
-            <a:r>
-              <a:rPr lang="en-US" sz="2000" dirty="0" smtClean="0"/>
-              <a:t>Many </a:t>
-            </a:r>
-            <a:r>
-              <a:rPr lang="en-US" sz="2000" dirty="0"/>
-              <a:t>swarm robotics researchers use the foraging problem as a test bed for new algorithms. Foraging problems can represent a variety of problems including search and rescue. In this problem, robots must find locations of "food" without any previous knowledge or a centralized control. </a:t>
-            </a:r>
-            <a:endParaRPr lang="en-US" sz="2000" dirty="0" smtClean="0"/>
-          </a:p>
-          <a:p>
-            <a:pPr eaLnBrk="1" hangingPunct="1"/>
-            <a:endParaRPr lang="en-US" sz="2000" dirty="0"/>
-          </a:p>
-          <a:p>
-            <a:pPr eaLnBrk="1" hangingPunct="1"/>
-            <a:r>
-              <a:rPr lang="en-US" sz="2000" dirty="0" smtClean="0"/>
-              <a:t>Our </a:t>
-            </a:r>
-            <a:r>
-              <a:rPr lang="en-US" sz="2000" dirty="0"/>
-              <a:t>approach uses completely distributed and autonomous robots that can dynamically assume useful roles, either being explorers or guiders, by utilizing their local information only. Because our solution is completely distributed and localized, it is expected to scale out very well even with an extremely large number of robots. </a:t>
-            </a:r>
-            <a:endParaRPr lang="en-US" sz="2000" dirty="0" smtClean="0"/>
-          </a:p>
-          <a:p>
-            <a:pPr eaLnBrk="1" hangingPunct="1"/>
-            <a:endParaRPr lang="en-US" sz="2000" dirty="0"/>
-          </a:p>
-          <a:p>
-            <a:pPr eaLnBrk="1" hangingPunct="1"/>
-            <a:r>
-              <a:rPr lang="en-US" sz="2000" dirty="0" smtClean="0"/>
-              <a:t>We </a:t>
-            </a:r>
-            <a:r>
-              <a:rPr lang="en-US" sz="2000" dirty="0"/>
-              <a:t>also developed a robot hardware prototype that can be used for general swarm robot research. The hardware utilizes the </a:t>
-            </a:r>
-            <a:r>
-              <a:rPr lang="en-US" sz="2000" dirty="0" err="1"/>
-              <a:t>Arduino</a:t>
-            </a:r>
-            <a:r>
-              <a:rPr lang="en-US" sz="2000" dirty="0"/>
-              <a:t> Mega 2560 board and infrared emitters and receivers for communication and obstacle detection. </a:t>
-            </a:r>
-            <a:r>
-              <a:rPr lang="en-US" sz="2000" dirty="0" smtClean="0"/>
-              <a:t>The </a:t>
-            </a:r>
-            <a:r>
-              <a:rPr lang="en-US" sz="2000" dirty="0"/>
-              <a:t>key difficulty of designing the robot is the communication protocol, which currently is implemented as a state machine running as Interrupt Service Routines.</a:t>
-            </a:r>
-            <a:endParaRPr lang="en-US" sz="2000" dirty="0">
-              <a:latin typeface="+mn-lt"/>
-            </a:endParaRPr>
-          </a:p>
-        </p:txBody>
-      </p:sp>
-      <p:sp>
-        <p:nvSpPr>
-          <p:cNvPr id="45" name="Rectangle 44"/>
-          <p:cNvSpPr/>
-          <p:nvPr/>
-        </p:nvSpPr>
-        <p:spPr>
-          <a:xfrm>
-            <a:off x="11521440" y="8280400"/>
-            <a:ext cx="9875520" cy="457200"/>
-          </a:xfrm>
-          <a:prstGeom prst="rect">
-            <a:avLst/>
-          </a:prstGeom>
-          <a:solidFill>
-            <a:schemeClr val="accent1">
-              <a:lumMod val="75000"/>
-            </a:schemeClr>
-          </a:solidFill>
-          <a:ln w="12700"/>
-        </p:spPr>
-        <p:style>
-          <a:lnRef idx="2">
-            <a:schemeClr val="accent1">
-              <a:shade val="50000"/>
-            </a:schemeClr>
-          </a:lnRef>
-          <a:fillRef idx="1">
-            <a:schemeClr val="accent1"/>
-          </a:fillRef>
-          <a:effectRef idx="0">
-            <a:schemeClr val="accent1"/>
-          </a:effectRef>
-          <a:fontRef idx="minor">
-            <a:schemeClr val="lt1"/>
-          </a:fontRef>
-        </p:style>
-        <p:txBody>
-          <a:bodyPr lIns="48971" tIns="24486" rIns="48971" bIns="24486" rtlCol="0" anchor="ctr"/>
-          <a:lstStyle/>
-          <a:p>
-            <a:pPr algn="ctr"/>
-            <a:r>
-              <a:rPr lang="en-US" sz="3200" b="1" dirty="0" smtClean="0">
-                <a:solidFill>
-                  <a:schemeClr val="accent3">
-                    <a:lumMod val="20000"/>
-                    <a:lumOff val="80000"/>
-                  </a:schemeClr>
-                </a:solidFill>
-              </a:rPr>
-              <a:t>Hardware</a:t>
-            </a:r>
-            <a:endParaRPr lang="en-US" sz="3200" b="1" dirty="0">
-              <a:solidFill>
-                <a:schemeClr val="accent3">
-                  <a:lumMod val="20000"/>
-                  <a:lumOff val="80000"/>
-                </a:schemeClr>
-              </a:solidFill>
-            </a:endParaRPr>
-          </a:p>
-        </p:txBody>
-      </p:sp>
       <p:pic>
         <p:nvPicPr>
-          <p:cNvPr id="49" name="Picture 178" descr="Picture1"/>
+          <p:cNvPr id="7" name="Picture 6" descr="beacon-network.jpg"/>
           <p:cNvPicPr>
-            <a:picLocks noChangeAspect="1" noChangeArrowheads="1"/>
-          </p:cNvPicPr>
-          <p:nvPr/>
-        </p:nvPicPr>
-        <p:blipFill>
-          <a:blip r:embed="rId2">
-            <a:extLst>
-              <a:ext uri="{28A0092B-C50C-407E-A947-70E740481C1C}">
-                <a14:useLocalDpi xmlns:a14="http://schemas.microsoft.com/office/drawing/2010/main" val="0"/>
-              </a:ext>
-            </a:extLst>
-          </a:blip>
-          <a:stretch>
-            <a:fillRect/>
-          </a:stretch>
-        </p:blipFill>
-        <p:spPr bwMode="auto">
-          <a:xfrm>
-            <a:off x="2171700" y="16568583"/>
-            <a:ext cx="3086100" cy="1899138"/>
-          </a:xfrm>
-          <a:prstGeom prst="rect">
-            <a:avLst/>
-          </a:prstGeom>
-          <a:noFill/>
-          <a:ln w="9525">
-            <a:solidFill>
-              <a:schemeClr val="tx2">
-                <a:lumMod val="50000"/>
-              </a:schemeClr>
-            </a:solidFill>
-            <a:miter lim="800000"/>
-            <a:headEnd/>
-            <a:tailEnd/>
-          </a:ln>
-          <a:extLst>
-            <a:ext uri="{909E8E84-426E-40dd-AFC4-6F175D3DCCD1}">
-              <a14:hiddenFill xmlns:a14="http://schemas.microsoft.com/office/drawing/2010/main">
-                <a:solidFill>
-                  <a:srgbClr val="FFFFFF"/>
-                </a:solidFill>
-              </a14:hiddenFill>
-            </a:ext>
-          </a:extLst>
-        </p:spPr>
-      </p:pic>
-      <p:pic>
-        <p:nvPicPr>
-          <p:cNvPr id="50" name="Picture 179" descr="Picture2"/>
-          <p:cNvPicPr>
-            <a:picLocks noChangeAspect="1" noChangeArrowheads="1"/>
+            <a:picLocks noChangeAspect="1"/>
           </p:cNvPicPr>
           <p:nvPr/>
         </p:nvPicPr>
@@ -5580,42 +4683,49 @@
             <a:fillRect/>
           </a:stretch>
         </p:blipFill>
-        <p:spPr bwMode="auto">
+        <p:spPr>
           <a:xfrm>
-            <a:off x="6800850" y="16568625"/>
-            <a:ext cx="3086100" cy="1899208"/>
+            <a:off x="2514600" y="13487400"/>
+            <a:ext cx="6553228" cy="4914919"/>
           </a:xfrm>
           <a:prstGeom prst="rect">
             <a:avLst/>
           </a:prstGeom>
-          <a:noFill/>
-          <a:ln>
-            <a:noFill/>
-          </a:ln>
-          <a:extLst>
-            <a:ext uri="{909E8E84-426E-40dd-AFC4-6F175D3DCCD1}">
-              <a14:hiddenFill xmlns:a14="http://schemas.microsoft.com/office/drawing/2010/main">
-                <a:solidFill>
-                  <a:srgbClr val="FFFFFF"/>
-                </a:solidFill>
-              </a14:hiddenFill>
-            </a:ext>
-            <a:ext uri="{91240B29-F687-4f45-9708-019B960494DF}">
-              <a14:hiddenLine xmlns:a14="http://schemas.microsoft.com/office/drawing/2010/main" w="9525">
-                <a:solidFill>
-                  <a:srgbClr val="000000"/>
-                </a:solidFill>
-                <a:miter lim="800000"/>
-                <a:headEnd/>
-                <a:tailEnd/>
-              </a14:hiddenLine>
-            </a:ext>
-          </a:extLst>
+        </p:spPr>
+      </p:pic>
+      <p:pic>
+        <p:nvPicPr>
+          <p:cNvPr id="8" name="Picture 7" descr="simulation1.jpg"/>
+          <p:cNvPicPr>
+            <a:picLocks noChangeAspect="1"/>
+          </p:cNvPicPr>
+          <p:nvPr/>
+        </p:nvPicPr>
+        <p:blipFill>
+          <a:blip r:embed="rId4">
+            <a:extLst>
+              <a:ext uri="{28A0092B-C50C-407E-A947-70E740481C1C}">
+                <a14:useLocalDpi xmlns:a14="http://schemas.microsoft.com/office/drawing/2010/main" val="0"/>
+              </a:ext>
+            </a:extLst>
+          </a:blip>
+          <a:stretch>
+            <a:fillRect/>
+          </a:stretch>
+        </p:blipFill>
+        <p:spPr>
+          <a:xfrm>
+            <a:off x="12649200" y="11506200"/>
+            <a:ext cx="7620000" cy="6611227"/>
+          </a:xfrm>
+          <a:prstGeom prst="rect">
+            <a:avLst/>
+          </a:prstGeom>
         </p:spPr>
       </p:pic>
       <p:sp>
         <p:nvSpPr>
-          <p:cNvPr id="51" name="Text Box 180"/>
+          <p:cNvPr id="41" name="Text Box 180"/>
           <p:cNvSpPr txBox="1">
             <a:spLocks noChangeArrowheads="1"/>
           </p:cNvSpPr>
@@ -5623,8 +4733,8 @@
         </p:nvSpPr>
         <p:spPr bwMode="auto">
           <a:xfrm>
-            <a:off x="2139047" y="18605220"/>
-            <a:ext cx="2572332" cy="295671"/>
+            <a:off x="15239999" y="18364203"/>
+            <a:ext cx="2571995" cy="310978"/>
           </a:xfrm>
           <a:prstGeom prst="rect">
             <a:avLst/>
@@ -5664,7 +4774,7 @@
           </a:extLst>
         </p:spPr>
         <p:txBody>
-          <a:bodyPr wrap="none" lIns="48971" tIns="24486" rIns="48971" bIns="24486">
+          <a:bodyPr wrap="none" lIns="48897" tIns="24445" rIns="48897" bIns="24445">
             <a:spAutoFit/>
           </a:bodyPr>
           <a:lstStyle>
@@ -5768,790 +4878,26 @@
           <a:p>
             <a:pPr eaLnBrk="1" hangingPunct="1"/>
             <a:r>
-              <a:rPr lang="en-US" sz="1600" b="1" dirty="0">
-                <a:latin typeface="Calibri" pitchFamily="34" charset="0"/>
-              </a:rPr>
-              <a:t>Figure 1.</a:t>
-            </a:r>
-            <a:r>
-              <a:rPr lang="en-US" sz="1600" dirty="0">
-                <a:latin typeface="Calibri" pitchFamily="34" charset="0"/>
-              </a:rPr>
-              <a:t> Label in </a:t>
-            </a:r>
-            <a:r>
-              <a:rPr lang="en-US" sz="1600" dirty="0" smtClean="0">
-                <a:latin typeface="Calibri" pitchFamily="34" charset="0"/>
-              </a:rPr>
-              <a:t>16pt </a:t>
-            </a:r>
-            <a:r>
-              <a:rPr lang="en-US" sz="1600" dirty="0">
-                <a:latin typeface="Calibri" pitchFamily="34" charset="0"/>
-              </a:rPr>
-              <a:t>Calibri.</a:t>
-            </a:r>
-          </a:p>
-        </p:txBody>
-      </p:sp>
-      <p:sp>
-        <p:nvSpPr>
-          <p:cNvPr id="52" name="Text Box 181"/>
-          <p:cNvSpPr txBox="1">
-            <a:spLocks noChangeArrowheads="1"/>
-          </p:cNvSpPr>
-          <p:nvPr/>
-        </p:nvSpPr>
-        <p:spPr bwMode="auto">
-          <a:xfrm>
-            <a:off x="6768196" y="18605220"/>
-            <a:ext cx="2572332" cy="295671"/>
-          </a:xfrm>
-          <a:prstGeom prst="rect">
-            <a:avLst/>
-          </a:prstGeom>
-          <a:noFill/>
-          <a:ln>
-            <a:noFill/>
-          </a:ln>
-          <a:effectLst/>
-          <a:extLst>
-            <a:ext uri="{909E8E84-426E-40dd-AFC4-6F175D3DCCD1}">
-              <a14:hiddenFill xmlns:a14="http://schemas.microsoft.com/office/drawing/2010/main">
-                <a:solidFill>
-                  <a:schemeClr val="accent1"/>
-                </a:solidFill>
-              </a14:hiddenFill>
-            </a:ext>
-            <a:ext uri="{91240B29-F687-4f45-9708-019B960494DF}">
-              <a14:hiddenLine xmlns:a14="http://schemas.microsoft.com/office/drawing/2010/main" w="9525">
-                <a:solidFill>
-                  <a:schemeClr val="tx1"/>
-                </a:solidFill>
-                <a:miter lim="800000"/>
-                <a:headEnd/>
-                <a:tailEnd/>
-              </a14:hiddenLine>
-            </a:ext>
-            <a:ext uri="{AF507438-7753-43e0-B8FC-AC1667EBCBE1}">
-              <a14:hiddenEffects xmlns:a14="http://schemas.microsoft.com/office/drawing/2010/main">
-                <a:effectLst>
-                  <a:outerShdw dist="35921" dir="2700000" algn="ctr" rotWithShape="0">
-                    <a:schemeClr val="bg2"/>
-                  </a:outerShdw>
-                </a:effectLst>
-              </a14:hiddenEffects>
-            </a:ext>
-          </a:extLst>
-        </p:spPr>
-        <p:txBody>
-          <a:bodyPr wrap="none" lIns="48971" tIns="24486" rIns="48971" bIns="24486">
-            <a:spAutoFit/>
-          </a:bodyPr>
-          <a:lstStyle>
-            <a:lvl1pPr defTabSz="4389438" eaLnBrk="0" hangingPunct="0">
-              <a:defRPr sz="2200">
-                <a:solidFill>
-                  <a:schemeClr val="tx1"/>
-                </a:solidFill>
-                <a:latin typeface="Arial" charset="0"/>
-              </a:defRPr>
-            </a:lvl1pPr>
-            <a:lvl2pPr marL="742950" indent="-285750" defTabSz="4389438" eaLnBrk="0" hangingPunct="0">
-              <a:defRPr sz="2200">
-                <a:solidFill>
-                  <a:schemeClr val="tx1"/>
-                </a:solidFill>
-                <a:latin typeface="Arial" charset="0"/>
-              </a:defRPr>
-            </a:lvl2pPr>
-            <a:lvl3pPr marL="1143000" indent="-228600" defTabSz="4389438" eaLnBrk="0" hangingPunct="0">
-              <a:defRPr sz="2200">
-                <a:solidFill>
-                  <a:schemeClr val="tx1"/>
-                </a:solidFill>
-                <a:latin typeface="Arial" charset="0"/>
-              </a:defRPr>
-            </a:lvl3pPr>
-            <a:lvl4pPr marL="1600200" indent="-228600" defTabSz="4389438" eaLnBrk="0" hangingPunct="0">
-              <a:defRPr sz="2200">
-                <a:solidFill>
-                  <a:schemeClr val="tx1"/>
-                </a:solidFill>
-                <a:latin typeface="Arial" charset="0"/>
-              </a:defRPr>
-            </a:lvl4pPr>
-            <a:lvl5pPr marL="2057400" indent="-228600" defTabSz="4389438" eaLnBrk="0" hangingPunct="0">
-              <a:defRPr sz="2200">
-                <a:solidFill>
-                  <a:schemeClr val="tx1"/>
-                </a:solidFill>
-                <a:latin typeface="Arial" charset="0"/>
-              </a:defRPr>
-            </a:lvl5pPr>
-            <a:lvl6pPr marL="2514600" indent="-228600" defTabSz="4389438" eaLnBrk="0" fontAlgn="base" hangingPunct="0">
-              <a:spcBef>
-                <a:spcPct val="0"/>
-              </a:spcBef>
-              <a:spcAft>
-                <a:spcPct val="0"/>
-              </a:spcAft>
-              <a:defRPr sz="2200">
-                <a:solidFill>
-                  <a:schemeClr val="tx1"/>
-                </a:solidFill>
-                <a:latin typeface="Arial" charset="0"/>
-              </a:defRPr>
-            </a:lvl6pPr>
-            <a:lvl7pPr marL="2971800" indent="-228600" defTabSz="4389438" eaLnBrk="0" fontAlgn="base" hangingPunct="0">
-              <a:spcBef>
-                <a:spcPct val="0"/>
-              </a:spcBef>
-              <a:spcAft>
-                <a:spcPct val="0"/>
-              </a:spcAft>
-              <a:defRPr sz="2200">
-                <a:solidFill>
-                  <a:schemeClr val="tx1"/>
-                </a:solidFill>
-                <a:latin typeface="Arial" charset="0"/>
-              </a:defRPr>
-            </a:lvl7pPr>
-            <a:lvl8pPr marL="3429000" indent="-228600" defTabSz="4389438" eaLnBrk="0" fontAlgn="base" hangingPunct="0">
-              <a:spcBef>
-                <a:spcPct val="0"/>
-              </a:spcBef>
-              <a:spcAft>
-                <a:spcPct val="0"/>
-              </a:spcAft>
-              <a:defRPr sz="2200">
-                <a:solidFill>
-                  <a:schemeClr val="tx1"/>
-                </a:solidFill>
-                <a:latin typeface="Arial" charset="0"/>
-              </a:defRPr>
-            </a:lvl8pPr>
-            <a:lvl9pPr marL="3886200" indent="-228600" defTabSz="4389438" eaLnBrk="0" fontAlgn="base" hangingPunct="0">
-              <a:spcBef>
-                <a:spcPct val="0"/>
-              </a:spcBef>
-              <a:spcAft>
-                <a:spcPct val="0"/>
-              </a:spcAft>
-              <a:defRPr sz="2200">
-                <a:solidFill>
-                  <a:schemeClr val="tx1"/>
-                </a:solidFill>
-                <a:latin typeface="Arial" charset="0"/>
-              </a:defRPr>
-            </a:lvl9pPr>
-          </a:lstStyle>
-          <a:p>
-            <a:pPr eaLnBrk="1" hangingPunct="1"/>
-            <a:r>
-              <a:rPr lang="en-US" sz="1600" b="1" dirty="0">
-                <a:latin typeface="Calibri" pitchFamily="34" charset="0"/>
-              </a:rPr>
-              <a:t>Figure 2.</a:t>
-            </a:r>
-            <a:r>
-              <a:rPr lang="en-US" sz="1600" dirty="0">
-                <a:latin typeface="Calibri" pitchFamily="34" charset="0"/>
-              </a:rPr>
-              <a:t> Label in </a:t>
-            </a:r>
-            <a:r>
-              <a:rPr lang="en-US" sz="1600" dirty="0" smtClean="0">
-                <a:latin typeface="Calibri" pitchFamily="34" charset="0"/>
-              </a:rPr>
-              <a:t>16pt </a:t>
-            </a:r>
-            <a:r>
-              <a:rPr lang="en-US" sz="1600" dirty="0">
-                <a:latin typeface="Calibri" pitchFamily="34" charset="0"/>
-              </a:rPr>
-              <a:t>Calibri.</a:t>
-            </a:r>
-          </a:p>
-        </p:txBody>
-      </p:sp>
-      <p:sp>
-        <p:nvSpPr>
-          <p:cNvPr id="53" name="Text Box 180"/>
-          <p:cNvSpPr txBox="1">
-            <a:spLocks noChangeArrowheads="1"/>
-          </p:cNvSpPr>
-          <p:nvPr/>
-        </p:nvSpPr>
-        <p:spPr bwMode="auto">
-          <a:xfrm>
-            <a:off x="11983787" y="14711691"/>
-            <a:ext cx="2495004" cy="295671"/>
-          </a:xfrm>
-          <a:prstGeom prst="rect">
-            <a:avLst/>
-          </a:prstGeom>
-          <a:noFill/>
-          <a:ln>
-            <a:noFill/>
-          </a:ln>
-          <a:effectLst/>
-          <a:extLst>
-            <a:ext uri="{909E8E84-426E-40dd-AFC4-6F175D3DCCD1}">
-              <a14:hiddenFill xmlns:a14="http://schemas.microsoft.com/office/drawing/2010/main">
-                <a:solidFill>
-                  <a:schemeClr val="accent1"/>
-                </a:solidFill>
-              </a14:hiddenFill>
-            </a:ext>
-            <a:ext uri="{91240B29-F687-4f45-9708-019B960494DF}">
-              <a14:hiddenLine xmlns:a14="http://schemas.microsoft.com/office/drawing/2010/main" w="9525">
-                <a:solidFill>
-                  <a:schemeClr val="tx1"/>
-                </a:solidFill>
-                <a:miter lim="800000"/>
-                <a:headEnd/>
-                <a:tailEnd/>
-              </a14:hiddenLine>
-            </a:ext>
-            <a:ext uri="{AF507438-7753-43e0-B8FC-AC1667EBCBE1}">
-              <a14:hiddenEffects xmlns:a14="http://schemas.microsoft.com/office/drawing/2010/main">
-                <a:effectLst>
-                  <a:outerShdw dist="35921" dir="2700000" algn="ctr" rotWithShape="0">
-                    <a:schemeClr val="bg2"/>
-                  </a:outerShdw>
-                </a:effectLst>
-              </a14:hiddenEffects>
-            </a:ext>
-          </a:extLst>
-        </p:spPr>
-        <p:txBody>
-          <a:bodyPr wrap="none" lIns="48971" tIns="24486" rIns="48971" bIns="24486">
-            <a:spAutoFit/>
-          </a:bodyPr>
-          <a:lstStyle>
-            <a:lvl1pPr defTabSz="4389438" eaLnBrk="0" hangingPunct="0">
-              <a:defRPr sz="2200">
-                <a:solidFill>
-                  <a:schemeClr val="tx1"/>
-                </a:solidFill>
-                <a:latin typeface="Arial" charset="0"/>
-              </a:defRPr>
-            </a:lvl1pPr>
-            <a:lvl2pPr marL="742950" indent="-285750" defTabSz="4389438" eaLnBrk="0" hangingPunct="0">
-              <a:defRPr sz="2200">
-                <a:solidFill>
-                  <a:schemeClr val="tx1"/>
-                </a:solidFill>
-                <a:latin typeface="Arial" charset="0"/>
-              </a:defRPr>
-            </a:lvl2pPr>
-            <a:lvl3pPr marL="1143000" indent="-228600" defTabSz="4389438" eaLnBrk="0" hangingPunct="0">
-              <a:defRPr sz="2200">
-                <a:solidFill>
-                  <a:schemeClr val="tx1"/>
-                </a:solidFill>
-                <a:latin typeface="Arial" charset="0"/>
-              </a:defRPr>
-            </a:lvl3pPr>
-            <a:lvl4pPr marL="1600200" indent="-228600" defTabSz="4389438" eaLnBrk="0" hangingPunct="0">
-              <a:defRPr sz="2200">
-                <a:solidFill>
-                  <a:schemeClr val="tx1"/>
-                </a:solidFill>
-                <a:latin typeface="Arial" charset="0"/>
-              </a:defRPr>
-            </a:lvl4pPr>
-            <a:lvl5pPr marL="2057400" indent="-228600" defTabSz="4389438" eaLnBrk="0" hangingPunct="0">
-              <a:defRPr sz="2200">
-                <a:solidFill>
-                  <a:schemeClr val="tx1"/>
-                </a:solidFill>
-                <a:latin typeface="Arial" charset="0"/>
-              </a:defRPr>
-            </a:lvl5pPr>
-            <a:lvl6pPr marL="2514600" indent="-228600" defTabSz="4389438" eaLnBrk="0" fontAlgn="base" hangingPunct="0">
-              <a:spcBef>
-                <a:spcPct val="0"/>
-              </a:spcBef>
-              <a:spcAft>
-                <a:spcPct val="0"/>
-              </a:spcAft>
-              <a:defRPr sz="2200">
-                <a:solidFill>
-                  <a:schemeClr val="tx1"/>
-                </a:solidFill>
-                <a:latin typeface="Arial" charset="0"/>
-              </a:defRPr>
-            </a:lvl6pPr>
-            <a:lvl7pPr marL="2971800" indent="-228600" defTabSz="4389438" eaLnBrk="0" fontAlgn="base" hangingPunct="0">
-              <a:spcBef>
-                <a:spcPct val="0"/>
-              </a:spcBef>
-              <a:spcAft>
-                <a:spcPct val="0"/>
-              </a:spcAft>
-              <a:defRPr sz="2200">
-                <a:solidFill>
-                  <a:schemeClr val="tx1"/>
-                </a:solidFill>
-                <a:latin typeface="Arial" charset="0"/>
-              </a:defRPr>
-            </a:lvl7pPr>
-            <a:lvl8pPr marL="3429000" indent="-228600" defTabSz="4389438" eaLnBrk="0" fontAlgn="base" hangingPunct="0">
-              <a:spcBef>
-                <a:spcPct val="0"/>
-              </a:spcBef>
-              <a:spcAft>
-                <a:spcPct val="0"/>
-              </a:spcAft>
-              <a:defRPr sz="2200">
-                <a:solidFill>
-                  <a:schemeClr val="tx1"/>
-                </a:solidFill>
-                <a:latin typeface="Arial" charset="0"/>
-              </a:defRPr>
-            </a:lvl8pPr>
-            <a:lvl9pPr marL="3886200" indent="-228600" defTabSz="4389438" eaLnBrk="0" fontAlgn="base" hangingPunct="0">
-              <a:spcBef>
-                <a:spcPct val="0"/>
-              </a:spcBef>
-              <a:spcAft>
-                <a:spcPct val="0"/>
-              </a:spcAft>
-              <a:defRPr sz="2200">
-                <a:solidFill>
-                  <a:schemeClr val="tx1"/>
-                </a:solidFill>
-                <a:latin typeface="Arial" charset="0"/>
-              </a:defRPr>
-            </a:lvl9pPr>
-          </a:lstStyle>
-          <a:p>
-            <a:pPr algn="ctr" eaLnBrk="1" hangingPunct="1"/>
-            <a:r>
-              <a:rPr lang="en-US" sz="1600" b="1" dirty="0">
-                <a:latin typeface="Calibri" pitchFamily="34" charset="0"/>
-              </a:rPr>
-              <a:t>Table 1.</a:t>
-            </a:r>
-            <a:r>
-              <a:rPr lang="en-US" sz="1600" dirty="0">
-                <a:latin typeface="Calibri" pitchFamily="34" charset="0"/>
-              </a:rPr>
-              <a:t> Label in </a:t>
-            </a:r>
-            <a:r>
-              <a:rPr lang="en-US" sz="1600" dirty="0" smtClean="0">
-                <a:latin typeface="Calibri" pitchFamily="34" charset="0"/>
-              </a:rPr>
-              <a:t>16pt </a:t>
-            </a:r>
-            <a:r>
-              <a:rPr lang="en-US" sz="1600" dirty="0">
-                <a:latin typeface="Calibri" pitchFamily="34" charset="0"/>
-              </a:rPr>
-              <a:t>Calibri.</a:t>
-            </a:r>
-          </a:p>
-        </p:txBody>
-      </p:sp>
-      <p:graphicFrame>
-        <p:nvGraphicFramePr>
-          <p:cNvPr id="3" name="Chart 2"/>
-          <p:cNvGraphicFramePr/>
-          <p:nvPr>
-            <p:extLst>
-              <p:ext uri="{D42A27DB-BD31-4B8C-83A1-F6EECF244321}">
-                <p14:modId xmlns:p14="http://schemas.microsoft.com/office/powerpoint/2010/main" val="292270342"/>
-              </p:ext>
-            </p:extLst>
-          </p:nvPr>
-        </p:nvGraphicFramePr>
-        <p:xfrm>
-          <a:off x="22074882" y="3316357"/>
-          <a:ext cx="9563359" cy="4141705"/>
-        </p:xfrm>
-        <a:graphic>
-          <a:graphicData uri="http://schemas.openxmlformats.org/drawingml/2006/chart">
-            <c:chart xmlns:c="http://schemas.openxmlformats.org/drawingml/2006/chart" xmlns:r="http://schemas.openxmlformats.org/officeDocument/2006/relationships" r:id="rId4"/>
-          </a:graphicData>
-        </a:graphic>
-      </p:graphicFrame>
-      <p:sp>
-        <p:nvSpPr>
-          <p:cNvPr id="37" name="Text Box 180"/>
-          <p:cNvSpPr txBox="1">
-            <a:spLocks noChangeArrowheads="1"/>
-          </p:cNvSpPr>
-          <p:nvPr/>
-        </p:nvSpPr>
-        <p:spPr bwMode="auto">
-          <a:xfrm>
-            <a:off x="22568550" y="7620000"/>
-            <a:ext cx="2510521" cy="295671"/>
-          </a:xfrm>
-          <a:prstGeom prst="rect">
-            <a:avLst/>
-          </a:prstGeom>
-          <a:noFill/>
-          <a:ln>
-            <a:noFill/>
-          </a:ln>
-          <a:effectLst/>
-          <a:extLst>
-            <a:ext uri="{909E8E84-426E-40dd-AFC4-6F175D3DCCD1}">
-              <a14:hiddenFill xmlns:a14="http://schemas.microsoft.com/office/drawing/2010/main">
-                <a:solidFill>
-                  <a:schemeClr val="accent1"/>
-                </a:solidFill>
-              </a14:hiddenFill>
-            </a:ext>
-            <a:ext uri="{91240B29-F687-4f45-9708-019B960494DF}">
-              <a14:hiddenLine xmlns:a14="http://schemas.microsoft.com/office/drawing/2010/main" w="9525">
-                <a:solidFill>
-                  <a:schemeClr val="tx1"/>
-                </a:solidFill>
-                <a:miter lim="800000"/>
-                <a:headEnd/>
-                <a:tailEnd/>
-              </a14:hiddenLine>
-            </a:ext>
-            <a:ext uri="{AF507438-7753-43e0-B8FC-AC1667EBCBE1}">
-              <a14:hiddenEffects xmlns:a14="http://schemas.microsoft.com/office/drawing/2010/main">
-                <a:effectLst>
-                  <a:outerShdw dist="35921" dir="2700000" algn="ctr" rotWithShape="0">
-                    <a:schemeClr val="bg2"/>
-                  </a:outerShdw>
-                </a:effectLst>
-              </a14:hiddenEffects>
-            </a:ext>
-          </a:extLst>
-        </p:spPr>
-        <p:txBody>
-          <a:bodyPr wrap="none" lIns="48971" tIns="24486" rIns="48971" bIns="24486">
-            <a:spAutoFit/>
-          </a:bodyPr>
-          <a:lstStyle>
-            <a:lvl1pPr defTabSz="4389438" eaLnBrk="0" hangingPunct="0">
-              <a:defRPr sz="2200">
-                <a:solidFill>
-                  <a:schemeClr val="tx1"/>
-                </a:solidFill>
-                <a:latin typeface="Arial" charset="0"/>
-              </a:defRPr>
-            </a:lvl1pPr>
-            <a:lvl2pPr marL="742950" indent="-285750" defTabSz="4389438" eaLnBrk="0" hangingPunct="0">
-              <a:defRPr sz="2200">
-                <a:solidFill>
-                  <a:schemeClr val="tx1"/>
-                </a:solidFill>
-                <a:latin typeface="Arial" charset="0"/>
-              </a:defRPr>
-            </a:lvl2pPr>
-            <a:lvl3pPr marL="1143000" indent="-228600" defTabSz="4389438" eaLnBrk="0" hangingPunct="0">
-              <a:defRPr sz="2200">
-                <a:solidFill>
-                  <a:schemeClr val="tx1"/>
-                </a:solidFill>
-                <a:latin typeface="Arial" charset="0"/>
-              </a:defRPr>
-            </a:lvl3pPr>
-            <a:lvl4pPr marL="1600200" indent="-228600" defTabSz="4389438" eaLnBrk="0" hangingPunct="0">
-              <a:defRPr sz="2200">
-                <a:solidFill>
-                  <a:schemeClr val="tx1"/>
-                </a:solidFill>
-                <a:latin typeface="Arial" charset="0"/>
-              </a:defRPr>
-            </a:lvl4pPr>
-            <a:lvl5pPr marL="2057400" indent="-228600" defTabSz="4389438" eaLnBrk="0" hangingPunct="0">
-              <a:defRPr sz="2200">
-                <a:solidFill>
-                  <a:schemeClr val="tx1"/>
-                </a:solidFill>
-                <a:latin typeface="Arial" charset="0"/>
-              </a:defRPr>
-            </a:lvl5pPr>
-            <a:lvl6pPr marL="2514600" indent="-228600" defTabSz="4389438" eaLnBrk="0" fontAlgn="base" hangingPunct="0">
-              <a:spcBef>
-                <a:spcPct val="0"/>
-              </a:spcBef>
-              <a:spcAft>
-                <a:spcPct val="0"/>
-              </a:spcAft>
-              <a:defRPr sz="2200">
-                <a:solidFill>
-                  <a:schemeClr val="tx1"/>
-                </a:solidFill>
-                <a:latin typeface="Arial" charset="0"/>
-              </a:defRPr>
-            </a:lvl6pPr>
-            <a:lvl7pPr marL="2971800" indent="-228600" defTabSz="4389438" eaLnBrk="0" fontAlgn="base" hangingPunct="0">
-              <a:spcBef>
-                <a:spcPct val="0"/>
-              </a:spcBef>
-              <a:spcAft>
-                <a:spcPct val="0"/>
-              </a:spcAft>
-              <a:defRPr sz="2200">
-                <a:solidFill>
-                  <a:schemeClr val="tx1"/>
-                </a:solidFill>
-                <a:latin typeface="Arial" charset="0"/>
-              </a:defRPr>
-            </a:lvl7pPr>
-            <a:lvl8pPr marL="3429000" indent="-228600" defTabSz="4389438" eaLnBrk="0" fontAlgn="base" hangingPunct="0">
-              <a:spcBef>
-                <a:spcPct val="0"/>
-              </a:spcBef>
-              <a:spcAft>
-                <a:spcPct val="0"/>
-              </a:spcAft>
-              <a:defRPr sz="2200">
-                <a:solidFill>
-                  <a:schemeClr val="tx1"/>
-                </a:solidFill>
-                <a:latin typeface="Arial" charset="0"/>
-              </a:defRPr>
-            </a:lvl8pPr>
-            <a:lvl9pPr marL="3886200" indent="-228600" defTabSz="4389438" eaLnBrk="0" fontAlgn="base" hangingPunct="0">
-              <a:spcBef>
-                <a:spcPct val="0"/>
-              </a:spcBef>
-              <a:spcAft>
-                <a:spcPct val="0"/>
-              </a:spcAft>
-              <a:defRPr sz="2200">
-                <a:solidFill>
-                  <a:schemeClr val="tx1"/>
-                </a:solidFill>
-                <a:latin typeface="Arial" charset="0"/>
-              </a:defRPr>
-            </a:lvl9pPr>
-          </a:lstStyle>
-          <a:p>
-            <a:pPr algn="ctr" eaLnBrk="1" hangingPunct="1"/>
-            <a:r>
-              <a:rPr lang="en-US" sz="1600" b="1" dirty="0">
-                <a:latin typeface="Calibri" pitchFamily="34" charset="0"/>
-              </a:rPr>
-              <a:t>Chart 1.</a:t>
-            </a:r>
-            <a:r>
-              <a:rPr lang="en-US" sz="1600" dirty="0">
-                <a:latin typeface="Calibri" pitchFamily="34" charset="0"/>
-              </a:rPr>
-              <a:t> Label in </a:t>
-            </a:r>
-            <a:r>
-              <a:rPr lang="en-US" sz="1600" dirty="0" smtClean="0">
-                <a:latin typeface="Calibri" pitchFamily="34" charset="0"/>
-              </a:rPr>
-              <a:t>16pt </a:t>
-            </a:r>
-            <a:r>
-              <a:rPr lang="en-US" sz="1600" dirty="0">
-                <a:latin typeface="Calibri" pitchFamily="34" charset="0"/>
-              </a:rPr>
-              <a:t>Calibri.</a:t>
-            </a:r>
-          </a:p>
-        </p:txBody>
-      </p:sp>
-      <p:sp>
-        <p:nvSpPr>
-          <p:cNvPr id="30" name="Rectangle 265"/>
-          <p:cNvSpPr>
-            <a:spLocks noChangeAspect="1" noChangeArrowheads="1"/>
-          </p:cNvSpPr>
-          <p:nvPr/>
-        </p:nvSpPr>
-        <p:spPr bwMode="auto">
-          <a:xfrm>
-            <a:off x="1097280" y="731520"/>
-            <a:ext cx="1827358" cy="1371600"/>
-          </a:xfrm>
-          <a:prstGeom prst="rect">
-            <a:avLst/>
-          </a:prstGeom>
-          <a:blipFill dpi="0" rotWithShape="1">
-            <a:blip r:embed="rId5">
-              <a:lum bright="70000" contrast="-70000"/>
-            </a:blip>
-            <a:srcRect/>
-            <a:stretch>
-              <a:fillRect r="-79"/>
-            </a:stretch>
-          </a:blipFill>
-          <a:ln w="9525">
-            <a:solidFill>
-              <a:schemeClr val="tx1"/>
-            </a:solidFill>
-            <a:miter lim="800000"/>
-            <a:headEnd/>
-            <a:tailEnd/>
-          </a:ln>
-          <a:effectLst/>
-          <a:extLst>
-            <a:ext uri="{AF507438-7753-43e0-B8FC-AC1667EBCBE1}">
-              <a14:hiddenEffects xmlns:a14="http://schemas.microsoft.com/office/drawing/2010/main">
-                <a:effectLst>
-                  <a:outerShdw dist="35921" dir="2700000" algn="ctr" rotWithShape="0">
-                    <a:schemeClr val="bg2"/>
-                  </a:outerShdw>
-                </a:effectLst>
-              </a14:hiddenEffects>
-            </a:ext>
-          </a:extLst>
-        </p:spPr>
-        <p:txBody>
-          <a:bodyPr lIns="83814" tIns="41907" rIns="83814" bIns="41907" anchor="ctr"/>
-          <a:lstStyle/>
-          <a:p>
-            <a:pPr algn="ctr" defTabSz="4022725"/>
-            <a:r>
-              <a:rPr lang="en-US" sz="1200" b="1" dirty="0">
-                <a:latin typeface="Calibri" pitchFamily="34" charset="0"/>
-              </a:rPr>
-              <a:t>REPLACE THIS BOX WITH YOUR ORGANIZATION’S</a:t>
-            </a:r>
-          </a:p>
-          <a:p>
-            <a:pPr algn="ctr" defTabSz="4022725"/>
-            <a:r>
-              <a:rPr lang="en-US" sz="1200" b="1" dirty="0">
-                <a:latin typeface="Calibri" pitchFamily="34" charset="0"/>
-              </a:rPr>
-              <a:t>HIGH RESOLUTION LOGO</a:t>
-            </a:r>
-          </a:p>
-        </p:txBody>
-      </p:sp>
-      <p:sp>
-        <p:nvSpPr>
-          <p:cNvPr id="31" name="Rectangle 265"/>
-          <p:cNvSpPr>
-            <a:spLocks noChangeAspect="1" noChangeArrowheads="1"/>
-          </p:cNvSpPr>
-          <p:nvPr/>
-        </p:nvSpPr>
-        <p:spPr bwMode="auto">
-          <a:xfrm>
-            <a:off x="29992320" y="731520"/>
-            <a:ext cx="1827358" cy="1371600"/>
-          </a:xfrm>
-          <a:prstGeom prst="rect">
-            <a:avLst/>
-          </a:prstGeom>
-          <a:blipFill dpi="0" rotWithShape="1">
-            <a:blip r:embed="rId5">
-              <a:lum bright="70000" contrast="-70000"/>
-            </a:blip>
-            <a:srcRect/>
-            <a:stretch>
-              <a:fillRect r="-79"/>
-            </a:stretch>
-          </a:blipFill>
-          <a:ln w="9525">
-            <a:solidFill>
-              <a:schemeClr val="tx1"/>
-            </a:solidFill>
-            <a:miter lim="800000"/>
-            <a:headEnd/>
-            <a:tailEnd/>
-          </a:ln>
-          <a:effectLst/>
-          <a:extLst>
-            <a:ext uri="{AF507438-7753-43e0-B8FC-AC1667EBCBE1}">
-              <a14:hiddenEffects xmlns:a14="http://schemas.microsoft.com/office/drawing/2010/main">
-                <a:effectLst>
-                  <a:outerShdw dist="35921" dir="2700000" algn="ctr" rotWithShape="0">
-                    <a:schemeClr val="bg2"/>
-                  </a:outerShdw>
-                </a:effectLst>
-              </a14:hiddenEffects>
-            </a:ext>
-          </a:extLst>
-        </p:spPr>
-        <p:txBody>
-          <a:bodyPr lIns="83814" tIns="41907" rIns="83814" bIns="41907" anchor="ctr"/>
-          <a:lstStyle/>
-          <a:p>
-            <a:pPr algn="ctr" defTabSz="4022725"/>
-            <a:r>
-              <a:rPr lang="en-US" sz="1200" b="1" dirty="0">
-                <a:latin typeface="Calibri" pitchFamily="34" charset="0"/>
-              </a:rPr>
-              <a:t>REPLACE THIS BOX WITH YOUR ORGANIZATION’S</a:t>
-            </a:r>
-          </a:p>
-          <a:p>
-            <a:pPr algn="ctr" defTabSz="4022725"/>
-            <a:r>
-              <a:rPr lang="en-US" sz="1200" b="1" dirty="0">
-                <a:latin typeface="Calibri" pitchFamily="34" charset="0"/>
-              </a:rPr>
-              <a:t>HIGH RESOLUTION LOGO</a:t>
-            </a:r>
-          </a:p>
-        </p:txBody>
-      </p:sp>
-      <p:sp>
-        <p:nvSpPr>
-          <p:cNvPr id="38" name="TextBox 37"/>
-          <p:cNvSpPr txBox="1"/>
-          <p:nvPr/>
-        </p:nvSpPr>
-        <p:spPr>
-          <a:xfrm>
-            <a:off x="3505200" y="19964400"/>
-            <a:ext cx="3229638" cy="665003"/>
-          </a:xfrm>
-          <a:prstGeom prst="rect">
-            <a:avLst/>
-          </a:prstGeom>
-          <a:solidFill>
-            <a:schemeClr val="accent1">
-              <a:lumMod val="40000"/>
-              <a:lumOff val="60000"/>
-            </a:schemeClr>
-          </a:solidFill>
-        </p:spPr>
-        <p:txBody>
-          <a:bodyPr wrap="none" lIns="48971" tIns="24486" rIns="48971" bIns="24486" rtlCol="0">
-            <a:spAutoFit/>
-          </a:bodyPr>
-          <a:lstStyle/>
-          <a:p>
-            <a:r>
-              <a:rPr lang="en-US" sz="2000" dirty="0" err="1"/>
-              <a:t>Gajendranath</a:t>
-            </a:r>
-            <a:r>
-              <a:rPr lang="en-US" sz="2000" dirty="0"/>
-              <a:t> </a:t>
-            </a:r>
-            <a:r>
-              <a:rPr lang="en-US" sz="2000" dirty="0" err="1"/>
-              <a:t>Gaurav</a:t>
-            </a:r>
-            <a:r>
-              <a:rPr lang="en-US" sz="2000" dirty="0"/>
-              <a:t> Roy </a:t>
-            </a:r>
-            <a:r>
-              <a:rPr lang="en-US" sz="2000" dirty="0" err="1" smtClean="0"/>
-              <a:t>Puli</a:t>
-            </a:r>
-            <a:endParaRPr lang="en-US" sz="2000" dirty="0" smtClean="0"/>
-          </a:p>
-          <a:p>
-            <a:r>
-              <a:rPr lang="en-US" sz="2000" dirty="0" err="1" smtClean="0"/>
-              <a:t>gpuli@syr.edu</a:t>
-            </a:r>
-            <a:endParaRPr lang="en-US" sz="2000" dirty="0"/>
+              <a:rPr lang="en-US" sz="1700" b="1" dirty="0">
+                <a:latin typeface="Calibri" pitchFamily="34" charset="0"/>
+              </a:rPr>
+              <a:t>Figure </a:t>
+            </a:r>
+            <a:r>
+              <a:rPr lang="en-US" sz="1700" b="1" dirty="0">
+                <a:latin typeface="Calibri" pitchFamily="34" charset="0"/>
+              </a:rPr>
+              <a:t>2.</a:t>
+            </a:r>
+            <a:r>
+              <a:rPr lang="en-US" sz="1700" dirty="0">
+                <a:latin typeface="Calibri" pitchFamily="34" charset="0"/>
+              </a:rPr>
+              <a:t> Gazebo simulation</a:t>
+            </a:r>
+            <a:endParaRPr lang="en-US" sz="1700" dirty="0">
+              <a:latin typeface="Calibri" pitchFamily="34" charset="0"/>
+            </a:endParaRPr>
           </a:p>
         </p:txBody>
       </p:sp>

--- a/poster.pptx
+++ b/poster.pptx
@@ -13,7 +13,7 @@
     <a:defPPr>
       <a:defRPr lang="en-US"/>
     </a:defPPr>
-    <a:lvl1pPr marL="0" algn="l" defTabSz="2347089" rtl="0" eaLnBrk="1" latinLnBrk="0" hangingPunct="1">
+    <a:lvl1pPr marL="0" algn="l" defTabSz="2343582" rtl="0" eaLnBrk="1" latinLnBrk="0" hangingPunct="1">
       <a:defRPr sz="4500" kern="1200">
         <a:solidFill>
           <a:schemeClr val="tx1"/>
@@ -23,7 +23,7 @@
         <a:cs typeface="+mn-cs"/>
       </a:defRPr>
     </a:lvl1pPr>
-    <a:lvl2pPr marL="1173545" algn="l" defTabSz="2347089" rtl="0" eaLnBrk="1" latinLnBrk="0" hangingPunct="1">
+    <a:lvl2pPr marL="1171796" algn="l" defTabSz="2343582" rtl="0" eaLnBrk="1" latinLnBrk="0" hangingPunct="1">
       <a:defRPr sz="4500" kern="1200">
         <a:solidFill>
           <a:schemeClr val="tx1"/>
@@ -33,7 +33,7 @@
         <a:cs typeface="+mn-cs"/>
       </a:defRPr>
     </a:lvl2pPr>
-    <a:lvl3pPr marL="2347089" algn="l" defTabSz="2347089" rtl="0" eaLnBrk="1" latinLnBrk="0" hangingPunct="1">
+    <a:lvl3pPr marL="2343582" algn="l" defTabSz="2343582" rtl="0" eaLnBrk="1" latinLnBrk="0" hangingPunct="1">
       <a:defRPr sz="4500" kern="1200">
         <a:solidFill>
           <a:schemeClr val="tx1"/>
@@ -43,7 +43,7 @@
         <a:cs typeface="+mn-cs"/>
       </a:defRPr>
     </a:lvl3pPr>
-    <a:lvl4pPr marL="3520644" algn="l" defTabSz="2347089" rtl="0" eaLnBrk="1" latinLnBrk="0" hangingPunct="1">
+    <a:lvl4pPr marL="3515378" algn="l" defTabSz="2343582" rtl="0" eaLnBrk="1" latinLnBrk="0" hangingPunct="1">
       <a:defRPr sz="4500" kern="1200">
         <a:solidFill>
           <a:schemeClr val="tx1"/>
@@ -53,7 +53,7 @@
         <a:cs typeface="+mn-cs"/>
       </a:defRPr>
     </a:lvl4pPr>
-    <a:lvl5pPr marL="4694179" algn="l" defTabSz="2347089" rtl="0" eaLnBrk="1" latinLnBrk="0" hangingPunct="1">
+    <a:lvl5pPr marL="4687164" algn="l" defTabSz="2343582" rtl="0" eaLnBrk="1" latinLnBrk="0" hangingPunct="1">
       <a:defRPr sz="4500" kern="1200">
         <a:solidFill>
           <a:schemeClr val="tx1"/>
@@ -63,7 +63,7 @@
         <a:cs typeface="+mn-cs"/>
       </a:defRPr>
     </a:lvl5pPr>
-    <a:lvl6pPr marL="5867730" algn="l" defTabSz="2347089" rtl="0" eaLnBrk="1" latinLnBrk="0" hangingPunct="1">
+    <a:lvl6pPr marL="5858950" algn="l" defTabSz="2343582" rtl="0" eaLnBrk="1" latinLnBrk="0" hangingPunct="1">
       <a:defRPr sz="4500" kern="1200">
         <a:solidFill>
           <a:schemeClr val="tx1"/>
@@ -73,7 +73,7 @@
         <a:cs typeface="+mn-cs"/>
       </a:defRPr>
     </a:lvl6pPr>
-    <a:lvl7pPr marL="7041268" algn="l" defTabSz="2347089" rtl="0" eaLnBrk="1" latinLnBrk="0" hangingPunct="1">
+    <a:lvl7pPr marL="7030736" algn="l" defTabSz="2343582" rtl="0" eaLnBrk="1" latinLnBrk="0" hangingPunct="1">
       <a:defRPr sz="4500" kern="1200">
         <a:solidFill>
           <a:schemeClr val="tx1"/>
@@ -83,7 +83,7 @@
         <a:cs typeface="+mn-cs"/>
       </a:defRPr>
     </a:lvl7pPr>
-    <a:lvl8pPr marL="8214820" algn="l" defTabSz="2347089" rtl="0" eaLnBrk="1" latinLnBrk="0" hangingPunct="1">
+    <a:lvl8pPr marL="8202539" algn="l" defTabSz="2343582" rtl="0" eaLnBrk="1" latinLnBrk="0" hangingPunct="1">
       <a:defRPr sz="4500" kern="1200">
         <a:solidFill>
           <a:schemeClr val="tx1"/>
@@ -93,7 +93,7 @@
         <a:cs typeface="+mn-cs"/>
       </a:defRPr>
     </a:lvl8pPr>
-    <a:lvl9pPr marL="9388368" algn="l" defTabSz="2347089" rtl="0" eaLnBrk="1" latinLnBrk="0" hangingPunct="1">
+    <a:lvl9pPr marL="9374328" algn="l" defTabSz="2343582" rtl="0" eaLnBrk="1" latinLnBrk="0" hangingPunct="1">
       <a:defRPr sz="4500" kern="1200">
         <a:solidFill>
           <a:schemeClr val="tx1"/>
@@ -165,7 +165,7 @@
           </a:fontRef>
         </p:style>
         <p:txBody>
-          <a:bodyPr lIns="48897" tIns="24445" rIns="48897" bIns="24445" rtlCol="0" anchor="ctr"/>
+          <a:bodyPr lIns="48825" tIns="24404" rIns="48825" bIns="24404" rtlCol="0" anchor="ctr"/>
           <a:lstStyle/>
           <a:p>
             <a:pPr algn="ctr"/>
@@ -214,7 +214,7 @@
           </a:fontRef>
         </p:style>
         <p:txBody>
-          <a:bodyPr lIns="48897" tIns="24445" rIns="48897" bIns="24445" rtlCol="0" anchor="ctr"/>
+          <a:bodyPr lIns="48825" tIns="24404" rIns="48825" bIns="24404" rtlCol="0" anchor="ctr"/>
           <a:lstStyle/>
           <a:p>
             <a:pPr algn="ctr"/>
@@ -262,7 +262,7 @@
           </a:fontRef>
         </p:style>
         <p:txBody>
-          <a:bodyPr lIns="48897" tIns="24445" rIns="48897" bIns="24445" rtlCol="0" anchor="ctr"/>
+          <a:bodyPr lIns="48825" tIns="24404" rIns="48825" bIns="24404" rtlCol="0" anchor="ctr"/>
           <a:lstStyle/>
           <a:p>
             <a:pPr algn="ctr"/>
@@ -311,7 +311,7 @@
           </a:fontRef>
         </p:style>
         <p:txBody>
-          <a:bodyPr lIns="48897" tIns="24445" rIns="48897" bIns="24445" rtlCol="0" anchor="ctr"/>
+          <a:bodyPr lIns="48825" tIns="24404" rIns="48825" bIns="24404" rtlCol="0" anchor="ctr"/>
           <a:lstStyle/>
           <a:p>
             <a:pPr algn="ctr"/>
@@ -412,7 +412,7 @@
           </a:fontRef>
         </p:style>
         <p:txBody>
-          <a:bodyPr lIns="122243" tIns="122243" rIns="122243" bIns="122243" rtlCol="0" anchor="t"/>
+          <a:bodyPr lIns="122058" tIns="122058" rIns="122058" bIns="122058" rtlCol="0" anchor="t"/>
           <a:lstStyle>
             <a:defPPr>
               <a:defRPr lang="en-US"/>
@@ -1859,7 +1859,7 @@
           </a:prstGeom>
         </p:spPr>
         <p:txBody>
-          <a:bodyPr vert="horz" lIns="234712" tIns="117354" rIns="234712" bIns="117354" rtlCol="0" anchor="ctr">
+          <a:bodyPr vert="horz" lIns="234362" tIns="117172" rIns="234362" bIns="117172" rtlCol="0" anchor="ctr">
             <a:normAutofit/>
           </a:bodyPr>
           <a:lstStyle/>
@@ -1892,7 +1892,7 @@
           </a:prstGeom>
         </p:spPr>
         <p:txBody>
-          <a:bodyPr vert="horz" lIns="234712" tIns="117354" rIns="234712" bIns="117354" rtlCol="0">
+          <a:bodyPr vert="horz" lIns="234362" tIns="117172" rIns="234362" bIns="117172" rtlCol="0">
             <a:normAutofit/>
           </a:bodyPr>
           <a:lstStyle/>
@@ -1954,7 +1954,7 @@
           </a:prstGeom>
         </p:spPr>
         <p:txBody>
-          <a:bodyPr vert="horz" lIns="234712" tIns="117354" rIns="234712" bIns="117354" rtlCol="0" anchor="ctr"/>
+          <a:bodyPr vert="horz" lIns="234362" tIns="117172" rIns="234362" bIns="117172" rtlCol="0" anchor="ctr"/>
           <a:lstStyle>
             <a:lvl1pPr algn="l">
               <a:defRPr sz="3100">
@@ -1995,7 +1995,7 @@
           </a:prstGeom>
         </p:spPr>
         <p:txBody>
-          <a:bodyPr vert="horz" lIns="234712" tIns="117354" rIns="234712" bIns="117354" rtlCol="0" anchor="ctr"/>
+          <a:bodyPr vert="horz" lIns="234362" tIns="117172" rIns="234362" bIns="117172" rtlCol="0" anchor="ctr"/>
           <a:lstStyle>
             <a:lvl1pPr algn="ctr">
               <a:defRPr sz="3100">
@@ -2032,7 +2032,7 @@
           </a:prstGeom>
         </p:spPr>
         <p:txBody>
-          <a:bodyPr vert="horz" lIns="234712" tIns="117354" rIns="234712" bIns="117354" rtlCol="0" anchor="ctr"/>
+          <a:bodyPr vert="horz" lIns="234362" tIns="117172" rIns="234362" bIns="117172" rtlCol="0" anchor="ctr"/>
           <a:lstStyle>
             <a:lvl1pPr algn="r">
               <a:defRPr sz="3100">
@@ -2074,7 +2074,7 @@
   </p:timing>
   <p:txStyles>
     <p:titleStyle>
-      <a:lvl1pPr algn="ctr" defTabSz="2347089" rtl="0" eaLnBrk="1" latinLnBrk="0" hangingPunct="1">
+      <a:lvl1pPr algn="ctr" defTabSz="2343582" rtl="0" eaLnBrk="1" latinLnBrk="0" hangingPunct="1">
         <a:spcBef>
           <a:spcPct val="0"/>
         </a:spcBef>
@@ -2090,7 +2090,7 @@
       </a:lvl1pPr>
     </p:titleStyle>
     <p:bodyStyle>
-      <a:lvl1pPr marL="244486" indent="-244486" algn="l" defTabSz="2347089" rtl="0" eaLnBrk="1" latinLnBrk="0" hangingPunct="1">
+      <a:lvl1pPr marL="244116" indent="-244116" algn="l" defTabSz="2343582" rtl="0" eaLnBrk="1" latinLnBrk="0" hangingPunct="1">
         <a:spcBef>
           <a:spcPct val="20000"/>
         </a:spcBef>
@@ -2105,7 +2105,7 @@
           <a:cs typeface="+mn-cs"/>
         </a:defRPr>
       </a:lvl1pPr>
-      <a:lvl2pPr marL="488980" indent="-244486" algn="l" defTabSz="2347089" rtl="0" eaLnBrk="1" latinLnBrk="0" hangingPunct="1">
+      <a:lvl2pPr marL="488260" indent="-244116" algn="l" defTabSz="2343582" rtl="0" eaLnBrk="1" latinLnBrk="0" hangingPunct="1">
         <a:spcBef>
           <a:spcPct val="20000"/>
         </a:spcBef>
@@ -2120,7 +2120,7 @@
           <a:cs typeface="+mn-cs"/>
         </a:defRPr>
       </a:lvl2pPr>
-      <a:lvl3pPr marL="733466" indent="-244486" algn="l" defTabSz="2347089" rtl="0" eaLnBrk="1" latinLnBrk="0" hangingPunct="1">
+      <a:lvl3pPr marL="732376" indent="-244116" algn="l" defTabSz="2343582" rtl="0" eaLnBrk="1" latinLnBrk="0" hangingPunct="1">
         <a:spcBef>
           <a:spcPct val="20000"/>
         </a:spcBef>
@@ -2135,7 +2135,7 @@
           <a:cs typeface="+mn-cs"/>
         </a:defRPr>
       </a:lvl3pPr>
-      <a:lvl4pPr marL="977959" indent="-244486" algn="l" defTabSz="2347089" rtl="0" eaLnBrk="1" latinLnBrk="0" hangingPunct="1">
+      <a:lvl4pPr marL="976499" indent="-244116" algn="l" defTabSz="2343582" rtl="0" eaLnBrk="1" latinLnBrk="0" hangingPunct="1">
         <a:spcBef>
           <a:spcPct val="20000"/>
         </a:spcBef>
@@ -2150,7 +2150,7 @@
           <a:cs typeface="+mn-cs"/>
         </a:defRPr>
       </a:lvl4pPr>
-      <a:lvl5pPr marL="1222445" indent="-244486" algn="l" defTabSz="2347089" rtl="0" eaLnBrk="1" latinLnBrk="0" hangingPunct="1">
+      <a:lvl5pPr marL="1220615" indent="-244116" algn="l" defTabSz="2343582" rtl="0" eaLnBrk="1" latinLnBrk="0" hangingPunct="1">
         <a:spcBef>
           <a:spcPct val="20000"/>
         </a:spcBef>
@@ -2165,7 +2165,7 @@
           <a:cs typeface="+mn-cs"/>
         </a:defRPr>
       </a:lvl5pPr>
-      <a:lvl6pPr marL="6454501" indent="-586767" algn="l" defTabSz="2347089" rtl="0" eaLnBrk="1" latinLnBrk="0" hangingPunct="1">
+      <a:lvl6pPr marL="6444850" indent="-585890" algn="l" defTabSz="2343582" rtl="0" eaLnBrk="1" latinLnBrk="0" hangingPunct="1">
         <a:spcBef>
           <a:spcPct val="20000"/>
         </a:spcBef>
@@ -2180,7 +2180,7 @@
           <a:cs typeface="+mn-cs"/>
         </a:defRPr>
       </a:lvl6pPr>
-      <a:lvl7pPr marL="7628053" indent="-586767" algn="l" defTabSz="2347089" rtl="0" eaLnBrk="1" latinLnBrk="0" hangingPunct="1">
+      <a:lvl7pPr marL="7616646" indent="-585890" algn="l" defTabSz="2343582" rtl="0" eaLnBrk="1" latinLnBrk="0" hangingPunct="1">
         <a:spcBef>
           <a:spcPct val="20000"/>
         </a:spcBef>
@@ -2195,7 +2195,7 @@
           <a:cs typeface="+mn-cs"/>
         </a:defRPr>
       </a:lvl7pPr>
-      <a:lvl8pPr marL="8801594" indent="-586767" algn="l" defTabSz="2347089" rtl="0" eaLnBrk="1" latinLnBrk="0" hangingPunct="1">
+      <a:lvl8pPr marL="8788432" indent="-585890" algn="l" defTabSz="2343582" rtl="0" eaLnBrk="1" latinLnBrk="0" hangingPunct="1">
         <a:spcBef>
           <a:spcPct val="20000"/>
         </a:spcBef>
@@ -2210,7 +2210,7 @@
           <a:cs typeface="+mn-cs"/>
         </a:defRPr>
       </a:lvl8pPr>
-      <a:lvl9pPr marL="9975138" indent="-586767" algn="l" defTabSz="2347089" rtl="0" eaLnBrk="1" latinLnBrk="0" hangingPunct="1">
+      <a:lvl9pPr marL="9960218" indent="-585890" algn="l" defTabSz="2343582" rtl="0" eaLnBrk="1" latinLnBrk="0" hangingPunct="1">
         <a:spcBef>
           <a:spcPct val="20000"/>
         </a:spcBef>
@@ -2230,7 +2230,7 @@
       <a:defPPr>
         <a:defRPr lang="en-US"/>
       </a:defPPr>
-      <a:lvl1pPr marL="0" algn="l" defTabSz="2347089" rtl="0" eaLnBrk="1" latinLnBrk="0" hangingPunct="1">
+      <a:lvl1pPr marL="0" algn="l" defTabSz="2343582" rtl="0" eaLnBrk="1" latinLnBrk="0" hangingPunct="1">
         <a:defRPr sz="4500" kern="1200">
           <a:solidFill>
             <a:schemeClr val="tx1"/>
@@ -2240,7 +2240,7 @@
           <a:cs typeface="+mn-cs"/>
         </a:defRPr>
       </a:lvl1pPr>
-      <a:lvl2pPr marL="1173545" algn="l" defTabSz="2347089" rtl="0" eaLnBrk="1" latinLnBrk="0" hangingPunct="1">
+      <a:lvl2pPr marL="1171796" algn="l" defTabSz="2343582" rtl="0" eaLnBrk="1" latinLnBrk="0" hangingPunct="1">
         <a:defRPr sz="4500" kern="1200">
           <a:solidFill>
             <a:schemeClr val="tx1"/>
@@ -2250,7 +2250,7 @@
           <a:cs typeface="+mn-cs"/>
         </a:defRPr>
       </a:lvl2pPr>
-      <a:lvl3pPr marL="2347089" algn="l" defTabSz="2347089" rtl="0" eaLnBrk="1" latinLnBrk="0" hangingPunct="1">
+      <a:lvl3pPr marL="2343582" algn="l" defTabSz="2343582" rtl="0" eaLnBrk="1" latinLnBrk="0" hangingPunct="1">
         <a:defRPr sz="4500" kern="1200">
           <a:solidFill>
             <a:schemeClr val="tx1"/>
@@ -2260,7 +2260,7 @@
           <a:cs typeface="+mn-cs"/>
         </a:defRPr>
       </a:lvl3pPr>
-      <a:lvl4pPr marL="3520644" algn="l" defTabSz="2347089" rtl="0" eaLnBrk="1" latinLnBrk="0" hangingPunct="1">
+      <a:lvl4pPr marL="3515378" algn="l" defTabSz="2343582" rtl="0" eaLnBrk="1" latinLnBrk="0" hangingPunct="1">
         <a:defRPr sz="4500" kern="1200">
           <a:solidFill>
             <a:schemeClr val="tx1"/>
@@ -2270,7 +2270,7 @@
           <a:cs typeface="+mn-cs"/>
         </a:defRPr>
       </a:lvl4pPr>
-      <a:lvl5pPr marL="4694179" algn="l" defTabSz="2347089" rtl="0" eaLnBrk="1" latinLnBrk="0" hangingPunct="1">
+      <a:lvl5pPr marL="4687164" algn="l" defTabSz="2343582" rtl="0" eaLnBrk="1" latinLnBrk="0" hangingPunct="1">
         <a:defRPr sz="4500" kern="1200">
           <a:solidFill>
             <a:schemeClr val="tx1"/>
@@ -2280,7 +2280,7 @@
           <a:cs typeface="+mn-cs"/>
         </a:defRPr>
       </a:lvl5pPr>
-      <a:lvl6pPr marL="5867730" algn="l" defTabSz="2347089" rtl="0" eaLnBrk="1" latinLnBrk="0" hangingPunct="1">
+      <a:lvl6pPr marL="5858950" algn="l" defTabSz="2343582" rtl="0" eaLnBrk="1" latinLnBrk="0" hangingPunct="1">
         <a:defRPr sz="4500" kern="1200">
           <a:solidFill>
             <a:schemeClr val="tx1"/>
@@ -2290,7 +2290,7 @@
           <a:cs typeface="+mn-cs"/>
         </a:defRPr>
       </a:lvl6pPr>
-      <a:lvl7pPr marL="7041268" algn="l" defTabSz="2347089" rtl="0" eaLnBrk="1" latinLnBrk="0" hangingPunct="1">
+      <a:lvl7pPr marL="7030736" algn="l" defTabSz="2343582" rtl="0" eaLnBrk="1" latinLnBrk="0" hangingPunct="1">
         <a:defRPr sz="4500" kern="1200">
           <a:solidFill>
             <a:schemeClr val="tx1"/>
@@ -2300,7 +2300,7 @@
           <a:cs typeface="+mn-cs"/>
         </a:defRPr>
       </a:lvl7pPr>
-      <a:lvl8pPr marL="8214820" algn="l" defTabSz="2347089" rtl="0" eaLnBrk="1" latinLnBrk="0" hangingPunct="1">
+      <a:lvl8pPr marL="8202539" algn="l" defTabSz="2343582" rtl="0" eaLnBrk="1" latinLnBrk="0" hangingPunct="1">
         <a:defRPr sz="4500" kern="1200">
           <a:solidFill>
             <a:schemeClr val="tx1"/>
@@ -2310,7 +2310,7 @@
           <a:cs typeface="+mn-cs"/>
         </a:defRPr>
       </a:lvl8pPr>
-      <a:lvl9pPr marL="9388368" algn="l" defTabSz="2347089" rtl="0" eaLnBrk="1" latinLnBrk="0" hangingPunct="1">
+      <a:lvl9pPr marL="9374328" algn="l" defTabSz="2343582" rtl="0" eaLnBrk="1" latinLnBrk="0" hangingPunct="1">
         <a:defRPr sz="4500" kern="1200">
           <a:solidFill>
             <a:schemeClr val="tx1"/>
@@ -2352,8 +2352,8 @@
         </p:nvSpPr>
         <p:spPr bwMode="auto">
           <a:xfrm>
-            <a:off x="4114800" y="185041"/>
-            <a:ext cx="24688800" cy="1601743"/>
+            <a:off x="4114800" y="185409"/>
+            <a:ext cx="24688800" cy="1600996"/>
           </a:xfrm>
           <a:prstGeom prst="rect">
             <a:avLst/>
@@ -2393,7 +2393,7 @@
           </a:extLst>
         </p:spPr>
         <p:txBody>
-          <a:bodyPr lIns="97798" tIns="244486" rIns="97798" bIns="244486" anchor="ctr" anchorCtr="0">
+          <a:bodyPr lIns="97654" tIns="244116" rIns="97654" bIns="244116" anchor="ctr" anchorCtr="0">
             <a:spAutoFit/>
           </a:bodyPr>
           <a:lstStyle>
@@ -2508,15 +2508,6 @@
               </a:rPr>
               <a:t>Swarm Robotics</a:t>
             </a:r>
-            <a:endParaRPr lang="en-US" sz="7200" b="1" dirty="0">
-              <a:solidFill>
-                <a:schemeClr val="accent3">
-                  <a:lumMod val="20000"/>
-                  <a:lumOff val="80000"/>
-                </a:schemeClr>
-              </a:solidFill>
-              <a:latin typeface="+mn-lt"/>
-            </a:endParaRPr>
           </a:p>
         </p:txBody>
       </p:sp>
@@ -2571,7 +2562,7 @@
           </a:extLst>
         </p:spPr>
         <p:txBody>
-          <a:bodyPr lIns="97798" tIns="97798" rIns="97798" bIns="97798" anchor="ctr" anchorCtr="0"/>
+          <a:bodyPr lIns="97654" tIns="97654" rIns="97654" bIns="97654" anchor="ctr" anchorCtr="0"/>
           <a:lstStyle>
             <a:lvl1pPr defTabSz="4389438" eaLnBrk="0" hangingPunct="0">
               <a:defRPr sz="2200">
@@ -2694,19 +2685,7 @@
                 </a:solidFill>
                 <a:latin typeface="+mn-lt"/>
               </a:rPr>
-              <a:t> </a:t>
-            </a:r>
-            <a:r>
-              <a:rPr lang="en-US" sz="2700" dirty="0">
-                <a:solidFill>
-                  <a:schemeClr val="accent3">
-                    <a:lumMod val="20000"/>
-                    <a:lumOff val="80000"/>
-                  </a:schemeClr>
-                </a:solidFill>
-                <a:latin typeface="+mn-lt"/>
-              </a:rPr>
-              <a:t>Xing, </a:t>
+              <a:t> Xing, </a:t>
             </a:r>
             <a:r>
               <a:rPr lang="en-US" sz="2700" dirty="0" err="1">
@@ -2792,15 +2771,6 @@
               </a:rPr>
               <a:t>Syracuse University</a:t>
             </a:r>
-            <a:endParaRPr lang="en-US" sz="2700" dirty="0">
-              <a:solidFill>
-                <a:schemeClr val="accent3">
-                  <a:lumMod val="20000"/>
-                  <a:lumOff val="80000"/>
-                </a:schemeClr>
-              </a:solidFill>
-              <a:latin typeface="+mn-lt"/>
-            </a:endParaRPr>
           </a:p>
         </p:txBody>
       </p:sp>
@@ -2812,8 +2782,8 @@
         </p:nvSpPr>
         <p:spPr>
           <a:xfrm>
-            <a:off x="1280164" y="20025375"/>
-            <a:ext cx="1971651" cy="1342029"/>
+            <a:off x="1280176" y="20025384"/>
+            <a:ext cx="1971506" cy="1341946"/>
           </a:xfrm>
           <a:prstGeom prst="rect">
             <a:avLst/>
@@ -2826,7 +2796,7 @@
           </a:solidFill>
         </p:spPr>
         <p:txBody>
-          <a:bodyPr wrap="none" lIns="48897" tIns="24445" rIns="48897" bIns="24445" rtlCol="0">
+          <a:bodyPr wrap="none" lIns="48825" tIns="24404" rIns="48825" bIns="24404" rtlCol="0">
             <a:spAutoFit/>
           </a:bodyPr>
           <a:lstStyle/>
@@ -2839,7 +2809,6 @@
               <a:rPr lang="en-US" sz="2100" dirty="0"/>
               <a:t> Xing</a:t>
             </a:r>
-            <a:endParaRPr lang="en-US" sz="2100" dirty="0"/>
           </a:p>
           <a:p>
             <a:r>
@@ -2863,8 +2832,8 @@
         </p:nvSpPr>
         <p:spPr>
           <a:xfrm>
-            <a:off x="1280160" y="19431019"/>
-            <a:ext cx="1533055" cy="526421"/>
+            <a:off x="1280162" y="19431034"/>
+            <a:ext cx="1532909" cy="526338"/>
           </a:xfrm>
           <a:prstGeom prst="rect">
             <a:avLst/>
@@ -2872,7 +2841,7 @@
           <a:noFill/>
         </p:spPr>
         <p:txBody>
-          <a:bodyPr wrap="none" lIns="48897" tIns="24445" rIns="48897" bIns="24445" rtlCol="0">
+          <a:bodyPr wrap="none" lIns="48825" tIns="24404" rIns="48825" bIns="24404" rtlCol="0">
             <a:spAutoFit/>
           </a:bodyPr>
           <a:lstStyle/>
@@ -2881,7 +2850,6 @@
               <a:rPr lang="en-US" sz="3100" b="1" dirty="0"/>
               <a:t>Contacts</a:t>
             </a:r>
-            <a:endParaRPr lang="en-US" sz="3100" b="1" dirty="0"/>
           </a:p>
         </p:txBody>
       </p:sp>
@@ -2895,8 +2863,8 @@
         </p:nvSpPr>
         <p:spPr bwMode="auto">
           <a:xfrm>
-            <a:off x="1097280" y="3657615"/>
-            <a:ext cx="9875520" cy="2782829"/>
+            <a:off x="1097280" y="3657619"/>
+            <a:ext cx="9875520" cy="2782538"/>
           </a:xfrm>
           <a:prstGeom prst="rect">
             <a:avLst/>
@@ -2914,7 +2882,7 @@
           <a:effectLst/>
         </p:spPr>
         <p:txBody>
-          <a:bodyPr lIns="97798" tIns="97798" rIns="97798" bIns="97798">
+          <a:bodyPr lIns="97654" tIns="97654" rIns="97654" bIns="97654">
             <a:spAutoFit/>
           </a:bodyPr>
           <a:lstStyle>
@@ -3047,9 +3015,6 @@
               </a:rPr>
               <a:t>. </a:t>
             </a:r>
-            <a:endParaRPr lang="en-US" sz="2100" dirty="0">
-              <a:latin typeface="+mn-lt"/>
-            </a:endParaRPr>
           </a:p>
         </p:txBody>
       </p:sp>
@@ -3091,7 +3056,7 @@
           </a:fontRef>
         </p:style>
         <p:txBody>
-          <a:bodyPr lIns="48897" tIns="24445" rIns="48897" bIns="24445" rtlCol="0" anchor="ctr"/>
+          <a:bodyPr lIns="48825" tIns="24404" rIns="48825" bIns="24404" rtlCol="0" anchor="ctr"/>
           <a:lstStyle/>
           <a:p>
             <a:pPr algn="ctr"/>
@@ -3120,8 +3085,8 @@
         </p:nvSpPr>
         <p:spPr bwMode="auto">
           <a:xfrm>
-            <a:off x="22021800" y="6781794"/>
-            <a:ext cx="9875520" cy="5691318"/>
+            <a:off x="22021801" y="6781800"/>
+            <a:ext cx="9875520" cy="7630020"/>
           </a:xfrm>
           <a:prstGeom prst="rect">
             <a:avLst/>
@@ -3139,7 +3104,7 @@
           <a:effectLst/>
         </p:spPr>
         <p:txBody>
-          <a:bodyPr lIns="97798" tIns="97798" rIns="97798" bIns="97798">
+          <a:bodyPr lIns="97654" tIns="97654" rIns="97654" bIns="97654">
             <a:spAutoFit/>
           </a:bodyPr>
           <a:lstStyle>
@@ -3246,7 +3211,7 @@
               <a:rPr lang="en-US" sz="2100" dirty="0">
                 <a:latin typeface="Calibri" pitchFamily="34" charset="0"/>
               </a:rPr>
-              <a:t>Click here to insert your Results text. Type it in or copy and paste from your Word document or other source.</a:t>
+              <a:t>The hardware for the robot is kept as simple as possible so as to make it robust and for the most cost effective solution. </a:t>
             </a:r>
           </a:p>
           <a:p>
@@ -3261,20 +3226,315 @@
               <a:rPr lang="en-US" sz="2100" dirty="0">
                 <a:latin typeface="Calibri" pitchFamily="34" charset="0"/>
               </a:rPr>
-              <a:t>This text box will automatically re-size to your text. To turn off that feature, right click inside this box and go to </a:t>
-            </a:r>
-            <a:r>
-              <a:rPr lang="en-US" sz="2100" b="1" dirty="0">
-                <a:latin typeface="Calibri" pitchFamily="34" charset="0"/>
-              </a:rPr>
-              <a:t>Format Shape, Text Box, Autofit</a:t>
-            </a:r>
-            <a:r>
-              <a:rPr lang="en-US" sz="2100" dirty="0">
-                <a:latin typeface="Calibri" pitchFamily="34" charset="0"/>
-              </a:rPr>
-              <a:t>, and select the “Do Not Autofit” radio button.</a:t>
-            </a:r>
+              <a:t>It consists of the following parts</a:t>
+            </a:r>
+            <a:r>
+              <a:rPr lang="en-US" sz="2100" dirty="0">
+                <a:latin typeface="Calibri" pitchFamily="34" charset="0"/>
+              </a:rPr>
+              <a:t>:</a:t>
+            </a:r>
+          </a:p>
+          <a:p>
+            <a:pPr marL="456522" indent="-456522" eaLnBrk="1" hangingPunct="1">
+              <a:buAutoNum type="arabicParenBoth"/>
+            </a:pPr>
+            <a:r>
+              <a:rPr lang="en-US" sz="2100" dirty="0" err="1">
+                <a:latin typeface="Calibri" pitchFamily="34" charset="0"/>
+              </a:rPr>
+              <a:t>Arduino</a:t>
+            </a:r>
+            <a:r>
+              <a:rPr lang="en-US" sz="2100" dirty="0">
+                <a:latin typeface="Calibri" pitchFamily="34" charset="0"/>
+              </a:rPr>
+              <a:t> Mega (</a:t>
+            </a:r>
+            <a:r>
+              <a:rPr lang="en-US" sz="2100" dirty="0">
+                <a:latin typeface="Calibri" pitchFamily="34" charset="0"/>
+              </a:rPr>
+              <a:t>Running the AtMega2560 </a:t>
+            </a:r>
+            <a:r>
+              <a:rPr lang="en-US" sz="2100" dirty="0" err="1">
+                <a:latin typeface="Calibri" pitchFamily="34" charset="0"/>
+              </a:rPr>
+              <a:t>uC</a:t>
+            </a:r>
+            <a:r>
+              <a:rPr lang="en-US" sz="2100" dirty="0">
+                <a:latin typeface="Calibri" pitchFamily="34" charset="0"/>
+              </a:rPr>
+              <a:t>)</a:t>
+            </a:r>
+          </a:p>
+          <a:p>
+            <a:pPr marL="456522" indent="-456522" eaLnBrk="1" hangingPunct="1">
+              <a:buAutoNum type="arabicParenBoth"/>
+            </a:pPr>
+            <a:r>
+              <a:rPr lang="en-US" sz="2100" dirty="0" err="1">
+                <a:latin typeface="Calibri" pitchFamily="34" charset="0"/>
+              </a:rPr>
+              <a:t>Pololu</a:t>
+            </a:r>
+            <a:r>
+              <a:rPr lang="en-US" sz="2100" dirty="0">
+                <a:latin typeface="Calibri" pitchFamily="34" charset="0"/>
+              </a:rPr>
+              <a:t> </a:t>
+            </a:r>
+            <a:r>
+              <a:rPr lang="en-US" sz="2100" dirty="0">
+                <a:latin typeface="Calibri" pitchFamily="34" charset="0"/>
+              </a:rPr>
+              <a:t>Motor driver(</a:t>
+            </a:r>
+            <a:r>
+              <a:rPr lang="en-US" sz="2100" dirty="0">
+                <a:latin typeface="Calibri" pitchFamily="34" charset="0"/>
+              </a:rPr>
+              <a:t>)</a:t>
+            </a:r>
+          </a:p>
+          <a:p>
+            <a:pPr marL="456522" indent="-456522" eaLnBrk="1" hangingPunct="1">
+              <a:buAutoNum type="arabicParenBoth"/>
+            </a:pPr>
+            <a:r>
+              <a:rPr lang="en-US" sz="2100" dirty="0">
+                <a:latin typeface="Calibri" pitchFamily="34" charset="0"/>
+              </a:rPr>
+              <a:t>Two </a:t>
+            </a:r>
+            <a:r>
+              <a:rPr lang="en-US" sz="2100" dirty="0">
+                <a:latin typeface="Calibri" pitchFamily="34" charset="0"/>
+              </a:rPr>
+              <a:t>individually controlled wheels and a freewheel in the </a:t>
+            </a:r>
+            <a:r>
+              <a:rPr lang="en-US" sz="2100" dirty="0">
+                <a:latin typeface="Calibri" pitchFamily="34" charset="0"/>
+              </a:rPr>
+              <a:t>front.</a:t>
+            </a:r>
+          </a:p>
+          <a:p>
+            <a:pPr marL="456522" indent="-456522" eaLnBrk="1" hangingPunct="1">
+              <a:buAutoNum type="arabicParenBoth"/>
+            </a:pPr>
+            <a:r>
+              <a:rPr lang="en-US" sz="2100" dirty="0">
+                <a:latin typeface="Calibri" pitchFamily="34" charset="0"/>
+              </a:rPr>
+              <a:t>A </a:t>
+            </a:r>
+            <a:r>
+              <a:rPr lang="en-US" sz="2100" dirty="0">
+                <a:latin typeface="Calibri" pitchFamily="34" charset="0"/>
+              </a:rPr>
+              <a:t>PCB in the shape of an annular ring that houses all the emitters and </a:t>
+            </a:r>
+            <a:r>
+              <a:rPr lang="en-US" sz="2100" dirty="0">
+                <a:latin typeface="Calibri" pitchFamily="34" charset="0"/>
+              </a:rPr>
+              <a:t>receiver and </a:t>
+            </a:r>
+            <a:r>
+              <a:rPr lang="en-US" sz="2100" dirty="0">
+                <a:latin typeface="Calibri" pitchFamily="34" charset="0"/>
+              </a:rPr>
+              <a:t>all other </a:t>
+            </a:r>
+            <a:r>
+              <a:rPr lang="en-US" sz="2100" dirty="0">
+                <a:latin typeface="Calibri" pitchFamily="34" charset="0"/>
+              </a:rPr>
+              <a:t>circuitry.</a:t>
+            </a:r>
+          </a:p>
+          <a:p>
+            <a:pPr marL="456522" indent="-456522" eaLnBrk="1" hangingPunct="1">
+              <a:buAutoNum type="arabicParenBoth"/>
+            </a:pPr>
+            <a:r>
+              <a:rPr lang="en-US" sz="2100" dirty="0">
+                <a:latin typeface="Calibri" pitchFamily="34" charset="0"/>
+              </a:rPr>
+              <a:t>A </a:t>
+            </a:r>
+            <a:r>
+              <a:rPr lang="en-US" sz="2100" dirty="0">
+                <a:latin typeface="Calibri" pitchFamily="34" charset="0"/>
+              </a:rPr>
+              <a:t>7-segemnt display and four LED's that displays the value of the signal it </a:t>
+            </a:r>
+            <a:r>
+              <a:rPr lang="en-US" sz="2100" dirty="0">
+                <a:latin typeface="Calibri" pitchFamily="34" charset="0"/>
+              </a:rPr>
+              <a:t>is receiving or </a:t>
+            </a:r>
+            <a:r>
+              <a:rPr lang="en-US" sz="2100" dirty="0">
+                <a:latin typeface="Calibri" pitchFamily="34" charset="0"/>
+              </a:rPr>
+              <a:t>the value it is sending which makes it easier to debug during </a:t>
+            </a:r>
+            <a:r>
+              <a:rPr lang="en-US" sz="2100" dirty="0">
+                <a:latin typeface="Calibri" pitchFamily="34" charset="0"/>
+              </a:rPr>
+              <a:t>experiments.</a:t>
+            </a:r>
+          </a:p>
+          <a:p>
+            <a:pPr marL="456522" indent="-456522" eaLnBrk="1" hangingPunct="1">
+              <a:buAutoNum type="arabicParenBoth"/>
+            </a:pPr>
+            <a:r>
+              <a:rPr lang="en-US" sz="2100" dirty="0">
+                <a:latin typeface="Calibri" pitchFamily="34" charset="0"/>
+              </a:rPr>
+              <a:t>The </a:t>
+            </a:r>
+            <a:r>
+              <a:rPr lang="en-US" sz="2100" dirty="0">
+                <a:latin typeface="Calibri" pitchFamily="34" charset="0"/>
+              </a:rPr>
+              <a:t>receivers(TSOP34156) are the ones normally found in TV receiver's and </a:t>
+            </a:r>
+            <a:r>
+              <a:rPr lang="en-US" sz="2100" dirty="0">
+                <a:latin typeface="Calibri" pitchFamily="34" charset="0"/>
+              </a:rPr>
+              <a:t>operate at </a:t>
+            </a:r>
+            <a:r>
+              <a:rPr lang="en-US" sz="2100" dirty="0">
+                <a:latin typeface="Calibri" pitchFamily="34" charset="0"/>
+              </a:rPr>
+              <a:t>56 KHz frequency. The inbuilt circuit used in the receiver eliminates all other </a:t>
+            </a:r>
+            <a:r>
+              <a:rPr lang="en-US" sz="2100" dirty="0">
+                <a:latin typeface="Calibri" pitchFamily="34" charset="0"/>
+              </a:rPr>
+              <a:t>IR frequencies </a:t>
+            </a:r>
+            <a:r>
+              <a:rPr lang="en-US" sz="2100" dirty="0">
+                <a:latin typeface="Calibri" pitchFamily="34" charset="0"/>
+              </a:rPr>
+              <a:t>and accepts only 56KHz and converts the signal into a </a:t>
+            </a:r>
+            <a:r>
+              <a:rPr lang="en-US" sz="2100" dirty="0">
+                <a:latin typeface="Calibri" pitchFamily="34" charset="0"/>
+              </a:rPr>
+              <a:t>digital signal </a:t>
+            </a:r>
+            <a:r>
+              <a:rPr lang="en-US" sz="2100" dirty="0">
+                <a:latin typeface="Calibri" pitchFamily="34" charset="0"/>
+              </a:rPr>
+              <a:t>of 0 and 1, the component being passive high and active </a:t>
+            </a:r>
+            <a:r>
+              <a:rPr lang="en-US" sz="2100" dirty="0">
+                <a:latin typeface="Calibri" pitchFamily="34" charset="0"/>
+              </a:rPr>
+              <a:t>low.</a:t>
+            </a:r>
+          </a:p>
+          <a:p>
+            <a:pPr marL="456522" indent="-456522" eaLnBrk="1" hangingPunct="1">
+              <a:buAutoNum type="arabicParenBoth"/>
+            </a:pPr>
+            <a:r>
+              <a:rPr lang="en-US" sz="2100" dirty="0">
+                <a:latin typeface="Calibri" pitchFamily="34" charset="0"/>
+              </a:rPr>
+              <a:t>For </a:t>
+            </a:r>
+            <a:r>
+              <a:rPr lang="en-US" sz="2100" dirty="0">
+                <a:latin typeface="Calibri" pitchFamily="34" charset="0"/>
+              </a:rPr>
+              <a:t>transmission of the IR signals, high power IR LEDs are used whose angle </a:t>
+            </a:r>
+            <a:r>
+              <a:rPr lang="en-US" sz="2100" dirty="0">
+                <a:latin typeface="Calibri" pitchFamily="34" charset="0"/>
+              </a:rPr>
+              <a:t>of incidence </a:t>
+            </a:r>
+            <a:r>
+              <a:rPr lang="en-US" sz="2100" dirty="0">
+                <a:latin typeface="Calibri" pitchFamily="34" charset="0"/>
+              </a:rPr>
+              <a:t>is 50 degrees and forward current of </a:t>
+            </a:r>
+            <a:r>
+              <a:rPr lang="en-US" sz="2100" dirty="0">
+                <a:latin typeface="Calibri" pitchFamily="34" charset="0"/>
+              </a:rPr>
+              <a:t>100mA.</a:t>
+            </a:r>
+          </a:p>
+          <a:p>
+            <a:pPr marL="456522" indent="-456522" eaLnBrk="1" hangingPunct="1">
+              <a:buAutoNum type="arabicParenBoth"/>
+            </a:pPr>
+            <a:r>
+              <a:rPr lang="en-US" sz="2100" dirty="0">
+                <a:latin typeface="Calibri" pitchFamily="34" charset="0"/>
+              </a:rPr>
+              <a:t>IR </a:t>
+            </a:r>
+            <a:r>
+              <a:rPr lang="en-US" sz="2100" dirty="0">
+                <a:latin typeface="Calibri" pitchFamily="34" charset="0"/>
+              </a:rPr>
+              <a:t>obstacle sensor in the front of the robot is placed on a servo which </a:t>
+            </a:r>
+            <a:r>
+              <a:rPr lang="en-US" sz="2100" dirty="0">
+                <a:latin typeface="Calibri" pitchFamily="34" charset="0"/>
+              </a:rPr>
+              <a:t>enables it to rotate </a:t>
+            </a:r>
+            <a:r>
+              <a:rPr lang="en-US" sz="2100" dirty="0">
+                <a:latin typeface="Calibri" pitchFamily="34" charset="0"/>
+              </a:rPr>
+              <a:t>180 degrees and scan the environment around the robot for </a:t>
+            </a:r>
+            <a:r>
+              <a:rPr lang="en-US" sz="2100" dirty="0">
+                <a:latin typeface="Calibri" pitchFamily="34" charset="0"/>
+              </a:rPr>
+              <a:t>any oncoming obstacles</a:t>
+            </a:r>
+            <a:r>
+              <a:rPr lang="en-US" sz="2100" dirty="0">
+                <a:latin typeface="Calibri" pitchFamily="34" charset="0"/>
+              </a:rPr>
+              <a:t>. This sensor can detect an obstacle anywhere in between 4-</a:t>
+            </a:r>
+            <a:r>
+              <a:rPr lang="en-US" sz="2100" dirty="0">
+                <a:latin typeface="Calibri" pitchFamily="34" charset="0"/>
+              </a:rPr>
+              <a:t>30 cm. </a:t>
+            </a:r>
+            <a:endParaRPr lang="en-US" sz="2100" dirty="0">
+              <a:latin typeface="Calibri" pitchFamily="34" charset="0"/>
+            </a:endParaRPr>
           </a:p>
           <a:p>
             <a:pPr eaLnBrk="1" hangingPunct="1"/>
@@ -3288,74 +3548,17 @@
               <a:rPr lang="en-US" sz="2100" dirty="0">
                 <a:latin typeface="Calibri" pitchFamily="34" charset="0"/>
               </a:rPr>
-              <a:t>To change the font style of this text box: Click on the border once to highlight the entire text box, then select a different font or font size that suits you. This text is Calibri 20pt and is easily </a:t>
-            </a:r>
-            <a:r>
-              <a:rPr lang="en-US" sz="2100" dirty="0">
-                <a:latin typeface="Calibri" pitchFamily="34" charset="0"/>
-              </a:rPr>
-              <a:t>read </a:t>
-            </a:r>
-            <a:r>
-              <a:rPr lang="en-US" sz="2100" dirty="0">
-                <a:latin typeface="Calibri" pitchFamily="34" charset="0"/>
-              </a:rPr>
-              <a:t>up to 3 feet away on a 24x36 poster, and up to 6 feet away on a 48x72 poster.</a:t>
-            </a:r>
-          </a:p>
-          <a:p>
-            <a:pPr eaLnBrk="1" hangingPunct="1"/>
+              <a:t>Given below is a high level datasheet representing all the components and how they are connected in the robot</a:t>
+            </a:r>
+            <a:r>
+              <a:rPr lang="en-US" sz="2100" dirty="0">
+                <a:latin typeface="Calibri" pitchFamily="34" charset="0"/>
+              </a:rPr>
+              <a:t>.</a:t>
+            </a:r>
             <a:endParaRPr lang="en-US" sz="2100" dirty="0">
               <a:latin typeface="Calibri" pitchFamily="34" charset="0"/>
             </a:endParaRPr>
-          </a:p>
-          <a:p>
-            <a:pPr eaLnBrk="1" hangingPunct="1"/>
-            <a:r>
-              <a:rPr lang="en-US" sz="2100" dirty="0">
-                <a:latin typeface="Calibri" pitchFamily="34" charset="0"/>
-              </a:rPr>
-              <a:t>Zoom out to 100% (for 24x36) or 200% (for 48x72) to preview what this will look like on your printed poster.</a:t>
-            </a:r>
-          </a:p>
-          <a:p>
-            <a:pPr eaLnBrk="1" hangingPunct="1"/>
-            <a:endParaRPr lang="en-US" sz="2100" dirty="0">
-              <a:latin typeface="Calibri" pitchFamily="34" charset="0"/>
-            </a:endParaRPr>
-          </a:p>
-          <a:p>
-            <a:pPr eaLnBrk="1" hangingPunct="1"/>
-            <a:r>
-              <a:rPr lang="en-US" sz="2100" dirty="0">
-                <a:latin typeface="Calibri" pitchFamily="34" charset="0"/>
-              </a:rPr>
-              <a:t>Speaking of Results, yours will look better if you remember to run a spell-check on your poster! After you’ve added your content click on </a:t>
-            </a:r>
-            <a:r>
-              <a:rPr lang="en-US" sz="2100" b="1" dirty="0">
-                <a:latin typeface="Calibri" pitchFamily="34" charset="0"/>
-              </a:rPr>
-              <a:t>Review</a:t>
-            </a:r>
-            <a:r>
-              <a:rPr lang="en-US" sz="2100" dirty="0">
-                <a:latin typeface="Calibri" pitchFamily="34" charset="0"/>
-              </a:rPr>
-              <a:t>, </a:t>
-            </a:r>
-            <a:r>
-              <a:rPr lang="en-US" sz="2100" b="1" dirty="0">
-                <a:latin typeface="Calibri" pitchFamily="34" charset="0"/>
-              </a:rPr>
-              <a:t>Spelling</a:t>
-            </a:r>
-            <a:r>
-              <a:rPr lang="en-US" sz="2100" dirty="0">
-                <a:latin typeface="Calibri" pitchFamily="34" charset="0"/>
-              </a:rPr>
-              <a:t>, or press F7.</a:t>
-            </a:r>
           </a:p>
         </p:txBody>
       </p:sp>
@@ -3367,7 +3570,7 @@
         </p:nvSpPr>
         <p:spPr>
           <a:xfrm>
-            <a:off x="1097280" y="6616353"/>
+            <a:off x="1097280" y="6616363"/>
             <a:ext cx="9875520" cy="457200"/>
           </a:xfrm>
           <a:prstGeom prst="rect">
@@ -3397,7 +3600,7 @@
           </a:fontRef>
         </p:style>
         <p:txBody>
-          <a:bodyPr lIns="48897" tIns="24445" rIns="48897" bIns="24445" rtlCol="0" anchor="ctr"/>
+          <a:bodyPr lIns="48825" tIns="24404" rIns="48825" bIns="24404" rtlCol="0" anchor="ctr"/>
           <a:lstStyle/>
           <a:p>
             <a:pPr algn="ctr"/>
@@ -3426,8 +3629,8 @@
         </p:nvSpPr>
         <p:spPr bwMode="auto">
           <a:xfrm>
-            <a:off x="11521440" y="3657611"/>
-            <a:ext cx="9875520" cy="7630311"/>
+            <a:off x="11521440" y="3657619"/>
+            <a:ext cx="9875520" cy="7630020"/>
           </a:xfrm>
           <a:prstGeom prst="rect">
             <a:avLst/>
@@ -3445,7 +3648,7 @@
           <a:effectLst/>
         </p:spPr>
         <p:txBody>
-          <a:bodyPr lIns="97798" tIns="97798" rIns="97798" bIns="97798">
+          <a:bodyPr lIns="97654" tIns="97654" rIns="97654" bIns="97654">
             <a:spAutoFit/>
           </a:bodyPr>
           <a:lstStyle>
@@ -3697,7 +3900,7 @@
           </a:fontRef>
         </p:style>
         <p:txBody>
-          <a:bodyPr lIns="48897" tIns="24445" rIns="48897" bIns="24445" rtlCol="0" anchor="ctr"/>
+          <a:bodyPr lIns="48825" tIns="24404" rIns="48825" bIns="24404" rtlCol="0" anchor="ctr"/>
           <a:lstStyle/>
           <a:p>
             <a:pPr algn="ctr"/>
@@ -3712,14 +3915,6 @@
               </a:rPr>
               <a:t>Foraging Algorithm</a:t>
             </a:r>
-            <a:endParaRPr lang="en-US" sz="3100" b="1" dirty="0">
-              <a:solidFill>
-                <a:schemeClr val="accent3">
-                  <a:lumMod val="20000"/>
-                  <a:lumOff val="80000"/>
-                </a:schemeClr>
-              </a:solidFill>
-            </a:endParaRPr>
           </a:p>
         </p:txBody>
       </p:sp>
@@ -3733,8 +3928,8 @@
         </p:nvSpPr>
         <p:spPr bwMode="auto">
           <a:xfrm>
-            <a:off x="1097280" y="7073550"/>
-            <a:ext cx="9875520" cy="6337650"/>
+            <a:off x="1097280" y="7073561"/>
+            <a:ext cx="9875520" cy="6337359"/>
           </a:xfrm>
           <a:prstGeom prst="rect">
             <a:avLst/>
@@ -3752,7 +3947,7 @@
           <a:effectLst/>
         </p:spPr>
         <p:txBody>
-          <a:bodyPr lIns="97798" tIns="97798" rIns="97798" bIns="97798">
+          <a:bodyPr lIns="97654" tIns="97654" rIns="97654" bIns="97654">
             <a:spAutoFit/>
           </a:bodyPr>
           <a:lstStyle>
@@ -3861,9 +4056,6 @@
               </a:rPr>
               <a:t>In swarm robotics, a large number--perhaps thousands--of robots must cooperate to achieve common goals. The key challenges are scalability and robustness in the absence of centralized controls. </a:t>
             </a:r>
-            <a:endParaRPr lang="en-US" sz="2100" dirty="0">
-              <a:latin typeface="+mn-lt"/>
-            </a:endParaRPr>
           </a:p>
           <a:p>
             <a:pPr eaLnBrk="1" hangingPunct="1"/>
@@ -3877,29 +4069,8 @@
               <a:rPr lang="en-US" sz="2100" dirty="0">
                 <a:latin typeface="+mn-lt"/>
               </a:rPr>
-              <a:t>Many </a:t>
-            </a:r>
-            <a:r>
-              <a:rPr lang="en-US" sz="2100" dirty="0">
-                <a:latin typeface="+mn-lt"/>
-              </a:rPr>
-              <a:t>swarm robotics researchers use the foraging problem as a test bed for new algorithms. Foraging problems can represent a variety of problems including search and rescue. In this problem, robots must find locations of </a:t>
-            </a:r>
-            <a:r>
-              <a:rPr lang="en-US" sz="2100" dirty="0">
-                <a:latin typeface="+mn-lt"/>
-              </a:rPr>
-              <a:t>“food” </a:t>
-            </a:r>
-            <a:r>
-              <a:rPr lang="en-US" sz="2100" dirty="0">
-                <a:latin typeface="+mn-lt"/>
-              </a:rPr>
-              <a:t>without any previous knowledge or a centralized control. </a:t>
-            </a:r>
-            <a:endParaRPr lang="en-US" sz="2100" dirty="0">
-              <a:latin typeface="+mn-lt"/>
-            </a:endParaRPr>
+              <a:t>Many swarm robotics researchers use the foraging problem as a test bed for new algorithms. Foraging problems can represent a variety of problems including search and rescue. In this problem, robots must find locations of “food” without any previous knowledge or a centralized control. </a:t>
+            </a:r>
           </a:p>
           <a:p>
             <a:pPr eaLnBrk="1" hangingPunct="1"/>
@@ -3913,17 +4084,8 @@
               <a:rPr lang="en-US" sz="2100" dirty="0">
                 <a:latin typeface="+mn-lt"/>
               </a:rPr>
-              <a:t>Our </a:t>
-            </a:r>
-            <a:r>
-              <a:rPr lang="en-US" sz="2100" dirty="0">
-                <a:latin typeface="+mn-lt"/>
-              </a:rPr>
-              <a:t>approach uses completely distributed and autonomous robots that can dynamically assume useful roles, either being explorers or guiders, by utilizing their local information only. Because our solution is completely distributed and localized, it is expected to scale out very well even with an extremely large number of robots. </a:t>
-            </a:r>
-            <a:endParaRPr lang="en-US" sz="2100" dirty="0">
-              <a:latin typeface="+mn-lt"/>
-            </a:endParaRPr>
+              <a:t>Our approach uses completely distributed and autonomous robots that can dynamically assume useful roles, either being explorers or guiders, by utilizing their local information only. Because our solution is completely distributed and localized, it is expected to scale out very well even with an extremely large number of robots. </a:t>
+            </a:r>
           </a:p>
           <a:p>
             <a:pPr eaLnBrk="1" hangingPunct="1"/>
@@ -3937,13 +4099,7 @@
               <a:rPr lang="en-US" sz="2100" dirty="0">
                 <a:latin typeface="+mn-lt"/>
               </a:rPr>
-              <a:t>We </a:t>
-            </a:r>
-            <a:r>
-              <a:rPr lang="en-US" sz="2100" dirty="0">
-                <a:latin typeface="+mn-lt"/>
-              </a:rPr>
-              <a:t>also developed a robot hardware prototype that can be used for general swarm robot research. The hardware utilizes the </a:t>
+              <a:t>We also developed a robot hardware prototype that can be used for general swarm robot research. The hardware utilizes the </a:t>
             </a:r>
             <a:r>
               <a:rPr lang="en-US" sz="2100" dirty="0" err="1">
@@ -3955,19 +4111,7 @@
               <a:rPr lang="en-US" sz="2100" dirty="0">
                 <a:latin typeface="+mn-lt"/>
               </a:rPr>
-              <a:t> Mega 2560 board and infrared emitters and receivers for communication and obstacle detection. </a:t>
-            </a:r>
-            <a:r>
-              <a:rPr lang="en-US" sz="2100" dirty="0">
-                <a:latin typeface="+mn-lt"/>
-              </a:rPr>
-              <a:t>The </a:t>
-            </a:r>
-            <a:r>
-              <a:rPr lang="en-US" sz="2100" dirty="0">
-                <a:latin typeface="+mn-lt"/>
-              </a:rPr>
-              <a:t>key difficulty of designing the robot is the communication protocol, which currently is implemented as a state machine running as Interrupt Service Routines.</a:t>
+              <a:t> Mega 2560 board and infrared emitters and receivers for communication and obstacle detection. The key difficulty of designing the robot is the communication protocol, which currently is implemented as a state machine running as Interrupt Service Routines.</a:t>
             </a:r>
           </a:p>
         </p:txBody>
@@ -3980,7 +4124,7 @@
         </p:nvSpPr>
         <p:spPr>
           <a:xfrm>
-            <a:off x="22021800" y="6324600"/>
+            <a:off x="22021801" y="6324603"/>
             <a:ext cx="9875520" cy="457200"/>
           </a:xfrm>
           <a:prstGeom prst="rect">
@@ -4010,7 +4154,7 @@
           </a:fontRef>
         </p:style>
         <p:txBody>
-          <a:bodyPr lIns="48897" tIns="24445" rIns="48897" bIns="24445" rtlCol="0" anchor="ctr"/>
+          <a:bodyPr lIns="48825" tIns="24404" rIns="48825" bIns="24404" rtlCol="0" anchor="ctr"/>
           <a:lstStyle/>
           <a:p>
             <a:pPr algn="ctr"/>
@@ -4025,14 +4169,6 @@
               </a:rPr>
               <a:t>Hardware</a:t>
             </a:r>
-            <a:endParaRPr lang="en-US" sz="3100" b="1" dirty="0">
-              <a:solidFill>
-                <a:schemeClr val="accent3">
-                  <a:lumMod val="20000"/>
-                  <a:lumOff val="80000"/>
-                </a:schemeClr>
-              </a:solidFill>
-            </a:endParaRPr>
           </a:p>
         </p:txBody>
       </p:sp>
@@ -4046,8 +4182,8 @@
         </p:nvSpPr>
         <p:spPr bwMode="auto">
           <a:xfrm>
-            <a:off x="4800600" y="18364200"/>
-            <a:ext cx="2543040" cy="310978"/>
+            <a:off x="4800602" y="18364213"/>
+            <a:ext cx="2542895" cy="310895"/>
           </a:xfrm>
           <a:prstGeom prst="rect">
             <a:avLst/>
@@ -4087,7 +4223,7 @@
           </a:extLst>
         </p:spPr>
         <p:txBody>
-          <a:bodyPr wrap="none" lIns="48897" tIns="24445" rIns="48897" bIns="24445">
+          <a:bodyPr wrap="none" lIns="48825" tIns="24404" rIns="48825" bIns="24404">
             <a:spAutoFit/>
           </a:bodyPr>
           <a:lstStyle>
@@ -4200,154 +4336,7 @@
               <a:rPr lang="en-US" sz="1700" dirty="0">
                 <a:latin typeface="Calibri" pitchFamily="34" charset="0"/>
               </a:rPr>
-              <a:t> </a:t>
-            </a:r>
-            <a:r>
-              <a:rPr lang="en-US" sz="1700" dirty="0">
-                <a:latin typeface="Calibri" pitchFamily="34" charset="0"/>
-              </a:rPr>
-              <a:t>A beacon network</a:t>
-            </a:r>
-            <a:endParaRPr lang="en-US" sz="1700" dirty="0">
-              <a:latin typeface="Calibri" pitchFamily="34" charset="0"/>
-            </a:endParaRPr>
-          </a:p>
-        </p:txBody>
-      </p:sp>
-      <p:sp>
-        <p:nvSpPr>
-          <p:cNvPr id="30" name="Rectangle 265"/>
-          <p:cNvSpPr>
-            <a:spLocks noChangeAspect="1" noChangeArrowheads="1"/>
-          </p:cNvSpPr>
-          <p:nvPr/>
-        </p:nvSpPr>
-        <p:spPr bwMode="auto">
-          <a:xfrm>
-            <a:off x="1097289" y="731531"/>
-            <a:ext cx="1827356" cy="1371600"/>
-          </a:xfrm>
-          <a:prstGeom prst="rect">
-            <a:avLst/>
-          </a:prstGeom>
-          <a:blipFill dpi="0" rotWithShape="1">
-            <a:blip r:embed="rId2">
-              <a:lum bright="70000" contrast="-70000"/>
-            </a:blip>
-            <a:srcRect/>
-            <a:stretch>
-              <a:fillRect r="-79"/>
-            </a:stretch>
-          </a:blipFill>
-          <a:ln w="9525">
-            <a:solidFill>
-              <a:schemeClr val="tx1"/>
-            </a:solidFill>
-            <a:miter lim="800000"/>
-            <a:headEnd/>
-            <a:tailEnd/>
-          </a:ln>
-          <a:effectLst/>
-          <a:extLst>
-            <a:ext uri="{AF507438-7753-43e0-B8FC-AC1667EBCBE1}">
-              <a14:hiddenEffects xmlns:a14="http://schemas.microsoft.com/office/drawing/2010/main">
-                <a:effectLst>
-                  <a:outerShdw dist="35921" dir="2700000" algn="ctr" rotWithShape="0">
-                    <a:schemeClr val="bg2"/>
-                  </a:outerShdw>
-                </a:effectLst>
-              </a14:hiddenEffects>
-            </a:ext>
-          </a:extLst>
-        </p:spPr>
-        <p:txBody>
-          <a:bodyPr lIns="83690" tIns="41845" rIns="83690" bIns="41845" anchor="ctr"/>
-          <a:lstStyle/>
-          <a:p>
-            <a:pPr algn="ctr" defTabSz="4016711"/>
-            <a:r>
-              <a:rPr lang="en-US" sz="1000" b="1" dirty="0">
-                <a:latin typeface="Calibri" pitchFamily="34" charset="0"/>
-              </a:rPr>
-              <a:t>REPLACE THIS BOX WITH YOUR ORGANIZATION’S</a:t>
-            </a:r>
-          </a:p>
-          <a:p>
-            <a:pPr algn="ctr" defTabSz="4016711"/>
-            <a:r>
-              <a:rPr lang="en-US" sz="1000" b="1" dirty="0">
-                <a:latin typeface="Calibri" pitchFamily="34" charset="0"/>
-              </a:rPr>
-              <a:t>HIGH RESOLUTION LOGO</a:t>
-            </a:r>
-          </a:p>
-        </p:txBody>
-      </p:sp>
-      <p:sp>
-        <p:nvSpPr>
-          <p:cNvPr id="31" name="Rectangle 265"/>
-          <p:cNvSpPr>
-            <a:spLocks noChangeAspect="1" noChangeArrowheads="1"/>
-          </p:cNvSpPr>
-          <p:nvPr/>
-        </p:nvSpPr>
-        <p:spPr bwMode="auto">
-          <a:xfrm>
-            <a:off x="29992329" y="731531"/>
-            <a:ext cx="1827356" cy="1371600"/>
-          </a:xfrm>
-          <a:prstGeom prst="rect">
-            <a:avLst/>
-          </a:prstGeom>
-          <a:blipFill dpi="0" rotWithShape="1">
-            <a:blip r:embed="rId2">
-              <a:lum bright="70000" contrast="-70000"/>
-            </a:blip>
-            <a:srcRect/>
-            <a:stretch>
-              <a:fillRect r="-79"/>
-            </a:stretch>
-          </a:blipFill>
-          <a:ln w="9525">
-            <a:solidFill>
-              <a:schemeClr val="tx1"/>
-            </a:solidFill>
-            <a:miter lim="800000"/>
-            <a:headEnd/>
-            <a:tailEnd/>
-          </a:ln>
-          <a:effectLst/>
-          <a:extLst>
-            <a:ext uri="{AF507438-7753-43e0-B8FC-AC1667EBCBE1}">
-              <a14:hiddenEffects xmlns:a14="http://schemas.microsoft.com/office/drawing/2010/main">
-                <a:effectLst>
-                  <a:outerShdw dist="35921" dir="2700000" algn="ctr" rotWithShape="0">
-                    <a:schemeClr val="bg2"/>
-                  </a:outerShdw>
-                </a:effectLst>
-              </a14:hiddenEffects>
-            </a:ext>
-          </a:extLst>
-        </p:spPr>
-        <p:txBody>
-          <a:bodyPr lIns="83690" tIns="41845" rIns="83690" bIns="41845" anchor="ctr"/>
-          <a:lstStyle/>
-          <a:p>
-            <a:pPr algn="ctr" defTabSz="4016711"/>
-            <a:r>
-              <a:rPr lang="en-US" sz="1000" b="1" dirty="0">
-                <a:latin typeface="Calibri" pitchFamily="34" charset="0"/>
-              </a:rPr>
-              <a:t>REPLACE THIS BOX WITH YOUR ORGANIZATION’S</a:t>
-            </a:r>
-          </a:p>
-          <a:p>
-            <a:pPr algn="ctr" defTabSz="4016711"/>
-            <a:r>
-              <a:rPr lang="en-US" sz="1000" b="1" dirty="0">
-                <a:latin typeface="Calibri" pitchFamily="34" charset="0"/>
-              </a:rPr>
-              <a:t>HIGH RESOLUTION LOGO</a:t>
+              <a:t> A beacon network</a:t>
             </a:r>
           </a:p>
         </p:txBody>
@@ -4360,8 +4349,8 @@
         </p:nvSpPr>
         <p:spPr>
           <a:xfrm>
-            <a:off x="3505210" y="19964414"/>
-            <a:ext cx="3386026" cy="695698"/>
+            <a:off x="3505209" y="19964427"/>
+            <a:ext cx="3385880" cy="695615"/>
           </a:xfrm>
           <a:prstGeom prst="rect">
             <a:avLst/>
@@ -4374,7 +4363,7 @@
           </a:solidFill>
         </p:spPr>
         <p:txBody>
-          <a:bodyPr wrap="none" lIns="48897" tIns="24445" rIns="48897" bIns="24445" rtlCol="0">
+          <a:bodyPr wrap="none" lIns="48825" tIns="24404" rIns="48825" bIns="24404" rtlCol="0">
             <a:spAutoFit/>
           </a:bodyPr>
           <a:lstStyle/>
@@ -4420,8 +4409,8 @@
         </p:nvSpPr>
         <p:spPr bwMode="auto">
           <a:xfrm>
-            <a:off x="22021800" y="3657600"/>
-            <a:ext cx="9875520" cy="2459664"/>
+            <a:off x="22021801" y="3657608"/>
+            <a:ext cx="9875520" cy="2459373"/>
           </a:xfrm>
           <a:prstGeom prst="rect">
             <a:avLst/>
@@ -4439,7 +4428,7 @@
           <a:effectLst/>
         </p:spPr>
         <p:txBody>
-          <a:bodyPr lIns="97798" tIns="97798" rIns="97798" bIns="97798">
+          <a:bodyPr lIns="97654" tIns="97654" rIns="97654" bIns="97654">
             <a:spAutoFit/>
           </a:bodyPr>
           <a:lstStyle>
@@ -4546,16 +4535,10 @@
               <a:rPr lang="en-US" sz="2100" dirty="0">
                 <a:latin typeface="Calibri" pitchFamily="34" charset="0"/>
               </a:rPr>
-              <a:t>We implemented the algorithm in Gazebo, a open-source robotic simulator with Open Dynamic Engine (ODE). </a:t>
-            </a:r>
-            <a:r>
-              <a:rPr lang="en-US" sz="2100" dirty="0">
-                <a:latin typeface="Calibri" pitchFamily="34" charset="0"/>
-              </a:rPr>
-              <a:t>We chose Gazebo because it can better reflect problems such as collision and congestion. </a:t>
-            </a:r>
-            <a:r>
-              <a:rPr lang="en-US" sz="2100" dirty="0" smtClean="0">
+              <a:t>We implemented the algorithm in Gazebo, a open-source robotic simulator with Open Dynamic Engine (ODE). We chose Gazebo because it can better reflect problems such as collision and congestion. </a:t>
+            </a:r>
+            <a:r>
+              <a:rPr lang="en-US" sz="2100" dirty="0">
                 <a:latin typeface="Calibri" pitchFamily="34" charset="0"/>
               </a:rPr>
               <a:t>Figure </a:t>
@@ -4567,7 +4550,7 @@
               <a:t>2 is a picture </a:t>
             </a:r>
             <a:r>
-              <a:rPr lang="en-US" sz="2100" dirty="0" smtClean="0">
+              <a:rPr lang="en-US" sz="2100" dirty="0">
                 <a:latin typeface="Calibri" pitchFamily="34" charset="0"/>
               </a:rPr>
               <a:t>the simulation after the food source has been located. </a:t>
@@ -4576,16 +4559,10 @@
               <a:rPr lang="en-US" sz="2100" dirty="0">
                 <a:latin typeface="Calibri" pitchFamily="34" charset="0"/>
               </a:rPr>
-              <a:t>The blue square is the nest, the green square is the food source, red circles are walkers going towards food, yellow circles are walkers going towards nest, and blue/green circles are beacons. </a:t>
-            </a:r>
-            <a:r>
-              <a:rPr lang="en-US" sz="2100" dirty="0">
-                <a:latin typeface="Calibri" pitchFamily="34" charset="0"/>
-              </a:rPr>
-              <a:t>The blueness and greenness indicate a </a:t>
-            </a:r>
-            <a:r>
-              <a:rPr lang="en-US" sz="2100" dirty="0" smtClean="0">
+              <a:t>The blue square is the nest, the green square is the food source, red circles are walkers going towards food, yellow circles are walkers going towards nest, and blue/green circles are beacons. The blueness and greenness indicate a </a:t>
+            </a:r>
+            <a:r>
+              <a:rPr lang="en-US" sz="2100" dirty="0">
                 <a:latin typeface="Calibri" pitchFamily="34" charset="0"/>
               </a:rPr>
               <a:t>beacon’s </a:t>
@@ -4607,7 +4584,7 @@
         </p:nvSpPr>
         <p:spPr>
           <a:xfrm>
-            <a:off x="22021800" y="3200410"/>
+            <a:off x="22021801" y="3200411"/>
             <a:ext cx="9875520" cy="457200"/>
           </a:xfrm>
           <a:prstGeom prst="rect">
@@ -4637,7 +4614,7 @@
           </a:fontRef>
         </p:style>
         <p:txBody>
-          <a:bodyPr lIns="48897" tIns="24445" rIns="48897" bIns="24445" rtlCol="0" anchor="ctr"/>
+          <a:bodyPr lIns="48825" tIns="24404" rIns="48825" bIns="24404" rtlCol="0" anchor="ctr"/>
           <a:lstStyle/>
           <a:p>
             <a:pPr algn="ctr"/>
@@ -4652,20 +4629,42 @@
               </a:rPr>
               <a:t>Simulation</a:t>
             </a:r>
-            <a:endParaRPr lang="en-US" sz="3100" b="1" dirty="0">
-              <a:solidFill>
-                <a:schemeClr val="accent3">
-                  <a:lumMod val="20000"/>
-                  <a:lumOff val="80000"/>
-                </a:schemeClr>
-              </a:solidFill>
-            </a:endParaRPr>
           </a:p>
         </p:txBody>
       </p:sp>
       <p:pic>
         <p:nvPicPr>
           <p:cNvPr id="7" name="Picture 6" descr="beacon-network.jpg"/>
+          <p:cNvPicPr>
+            <a:picLocks noChangeAspect="1"/>
+          </p:cNvPicPr>
+          <p:nvPr/>
+        </p:nvPicPr>
+        <p:blipFill>
+          <a:blip r:embed="rId2">
+            <a:extLst>
+              <a:ext uri="{28A0092B-C50C-407E-A947-70E740481C1C}">
+                <a14:useLocalDpi xmlns:a14="http://schemas.microsoft.com/office/drawing/2010/main" val="0"/>
+              </a:ext>
+            </a:extLst>
+          </a:blip>
+          <a:stretch>
+            <a:fillRect/>
+          </a:stretch>
+        </p:blipFill>
+        <p:spPr>
+          <a:xfrm>
+            <a:off x="2514605" y="13487402"/>
+            <a:ext cx="6553228" cy="4914918"/>
+          </a:xfrm>
+          <a:prstGeom prst="rect">
+            <a:avLst/>
+          </a:prstGeom>
+        </p:spPr>
+      </p:pic>
+      <p:pic>
+        <p:nvPicPr>
+          <p:cNvPr id="8" name="Picture 7" descr="simulation1.jpg"/>
           <p:cNvPicPr>
             <a:picLocks noChangeAspect="1"/>
           </p:cNvPicPr>
@@ -4685,38 +4684,8 @@
         </p:blipFill>
         <p:spPr>
           <a:xfrm>
-            <a:off x="2514600" y="13487400"/>
-            <a:ext cx="6553228" cy="4914919"/>
-          </a:xfrm>
-          <a:prstGeom prst="rect">
-            <a:avLst/>
-          </a:prstGeom>
-        </p:spPr>
-      </p:pic>
-      <p:pic>
-        <p:nvPicPr>
-          <p:cNvPr id="8" name="Picture 7" descr="simulation1.jpg"/>
-          <p:cNvPicPr>
-            <a:picLocks noChangeAspect="1"/>
-          </p:cNvPicPr>
-          <p:nvPr/>
-        </p:nvPicPr>
-        <p:blipFill>
-          <a:blip r:embed="rId4">
-            <a:extLst>
-              <a:ext uri="{28A0092B-C50C-407E-A947-70E740481C1C}">
-                <a14:useLocalDpi xmlns:a14="http://schemas.microsoft.com/office/drawing/2010/main" val="0"/>
-              </a:ext>
-            </a:extLst>
-          </a:blip>
-          <a:stretch>
-            <a:fillRect/>
-          </a:stretch>
-        </p:blipFill>
-        <p:spPr>
-          <a:xfrm>
-            <a:off x="12649200" y="11506200"/>
-            <a:ext cx="7620000" cy="6611227"/>
+            <a:off x="12649221" y="11506201"/>
+            <a:ext cx="7620001" cy="6611226"/>
           </a:xfrm>
           <a:prstGeom prst="rect">
             <a:avLst/>
@@ -4733,8 +4702,8 @@
         </p:nvSpPr>
         <p:spPr bwMode="auto">
           <a:xfrm>
-            <a:off x="15239999" y="18364203"/>
-            <a:ext cx="2571995" cy="310978"/>
+            <a:off x="15240001" y="18364216"/>
+            <a:ext cx="2571849" cy="310895"/>
           </a:xfrm>
           <a:prstGeom prst="rect">
             <a:avLst/>
@@ -4774,7 +4743,7 @@
           </a:extLst>
         </p:spPr>
         <p:txBody>
-          <a:bodyPr wrap="none" lIns="48897" tIns="24445" rIns="48897" bIns="24445">
+          <a:bodyPr wrap="none" lIns="48825" tIns="24404" rIns="48825" bIns="24404">
             <a:spAutoFit/>
           </a:bodyPr>
           <a:lstStyle>
@@ -4881,13 +4850,7 @@
               <a:rPr lang="en-US" sz="1700" b="1" dirty="0">
                 <a:latin typeface="Calibri" pitchFamily="34" charset="0"/>
               </a:rPr>
-              <a:t>Figure </a:t>
-            </a:r>
-            <a:r>
-              <a:rPr lang="en-US" sz="1700" b="1" dirty="0">
-                <a:latin typeface="Calibri" pitchFamily="34" charset="0"/>
-              </a:rPr>
-              <a:t>2.</a:t>
+              <a:t>Figure 2.</a:t>
             </a:r>
             <a:r>
               <a:rPr lang="en-US" sz="1700" dirty="0">
@@ -4895,12 +4858,39 @@
               </a:rPr>
               <a:t> Gazebo simulation</a:t>
             </a:r>
-            <a:endParaRPr lang="en-US" sz="1700" dirty="0">
-              <a:latin typeface="Calibri" pitchFamily="34" charset="0"/>
-            </a:endParaRPr>
           </a:p>
         </p:txBody>
       </p:sp>
+      <p:pic>
+        <p:nvPicPr>
+          <p:cNvPr id="2" name="Picture 1" descr="ecs_logo.png"/>
+          <p:cNvPicPr>
+            <a:picLocks noChangeAspect="1"/>
+          </p:cNvPicPr>
+          <p:nvPr/>
+        </p:nvPicPr>
+        <p:blipFill>
+          <a:blip r:embed="rId4" cstate="print">
+            <a:extLst>
+              <a:ext uri="{28A0092B-C50C-407E-A947-70E740481C1C}">
+                <a14:useLocalDpi xmlns:a14="http://schemas.microsoft.com/office/drawing/2010/main" val="0"/>
+              </a:ext>
+            </a:extLst>
+          </a:blip>
+          <a:stretch>
+            <a:fillRect/>
+          </a:stretch>
+        </p:blipFill>
+        <p:spPr>
+          <a:xfrm>
+            <a:off x="27279600" y="19507200"/>
+            <a:ext cx="4495799" cy="2087558"/>
+          </a:xfrm>
+          <a:prstGeom prst="rect">
+            <a:avLst/>
+          </a:prstGeom>
+        </p:spPr>
+      </p:pic>
     </p:spTree>
     <p:extLst>
       <p:ext uri="{BB962C8B-B14F-4D97-AF65-F5344CB8AC3E}">

--- a/poster.pptx
+++ b/poster.pptx
@@ -106,7 +106,7 @@
   </p:defaultTextStyle>
   <p:extLst>
     <p:ext uri="{EFAFB233-063F-42B5-8137-9DF3F51BA10A}">
-      <p15:sldGuideLst xmlns:p15="http://schemas.microsoft.com/office/powerpoint/2012/main">
+      <p15:sldGuideLst xmlns:p15="http://schemas.microsoft.com/office/powerpoint/2012/main" xmlns="">
         <p15:guide id="1" orient="horz" pos="6912">
           <p15:clr>
             <a:srgbClr val="A4A3A4"/>
@@ -369,14 +369,14 @@
           </a:ln>
           <a:extLst>
             <a:ext uri="{909E8E84-426E-40dd-AFC4-6F175D3DCCD1}">
-              <a14:hiddenFill xmlns:a14="http://schemas.microsoft.com/office/drawing/2010/main" xmlns="">
+              <a14:hiddenFill xmlns:a14="http://schemas.microsoft.com/office/drawing/2010/main">
                 <a:solidFill>
                   <a:srgbClr val="FFFFFF"/>
                 </a:solidFill>
               </a14:hiddenFill>
             </a:ext>
             <a:ext uri="{91240B29-F687-4f45-9708-019B960494DF}">
-              <a14:hiddenLine xmlns:a14="http://schemas.microsoft.com/office/drawing/2010/main" xmlns="" w="9525">
+              <a14:hiddenLine xmlns:a14="http://schemas.microsoft.com/office/drawing/2010/main" w="9525">
                 <a:solidFill>
                   <a:srgbClr val="000000"/>
                 </a:solidFill>
@@ -1649,7 +1649,7 @@
   <p:timing>
     <p:tnLst>
       <p:par>
-        <p:cTn id="1" dur="indefinite" restart="never" nodeType="tmRoot"/>
+        <p:cTn xmlns:p14="http://schemas.microsoft.com/office/powerpoint/2010/main" id="1" dur="indefinite" restart="never" nodeType="tmRoot"/>
       </p:par>
     </p:tnLst>
   </p:timing>
@@ -1765,7 +1765,7 @@
           <a:p>
             <a:fld id="{985D6BDF-9D0E-4E2B-85B8-D8F4790360C9}" type="datetimeFigureOut">
               <a:rPr lang="en-US" smtClean="0"/>
-              <a:t>3/22/2015</a:t>
+              <a:t>3/22/15</a:t>
             </a:fld>
             <a:endParaRPr lang="en-US" dirty="0"/>
           </a:p>
@@ -1826,7 +1826,7 @@
   <p:timing>
     <p:tnLst>
       <p:par>
-        <p:cTn id="1" dur="indefinite" restart="never" nodeType="tmRoot"/>
+        <p:cTn xmlns:p14="http://schemas.microsoft.com/office/powerpoint/2010/main" id="1" dur="indefinite" restart="never" nodeType="tmRoot"/>
       </p:par>
     </p:tnLst>
   </p:timing>
@@ -1985,7 +1985,7 @@
           <a:p>
             <a:fld id="{985D6BDF-9D0E-4E2B-85B8-D8F4790360C9}" type="datetimeFigureOut">
               <a:rPr lang="en-US" smtClean="0"/>
-              <a:t>3/22/2015</a:t>
+              <a:t>3/22/15</a:t>
             </a:fld>
             <a:endParaRPr lang="en-US" dirty="0"/>
           </a:p>
@@ -2084,7 +2084,7 @@
   <p:timing>
     <p:tnLst>
       <p:par>
-        <p:cTn id="1" dur="indefinite" restart="never" nodeType="tmRoot"/>
+        <p:cTn xmlns:p14="http://schemas.microsoft.com/office/powerpoint/2010/main" id="1" dur="indefinite" restart="never" nodeType="tmRoot"/>
       </p:par>
     </p:tnLst>
   </p:timing>
@@ -2381,14 +2381,14 @@
           <a:effectLst/>
           <a:extLst>
             <a:ext uri="{909E8E84-426E-40dd-AFC4-6F175D3DCCD1}">
-              <a14:hiddenFill xmlns:a14="http://schemas.microsoft.com/office/drawing/2010/main" xmlns="">
+              <a14:hiddenFill xmlns:a14="http://schemas.microsoft.com/office/drawing/2010/main">
                 <a:solidFill>
                   <a:schemeClr val="accent1"/>
                 </a:solidFill>
               </a14:hiddenFill>
             </a:ext>
             <a:ext uri="{91240B29-F687-4f45-9708-019B960494DF}">
-              <a14:hiddenLine xmlns:a14="http://schemas.microsoft.com/office/drawing/2010/main" xmlns="" w="9525">
+              <a14:hiddenLine xmlns:a14="http://schemas.microsoft.com/office/drawing/2010/main" w="9525">
                 <a:solidFill>
                   <a:schemeClr val="tx1"/>
                 </a:solidFill>
@@ -2398,7 +2398,7 @@
               </a14:hiddenLine>
             </a:ext>
             <a:ext uri="{AF507438-7753-43e0-B8FC-AC1667EBCBE1}">
-              <a14:hiddenEffects xmlns:a14="http://schemas.microsoft.com/office/drawing/2010/main" xmlns="">
+              <a14:hiddenEffects xmlns:a14="http://schemas.microsoft.com/office/drawing/2010/main">
                 <a:effectLst>
                   <a:outerShdw dist="35921" dir="2700000" algn="ctr" rotWithShape="0">
                     <a:schemeClr val="bg2"/>
@@ -2550,14 +2550,14 @@
           <a:effectLst/>
           <a:extLst>
             <a:ext uri="{909E8E84-426E-40dd-AFC4-6F175D3DCCD1}">
-              <a14:hiddenFill xmlns:a14="http://schemas.microsoft.com/office/drawing/2010/main" xmlns="">
+              <a14:hiddenFill xmlns:a14="http://schemas.microsoft.com/office/drawing/2010/main">
                 <a:solidFill>
                   <a:schemeClr val="accent1"/>
                 </a:solidFill>
               </a14:hiddenFill>
             </a:ext>
             <a:ext uri="{91240B29-F687-4f45-9708-019B960494DF}">
-              <a14:hiddenLine xmlns:a14="http://schemas.microsoft.com/office/drawing/2010/main" xmlns="" w="9525">
+              <a14:hiddenLine xmlns:a14="http://schemas.microsoft.com/office/drawing/2010/main" w="9525">
                 <a:solidFill>
                   <a:schemeClr val="tx1"/>
                 </a:solidFill>
@@ -2567,7 +2567,7 @@
               </a14:hiddenLine>
             </a:ext>
             <a:ext uri="{AF507438-7753-43e0-B8FC-AC1667EBCBE1}">
-              <a14:hiddenEffects xmlns:a14="http://schemas.microsoft.com/office/drawing/2010/main" xmlns="">
+              <a14:hiddenEffects xmlns:a14="http://schemas.microsoft.com/office/drawing/2010/main">
                 <a:effectLst>
                   <a:outerShdw dist="35921" dir="2700000" algn="ctr" rotWithShape="0">
                     <a:schemeClr val="bg2"/>
@@ -3102,7 +3102,7 @@
         <p:spPr bwMode="auto">
           <a:xfrm>
             <a:off x="22021800" y="3657597"/>
-            <a:ext cx="9875520" cy="843546"/>
+            <a:ext cx="9875520" cy="1489877"/>
           </a:xfrm>
           <a:prstGeom prst="rect">
             <a:avLst/>
@@ -3227,8 +3227,35 @@
               <a:rPr lang="en-US" sz="2100" dirty="0">
                 <a:latin typeface="Calibri" pitchFamily="34" charset="0"/>
               </a:rPr>
-              <a:t>The hardware for the robot is kept as simple as possible so as to make it robust and for the most cost effective solution. </a:t>
-            </a:r>
+              <a:t>The hardware for the robot is kept as simple as possible so as to make it robust and for the most cost effective solution</a:t>
+            </a:r>
+            <a:r>
+              <a:rPr lang="en-US" sz="2100" dirty="0" smtClean="0">
+                <a:latin typeface="Calibri" pitchFamily="34" charset="0"/>
+              </a:rPr>
+              <a:t>. Figure 3 shows the specification of the </a:t>
+            </a:r>
+            <a:r>
+              <a:rPr lang="en-US" sz="2100" dirty="0" err="1" smtClean="0">
+                <a:latin typeface="Calibri" pitchFamily="34" charset="0"/>
+              </a:rPr>
+              <a:t>Antz</a:t>
+            </a:r>
+            <a:r>
+              <a:rPr lang="en-US" sz="2100" dirty="0" smtClean="0">
+                <a:latin typeface="Calibri" pitchFamily="34" charset="0"/>
+              </a:rPr>
+              <a:t> robot we designed. Figure 4 is a high-level overview of how the hardware components </a:t>
+            </a:r>
+            <a:r>
+              <a:rPr lang="en-US" sz="2100" smtClean="0">
+                <a:latin typeface="Calibri" pitchFamily="34" charset="0"/>
+              </a:rPr>
+              <a:t>work together.</a:t>
+            </a:r>
+            <a:endParaRPr lang="en-US" sz="2100" dirty="0">
+              <a:latin typeface="Calibri" pitchFamily="34" charset="0"/>
+            </a:endParaRPr>
           </a:p>
         </p:txBody>
       </p:sp>
@@ -3775,14 +3802,14 @@
           <a:effectLst/>
           <a:extLst>
             <a:ext uri="{909E8E84-426E-40dd-AFC4-6F175D3DCCD1}">
-              <a14:hiddenFill xmlns:a14="http://schemas.microsoft.com/office/drawing/2010/main" xmlns="">
+              <a14:hiddenFill xmlns:a14="http://schemas.microsoft.com/office/drawing/2010/main">
                 <a:solidFill>
                   <a:schemeClr val="accent1"/>
                 </a:solidFill>
               </a14:hiddenFill>
             </a:ext>
             <a:ext uri="{91240B29-F687-4f45-9708-019B960494DF}">
-              <a14:hiddenLine xmlns:a14="http://schemas.microsoft.com/office/drawing/2010/main" xmlns="" w="9525">
+              <a14:hiddenLine xmlns:a14="http://schemas.microsoft.com/office/drawing/2010/main" w="9525">
                 <a:solidFill>
                   <a:schemeClr val="tx1"/>
                 </a:solidFill>
@@ -3792,7 +3819,7 @@
               </a14:hiddenLine>
             </a:ext>
             <a:ext uri="{AF507438-7753-43e0-B8FC-AC1667EBCBE1}">
-              <a14:hiddenEffects xmlns:a14="http://schemas.microsoft.com/office/drawing/2010/main" xmlns="">
+              <a14:hiddenEffects xmlns:a14="http://schemas.microsoft.com/office/drawing/2010/main">
                 <a:effectLst>
                   <a:outerShdw dist="35921" dir="2700000" algn="ctr" rotWithShape="0">
                     <a:schemeClr val="bg2"/>
@@ -4131,14 +4158,14 @@
           <a:effectLst/>
           <a:extLst>
             <a:ext uri="{909E8E84-426E-40dd-AFC4-6F175D3DCCD1}">
-              <a14:hiddenFill xmlns:a14="http://schemas.microsoft.com/office/drawing/2010/main" xmlns="">
+              <a14:hiddenFill xmlns:a14="http://schemas.microsoft.com/office/drawing/2010/main">
                 <a:solidFill>
                   <a:schemeClr val="accent1"/>
                 </a:solidFill>
               </a14:hiddenFill>
             </a:ext>
             <a:ext uri="{91240B29-F687-4f45-9708-019B960494DF}">
-              <a14:hiddenLine xmlns:a14="http://schemas.microsoft.com/office/drawing/2010/main" xmlns="" w="9525">
+              <a14:hiddenLine xmlns:a14="http://schemas.microsoft.com/office/drawing/2010/main" w="9525">
                 <a:solidFill>
                   <a:schemeClr val="tx1"/>
                 </a:solidFill>
@@ -4148,7 +4175,7 @@
               </a14:hiddenLine>
             </a:ext>
             <a:ext uri="{AF507438-7753-43e0-B8FC-AC1667EBCBE1}">
-              <a14:hiddenEffects xmlns:a14="http://schemas.microsoft.com/office/drawing/2010/main" xmlns="">
+              <a14:hiddenEffects xmlns:a14="http://schemas.microsoft.com/office/drawing/2010/main">
                 <a:effectLst>
                   <a:outerShdw dist="35921" dir="2700000" algn="ctr" rotWithShape="0">
                     <a:schemeClr val="bg2"/>
@@ -4416,7 +4443,7 @@
         </p:blipFill>
         <p:spPr>
           <a:xfrm>
-            <a:off x="22021800" y="11811000"/>
+            <a:off x="22021800" y="13100305"/>
             <a:ext cx="9809018" cy="4495800"/>
           </a:xfrm>
           <a:prstGeom prst="rect">
@@ -4434,7 +4461,7 @@
         </p:nvSpPr>
         <p:spPr bwMode="auto">
           <a:xfrm>
-            <a:off x="25374600" y="16459200"/>
+            <a:off x="25374600" y="17748505"/>
             <a:ext cx="3806662" cy="310895"/>
           </a:xfrm>
           <a:prstGeom prst="rect">
@@ -4447,14 +4474,14 @@
           <a:effectLst/>
           <a:extLst>
             <a:ext uri="{909E8E84-426E-40dd-AFC4-6F175D3DCCD1}">
-              <a14:hiddenFill xmlns:a14="http://schemas.microsoft.com/office/drawing/2010/main" xmlns="">
+              <a14:hiddenFill xmlns:a14="http://schemas.microsoft.com/office/drawing/2010/main">
                 <a:solidFill>
                   <a:schemeClr val="accent1"/>
                 </a:solidFill>
               </a14:hiddenFill>
             </a:ext>
             <a:ext uri="{91240B29-F687-4f45-9708-019B960494DF}">
-              <a14:hiddenLine xmlns:a14="http://schemas.microsoft.com/office/drawing/2010/main" xmlns="" w="9525">
+              <a14:hiddenLine xmlns:a14="http://schemas.microsoft.com/office/drawing/2010/main" w="9525">
                 <a:solidFill>
                   <a:schemeClr val="tx1"/>
                 </a:solidFill>
@@ -4464,7 +4491,7 @@
               </a14:hiddenLine>
             </a:ext>
             <a:ext uri="{AF507438-7753-43e0-B8FC-AC1667EBCBE1}">
-              <a14:hiddenEffects xmlns:a14="http://schemas.microsoft.com/office/drawing/2010/main" xmlns="">
+              <a14:hiddenEffects xmlns:a14="http://schemas.microsoft.com/office/drawing/2010/main">
                 <a:effectLst>
                   <a:outerShdw dist="35921" dir="2700000" algn="ctr" rotWithShape="0">
                     <a:schemeClr val="bg2"/>
@@ -4612,7 +4639,7 @@
         </p:nvSpPr>
         <p:spPr bwMode="auto">
           <a:xfrm>
-            <a:off x="23088600" y="7953759"/>
+            <a:off x="24688800" y="8915400"/>
             <a:ext cx="3740626" cy="310895"/>
           </a:xfrm>
           <a:prstGeom prst="rect">
@@ -4625,14 +4652,14 @@
           <a:effectLst/>
           <a:extLst>
             <a:ext uri="{909E8E84-426E-40dd-AFC4-6F175D3DCCD1}">
-              <a14:hiddenFill xmlns:a14="http://schemas.microsoft.com/office/drawing/2010/main" xmlns="">
+              <a14:hiddenFill xmlns:a14="http://schemas.microsoft.com/office/drawing/2010/main">
                 <a:solidFill>
                   <a:schemeClr val="accent1"/>
                 </a:solidFill>
               </a14:hiddenFill>
             </a:ext>
             <a:ext uri="{91240B29-F687-4f45-9708-019B960494DF}">
-              <a14:hiddenLine xmlns:a14="http://schemas.microsoft.com/office/drawing/2010/main" xmlns="" w="9525">
+              <a14:hiddenLine xmlns:a14="http://schemas.microsoft.com/office/drawing/2010/main" w="9525">
                 <a:solidFill>
                   <a:schemeClr val="tx1"/>
                 </a:solidFill>
@@ -4642,7 +4669,7 @@
               </a14:hiddenLine>
             </a:ext>
             <a:ext uri="{AF507438-7753-43e0-B8FC-AC1667EBCBE1}">
-              <a14:hiddenEffects xmlns:a14="http://schemas.microsoft.com/office/drawing/2010/main" xmlns="">
+              <a14:hiddenEffects xmlns:a14="http://schemas.microsoft.com/office/drawing/2010/main">
                 <a:effectLst>
                   <a:outerShdw dist="35921" dir="2700000" algn="ctr" rotWithShape="0">
                     <a:schemeClr val="bg2"/>
@@ -5001,14 +5028,14 @@
           <a:effectLst/>
           <a:extLst>
             <a:ext uri="{909E8E84-426E-40dd-AFC4-6F175D3DCCD1}">
-              <a14:hiddenFill xmlns:a14="http://schemas.microsoft.com/office/drawing/2010/main" xmlns="">
+              <a14:hiddenFill xmlns:a14="http://schemas.microsoft.com/office/drawing/2010/main">
                 <a:solidFill>
                   <a:schemeClr val="accent1"/>
                 </a:solidFill>
               </a14:hiddenFill>
             </a:ext>
             <a:ext uri="{91240B29-F687-4f45-9708-019B960494DF}">
-              <a14:hiddenLine xmlns:a14="http://schemas.microsoft.com/office/drawing/2010/main" xmlns="" w="9525">
+              <a14:hiddenLine xmlns:a14="http://schemas.microsoft.com/office/drawing/2010/main" w="9525">
                 <a:solidFill>
                   <a:schemeClr val="tx1"/>
                 </a:solidFill>
@@ -5018,7 +5045,7 @@
               </a14:hiddenLine>
             </a:ext>
             <a:ext uri="{AF507438-7753-43e0-B8FC-AC1667EBCBE1}">
-              <a14:hiddenEffects xmlns:a14="http://schemas.microsoft.com/office/drawing/2010/main" xmlns="">
+              <a14:hiddenEffects xmlns:a14="http://schemas.microsoft.com/office/drawing/2010/main">
                 <a:effectLst>
                   <a:outerShdw dist="35921" dir="2700000" algn="ctr" rotWithShape="0">
                     <a:schemeClr val="bg2"/>
@@ -5173,14 +5200,14 @@
           <a:effectLst/>
           <a:extLst>
             <a:ext uri="{909E8E84-426E-40dd-AFC4-6F175D3DCCD1}">
-              <a14:hiddenFill xmlns:a14="http://schemas.microsoft.com/office/drawing/2010/main" xmlns="">
+              <a14:hiddenFill xmlns:a14="http://schemas.microsoft.com/office/drawing/2010/main">
                 <a:solidFill>
                   <a:schemeClr val="accent1"/>
                 </a:solidFill>
               </a14:hiddenFill>
             </a:ext>
             <a:ext uri="{91240B29-F687-4f45-9708-019B960494DF}">
-              <a14:hiddenLine xmlns:a14="http://schemas.microsoft.com/office/drawing/2010/main" xmlns="" w="9525">
+              <a14:hiddenLine xmlns:a14="http://schemas.microsoft.com/office/drawing/2010/main" w="9525">
                 <a:solidFill>
                   <a:schemeClr val="tx1"/>
                 </a:solidFill>
@@ -5190,7 +5217,7 @@
               </a14:hiddenLine>
             </a:ext>
             <a:ext uri="{AF507438-7753-43e0-B8FC-AC1667EBCBE1}">
-              <a14:hiddenEffects xmlns:a14="http://schemas.microsoft.com/office/drawing/2010/main" xmlns="">
+              <a14:hiddenEffects xmlns:a14="http://schemas.microsoft.com/office/drawing/2010/main">
                 <a:effectLst>
                   <a:outerShdw dist="35921" dir="2700000" algn="ctr" rotWithShape="0">
                     <a:schemeClr val="bg2"/>
@@ -5345,14 +5372,14 @@
           <a:effectLst/>
           <a:extLst>
             <a:ext uri="{909E8E84-426E-40dd-AFC4-6F175D3DCCD1}">
-              <a14:hiddenFill xmlns:a14="http://schemas.microsoft.com/office/drawing/2010/main" xmlns="">
+              <a14:hiddenFill xmlns:a14="http://schemas.microsoft.com/office/drawing/2010/main">
                 <a:solidFill>
                   <a:schemeClr val="accent1"/>
                 </a:solidFill>
               </a14:hiddenFill>
             </a:ext>
             <a:ext uri="{91240B29-F687-4f45-9708-019B960494DF}">
-              <a14:hiddenLine xmlns:a14="http://schemas.microsoft.com/office/drawing/2010/main" xmlns="" w="9525">
+              <a14:hiddenLine xmlns:a14="http://schemas.microsoft.com/office/drawing/2010/main" w="9525">
                 <a:solidFill>
                   <a:schemeClr val="tx1"/>
                 </a:solidFill>
@@ -5362,7 +5389,7 @@
               </a14:hiddenLine>
             </a:ext>
             <a:ext uri="{AF507438-7753-43e0-B8FC-AC1667EBCBE1}">
-              <a14:hiddenEffects xmlns:a14="http://schemas.microsoft.com/office/drawing/2010/main" xmlns="">
+              <a14:hiddenEffects xmlns:a14="http://schemas.microsoft.com/office/drawing/2010/main">
                 <a:effectLst>
                   <a:outerShdw dist="35921" dir="2700000" algn="ctr" rotWithShape="0">
                     <a:schemeClr val="bg2"/>
@@ -5532,14 +5559,14 @@
           <a:effectLst/>
           <a:extLst>
             <a:ext uri="{909E8E84-426E-40dd-AFC4-6F175D3DCCD1}">
-              <a14:hiddenFill xmlns:a14="http://schemas.microsoft.com/office/drawing/2010/main" xmlns="">
+              <a14:hiddenFill xmlns:a14="http://schemas.microsoft.com/office/drawing/2010/main">
                 <a:solidFill>
                   <a:schemeClr val="accent1"/>
                 </a:solidFill>
               </a14:hiddenFill>
             </a:ext>
             <a:ext uri="{91240B29-F687-4f45-9708-019B960494DF}">
-              <a14:hiddenLine xmlns:a14="http://schemas.microsoft.com/office/drawing/2010/main" xmlns="" w="9525">
+              <a14:hiddenLine xmlns:a14="http://schemas.microsoft.com/office/drawing/2010/main" w="9525">
                 <a:solidFill>
                   <a:schemeClr val="tx1"/>
                 </a:solidFill>
@@ -5549,7 +5576,7 @@
               </a14:hiddenLine>
             </a:ext>
             <a:ext uri="{AF507438-7753-43e0-B8FC-AC1667EBCBE1}">
-              <a14:hiddenEffects xmlns:a14="http://schemas.microsoft.com/office/drawing/2010/main" xmlns="">
+              <a14:hiddenEffects xmlns:a14="http://schemas.microsoft.com/office/drawing/2010/main">
                 <a:effectLst>
                   <a:outerShdw dist="35921" dir="2700000" algn="ctr" rotWithShape="0">
                     <a:schemeClr val="bg2"/>
@@ -5704,14 +5731,14 @@
           <a:effectLst/>
           <a:extLst>
             <a:ext uri="{909E8E84-426E-40dd-AFC4-6F175D3DCCD1}">
-              <a14:hiddenFill xmlns:a14="http://schemas.microsoft.com/office/drawing/2010/main" xmlns="">
+              <a14:hiddenFill xmlns:a14="http://schemas.microsoft.com/office/drawing/2010/main">
                 <a:solidFill>
                   <a:schemeClr val="accent1"/>
                 </a:solidFill>
               </a14:hiddenFill>
             </a:ext>
             <a:ext uri="{91240B29-F687-4f45-9708-019B960494DF}">
-              <a14:hiddenLine xmlns:a14="http://schemas.microsoft.com/office/drawing/2010/main" xmlns="" w="9525">
+              <a14:hiddenLine xmlns:a14="http://schemas.microsoft.com/office/drawing/2010/main" w="9525">
                 <a:solidFill>
                   <a:schemeClr val="tx1"/>
                 </a:solidFill>
@@ -5721,7 +5748,7 @@
               </a14:hiddenLine>
             </a:ext>
             <a:ext uri="{AF507438-7753-43e0-B8FC-AC1667EBCBE1}">
-              <a14:hiddenEffects xmlns:a14="http://schemas.microsoft.com/office/drawing/2010/main" xmlns="">
+              <a14:hiddenEffects xmlns:a14="http://schemas.microsoft.com/office/drawing/2010/main">
                 <a:effectLst>
                   <a:outerShdw dist="35921" dir="2700000" algn="ctr" rotWithShape="0">
                     <a:schemeClr val="bg2"/>
@@ -5885,14 +5912,14 @@
           <a:effectLst/>
           <a:extLst>
             <a:ext uri="{909E8E84-426E-40dd-AFC4-6F175D3DCCD1}">
-              <a14:hiddenFill xmlns:a14="http://schemas.microsoft.com/office/drawing/2010/main" xmlns="">
+              <a14:hiddenFill xmlns:a14="http://schemas.microsoft.com/office/drawing/2010/main">
                 <a:solidFill>
                   <a:schemeClr val="accent1"/>
                 </a:solidFill>
               </a14:hiddenFill>
             </a:ext>
             <a:ext uri="{91240B29-F687-4f45-9708-019B960494DF}">
-              <a14:hiddenLine xmlns:a14="http://schemas.microsoft.com/office/drawing/2010/main" xmlns="" w="9525">
+              <a14:hiddenLine xmlns:a14="http://schemas.microsoft.com/office/drawing/2010/main" w="9525">
                 <a:solidFill>
                   <a:schemeClr val="tx1"/>
                 </a:solidFill>
@@ -5902,7 +5929,7 @@
               </a14:hiddenLine>
             </a:ext>
             <a:ext uri="{AF507438-7753-43e0-B8FC-AC1667EBCBE1}">
-              <a14:hiddenEffects xmlns:a14="http://schemas.microsoft.com/office/drawing/2010/main" xmlns="">
+              <a14:hiddenEffects xmlns:a14="http://schemas.microsoft.com/office/drawing/2010/main">
                 <a:effectLst>
                   <a:outerShdw dist="35921" dir="2700000" algn="ctr" rotWithShape="0">
                     <a:schemeClr val="bg2"/>
@@ -6056,7 +6083,7 @@
         </p:blipFill>
         <p:spPr>
           <a:xfrm>
-            <a:off x="26723111" y="5048888"/>
+            <a:off x="26593800" y="5943600"/>
             <a:ext cx="5043813" cy="2852156"/>
           </a:xfrm>
           <a:prstGeom prst="rect">
@@ -6086,7 +6113,7 @@
         </p:blipFill>
         <p:spPr>
           <a:xfrm>
-            <a:off x="22021800" y="5152255"/>
+            <a:off x="22021800" y="6019800"/>
             <a:ext cx="4167954" cy="2748789"/>
           </a:xfrm>
           <a:prstGeom prst="rect">
@@ -6102,7 +6129,7 @@
         </p:nvSpPr>
         <p:spPr>
           <a:xfrm>
-            <a:off x="21917982" y="8475957"/>
+            <a:off x="21917982" y="9390357"/>
             <a:ext cx="10497874" cy="2708434"/>
           </a:xfrm>
           <a:prstGeom prst="rect">
@@ -6226,7 +6253,7 @@
   <p:timing>
     <p:tnLst>
       <p:par>
-        <p:cTn id="1" dur="indefinite" restart="never" nodeType="tmRoot"/>
+        <p:cTn xmlns:p14="http://schemas.microsoft.com/office/powerpoint/2010/main" id="1" dur="indefinite" restart="never" nodeType="tmRoot"/>
       </p:par>
     </p:tnLst>
   </p:timing>

--- a/poster.pptx
+++ b/poster.pptx
@@ -106,7 +106,7 @@
   </p:defaultTextStyle>
   <p:extLst>
     <p:ext uri="{EFAFB233-063F-42B5-8137-9DF3F51BA10A}">
-      <p15:sldGuideLst xmlns:p15="http://schemas.microsoft.com/office/powerpoint/2012/main" xmlns="">
+      <p15:sldGuideLst xmlns="" xmlns:p15="http://schemas.microsoft.com/office/powerpoint/2012/main">
         <p15:guide id="1" orient="horz" pos="6912">
           <p15:clr>
             <a:srgbClr val="A4A3A4"/>
@@ -2752,7 +2752,7 @@
               <a:t> Roy </a:t>
             </a:r>
             <a:r>
-              <a:rPr lang="en-US" sz="2700">
+              <a:rPr lang="en-US" sz="2700" dirty="0" err="1" smtClean="0">
                 <a:solidFill>
                   <a:schemeClr val="accent3">
                     <a:lumMod val="20000"/>
@@ -2761,7 +2761,19 @@
                 </a:solidFill>
                 <a:latin typeface="+mn-lt"/>
               </a:rPr>
-              <a:t>Puli </a:t>
+              <a:t>Puli</a:t>
+            </a:r>
+            <a:r>
+              <a:rPr lang="en-US" sz="2700" dirty="0" smtClean="0">
+                <a:solidFill>
+                  <a:schemeClr val="accent3">
+                    <a:lumMod val="20000"/>
+                    <a:lumOff val="80000"/>
+                  </a:schemeClr>
+                </a:solidFill>
+                <a:latin typeface="+mn-lt"/>
+              </a:rPr>
+              <a:t>, Jae C. Oh</a:t>
             </a:r>
             <a:endParaRPr lang="en-US" sz="2700" baseline="30000" dirty="0">
               <a:solidFill>
@@ -4443,7 +4455,7 @@
         </p:blipFill>
         <p:spPr>
           <a:xfrm>
-            <a:off x="22021800" y="13100305"/>
+            <a:off x="22021800" y="11271505"/>
             <a:ext cx="9809018" cy="4495800"/>
           </a:xfrm>
           <a:prstGeom prst="rect">
@@ -4461,7 +4473,7 @@
         </p:nvSpPr>
         <p:spPr bwMode="auto">
           <a:xfrm>
-            <a:off x="25374600" y="17748505"/>
+            <a:off x="25374600" y="15919705"/>
             <a:ext cx="3806662" cy="310895"/>
           </a:xfrm>
           <a:prstGeom prst="rect">
@@ -4639,7 +4651,7 @@
         </p:nvSpPr>
         <p:spPr bwMode="auto">
           <a:xfrm>
-            <a:off x="24688800" y="8915400"/>
+            <a:off x="24688800" y="8382000"/>
             <a:ext cx="3740626" cy="310895"/>
           </a:xfrm>
           <a:prstGeom prst="rect">
@@ -6083,7 +6095,7 @@
         </p:blipFill>
         <p:spPr>
           <a:xfrm>
-            <a:off x="26593800" y="5943600"/>
+            <a:off x="26593800" y="5410200"/>
             <a:ext cx="5043813" cy="2852156"/>
           </a:xfrm>
           <a:prstGeom prst="rect">
@@ -6113,7 +6125,7 @@
         </p:blipFill>
         <p:spPr>
           <a:xfrm>
-            <a:off x="22021800" y="6019800"/>
+            <a:off x="22021800" y="5486400"/>
             <a:ext cx="4167954" cy="2748789"/>
           </a:xfrm>
           <a:prstGeom prst="rect">
@@ -6129,7 +6141,7 @@
         </p:nvSpPr>
         <p:spPr>
           <a:xfrm>
-            <a:off x="21917982" y="9390357"/>
+            <a:off x="21917982" y="8645366"/>
             <a:ext cx="10497874" cy="2708434"/>
           </a:xfrm>
           <a:prstGeom prst="rect">
@@ -6237,6 +6249,259 @@
               <a:t> 2560 microcontroller by AVR. This was chosen because of its multiple timers and large number of pins. </a:t>
             </a:r>
             <a:endParaRPr lang="en-US" sz="1700" dirty="0"/>
+          </a:p>
+        </p:txBody>
+      </p:sp>
+      <p:sp>
+        <p:nvSpPr>
+          <p:cNvPr id="39" name="Text Box 194"/>
+          <p:cNvSpPr txBox="1">
+            <a:spLocks noChangeArrowheads="1"/>
+          </p:cNvSpPr>
+          <p:nvPr/>
+        </p:nvSpPr>
+        <p:spPr bwMode="auto">
+          <a:xfrm>
+            <a:off x="22021800" y="17144997"/>
+            <a:ext cx="9875520" cy="1489877"/>
+          </a:xfrm>
+          <a:prstGeom prst="rect">
+            <a:avLst/>
+          </a:prstGeom>
+          <a:solidFill>
+            <a:schemeClr val="bg1"/>
+          </a:solidFill>
+          <a:ln w="12700">
+            <a:solidFill>
+              <a:schemeClr val="accent1">
+                <a:lumMod val="75000"/>
+              </a:schemeClr>
+            </a:solidFill>
+          </a:ln>
+          <a:effectLst/>
+        </p:spPr>
+        <p:txBody>
+          <a:bodyPr lIns="97654" tIns="97654" rIns="97654" bIns="97654">
+            <a:spAutoFit/>
+          </a:bodyPr>
+          <a:lstStyle>
+            <a:lvl1pPr eaLnBrk="0" hangingPunct="0">
+              <a:defRPr sz="2200">
+                <a:solidFill>
+                  <a:schemeClr val="tx1"/>
+                </a:solidFill>
+                <a:latin typeface="Arial" charset="0"/>
+              </a:defRPr>
+            </a:lvl1pPr>
+            <a:lvl2pPr marL="742950" indent="-285750" eaLnBrk="0" hangingPunct="0">
+              <a:defRPr sz="2200">
+                <a:solidFill>
+                  <a:schemeClr val="tx1"/>
+                </a:solidFill>
+                <a:latin typeface="Arial" charset="0"/>
+              </a:defRPr>
+            </a:lvl2pPr>
+            <a:lvl3pPr marL="1143000" indent="-228600" eaLnBrk="0" hangingPunct="0">
+              <a:defRPr sz="2200">
+                <a:solidFill>
+                  <a:schemeClr val="tx1"/>
+                </a:solidFill>
+                <a:latin typeface="Arial" charset="0"/>
+              </a:defRPr>
+            </a:lvl3pPr>
+            <a:lvl4pPr marL="1600200" indent="-228600" eaLnBrk="0" hangingPunct="0">
+              <a:defRPr sz="2200">
+                <a:solidFill>
+                  <a:schemeClr val="tx1"/>
+                </a:solidFill>
+                <a:latin typeface="Arial" charset="0"/>
+              </a:defRPr>
+            </a:lvl4pPr>
+            <a:lvl5pPr marL="2057400" indent="-228600" eaLnBrk="0" hangingPunct="0">
+              <a:defRPr sz="2200">
+                <a:solidFill>
+                  <a:schemeClr val="tx1"/>
+                </a:solidFill>
+                <a:latin typeface="Arial" charset="0"/>
+              </a:defRPr>
+            </a:lvl5pPr>
+            <a:lvl6pPr marL="2514600" indent="-228600" eaLnBrk="0" fontAlgn="base" hangingPunct="0">
+              <a:spcBef>
+                <a:spcPct val="0"/>
+              </a:spcBef>
+              <a:spcAft>
+                <a:spcPct val="0"/>
+              </a:spcAft>
+              <a:defRPr sz="2200">
+                <a:solidFill>
+                  <a:schemeClr val="tx1"/>
+                </a:solidFill>
+                <a:latin typeface="Arial" charset="0"/>
+              </a:defRPr>
+            </a:lvl6pPr>
+            <a:lvl7pPr marL="2971800" indent="-228600" eaLnBrk="0" fontAlgn="base" hangingPunct="0">
+              <a:spcBef>
+                <a:spcPct val="0"/>
+              </a:spcBef>
+              <a:spcAft>
+                <a:spcPct val="0"/>
+              </a:spcAft>
+              <a:defRPr sz="2200">
+                <a:solidFill>
+                  <a:schemeClr val="tx1"/>
+                </a:solidFill>
+                <a:latin typeface="Arial" charset="0"/>
+              </a:defRPr>
+            </a:lvl7pPr>
+            <a:lvl8pPr marL="3429000" indent="-228600" eaLnBrk="0" fontAlgn="base" hangingPunct="0">
+              <a:spcBef>
+                <a:spcPct val="0"/>
+              </a:spcBef>
+              <a:spcAft>
+                <a:spcPct val="0"/>
+              </a:spcAft>
+              <a:defRPr sz="2200">
+                <a:solidFill>
+                  <a:schemeClr val="tx1"/>
+                </a:solidFill>
+                <a:latin typeface="Arial" charset="0"/>
+              </a:defRPr>
+            </a:lvl8pPr>
+            <a:lvl9pPr marL="3886200" indent="-228600" eaLnBrk="0" fontAlgn="base" hangingPunct="0">
+              <a:spcBef>
+                <a:spcPct val="0"/>
+              </a:spcBef>
+              <a:spcAft>
+                <a:spcPct val="0"/>
+              </a:spcAft>
+              <a:defRPr sz="2200">
+                <a:solidFill>
+                  <a:schemeClr val="tx1"/>
+                </a:solidFill>
+                <a:latin typeface="Arial" charset="0"/>
+              </a:defRPr>
+            </a:lvl9pPr>
+          </a:lstStyle>
+          <a:p>
+            <a:pPr eaLnBrk="1" hangingPunct="1"/>
+            <a:r>
+              <a:rPr lang="en-US" sz="2100" dirty="0" smtClean="0">
+                <a:latin typeface="Calibri" pitchFamily="34" charset="0"/>
+              </a:rPr>
+              <a:t>Swarm foraging algorithms such as ours can be applied in many </a:t>
+            </a:r>
+            <a:r>
+              <a:rPr lang="en-US" sz="2100" smtClean="0">
+                <a:latin typeface="Calibri" pitchFamily="34" charset="0"/>
+              </a:rPr>
+              <a:t>scenarios include:</a:t>
+            </a:r>
+            <a:endParaRPr lang="en-US" sz="2100" dirty="0" smtClean="0">
+              <a:latin typeface="Calibri" pitchFamily="34" charset="0"/>
+            </a:endParaRPr>
+          </a:p>
+          <a:p>
+            <a:pPr marL="342900" indent="-342900" eaLnBrk="1" hangingPunct="1">
+              <a:buFont typeface="Arial"/>
+              <a:buChar char="•"/>
+            </a:pPr>
+            <a:r>
+              <a:rPr lang="en-US" sz="2100" dirty="0" smtClean="0">
+                <a:latin typeface="Calibri" pitchFamily="34" charset="0"/>
+              </a:rPr>
+              <a:t>Search and rescue</a:t>
+            </a:r>
+          </a:p>
+          <a:p>
+            <a:pPr marL="342900" indent="-342900" eaLnBrk="1" hangingPunct="1">
+              <a:buFont typeface="Arial"/>
+              <a:buChar char="•"/>
+            </a:pPr>
+            <a:r>
+              <a:rPr lang="en-US" sz="2100" dirty="0" smtClean="0">
+                <a:latin typeface="Calibri" pitchFamily="34" charset="0"/>
+              </a:rPr>
+              <a:t>Surveillance</a:t>
+            </a:r>
+          </a:p>
+          <a:p>
+            <a:pPr marL="342900" indent="-342900" eaLnBrk="1" hangingPunct="1">
+              <a:buFont typeface="Arial"/>
+              <a:buChar char="•"/>
+            </a:pPr>
+            <a:r>
+              <a:rPr lang="en-US" sz="2100" dirty="0" smtClean="0">
+                <a:latin typeface="Calibri" pitchFamily="34" charset="0"/>
+              </a:rPr>
+              <a:t>Discovery of minerals in scientific missions</a:t>
+            </a:r>
+            <a:endParaRPr lang="en-US" sz="2100" dirty="0">
+              <a:latin typeface="Calibri" pitchFamily="34" charset="0"/>
+            </a:endParaRPr>
+          </a:p>
+        </p:txBody>
+      </p:sp>
+      <p:sp>
+        <p:nvSpPr>
+          <p:cNvPr id="40" name="Rectangle 39"/>
+          <p:cNvSpPr/>
+          <p:nvPr/>
+        </p:nvSpPr>
+        <p:spPr>
+          <a:xfrm>
+            <a:off x="22021800" y="16687800"/>
+            <a:ext cx="9875520" cy="457200"/>
+          </a:xfrm>
+          <a:prstGeom prst="rect">
+            <a:avLst/>
+          </a:prstGeom>
+          <a:solidFill>
+            <a:schemeClr val="accent1">
+              <a:lumMod val="75000"/>
+            </a:schemeClr>
+          </a:solidFill>
+          <a:ln w="12700"/>
+        </p:spPr>
+        <p:style>
+          <a:lnRef idx="2">
+            <a:schemeClr val="accent1">
+              <a:shade val="50000"/>
+            </a:schemeClr>
+          </a:lnRef>
+          <a:fillRef idx="1">
+            <a:schemeClr val="accent1"/>
+          </a:fillRef>
+          <a:effectRef idx="0">
+            <a:schemeClr val="accent1"/>
+          </a:effectRef>
+          <a:fontRef idx="minor">
+            <a:schemeClr val="lt1"/>
+          </a:fontRef>
+        </p:style>
+        <p:txBody>
+          <a:bodyPr lIns="48825" tIns="24404" rIns="48825" bIns="24404" rtlCol="0" anchor="ctr"/>
+          <a:lstStyle/>
+          <a:p>
+            <a:pPr algn="ctr"/>
+            <a:r>
+              <a:rPr lang="en-US" sz="3100" b="1" dirty="0" smtClean="0">
+                <a:solidFill>
+                  <a:schemeClr val="accent3">
+                    <a:lumMod val="20000"/>
+                    <a:lumOff val="80000"/>
+                  </a:schemeClr>
+                </a:solidFill>
+              </a:rPr>
+              <a:t>Application Areas</a:t>
+            </a:r>
+            <a:endParaRPr lang="en-US" sz="3100" b="1" dirty="0">
+              <a:solidFill>
+                <a:schemeClr val="accent3">
+                  <a:lumMod val="20000"/>
+                  <a:lumOff val="80000"/>
+                </a:schemeClr>
+              </a:solidFill>
+            </a:endParaRPr>
           </a:p>
         </p:txBody>
       </p:sp>

--- a/poster.pptx
+++ b/poster.pptx
@@ -106,7 +106,7 @@
   </p:defaultTextStyle>
   <p:extLst>
     <p:ext uri="{EFAFB233-063F-42B5-8137-9DF3F51BA10A}">
-      <p15:sldGuideLst xmlns="" xmlns:p15="http://schemas.microsoft.com/office/powerpoint/2012/main">
+      <p15:sldGuideLst xmlns:p15="http://schemas.microsoft.com/office/powerpoint/2012/main" xmlns="">
         <p15:guide id="1" orient="horz" pos="6912">
           <p15:clr>
             <a:srgbClr val="A4A3A4"/>
@@ -2804,56 +2804,6 @@
       </p:sp>
       <p:sp>
         <p:nvSpPr>
-          <p:cNvPr id="24" name="TextBox 23"/>
-          <p:cNvSpPr txBox="1"/>
-          <p:nvPr/>
-        </p:nvSpPr>
-        <p:spPr>
-          <a:xfrm>
-            <a:off x="1280176" y="20025384"/>
-            <a:ext cx="1971506" cy="1341946"/>
-          </a:xfrm>
-          <a:prstGeom prst="rect">
-            <a:avLst/>
-          </a:prstGeom>
-          <a:solidFill>
-            <a:schemeClr val="accent1">
-              <a:lumMod val="40000"/>
-              <a:lumOff val="60000"/>
-            </a:schemeClr>
-          </a:solidFill>
-        </p:spPr>
-        <p:txBody>
-          <a:bodyPr wrap="none" lIns="48825" tIns="24404" rIns="48825" bIns="24404" rtlCol="0">
-            <a:spAutoFit/>
-          </a:bodyPr>
-          <a:lstStyle/>
-          <a:p>
-            <a:r>
-              <a:rPr lang="en-US" sz="2100" dirty="0" err="1"/>
-              <a:t>Zhi</a:t>
-            </a:r>
-            <a:r>
-              <a:rPr lang="en-US" sz="2100" dirty="0"/>
-              <a:t> Xing</a:t>
-            </a:r>
-          </a:p>
-          <a:p>
-            <a:r>
-              <a:rPr lang="en-US" sz="2100" dirty="0"/>
-              <a:t>zxing01@syr.edu</a:t>
-            </a:r>
-          </a:p>
-          <a:p>
-            <a:endParaRPr lang="en-US" sz="2100" dirty="0"/>
-          </a:p>
-          <a:p>
-            <a:endParaRPr lang="en-US" sz="2100" dirty="0"/>
-          </a:p>
-        </p:txBody>
-      </p:sp>
-      <p:sp>
-        <p:nvSpPr>
           <p:cNvPr id="25" name="TextBox 24"/>
           <p:cNvSpPr txBox="1"/>
           <p:nvPr/>
@@ -4067,7 +4017,7 @@
         </p:nvSpPr>
         <p:spPr>
           <a:xfrm>
-            <a:off x="3505209" y="19964427"/>
+            <a:off x="3886200" y="19964400"/>
             <a:ext cx="3385880" cy="695615"/>
           </a:xfrm>
           <a:prstGeom prst="rect">
@@ -4110,7 +4060,7 @@
           </a:p>
           <a:p>
             <a:r>
-              <a:rPr lang="en-US" sz="2100" dirty="0" err="1"/>
+              <a:rPr lang="en-US" sz="2100" dirty="0" err="1" smtClean="0"/>
               <a:t>gpuli@syr.edu</a:t>
             </a:r>
             <a:endParaRPr lang="en-US" sz="2100" dirty="0"/>
@@ -6502,6 +6452,101 @@
                 </a:schemeClr>
               </a:solidFill>
             </a:endParaRPr>
+          </a:p>
+        </p:txBody>
+      </p:sp>
+      <p:sp>
+        <p:nvSpPr>
+          <p:cNvPr id="47" name="TextBox 46"/>
+          <p:cNvSpPr txBox="1"/>
+          <p:nvPr/>
+        </p:nvSpPr>
+        <p:spPr>
+          <a:xfrm>
+            <a:off x="7841539" y="19964400"/>
+            <a:ext cx="1607261" cy="695615"/>
+          </a:xfrm>
+          <a:prstGeom prst="rect">
+            <a:avLst/>
+          </a:prstGeom>
+          <a:solidFill>
+            <a:schemeClr val="accent1">
+              <a:lumMod val="40000"/>
+              <a:lumOff val="60000"/>
+            </a:schemeClr>
+          </a:solidFill>
+        </p:spPr>
+        <p:txBody>
+          <a:bodyPr wrap="none" lIns="48825" tIns="24404" rIns="48825" bIns="24404" rtlCol="0">
+            <a:spAutoFit/>
+          </a:bodyPr>
+          <a:lstStyle/>
+          <a:p>
+            <a:r>
+              <a:rPr lang="en-US" sz="2100" dirty="0" smtClean="0"/>
+              <a:t>Jae C. Oh</a:t>
+            </a:r>
+            <a:endParaRPr lang="en-US" sz="2100" dirty="0"/>
+          </a:p>
+          <a:p>
+            <a:r>
+              <a:rPr lang="en-US" sz="2100" dirty="0" err="1" smtClean="0"/>
+              <a:t>jcoh@</a:t>
+            </a:r>
+            <a:r>
+              <a:rPr lang="en-US" sz="2100" dirty="0" err="1"/>
+              <a:t>syr.edu</a:t>
+            </a:r>
+            <a:endParaRPr lang="en-US" sz="2100" dirty="0"/>
+          </a:p>
+        </p:txBody>
+      </p:sp>
+      <p:sp>
+        <p:nvSpPr>
+          <p:cNvPr id="48" name="TextBox 47"/>
+          <p:cNvSpPr txBox="1"/>
+          <p:nvPr/>
+        </p:nvSpPr>
+        <p:spPr>
+          <a:xfrm>
+            <a:off x="1371600" y="19964400"/>
+            <a:ext cx="1971506" cy="695615"/>
+          </a:xfrm>
+          <a:prstGeom prst="rect">
+            <a:avLst/>
+          </a:prstGeom>
+          <a:solidFill>
+            <a:schemeClr val="accent1">
+              <a:lumMod val="40000"/>
+              <a:lumOff val="60000"/>
+            </a:schemeClr>
+          </a:solidFill>
+        </p:spPr>
+        <p:txBody>
+          <a:bodyPr wrap="none" lIns="48825" tIns="24404" rIns="48825" bIns="24404" rtlCol="0">
+            <a:spAutoFit/>
+          </a:bodyPr>
+          <a:lstStyle/>
+          <a:p>
+            <a:r>
+              <a:rPr lang="en-US" sz="2100" dirty="0" err="1" smtClean="0"/>
+              <a:t>Zhi</a:t>
+            </a:r>
+            <a:r>
+              <a:rPr lang="en-US" sz="2100" dirty="0" smtClean="0"/>
+              <a:t> Xing</a:t>
+            </a:r>
+            <a:endParaRPr lang="en-US" sz="2100" dirty="0"/>
+          </a:p>
+          <a:p>
+            <a:r>
+              <a:rPr lang="en-US" sz="2100" dirty="0" smtClean="0"/>
+              <a:t>zxing01@</a:t>
+            </a:r>
+            <a:r>
+              <a:rPr lang="en-US" sz="2100" dirty="0"/>
+              <a:t>syr.edu</a:t>
+            </a:r>
           </a:p>
         </p:txBody>
       </p:sp>

--- a/poster.pptx
+++ b/poster.pptx
@@ -106,7 +106,7 @@
   </p:defaultTextStyle>
   <p:extLst>
     <p:ext uri="{EFAFB233-063F-42B5-8137-9DF3F51BA10A}">
-      <p15:sldGuideLst xmlns:p15="http://schemas.microsoft.com/office/powerpoint/2012/main" xmlns="">
+      <p15:sldGuideLst xmlns="" xmlns:p15="http://schemas.microsoft.com/office/powerpoint/2012/main">
         <p15:guide id="1" orient="horz" pos="6912">
           <p15:clr>
             <a:srgbClr val="A4A3A4"/>
@@ -3751,7 +3751,7 @@
         </p:nvSpPr>
         <p:spPr bwMode="auto">
           <a:xfrm>
-            <a:off x="2286000" y="17754600"/>
+            <a:off x="1676400" y="17754600"/>
             <a:ext cx="8728671" cy="572505"/>
           </a:xfrm>
           <a:prstGeom prst="rect">
@@ -4089,7 +4089,7 @@
         </p:blipFill>
         <p:spPr>
           <a:xfrm>
-            <a:off x="3124200" y="12553953"/>
+            <a:off x="2590800" y="12553953"/>
             <a:ext cx="6934200" cy="5200647"/>
           </a:xfrm>
           <a:prstGeom prst="rect">
